--- a/template_opp_analysis.pptx
+++ b/template_opp_analysis.pptx
@@ -7312,10 +7312,10 @@
         </p:nvGrpSpPr>
         <p:grpSpPr>
           <a:xfrm>
-            <a:off x="284639" y="5174336"/>
-            <a:ext cx="3409850" cy="1542985"/>
-            <a:chOff x="0" y="0"/>
-            <a:chExt cx="1222013" cy="552971"/>
+            <a:off x="140431" y="5179565"/>
+            <a:ext cx="3554058" cy="1968520"/>
+            <a:chOff x="-51681" y="-152502"/>
+            <a:chExt cx="1273694" cy="705473"/>
           </a:xfrm>
         </p:grpSpPr>
         <p:sp>
@@ -7326,7 +7326,7 @@
           </p:nvSpPr>
           <p:spPr>
             <a:xfrm>
-              <a:off x="0" y="0"/>
+              <a:off x="-51681" y="-152502"/>
               <a:ext cx="1222013" cy="552971"/>
             </a:xfrm>
             <a:custGeom>
@@ -7354,14 +7354,78 @@
               </a:pathLst>
             </a:custGeom>
             <a:solidFill>
-              <a:srgbClr val="D78484"/>
+              <a:schemeClr val="bg1"/>
             </a:solidFill>
           </p:spPr>
           <p:txBody>
             <a:bodyPr/>
             <a:lstStyle/>
             <a:p>
-              <a:endParaRPr lang="LID4096"/>
+              <a:pPr algn="ctr">
+                <a:lnSpc>
+                  <a:spcPts val="1679"/>
+                </a:lnSpc>
+              </a:pPr>
+              <a:endParaRPr lang="en-US" b="1">
+                <a:solidFill>
+                  <a:srgbClr val="000000"/>
+                </a:solidFill>
+                <a:latin typeface="Canva Sans Bold"/>
+                <a:ea typeface="Canva Sans Bold"/>
+                <a:cs typeface="Canva Sans Bold"/>
+                <a:sym typeface="Canva Sans Bold"/>
+              </a:endParaRPr>
+            </a:p>
+            <a:p>
+              <a:pPr algn="ctr">
+                <a:lnSpc>
+                  <a:spcPts val="1679"/>
+                </a:lnSpc>
+              </a:pPr>
+              <a:endParaRPr lang="en-US" b="1">
+                <a:solidFill>
+                  <a:srgbClr val="000000"/>
+                </a:solidFill>
+                <a:latin typeface="Canva Sans Bold"/>
+                <a:ea typeface="Canva Sans Bold"/>
+                <a:cs typeface="Canva Sans Bold"/>
+                <a:sym typeface="Canva Sans Bold"/>
+              </a:endParaRPr>
+            </a:p>
+            <a:p>
+              <a:pPr algn="ctr">
+                <a:lnSpc>
+                  <a:spcPts val="1679"/>
+                </a:lnSpc>
+              </a:pPr>
+              <a:endParaRPr lang="en-US" b="1">
+                <a:solidFill>
+                  <a:srgbClr val="000000"/>
+                </a:solidFill>
+                <a:latin typeface="Canva Sans Bold"/>
+                <a:ea typeface="Canva Sans Bold"/>
+                <a:cs typeface="Canva Sans Bold"/>
+                <a:sym typeface="Canva Sans Bold"/>
+              </a:endParaRPr>
+            </a:p>
+            <a:p>
+              <a:pPr algn="ctr">
+                <a:lnSpc>
+                  <a:spcPts val="1679"/>
+                </a:lnSpc>
+              </a:pPr>
+              <a:r>
+                <a:rPr lang="en-US" b="1">
+                  <a:solidFill>
+                    <a:srgbClr val="000000"/>
+                  </a:solidFill>
+                  <a:latin typeface="Canva Sans Bold"/>
+                  <a:ea typeface="Canva Sans Bold"/>
+                  <a:cs typeface="Canva Sans Bold"/>
+                  <a:sym typeface="Canva Sans Bold"/>
+                </a:rPr>
+                <a:t>{def_Corners_left_shots_vis}</a:t>
+              </a:r>
             </a:p>
           </p:txBody>
         </p:sp>
@@ -7389,18 +7453,15 @@
                   <a:spcPts val="1679"/>
                 </a:lnSpc>
               </a:pPr>
-              <a:r>
-                <a:rPr lang="en-US" sz="1200" b="1">
-                  <a:solidFill>
-                    <a:srgbClr val="000000"/>
-                  </a:solidFill>
-                  <a:latin typeface="Canva Sans Bold"/>
-                  <a:ea typeface="Canva Sans Bold"/>
-                  <a:cs typeface="Canva Sans Bold"/>
-                  <a:sym typeface="Canva Sans Bold"/>
-                </a:rPr>
-                <a:t>{def_Corners_left_shots_vis}</a:t>
-              </a:r>
+              <a:endParaRPr lang="en-US" sz="1200" b="1">
+                <a:solidFill>
+                  <a:srgbClr val="000000"/>
+                </a:solidFill>
+                <a:latin typeface="Canva Sans Bold"/>
+                <a:ea typeface="Canva Sans Bold"/>
+                <a:cs typeface="Canva Sans Bold"/>
+                <a:sym typeface="Canva Sans Bold"/>
+              </a:endParaRPr>
             </a:p>
           </p:txBody>
         </p:sp>
@@ -7413,7 +7474,7 @@
         </p:nvGrpSpPr>
         <p:grpSpPr>
           <a:xfrm>
-            <a:off x="3920557" y="5178380"/>
+            <a:off x="3920557" y="5179564"/>
             <a:ext cx="3409850" cy="1542985"/>
             <a:chOff x="0" y="0"/>
             <a:chExt cx="1222013" cy="552971"/>
@@ -7455,14 +7516,78 @@
               </a:pathLst>
             </a:custGeom>
             <a:solidFill>
-              <a:srgbClr val="D78484"/>
+              <a:schemeClr val="bg1"/>
             </a:solidFill>
           </p:spPr>
           <p:txBody>
             <a:bodyPr/>
             <a:lstStyle/>
             <a:p>
-              <a:endParaRPr lang="LID4096"/>
+              <a:pPr algn="ctr">
+                <a:lnSpc>
+                  <a:spcPts val="1679"/>
+                </a:lnSpc>
+              </a:pPr>
+              <a:endParaRPr lang="en-US" b="1">
+                <a:solidFill>
+                  <a:srgbClr val="000000"/>
+                </a:solidFill>
+                <a:latin typeface="Canva Sans Bold"/>
+                <a:ea typeface="Canva Sans Bold"/>
+                <a:cs typeface="Canva Sans Bold"/>
+                <a:sym typeface="Canva Sans Bold"/>
+              </a:endParaRPr>
+            </a:p>
+            <a:p>
+              <a:pPr algn="ctr">
+                <a:lnSpc>
+                  <a:spcPts val="1679"/>
+                </a:lnSpc>
+              </a:pPr>
+              <a:endParaRPr lang="en-US" b="1">
+                <a:solidFill>
+                  <a:srgbClr val="000000"/>
+                </a:solidFill>
+                <a:latin typeface="Canva Sans Bold"/>
+                <a:ea typeface="Canva Sans Bold"/>
+                <a:cs typeface="Canva Sans Bold"/>
+                <a:sym typeface="Canva Sans Bold"/>
+              </a:endParaRPr>
+            </a:p>
+            <a:p>
+              <a:pPr algn="ctr">
+                <a:lnSpc>
+                  <a:spcPts val="1679"/>
+                </a:lnSpc>
+              </a:pPr>
+              <a:endParaRPr lang="en-US" b="1">
+                <a:solidFill>
+                  <a:srgbClr val="000000"/>
+                </a:solidFill>
+                <a:latin typeface="Canva Sans Bold"/>
+                <a:ea typeface="Canva Sans Bold"/>
+                <a:cs typeface="Canva Sans Bold"/>
+                <a:sym typeface="Canva Sans Bold"/>
+              </a:endParaRPr>
+            </a:p>
+            <a:p>
+              <a:pPr algn="ctr">
+                <a:lnSpc>
+                  <a:spcPts val="1679"/>
+                </a:lnSpc>
+              </a:pPr>
+              <a:r>
+                <a:rPr lang="en-US" b="1">
+                  <a:solidFill>
+                    <a:srgbClr val="000000"/>
+                  </a:solidFill>
+                  <a:latin typeface="Canva Sans Bold"/>
+                  <a:ea typeface="Canva Sans Bold"/>
+                  <a:cs typeface="Canva Sans Bold"/>
+                  <a:sym typeface="Canva Sans Bold"/>
+                </a:rPr>
+                <a:t>{def_Corners_left_shots_vis}</a:t>
+              </a:r>
             </a:p>
           </p:txBody>
         </p:sp>
@@ -7490,18 +7615,15 @@
                   <a:spcPts val="1679"/>
                 </a:lnSpc>
               </a:pPr>
-              <a:r>
-                <a:rPr lang="en-US" sz="1200" b="1">
-                  <a:solidFill>
-                    <a:srgbClr val="000000"/>
-                  </a:solidFill>
-                  <a:latin typeface="Canva Sans Bold"/>
-                  <a:ea typeface="Canva Sans Bold"/>
-                  <a:cs typeface="Canva Sans Bold"/>
-                  <a:sym typeface="Canva Sans Bold"/>
-                </a:rPr>
-                <a:t>{def_Corners_left_shots_vis}</a:t>
-              </a:r>
+              <a:endParaRPr lang="en-US" sz="1200" b="1">
+                <a:solidFill>
+                  <a:srgbClr val="000000"/>
+                </a:solidFill>
+                <a:latin typeface="Canva Sans Bold"/>
+                <a:ea typeface="Canva Sans Bold"/>
+                <a:cs typeface="Canva Sans Bold"/>
+                <a:sym typeface="Canva Sans Bold"/>
+              </a:endParaRPr>
             </a:p>
           </p:txBody>
         </p:sp>
@@ -7519,6 +7641,9 @@
             <a:chOff x="0" y="0"/>
             <a:chExt cx="1234847" cy="944747"/>
           </a:xfrm>
+          <a:solidFill>
+            <a:schemeClr val="bg1"/>
+          </a:solidFill>
         </p:grpSpPr>
         <p:sp>
           <p:nvSpPr>
@@ -7555,9 +7680,7 @@
                 </a:path>
               </a:pathLst>
             </a:custGeom>
-            <a:solidFill>
-              <a:srgbClr val="D78484"/>
-            </a:solidFill>
+            <a:grpFill/>
           </p:spPr>
           <p:txBody>
             <a:bodyPr/>
@@ -7581,6 +7704,7 @@
             <a:prstGeom prst="rect">
               <a:avLst/>
             </a:prstGeom>
+            <a:grpFill/>
           </p:spPr>
           <p:txBody>
             <a:bodyPr lIns="50800" tIns="50800" rIns="50800" bIns="50800" rtlCol="0" anchor="ctr"/>
@@ -7752,6 +7876,9 @@
             <a:chOff x="0" y="0"/>
             <a:chExt cx="1234847" cy="944747"/>
           </a:xfrm>
+          <a:solidFill>
+            <a:schemeClr val="bg1"/>
+          </a:solidFill>
         </p:grpSpPr>
         <p:sp>
           <p:nvSpPr>
@@ -7788,9 +7915,7 @@
                 </a:path>
               </a:pathLst>
             </a:custGeom>
-            <a:solidFill>
-              <a:srgbClr val="D78484"/>
-            </a:solidFill>
+            <a:grpFill/>
           </p:spPr>
           <p:txBody>
             <a:bodyPr/>
@@ -7814,6 +7939,7 @@
             <a:prstGeom prst="rect">
               <a:avLst/>
             </a:prstGeom>
+            <a:grpFill/>
           </p:spPr>
           <p:txBody>
             <a:bodyPr lIns="50800" tIns="50800" rIns="50800" bIns="50800" rtlCol="0" anchor="ctr"/>

--- a/template_opp_analysis.pptx
+++ b/template_opp_analysis.pptx
@@ -4668,107 +4668,6 @@
           </p:txBody>
         </p:sp>
       </p:grpSp>
-      <p:grpSp>
-        <p:nvGrpSpPr>
-          <p:cNvPr id="9" name="Group 9"/>
-          <p:cNvGrpSpPr/>
-          <p:nvPr/>
-        </p:nvGrpSpPr>
-        <p:grpSpPr>
-          <a:xfrm>
-            <a:off x="289783" y="1777001"/>
-            <a:ext cx="3409850" cy="1542985"/>
-            <a:chOff x="0" y="0"/>
-            <a:chExt cx="1222013" cy="552971"/>
-          </a:xfrm>
-        </p:grpSpPr>
-        <p:sp>
-          <p:nvSpPr>
-            <p:cNvPr id="10" name="Freeform 10"/>
-            <p:cNvSpPr/>
-            <p:nvPr/>
-          </p:nvSpPr>
-          <p:spPr>
-            <a:xfrm>
-              <a:off x="0" y="0"/>
-              <a:ext cx="1222013" cy="552971"/>
-            </a:xfrm>
-            <a:custGeom>
-              <a:avLst/>
-              <a:gdLst/>
-              <a:ahLst/>
-              <a:cxnLst/>
-              <a:rect l="l" t="t" r="r" b="b"/>
-              <a:pathLst>
-                <a:path w="1222013" h="552971">
-                  <a:moveTo>
-                    <a:pt x="0" y="0"/>
-                  </a:moveTo>
-                  <a:lnTo>
-                    <a:pt x="1222013" y="0"/>
-                  </a:lnTo>
-                  <a:lnTo>
-                    <a:pt x="1222013" y="552971"/>
-                  </a:lnTo>
-                  <a:lnTo>
-                    <a:pt x="0" y="552971"/>
-                  </a:lnTo>
-                  <a:close/>
-                </a:path>
-              </a:pathLst>
-            </a:custGeom>
-            <a:solidFill>
-              <a:srgbClr val="D78484"/>
-            </a:solidFill>
-          </p:spPr>
-          <p:txBody>
-            <a:bodyPr/>
-            <a:lstStyle/>
-            <a:p>
-              <a:endParaRPr lang="LID4096"/>
-            </a:p>
-          </p:txBody>
-        </p:sp>
-        <p:sp>
-          <p:nvSpPr>
-            <p:cNvPr id="11" name="TextBox 11"/>
-            <p:cNvSpPr txBox="1"/>
-            <p:nvPr/>
-          </p:nvSpPr>
-          <p:spPr>
-            <a:xfrm>
-              <a:off x="0" y="-19050"/>
-              <a:ext cx="1222013" cy="572021"/>
-            </a:xfrm>
-            <a:prstGeom prst="rect">
-              <a:avLst/>
-            </a:prstGeom>
-          </p:spPr>
-          <p:txBody>
-            <a:bodyPr lIns="50800" tIns="50800" rIns="50800" bIns="50800" rtlCol="0" anchor="ctr"/>
-            <a:lstStyle/>
-            <a:p>
-              <a:pPr algn="ctr">
-                <a:lnSpc>
-                  <a:spcPts val="1679"/>
-                </a:lnSpc>
-              </a:pPr>
-              <a:r>
-                <a:rPr lang="en-US" sz="1200" b="1">
-                  <a:solidFill>
-                    <a:srgbClr val="000000"/>
-                  </a:solidFill>
-                  <a:latin typeface="Canva Sans Bold"/>
-                  <a:ea typeface="Canva Sans Bold"/>
-                  <a:cs typeface="Canva Sans Bold"/>
-                  <a:sym typeface="Canva Sans Bold"/>
-                </a:rPr>
-                <a:t>{Corners_left_positions_vis}</a:t>
-              </a:r>
-            </a:p>
-          </p:txBody>
-        </p:sp>
-      </p:grpSp>
       <p:sp>
         <p:nvSpPr>
           <p:cNvPr id="12" name="TextBox 12"/>
@@ -4785,7 +4684,7 @@
           </a:prstGeom>
         </p:spPr>
         <p:txBody>
-          <a:bodyPr lIns="0" tIns="0" rIns="0" bIns="0" rtlCol="0" anchor="t">
+          <a:bodyPr wrap="square" lIns="0" tIns="0" rIns="0" bIns="0" rtlCol="0" anchor="t">
             <a:spAutoFit/>
           </a:bodyPr>
           <a:lstStyle/>
@@ -4948,14 +4847,14 @@
         <p:spPr>
           <a:xfrm>
             <a:off x="331136" y="3508263"/>
-            <a:ext cx="3024000" cy="735965"/>
+            <a:ext cx="3024000" cy="751681"/>
           </a:xfrm>
           <a:prstGeom prst="rect">
             <a:avLst/>
           </a:prstGeom>
         </p:spPr>
         <p:txBody>
-          <a:bodyPr lIns="0" tIns="0" rIns="0" bIns="0" rtlCol="0" anchor="t">
+          <a:bodyPr wrap="square" lIns="0" tIns="0" rIns="0" bIns="0" rtlCol="0" anchor="t">
             <a:spAutoFit/>
           </a:bodyPr>
           <a:lstStyle/>
@@ -5112,309 +5011,6 @@
           </a:p>
         </p:txBody>
       </p:sp>
-      <p:grpSp>
-        <p:nvGrpSpPr>
-          <p:cNvPr id="18" name="Group 18"/>
-          <p:cNvGrpSpPr/>
-          <p:nvPr/>
-        </p:nvGrpSpPr>
-        <p:grpSpPr>
-          <a:xfrm>
-            <a:off x="3850892" y="1777001"/>
-            <a:ext cx="3409850" cy="1542985"/>
-            <a:chOff x="0" y="0"/>
-            <a:chExt cx="1222013" cy="552971"/>
-          </a:xfrm>
-        </p:grpSpPr>
-        <p:sp>
-          <p:nvSpPr>
-            <p:cNvPr id="19" name="Freeform 19"/>
-            <p:cNvSpPr/>
-            <p:nvPr/>
-          </p:nvSpPr>
-          <p:spPr>
-            <a:xfrm>
-              <a:off x="0" y="0"/>
-              <a:ext cx="1222013" cy="552971"/>
-            </a:xfrm>
-            <a:custGeom>
-              <a:avLst/>
-              <a:gdLst/>
-              <a:ahLst/>
-              <a:cxnLst/>
-              <a:rect l="l" t="t" r="r" b="b"/>
-              <a:pathLst>
-                <a:path w="1222013" h="552971">
-                  <a:moveTo>
-                    <a:pt x="0" y="0"/>
-                  </a:moveTo>
-                  <a:lnTo>
-                    <a:pt x="1222013" y="0"/>
-                  </a:lnTo>
-                  <a:lnTo>
-                    <a:pt x="1222013" y="552971"/>
-                  </a:lnTo>
-                  <a:lnTo>
-                    <a:pt x="0" y="552971"/>
-                  </a:lnTo>
-                  <a:close/>
-                </a:path>
-              </a:pathLst>
-            </a:custGeom>
-            <a:solidFill>
-              <a:srgbClr val="D78484"/>
-            </a:solidFill>
-          </p:spPr>
-          <p:txBody>
-            <a:bodyPr/>
-            <a:lstStyle/>
-            <a:p>
-              <a:endParaRPr lang="LID4096"/>
-            </a:p>
-          </p:txBody>
-        </p:sp>
-        <p:sp>
-          <p:nvSpPr>
-            <p:cNvPr id="20" name="TextBox 20"/>
-            <p:cNvSpPr txBox="1"/>
-            <p:nvPr/>
-          </p:nvSpPr>
-          <p:spPr>
-            <a:xfrm>
-              <a:off x="0" y="-19050"/>
-              <a:ext cx="1222013" cy="572021"/>
-            </a:xfrm>
-            <a:prstGeom prst="rect">
-              <a:avLst/>
-            </a:prstGeom>
-          </p:spPr>
-          <p:txBody>
-            <a:bodyPr lIns="50800" tIns="50800" rIns="50800" bIns="50800" rtlCol="0" anchor="ctr"/>
-            <a:lstStyle/>
-            <a:p>
-              <a:pPr algn="ctr">
-                <a:lnSpc>
-                  <a:spcPts val="1679"/>
-                </a:lnSpc>
-              </a:pPr>
-              <a:r>
-                <a:rPr lang="en-US" sz="1200" b="1">
-                  <a:solidFill>
-                    <a:srgbClr val="000000"/>
-                  </a:solidFill>
-                  <a:latin typeface="Canva Sans Bold"/>
-                  <a:ea typeface="Canva Sans Bold"/>
-                  <a:cs typeface="Canva Sans Bold"/>
-                  <a:sym typeface="Canva Sans Bold"/>
-                </a:rPr>
-                <a:t>{Corners_right_positions_vis}</a:t>
-              </a:r>
-            </a:p>
-          </p:txBody>
-        </p:sp>
-      </p:grpSp>
-      <p:grpSp>
-        <p:nvGrpSpPr>
-          <p:cNvPr id="21" name="Group 21"/>
-          <p:cNvGrpSpPr/>
-          <p:nvPr/>
-        </p:nvGrpSpPr>
-        <p:grpSpPr>
-          <a:xfrm>
-            <a:off x="289783" y="4177236"/>
-            <a:ext cx="3409850" cy="1542985"/>
-            <a:chOff x="0" y="0"/>
-            <a:chExt cx="1222013" cy="552971"/>
-          </a:xfrm>
-        </p:grpSpPr>
-        <p:sp>
-          <p:nvSpPr>
-            <p:cNvPr id="22" name="Freeform 22"/>
-            <p:cNvSpPr/>
-            <p:nvPr/>
-          </p:nvSpPr>
-          <p:spPr>
-            <a:xfrm>
-              <a:off x="0" y="0"/>
-              <a:ext cx="1222013" cy="552971"/>
-            </a:xfrm>
-            <a:custGeom>
-              <a:avLst/>
-              <a:gdLst/>
-              <a:ahLst/>
-              <a:cxnLst/>
-              <a:rect l="l" t="t" r="r" b="b"/>
-              <a:pathLst>
-                <a:path w="1222013" h="552971">
-                  <a:moveTo>
-                    <a:pt x="0" y="0"/>
-                  </a:moveTo>
-                  <a:lnTo>
-                    <a:pt x="1222013" y="0"/>
-                  </a:lnTo>
-                  <a:lnTo>
-                    <a:pt x="1222013" y="552971"/>
-                  </a:lnTo>
-                  <a:lnTo>
-                    <a:pt x="0" y="552971"/>
-                  </a:lnTo>
-                  <a:close/>
-                </a:path>
-              </a:pathLst>
-            </a:custGeom>
-            <a:solidFill>
-              <a:srgbClr val="D78484"/>
-            </a:solidFill>
-          </p:spPr>
-          <p:txBody>
-            <a:bodyPr/>
-            <a:lstStyle/>
-            <a:p>
-              <a:endParaRPr lang="LID4096"/>
-            </a:p>
-          </p:txBody>
-        </p:sp>
-        <p:sp>
-          <p:nvSpPr>
-            <p:cNvPr id="23" name="TextBox 23"/>
-            <p:cNvSpPr txBox="1"/>
-            <p:nvPr/>
-          </p:nvSpPr>
-          <p:spPr>
-            <a:xfrm>
-              <a:off x="0" y="-19050"/>
-              <a:ext cx="1222013" cy="572021"/>
-            </a:xfrm>
-            <a:prstGeom prst="rect">
-              <a:avLst/>
-            </a:prstGeom>
-          </p:spPr>
-          <p:txBody>
-            <a:bodyPr lIns="50800" tIns="50800" rIns="50800" bIns="50800" rtlCol="0" anchor="ctr"/>
-            <a:lstStyle/>
-            <a:p>
-              <a:pPr algn="ctr">
-                <a:lnSpc>
-                  <a:spcPts val="1679"/>
-                </a:lnSpc>
-              </a:pPr>
-              <a:r>
-                <a:rPr lang="en-US" sz="1200" b="1">
-                  <a:solidFill>
-                    <a:srgbClr val="000000"/>
-                  </a:solidFill>
-                  <a:latin typeface="Canva Sans Bold"/>
-                  <a:ea typeface="Canva Sans Bold"/>
-                  <a:cs typeface="Canva Sans Bold"/>
-                  <a:sym typeface="Canva Sans Bold"/>
-                </a:rPr>
-                <a:t>{Corners_left_shots_vis}</a:t>
-              </a:r>
-            </a:p>
-          </p:txBody>
-        </p:sp>
-      </p:grpSp>
-      <p:grpSp>
-        <p:nvGrpSpPr>
-          <p:cNvPr id="24" name="Group 24"/>
-          <p:cNvGrpSpPr/>
-          <p:nvPr/>
-        </p:nvGrpSpPr>
-        <p:grpSpPr>
-          <a:xfrm>
-            <a:off x="3850892" y="4177236"/>
-            <a:ext cx="3409850" cy="1542985"/>
-            <a:chOff x="0" y="0"/>
-            <a:chExt cx="1222013" cy="552971"/>
-          </a:xfrm>
-        </p:grpSpPr>
-        <p:sp>
-          <p:nvSpPr>
-            <p:cNvPr id="25" name="Freeform 25"/>
-            <p:cNvSpPr/>
-            <p:nvPr/>
-          </p:nvSpPr>
-          <p:spPr>
-            <a:xfrm>
-              <a:off x="0" y="0"/>
-              <a:ext cx="1222013" cy="552971"/>
-            </a:xfrm>
-            <a:custGeom>
-              <a:avLst/>
-              <a:gdLst/>
-              <a:ahLst/>
-              <a:cxnLst/>
-              <a:rect l="l" t="t" r="r" b="b"/>
-              <a:pathLst>
-                <a:path w="1222013" h="552971">
-                  <a:moveTo>
-                    <a:pt x="0" y="0"/>
-                  </a:moveTo>
-                  <a:lnTo>
-                    <a:pt x="1222013" y="0"/>
-                  </a:lnTo>
-                  <a:lnTo>
-                    <a:pt x="1222013" y="552971"/>
-                  </a:lnTo>
-                  <a:lnTo>
-                    <a:pt x="0" y="552971"/>
-                  </a:lnTo>
-                  <a:close/>
-                </a:path>
-              </a:pathLst>
-            </a:custGeom>
-            <a:solidFill>
-              <a:srgbClr val="D78484"/>
-            </a:solidFill>
-          </p:spPr>
-          <p:txBody>
-            <a:bodyPr/>
-            <a:lstStyle/>
-            <a:p>
-              <a:endParaRPr lang="LID4096"/>
-            </a:p>
-          </p:txBody>
-        </p:sp>
-        <p:sp>
-          <p:nvSpPr>
-            <p:cNvPr id="26" name="TextBox 26"/>
-            <p:cNvSpPr txBox="1"/>
-            <p:nvPr/>
-          </p:nvSpPr>
-          <p:spPr>
-            <a:xfrm>
-              <a:off x="0" y="-19050"/>
-              <a:ext cx="1222013" cy="572021"/>
-            </a:xfrm>
-            <a:prstGeom prst="rect">
-              <a:avLst/>
-            </a:prstGeom>
-          </p:spPr>
-          <p:txBody>
-            <a:bodyPr lIns="50800" tIns="50800" rIns="50800" bIns="50800" rtlCol="0" anchor="ctr"/>
-            <a:lstStyle/>
-            <a:p>
-              <a:pPr algn="ctr">
-                <a:lnSpc>
-                  <a:spcPts val="1679"/>
-                </a:lnSpc>
-              </a:pPr>
-              <a:r>
-                <a:rPr lang="en-US" sz="1200" b="1">
-                  <a:solidFill>
-                    <a:srgbClr val="000000"/>
-                  </a:solidFill>
-                  <a:latin typeface="Canva Sans Bold"/>
-                  <a:ea typeface="Canva Sans Bold"/>
-                  <a:cs typeface="Canva Sans Bold"/>
-                  <a:sym typeface="Canva Sans Bold"/>
-                </a:rPr>
-                <a:t>{Corners_right_shots_vis}</a:t>
-              </a:r>
-            </a:p>
-          </p:txBody>
-        </p:sp>
-      </p:grpSp>
       <p:grpSp>
         <p:nvGrpSpPr>
           <p:cNvPr id="27" name="Group 27"/>
@@ -5516,6 +5112,1028 @@
           </p:txBody>
         </p:sp>
       </p:grpSp>
+      <p:sp>
+        <p:nvSpPr>
+          <p:cNvPr id="39" name="Rectangle 2">
+            <a:extLst>
+              <a:ext uri="{FF2B5EF4-FFF2-40B4-BE49-F238E27FC236}">
+                <a16:creationId xmlns:a16="http://schemas.microsoft.com/office/drawing/2014/main" id="{E7F01EEB-97CC-9775-A811-6DEEE1E505A0}"/>
+              </a:ext>
+            </a:extLst>
+          </p:cNvPr>
+          <p:cNvSpPr/>
+          <p:nvPr/>
+        </p:nvSpPr>
+        <p:spPr>
+          <a:xfrm>
+            <a:off x="3856004" y="1749082"/>
+            <a:ext cx="3359965" cy="1596141"/>
+          </a:xfrm>
+          <a:prstGeom prst="rect">
+            <a:avLst/>
+          </a:prstGeom>
+          <a:solidFill>
+            <a:srgbClr val="FFFFFF"/>
+          </a:solidFill>
+          <a:ln w="12700">
+            <a:miter lim="400000"/>
+          </a:ln>
+          <a:effectLst>
+            <a:outerShdw blurRad="50800" dist="127920" dir="3116579" rotWithShape="0">
+              <a:srgbClr val="000000">
+                <a:alpha val="48426"/>
+              </a:srgbClr>
+            </a:outerShdw>
+          </a:effectLst>
+        </p:spPr>
+        <p:txBody>
+          <a:bodyPr lIns="45718" tIns="45718" rIns="45718" bIns="45718" anchor="ctr"/>
+          <a:lstStyle/>
+          <a:p>
+            <a:endParaRPr/>
+          </a:p>
+        </p:txBody>
+      </p:sp>
+      <p:sp>
+        <p:nvSpPr>
+          <p:cNvPr id="54" name="Rectangle 53">
+            <a:extLst>
+              <a:ext uri="{FF2B5EF4-FFF2-40B4-BE49-F238E27FC236}">
+                <a16:creationId xmlns:a16="http://schemas.microsoft.com/office/drawing/2014/main" id="{5DF0850D-76D9-599D-EDA4-9053CD996508}"/>
+              </a:ext>
+            </a:extLst>
+          </p:cNvPr>
+          <p:cNvSpPr/>
+          <p:nvPr/>
+        </p:nvSpPr>
+        <p:spPr>
+          <a:xfrm>
+            <a:off x="3869286" y="1730309"/>
+            <a:ext cx="3366347" cy="1600200"/>
+          </a:xfrm>
+          <a:prstGeom prst="rect">
+            <a:avLst/>
+          </a:prstGeom>
+          <a:noFill/>
+          <a:ln>
+            <a:solidFill>
+              <a:schemeClr val="tx2">
+                <a:lumMod val="50000"/>
+              </a:schemeClr>
+            </a:solidFill>
+          </a:ln>
+          <a:effectLst>
+            <a:glow rad="63500">
+              <a:schemeClr val="tx2">
+                <a:lumMod val="50000"/>
+                <a:alpha val="40000"/>
+              </a:schemeClr>
+            </a:glow>
+            <a:outerShdw blurRad="152400" dist="317500" dir="5400000" sx="90000" sy="-19000" rotWithShape="0">
+              <a:prstClr val="black">
+                <a:alpha val="15000"/>
+              </a:prstClr>
+            </a:outerShdw>
+          </a:effectLst>
+        </p:spPr>
+        <p:style>
+          <a:lnRef idx="2">
+            <a:schemeClr val="dk1"/>
+          </a:lnRef>
+          <a:fillRef idx="1">
+            <a:schemeClr val="lt1"/>
+          </a:fillRef>
+          <a:effectRef idx="0">
+            <a:schemeClr val="dk1"/>
+          </a:effectRef>
+          <a:fontRef idx="minor">
+            <a:schemeClr val="dk1"/>
+          </a:fontRef>
+        </p:style>
+        <p:txBody>
+          <a:bodyPr rot="0" spcFirstLastPara="1" vertOverflow="overflow" horzOverflow="overflow" vert="horz" wrap="square" lIns="45719" tIns="45719" rIns="45719" bIns="45719" numCol="1" spcCol="38100" rtlCol="0" anchor="ctr">
+            <a:spAutoFit/>
+          </a:bodyPr>
+          <a:lstStyle/>
+          <a:p>
+            <a:pPr marL="0" marR="0" indent="0" algn="l" defTabSz="457200" rtl="0" fontAlgn="auto" latinLnBrk="0" hangingPunct="0">
+              <a:lnSpc>
+                <a:spcPct val="100000"/>
+              </a:lnSpc>
+              <a:spcBef>
+                <a:spcPts val="0"/>
+              </a:spcBef>
+              <a:spcAft>
+                <a:spcPts val="0"/>
+              </a:spcAft>
+              <a:buClrTx/>
+              <a:buSzTx/>
+              <a:buFontTx/>
+              <a:buNone/>
+              <a:tabLst/>
+            </a:pPr>
+            <a:r>
+              <a:rPr kumimoji="0" lang="nl-NL" sz="1800" b="0" i="0" u="none" strike="noStrike" cap="none" spc="0" normalizeH="0" baseline="0">
+                <a:ln>
+                  <a:solidFill>
+                    <a:schemeClr val="tx1"/>
+                  </a:solidFill>
+                </a:ln>
+                <a:solidFill>
+                  <a:srgbClr val="000000"/>
+                </a:solidFill>
+                <a:effectLst/>
+                <a:uFillTx/>
+                <a:latin typeface="+mn-lt"/>
+                <a:ea typeface="+mn-ea"/>
+                <a:cs typeface="+mn-cs"/>
+                <a:sym typeface="Aptos"/>
+              </a:rPr>
+              <a:t>{Corners_right_positions_vs}</a:t>
+            </a:r>
+          </a:p>
+          <a:p>
+            <a:pPr marL="0" marR="0" indent="0" algn="l" defTabSz="457200" rtl="0" fontAlgn="auto" latinLnBrk="0" hangingPunct="0">
+              <a:lnSpc>
+                <a:spcPct val="100000"/>
+              </a:lnSpc>
+              <a:spcBef>
+                <a:spcPts val="0"/>
+              </a:spcBef>
+              <a:spcAft>
+                <a:spcPts val="0"/>
+              </a:spcAft>
+              <a:buClrTx/>
+              <a:buSzTx/>
+              <a:buFontTx/>
+              <a:buNone/>
+              <a:tabLst/>
+            </a:pPr>
+            <a:endParaRPr lang="nl-NL">
+              <a:ln>
+                <a:solidFill>
+                  <a:schemeClr val="tx1"/>
+                </a:solidFill>
+              </a:ln>
+            </a:endParaRPr>
+          </a:p>
+          <a:p>
+            <a:pPr marL="0" marR="0" indent="0" algn="l" defTabSz="457200" rtl="0" fontAlgn="auto" latinLnBrk="0" hangingPunct="0">
+              <a:lnSpc>
+                <a:spcPct val="100000"/>
+              </a:lnSpc>
+              <a:spcBef>
+                <a:spcPts val="0"/>
+              </a:spcBef>
+              <a:spcAft>
+                <a:spcPts val="0"/>
+              </a:spcAft>
+              <a:buClrTx/>
+              <a:buSzTx/>
+              <a:buFontTx/>
+              <a:buNone/>
+              <a:tabLst/>
+            </a:pPr>
+            <a:endParaRPr kumimoji="0" lang="nl-NL" sz="1800" b="0" i="0" u="none" strike="noStrike" cap="none" spc="0" normalizeH="0" baseline="0">
+              <a:ln>
+                <a:solidFill>
+                  <a:schemeClr val="tx1"/>
+                </a:solidFill>
+              </a:ln>
+              <a:solidFill>
+                <a:srgbClr val="000000"/>
+              </a:solidFill>
+              <a:effectLst/>
+              <a:uFillTx/>
+              <a:latin typeface="+mn-lt"/>
+              <a:ea typeface="+mn-ea"/>
+              <a:cs typeface="+mn-cs"/>
+              <a:sym typeface="Aptos"/>
+            </a:endParaRPr>
+          </a:p>
+          <a:p>
+            <a:pPr marL="0" marR="0" indent="0" algn="l" defTabSz="457200" rtl="0" fontAlgn="auto" latinLnBrk="0" hangingPunct="0">
+              <a:lnSpc>
+                <a:spcPct val="100000"/>
+              </a:lnSpc>
+              <a:spcBef>
+                <a:spcPts val="0"/>
+              </a:spcBef>
+              <a:spcAft>
+                <a:spcPts val="0"/>
+              </a:spcAft>
+              <a:buClrTx/>
+              <a:buSzTx/>
+              <a:buFontTx/>
+              <a:buNone/>
+              <a:tabLst/>
+            </a:pPr>
+            <a:endParaRPr lang="nl-NL">
+              <a:ln>
+                <a:solidFill>
+                  <a:schemeClr val="tx1"/>
+                </a:solidFill>
+              </a:ln>
+            </a:endParaRPr>
+          </a:p>
+          <a:p>
+            <a:pPr marL="0" marR="0" indent="0" algn="l" defTabSz="457200" rtl="0" fontAlgn="auto" latinLnBrk="0" hangingPunct="0">
+              <a:lnSpc>
+                <a:spcPct val="100000"/>
+              </a:lnSpc>
+              <a:spcBef>
+                <a:spcPts val="0"/>
+              </a:spcBef>
+              <a:spcAft>
+                <a:spcPts val="0"/>
+              </a:spcAft>
+              <a:buClrTx/>
+              <a:buSzTx/>
+              <a:buFontTx/>
+              <a:buNone/>
+              <a:tabLst/>
+            </a:pPr>
+            <a:endParaRPr kumimoji="0" lang="LID4096" sz="1800" b="0" i="0" u="none" strike="noStrike" cap="none" spc="0" normalizeH="0" baseline="0">
+              <a:ln>
+                <a:solidFill>
+                  <a:schemeClr val="tx1"/>
+                </a:solidFill>
+              </a:ln>
+              <a:solidFill>
+                <a:srgbClr val="000000"/>
+              </a:solidFill>
+              <a:effectLst/>
+              <a:uFillTx/>
+              <a:latin typeface="+mn-lt"/>
+              <a:ea typeface="+mn-ea"/>
+              <a:cs typeface="+mn-cs"/>
+              <a:sym typeface="Aptos"/>
+            </a:endParaRPr>
+          </a:p>
+        </p:txBody>
+      </p:sp>
+      <p:sp>
+        <p:nvSpPr>
+          <p:cNvPr id="40" name="Rectangle 2">
+            <a:extLst>
+              <a:ext uri="{FF2B5EF4-FFF2-40B4-BE49-F238E27FC236}">
+                <a16:creationId xmlns:a16="http://schemas.microsoft.com/office/drawing/2014/main" id="{16747AFE-35E2-310B-1856-BBE326915D49}"/>
+              </a:ext>
+            </a:extLst>
+          </p:cNvPr>
+          <p:cNvSpPr/>
+          <p:nvPr/>
+        </p:nvSpPr>
+        <p:spPr>
+          <a:xfrm>
+            <a:off x="334265" y="1736406"/>
+            <a:ext cx="3359965" cy="1596141"/>
+          </a:xfrm>
+          <a:prstGeom prst="rect">
+            <a:avLst/>
+          </a:prstGeom>
+          <a:solidFill>
+            <a:srgbClr val="FFFFFF"/>
+          </a:solidFill>
+          <a:ln w="12700">
+            <a:miter lim="400000"/>
+          </a:ln>
+          <a:effectLst>
+            <a:outerShdw blurRad="50800" dist="127920" dir="3116579" rotWithShape="0">
+              <a:srgbClr val="000000">
+                <a:alpha val="48426"/>
+              </a:srgbClr>
+            </a:outerShdw>
+          </a:effectLst>
+        </p:spPr>
+        <p:txBody>
+          <a:bodyPr lIns="45718" tIns="45718" rIns="45718" bIns="45718" anchor="ctr"/>
+          <a:lstStyle/>
+          <a:p>
+            <a:endParaRPr/>
+          </a:p>
+        </p:txBody>
+      </p:sp>
+      <p:sp>
+        <p:nvSpPr>
+          <p:cNvPr id="41" name="Rectangle 40">
+            <a:extLst>
+              <a:ext uri="{FF2B5EF4-FFF2-40B4-BE49-F238E27FC236}">
+                <a16:creationId xmlns:a16="http://schemas.microsoft.com/office/drawing/2014/main" id="{FBC95EC2-B3A4-B383-FFC1-30F5BC6596F0}"/>
+              </a:ext>
+            </a:extLst>
+          </p:cNvPr>
+          <p:cNvSpPr/>
+          <p:nvPr/>
+        </p:nvSpPr>
+        <p:spPr>
+          <a:xfrm>
+            <a:off x="342832" y="1730309"/>
+            <a:ext cx="3366347" cy="1600200"/>
+          </a:xfrm>
+          <a:prstGeom prst="rect">
+            <a:avLst/>
+          </a:prstGeom>
+          <a:noFill/>
+          <a:ln>
+            <a:solidFill>
+              <a:schemeClr val="tx2">
+                <a:lumMod val="50000"/>
+              </a:schemeClr>
+            </a:solidFill>
+          </a:ln>
+          <a:effectLst>
+            <a:glow rad="63500">
+              <a:schemeClr val="tx2">
+                <a:lumMod val="50000"/>
+                <a:alpha val="40000"/>
+              </a:schemeClr>
+            </a:glow>
+            <a:outerShdw blurRad="152400" dist="317500" dir="5400000" sx="90000" sy="-19000" rotWithShape="0">
+              <a:prstClr val="black">
+                <a:alpha val="15000"/>
+              </a:prstClr>
+            </a:outerShdw>
+          </a:effectLst>
+        </p:spPr>
+        <p:style>
+          <a:lnRef idx="2">
+            <a:schemeClr val="dk1"/>
+          </a:lnRef>
+          <a:fillRef idx="1">
+            <a:schemeClr val="lt1"/>
+          </a:fillRef>
+          <a:effectRef idx="0">
+            <a:schemeClr val="dk1"/>
+          </a:effectRef>
+          <a:fontRef idx="minor">
+            <a:schemeClr val="dk1"/>
+          </a:fontRef>
+        </p:style>
+        <p:txBody>
+          <a:bodyPr rot="0" spcFirstLastPara="1" vertOverflow="overflow" horzOverflow="overflow" vert="horz" wrap="square" lIns="45719" tIns="45719" rIns="45719" bIns="45719" numCol="1" spcCol="38100" rtlCol="0" anchor="ctr">
+            <a:spAutoFit/>
+          </a:bodyPr>
+          <a:lstStyle/>
+          <a:p>
+            <a:pPr marL="0" marR="0" indent="0" algn="l" defTabSz="457200" rtl="0" fontAlgn="auto" latinLnBrk="0" hangingPunct="0">
+              <a:lnSpc>
+                <a:spcPct val="100000"/>
+              </a:lnSpc>
+              <a:spcBef>
+                <a:spcPts val="0"/>
+              </a:spcBef>
+              <a:spcAft>
+                <a:spcPts val="0"/>
+              </a:spcAft>
+              <a:buClrTx/>
+              <a:buSzTx/>
+              <a:buFontTx/>
+              <a:buNone/>
+              <a:tabLst/>
+            </a:pPr>
+            <a:r>
+              <a:rPr lang="nl-NL">
+                <a:ln>
+                  <a:solidFill>
+                    <a:schemeClr val="tx1"/>
+                  </a:solidFill>
+                </a:ln>
+              </a:rPr>
+              <a:t>{Corners_left_positions_vis}</a:t>
+            </a:r>
+          </a:p>
+          <a:p>
+            <a:pPr marL="0" marR="0" indent="0" algn="l" defTabSz="457200" rtl="0" fontAlgn="auto" latinLnBrk="0" hangingPunct="0">
+              <a:lnSpc>
+                <a:spcPct val="100000"/>
+              </a:lnSpc>
+              <a:spcBef>
+                <a:spcPts val="0"/>
+              </a:spcBef>
+              <a:spcAft>
+                <a:spcPts val="0"/>
+              </a:spcAft>
+              <a:buClrTx/>
+              <a:buSzTx/>
+              <a:buFontTx/>
+              <a:buNone/>
+              <a:tabLst/>
+            </a:pPr>
+            <a:endParaRPr lang="nl-NL">
+              <a:ln>
+                <a:solidFill>
+                  <a:schemeClr val="tx1"/>
+                </a:solidFill>
+              </a:ln>
+            </a:endParaRPr>
+          </a:p>
+          <a:p>
+            <a:pPr marL="0" marR="0" indent="0" algn="l" defTabSz="457200" rtl="0" fontAlgn="auto" latinLnBrk="0" hangingPunct="0">
+              <a:lnSpc>
+                <a:spcPct val="100000"/>
+              </a:lnSpc>
+              <a:spcBef>
+                <a:spcPts val="0"/>
+              </a:spcBef>
+              <a:spcAft>
+                <a:spcPts val="0"/>
+              </a:spcAft>
+              <a:buClrTx/>
+              <a:buSzTx/>
+              <a:buFontTx/>
+              <a:buNone/>
+              <a:tabLst/>
+            </a:pPr>
+            <a:endParaRPr kumimoji="0" lang="nl-NL" sz="1800" b="0" i="0" u="none" strike="noStrike" cap="none" spc="0" normalizeH="0" baseline="0">
+              <a:ln>
+                <a:solidFill>
+                  <a:schemeClr val="tx1"/>
+                </a:solidFill>
+              </a:ln>
+              <a:solidFill>
+                <a:srgbClr val="000000"/>
+              </a:solidFill>
+              <a:effectLst/>
+              <a:uFillTx/>
+              <a:latin typeface="+mn-lt"/>
+              <a:ea typeface="+mn-ea"/>
+              <a:cs typeface="+mn-cs"/>
+              <a:sym typeface="Aptos"/>
+            </a:endParaRPr>
+          </a:p>
+          <a:p>
+            <a:pPr marL="0" marR="0" indent="0" algn="l" defTabSz="457200" rtl="0" fontAlgn="auto" latinLnBrk="0" hangingPunct="0">
+              <a:lnSpc>
+                <a:spcPct val="100000"/>
+              </a:lnSpc>
+              <a:spcBef>
+                <a:spcPts val="0"/>
+              </a:spcBef>
+              <a:spcAft>
+                <a:spcPts val="0"/>
+              </a:spcAft>
+              <a:buClrTx/>
+              <a:buSzTx/>
+              <a:buFontTx/>
+              <a:buNone/>
+              <a:tabLst/>
+            </a:pPr>
+            <a:endParaRPr lang="nl-NL">
+              <a:ln>
+                <a:solidFill>
+                  <a:schemeClr val="tx1"/>
+                </a:solidFill>
+              </a:ln>
+            </a:endParaRPr>
+          </a:p>
+          <a:p>
+            <a:pPr marL="0" marR="0" indent="0" algn="l" defTabSz="457200" rtl="0" fontAlgn="auto" latinLnBrk="0" hangingPunct="0">
+              <a:lnSpc>
+                <a:spcPct val="100000"/>
+              </a:lnSpc>
+              <a:spcBef>
+                <a:spcPts val="0"/>
+              </a:spcBef>
+              <a:spcAft>
+                <a:spcPts val="0"/>
+              </a:spcAft>
+              <a:buClrTx/>
+              <a:buSzTx/>
+              <a:buFontTx/>
+              <a:buNone/>
+              <a:tabLst/>
+            </a:pPr>
+            <a:endParaRPr kumimoji="0" lang="LID4096" sz="1800" b="0" i="0" u="none" strike="noStrike" cap="none" spc="0" normalizeH="0" baseline="0">
+              <a:ln>
+                <a:solidFill>
+                  <a:schemeClr val="tx1"/>
+                </a:solidFill>
+              </a:ln>
+              <a:solidFill>
+                <a:srgbClr val="000000"/>
+              </a:solidFill>
+              <a:effectLst/>
+              <a:uFillTx/>
+              <a:latin typeface="+mn-lt"/>
+              <a:ea typeface="+mn-ea"/>
+              <a:cs typeface="+mn-cs"/>
+              <a:sym typeface="Aptos"/>
+            </a:endParaRPr>
+          </a:p>
+        </p:txBody>
+      </p:sp>
+      <p:sp>
+        <p:nvSpPr>
+          <p:cNvPr id="42" name="Rectangle 2">
+            <a:extLst>
+              <a:ext uri="{FF2B5EF4-FFF2-40B4-BE49-F238E27FC236}">
+                <a16:creationId xmlns:a16="http://schemas.microsoft.com/office/drawing/2014/main" id="{E1F355EE-8B1A-DBAC-820B-E2C1ED8C0DB4}"/>
+              </a:ext>
+            </a:extLst>
+          </p:cNvPr>
+          <p:cNvSpPr/>
+          <p:nvPr/>
+        </p:nvSpPr>
+        <p:spPr>
+          <a:xfrm>
+            <a:off x="3862645" y="4328621"/>
+            <a:ext cx="3359965" cy="1596141"/>
+          </a:xfrm>
+          <a:prstGeom prst="rect">
+            <a:avLst/>
+          </a:prstGeom>
+          <a:solidFill>
+            <a:srgbClr val="FFFFFF"/>
+          </a:solidFill>
+          <a:ln w="12700">
+            <a:miter lim="400000"/>
+          </a:ln>
+          <a:effectLst>
+            <a:outerShdw blurRad="50800" dist="127920" dir="3116579" rotWithShape="0">
+              <a:srgbClr val="000000">
+                <a:alpha val="48426"/>
+              </a:srgbClr>
+            </a:outerShdw>
+          </a:effectLst>
+        </p:spPr>
+        <p:txBody>
+          <a:bodyPr lIns="45718" tIns="45718" rIns="45718" bIns="45718" anchor="ctr"/>
+          <a:lstStyle/>
+          <a:p>
+            <a:endParaRPr/>
+          </a:p>
+        </p:txBody>
+      </p:sp>
+      <p:sp>
+        <p:nvSpPr>
+          <p:cNvPr id="43" name="Rectangle 42">
+            <a:extLst>
+              <a:ext uri="{FF2B5EF4-FFF2-40B4-BE49-F238E27FC236}">
+                <a16:creationId xmlns:a16="http://schemas.microsoft.com/office/drawing/2014/main" id="{D2853733-1D34-A559-2BA0-73B5B1A115B9}"/>
+              </a:ext>
+            </a:extLst>
+          </p:cNvPr>
+          <p:cNvSpPr/>
+          <p:nvPr/>
+        </p:nvSpPr>
+        <p:spPr>
+          <a:xfrm>
+            <a:off x="3869286" y="4310884"/>
+            <a:ext cx="3366347" cy="1600200"/>
+          </a:xfrm>
+          <a:prstGeom prst="rect">
+            <a:avLst/>
+          </a:prstGeom>
+          <a:noFill/>
+          <a:ln>
+            <a:solidFill>
+              <a:schemeClr val="tx2">
+                <a:lumMod val="50000"/>
+              </a:schemeClr>
+            </a:solidFill>
+          </a:ln>
+          <a:effectLst>
+            <a:glow rad="63500">
+              <a:schemeClr val="tx2">
+                <a:lumMod val="50000"/>
+                <a:alpha val="40000"/>
+              </a:schemeClr>
+            </a:glow>
+            <a:outerShdw blurRad="152400" dist="317500" dir="5400000" sx="90000" sy="-19000" rotWithShape="0">
+              <a:prstClr val="black">
+                <a:alpha val="15000"/>
+              </a:prstClr>
+            </a:outerShdw>
+          </a:effectLst>
+        </p:spPr>
+        <p:style>
+          <a:lnRef idx="2">
+            <a:schemeClr val="dk1"/>
+          </a:lnRef>
+          <a:fillRef idx="1">
+            <a:schemeClr val="lt1"/>
+          </a:fillRef>
+          <a:effectRef idx="0">
+            <a:schemeClr val="dk1"/>
+          </a:effectRef>
+          <a:fontRef idx="minor">
+            <a:schemeClr val="dk1"/>
+          </a:fontRef>
+        </p:style>
+        <p:txBody>
+          <a:bodyPr rot="0" spcFirstLastPara="1" vertOverflow="overflow" horzOverflow="overflow" vert="horz" wrap="square" lIns="45719" tIns="45719" rIns="45719" bIns="45719" numCol="1" spcCol="38100" rtlCol="0" anchor="ctr">
+            <a:spAutoFit/>
+          </a:bodyPr>
+          <a:lstStyle/>
+          <a:p>
+            <a:pPr marL="0" marR="0" indent="0" algn="l" defTabSz="457200" rtl="0" fontAlgn="auto" latinLnBrk="0" hangingPunct="0">
+              <a:lnSpc>
+                <a:spcPct val="100000"/>
+              </a:lnSpc>
+              <a:spcBef>
+                <a:spcPts val="0"/>
+              </a:spcBef>
+              <a:spcAft>
+                <a:spcPts val="0"/>
+              </a:spcAft>
+              <a:buClrTx/>
+              <a:buSzTx/>
+              <a:buFontTx/>
+              <a:buNone/>
+              <a:tabLst/>
+            </a:pPr>
+            <a:r>
+              <a:rPr kumimoji="0" lang="nl-NL" sz="1800" b="0" i="0" u="none" strike="noStrike" cap="none" spc="0" normalizeH="0" baseline="0">
+                <a:ln>
+                  <a:solidFill>
+                    <a:schemeClr val="tx1"/>
+                  </a:solidFill>
+                </a:ln>
+                <a:solidFill>
+                  <a:srgbClr val="000000"/>
+                </a:solidFill>
+                <a:effectLst/>
+                <a:uFillTx/>
+                <a:latin typeface="+mn-lt"/>
+                <a:ea typeface="+mn-ea"/>
+                <a:cs typeface="+mn-cs"/>
+                <a:sym typeface="Aptos"/>
+              </a:rPr>
+              <a:t>{Corners_right_shots_vs}</a:t>
+            </a:r>
+          </a:p>
+          <a:p>
+            <a:pPr marL="0" marR="0" indent="0" algn="l" defTabSz="457200" rtl="0" fontAlgn="auto" latinLnBrk="0" hangingPunct="0">
+              <a:lnSpc>
+                <a:spcPct val="100000"/>
+              </a:lnSpc>
+              <a:spcBef>
+                <a:spcPts val="0"/>
+              </a:spcBef>
+              <a:spcAft>
+                <a:spcPts val="0"/>
+              </a:spcAft>
+              <a:buClrTx/>
+              <a:buSzTx/>
+              <a:buFontTx/>
+              <a:buNone/>
+              <a:tabLst/>
+            </a:pPr>
+            <a:endParaRPr lang="nl-NL">
+              <a:ln>
+                <a:solidFill>
+                  <a:schemeClr val="tx1"/>
+                </a:solidFill>
+              </a:ln>
+            </a:endParaRPr>
+          </a:p>
+          <a:p>
+            <a:pPr marL="0" marR="0" indent="0" algn="l" defTabSz="457200" rtl="0" fontAlgn="auto" latinLnBrk="0" hangingPunct="0">
+              <a:lnSpc>
+                <a:spcPct val="100000"/>
+              </a:lnSpc>
+              <a:spcBef>
+                <a:spcPts val="0"/>
+              </a:spcBef>
+              <a:spcAft>
+                <a:spcPts val="0"/>
+              </a:spcAft>
+              <a:buClrTx/>
+              <a:buSzTx/>
+              <a:buFontTx/>
+              <a:buNone/>
+              <a:tabLst/>
+            </a:pPr>
+            <a:endParaRPr kumimoji="0" lang="nl-NL" sz="1800" b="0" i="0" u="none" strike="noStrike" cap="none" spc="0" normalizeH="0" baseline="0">
+              <a:ln>
+                <a:solidFill>
+                  <a:schemeClr val="tx1"/>
+                </a:solidFill>
+              </a:ln>
+              <a:solidFill>
+                <a:srgbClr val="000000"/>
+              </a:solidFill>
+              <a:effectLst/>
+              <a:uFillTx/>
+              <a:latin typeface="+mn-lt"/>
+              <a:ea typeface="+mn-ea"/>
+              <a:cs typeface="+mn-cs"/>
+              <a:sym typeface="Aptos"/>
+            </a:endParaRPr>
+          </a:p>
+          <a:p>
+            <a:pPr marL="0" marR="0" indent="0" algn="l" defTabSz="457200" rtl="0" fontAlgn="auto" latinLnBrk="0" hangingPunct="0">
+              <a:lnSpc>
+                <a:spcPct val="100000"/>
+              </a:lnSpc>
+              <a:spcBef>
+                <a:spcPts val="0"/>
+              </a:spcBef>
+              <a:spcAft>
+                <a:spcPts val="0"/>
+              </a:spcAft>
+              <a:buClrTx/>
+              <a:buSzTx/>
+              <a:buFontTx/>
+              <a:buNone/>
+              <a:tabLst/>
+            </a:pPr>
+            <a:endParaRPr lang="nl-NL">
+              <a:ln>
+                <a:solidFill>
+                  <a:schemeClr val="tx1"/>
+                </a:solidFill>
+              </a:ln>
+            </a:endParaRPr>
+          </a:p>
+          <a:p>
+            <a:pPr marL="0" marR="0" indent="0" algn="l" defTabSz="457200" rtl="0" fontAlgn="auto" latinLnBrk="0" hangingPunct="0">
+              <a:lnSpc>
+                <a:spcPct val="100000"/>
+              </a:lnSpc>
+              <a:spcBef>
+                <a:spcPts val="0"/>
+              </a:spcBef>
+              <a:spcAft>
+                <a:spcPts val="0"/>
+              </a:spcAft>
+              <a:buClrTx/>
+              <a:buSzTx/>
+              <a:buFontTx/>
+              <a:buNone/>
+              <a:tabLst/>
+            </a:pPr>
+            <a:endParaRPr kumimoji="0" lang="LID4096" sz="1800" b="0" i="0" u="none" strike="noStrike" cap="none" spc="0" normalizeH="0" baseline="0">
+              <a:ln>
+                <a:solidFill>
+                  <a:schemeClr val="tx1"/>
+                </a:solidFill>
+              </a:ln>
+              <a:solidFill>
+                <a:srgbClr val="000000"/>
+              </a:solidFill>
+              <a:effectLst/>
+              <a:uFillTx/>
+              <a:latin typeface="+mn-lt"/>
+              <a:ea typeface="+mn-ea"/>
+              <a:cs typeface="+mn-cs"/>
+              <a:sym typeface="Aptos"/>
+            </a:endParaRPr>
+          </a:p>
+        </p:txBody>
+      </p:sp>
+      <p:sp>
+        <p:nvSpPr>
+          <p:cNvPr id="44" name="Rectangle 2">
+            <a:extLst>
+              <a:ext uri="{FF2B5EF4-FFF2-40B4-BE49-F238E27FC236}">
+                <a16:creationId xmlns:a16="http://schemas.microsoft.com/office/drawing/2014/main" id="{4AE83471-1501-87B4-685E-9BD66B50C9AF}"/>
+              </a:ext>
+            </a:extLst>
+          </p:cNvPr>
+          <p:cNvSpPr/>
+          <p:nvPr/>
+        </p:nvSpPr>
+        <p:spPr>
+          <a:xfrm>
+            <a:off x="340906" y="4315945"/>
+            <a:ext cx="3359965" cy="1596141"/>
+          </a:xfrm>
+          <a:prstGeom prst="rect">
+            <a:avLst/>
+          </a:prstGeom>
+          <a:solidFill>
+            <a:srgbClr val="FFFFFF"/>
+          </a:solidFill>
+          <a:ln w="12700">
+            <a:miter lim="400000"/>
+          </a:ln>
+          <a:effectLst>
+            <a:outerShdw blurRad="50800" dist="127920" dir="3116579" rotWithShape="0">
+              <a:srgbClr val="000000">
+                <a:alpha val="48426"/>
+              </a:srgbClr>
+            </a:outerShdw>
+          </a:effectLst>
+        </p:spPr>
+        <p:txBody>
+          <a:bodyPr lIns="45718" tIns="45718" rIns="45718" bIns="45718" anchor="ctr"/>
+          <a:lstStyle/>
+          <a:p>
+            <a:endParaRPr/>
+          </a:p>
+        </p:txBody>
+      </p:sp>
+      <p:sp>
+        <p:nvSpPr>
+          <p:cNvPr id="45" name="Rectangle 44">
+            <a:extLst>
+              <a:ext uri="{FF2B5EF4-FFF2-40B4-BE49-F238E27FC236}">
+                <a16:creationId xmlns:a16="http://schemas.microsoft.com/office/drawing/2014/main" id="{00EFB0B4-4FA4-0A2E-CA34-C4BB1CE8FF95}"/>
+              </a:ext>
+            </a:extLst>
+          </p:cNvPr>
+          <p:cNvSpPr/>
+          <p:nvPr/>
+        </p:nvSpPr>
+        <p:spPr>
+          <a:xfrm>
+            <a:off x="334524" y="4306856"/>
+            <a:ext cx="3366347" cy="1600200"/>
+          </a:xfrm>
+          <a:prstGeom prst="rect">
+            <a:avLst/>
+          </a:prstGeom>
+          <a:noFill/>
+          <a:ln>
+            <a:solidFill>
+              <a:schemeClr val="tx2">
+                <a:lumMod val="50000"/>
+              </a:schemeClr>
+            </a:solidFill>
+          </a:ln>
+          <a:effectLst>
+            <a:glow rad="63500">
+              <a:schemeClr val="tx2">
+                <a:lumMod val="50000"/>
+                <a:alpha val="40000"/>
+              </a:schemeClr>
+            </a:glow>
+            <a:outerShdw blurRad="152400" dist="317500" dir="5400000" sx="90000" sy="-19000" rotWithShape="0">
+              <a:prstClr val="black">
+                <a:alpha val="15000"/>
+              </a:prstClr>
+            </a:outerShdw>
+          </a:effectLst>
+        </p:spPr>
+        <p:style>
+          <a:lnRef idx="2">
+            <a:schemeClr val="dk1"/>
+          </a:lnRef>
+          <a:fillRef idx="1">
+            <a:schemeClr val="lt1"/>
+          </a:fillRef>
+          <a:effectRef idx="0">
+            <a:schemeClr val="dk1"/>
+          </a:effectRef>
+          <a:fontRef idx="minor">
+            <a:schemeClr val="dk1"/>
+          </a:fontRef>
+        </p:style>
+        <p:txBody>
+          <a:bodyPr rot="0" spcFirstLastPara="1" vertOverflow="overflow" horzOverflow="overflow" vert="horz" wrap="square" lIns="45719" tIns="45719" rIns="45719" bIns="45719" numCol="1" spcCol="38100" rtlCol="0" anchor="ctr">
+            <a:spAutoFit/>
+          </a:bodyPr>
+          <a:lstStyle/>
+          <a:p>
+            <a:pPr marL="0" marR="0" indent="0" algn="l" defTabSz="457200" rtl="0" fontAlgn="auto" latinLnBrk="0" hangingPunct="0">
+              <a:lnSpc>
+                <a:spcPct val="100000"/>
+              </a:lnSpc>
+              <a:spcBef>
+                <a:spcPts val="0"/>
+              </a:spcBef>
+              <a:spcAft>
+                <a:spcPts val="0"/>
+              </a:spcAft>
+              <a:buClrTx/>
+              <a:buSzTx/>
+              <a:buFontTx/>
+              <a:buNone/>
+              <a:tabLst/>
+            </a:pPr>
+            <a:r>
+              <a:rPr lang="nl-NL">
+                <a:ln>
+                  <a:solidFill>
+                    <a:schemeClr val="tx1"/>
+                  </a:solidFill>
+                </a:ln>
+              </a:rPr>
+              <a:t>{Corners_left_shots_vis}</a:t>
+            </a:r>
+          </a:p>
+          <a:p>
+            <a:pPr marL="0" marR="0" indent="0" algn="l" defTabSz="457200" rtl="0" fontAlgn="auto" latinLnBrk="0" hangingPunct="0">
+              <a:lnSpc>
+                <a:spcPct val="100000"/>
+              </a:lnSpc>
+              <a:spcBef>
+                <a:spcPts val="0"/>
+              </a:spcBef>
+              <a:spcAft>
+                <a:spcPts val="0"/>
+              </a:spcAft>
+              <a:buClrTx/>
+              <a:buSzTx/>
+              <a:buFontTx/>
+              <a:buNone/>
+              <a:tabLst/>
+            </a:pPr>
+            <a:endParaRPr lang="nl-NL">
+              <a:ln>
+                <a:solidFill>
+                  <a:schemeClr val="tx1"/>
+                </a:solidFill>
+              </a:ln>
+            </a:endParaRPr>
+          </a:p>
+          <a:p>
+            <a:pPr marL="0" marR="0" indent="0" algn="l" defTabSz="457200" rtl="0" fontAlgn="auto" latinLnBrk="0" hangingPunct="0">
+              <a:lnSpc>
+                <a:spcPct val="100000"/>
+              </a:lnSpc>
+              <a:spcBef>
+                <a:spcPts val="0"/>
+              </a:spcBef>
+              <a:spcAft>
+                <a:spcPts val="0"/>
+              </a:spcAft>
+              <a:buClrTx/>
+              <a:buSzTx/>
+              <a:buFontTx/>
+              <a:buNone/>
+              <a:tabLst/>
+            </a:pPr>
+            <a:endParaRPr kumimoji="0" lang="nl-NL" sz="1800" b="0" i="0" u="none" strike="noStrike" cap="none" spc="0" normalizeH="0" baseline="0">
+              <a:ln>
+                <a:solidFill>
+                  <a:schemeClr val="tx1"/>
+                </a:solidFill>
+              </a:ln>
+              <a:solidFill>
+                <a:srgbClr val="000000"/>
+              </a:solidFill>
+              <a:effectLst/>
+              <a:uFillTx/>
+              <a:latin typeface="+mn-lt"/>
+              <a:ea typeface="+mn-ea"/>
+              <a:cs typeface="+mn-cs"/>
+              <a:sym typeface="Aptos"/>
+            </a:endParaRPr>
+          </a:p>
+          <a:p>
+            <a:pPr marL="0" marR="0" indent="0" algn="l" defTabSz="457200" rtl="0" fontAlgn="auto" latinLnBrk="0" hangingPunct="0">
+              <a:lnSpc>
+                <a:spcPct val="100000"/>
+              </a:lnSpc>
+              <a:spcBef>
+                <a:spcPts val="0"/>
+              </a:spcBef>
+              <a:spcAft>
+                <a:spcPts val="0"/>
+              </a:spcAft>
+              <a:buClrTx/>
+              <a:buSzTx/>
+              <a:buFontTx/>
+              <a:buNone/>
+              <a:tabLst/>
+            </a:pPr>
+            <a:endParaRPr lang="nl-NL">
+              <a:ln>
+                <a:solidFill>
+                  <a:schemeClr val="tx1"/>
+                </a:solidFill>
+              </a:ln>
+            </a:endParaRPr>
+          </a:p>
+          <a:p>
+            <a:pPr marL="0" marR="0" indent="0" algn="l" defTabSz="457200" rtl="0" fontAlgn="auto" latinLnBrk="0" hangingPunct="0">
+              <a:lnSpc>
+                <a:spcPct val="100000"/>
+              </a:lnSpc>
+              <a:spcBef>
+                <a:spcPts val="0"/>
+              </a:spcBef>
+              <a:spcAft>
+                <a:spcPts val="0"/>
+              </a:spcAft>
+              <a:buClrTx/>
+              <a:buSzTx/>
+              <a:buFontTx/>
+              <a:buNone/>
+              <a:tabLst/>
+            </a:pPr>
+            <a:endParaRPr kumimoji="0" lang="LID4096" sz="1800" b="0" i="0" u="none" strike="noStrike" cap="none" spc="0" normalizeH="0" baseline="0">
+              <a:ln>
+                <a:solidFill>
+                  <a:schemeClr val="tx1"/>
+                </a:solidFill>
+              </a:ln>
+              <a:solidFill>
+                <a:srgbClr val="000000"/>
+              </a:solidFill>
+              <a:effectLst/>
+              <a:uFillTx/>
+              <a:latin typeface="+mn-lt"/>
+              <a:ea typeface="+mn-ea"/>
+              <a:cs typeface="+mn-cs"/>
+              <a:sym typeface="Aptos"/>
+            </a:endParaRPr>
+          </a:p>
+        </p:txBody>
+      </p:sp>
     </p:spTree>
   </p:cSld>
   <p:clrMapOvr>
@@ -5558,7 +6176,7 @@
         <p:spPr>
           <a:xfrm>
             <a:off x="442483" y="4646651"/>
-            <a:ext cx="3367368" cy="1036320"/>
+            <a:ext cx="3367368" cy="1293303"/>
           </a:xfrm>
           <a:prstGeom prst="rect">
             <a:avLst/>
@@ -5590,6 +6208,37 @@
               </a:rPr>
               <a:t>Def. Corners Left: how many crosses turned into a shot?</a:t>
             </a:r>
+            <a:r>
+              <a:rPr lang="en-US" sz="1200" b="1">
+                <a:solidFill>
+                  <a:srgbClr val="000000"/>
+                </a:solidFill>
+                <a:latin typeface="Canva Sans Bold"/>
+                <a:ea typeface="Canva Sans Bold"/>
+                <a:cs typeface="Canva Sans Bold"/>
+                <a:sym typeface="Canva Sans Bold"/>
+              </a:rPr>
+              <a:t> {def_Corners_left_shots_vis}</a:t>
+            </a:r>
+          </a:p>
+          <a:p>
+            <a:pPr algn="ctr">
+              <a:lnSpc>
+                <a:spcPts val="1679"/>
+              </a:lnSpc>
+              <a:spcBef>
+                <a:spcPct val="0"/>
+              </a:spcBef>
+            </a:pPr>
+            <a:endParaRPr lang="en-US" sz="1200" b="1" spc="-6">
+              <a:solidFill>
+                <a:srgbClr val="000000"/>
+              </a:solidFill>
+              <a:latin typeface="Canva Sans Bold"/>
+              <a:ea typeface="Canva Sans Bold"/>
+              <a:cs typeface="Canva Sans Bold"/>
+              <a:sym typeface="Canva Sans Bold"/>
+            </a:endParaRPr>
           </a:p>
           <a:p>
             <a:pPr algn="ctr">
@@ -5888,18 +6537,15 @@
                   <a:spcPts val="1464"/>
                 </a:lnSpc>
               </a:pPr>
-              <a:r>
-                <a:rPr lang="en-US" sz="1045">
-                  <a:solidFill>
-                    <a:srgbClr val="FFFFFF"/>
-                  </a:solidFill>
-                  <a:latin typeface="Canva Sans"/>
-                  <a:ea typeface="Canva Sans"/>
-                  <a:cs typeface="Canva Sans"/>
-                  <a:sym typeface="Canva Sans"/>
-                </a:rPr>
-                <a:t>{bottom_bar}</a:t>
-              </a:r>
+              <a:endParaRPr lang="en-US" sz="1045">
+                <a:solidFill>
+                  <a:srgbClr val="FFFFFF"/>
+                </a:solidFill>
+                <a:latin typeface="Canva Sans"/>
+                <a:ea typeface="Canva Sans"/>
+                <a:cs typeface="Canva Sans"/>
+                <a:sym typeface="Canva Sans"/>
+              </a:endParaRPr>
             </a:p>
           </p:txBody>
         </p:sp>
@@ -5910,11 +6556,17 @@
           <p:cNvGraphicFramePr>
             <a:graphicFrameLocks noGrp="1"/>
           </p:cNvGraphicFramePr>
-          <p:nvPr/>
+          <p:nvPr>
+            <p:extLst>
+              <p:ext uri="{D42A27DB-BD31-4B8C-83A1-F6EECF244321}">
+                <p14:modId xmlns:p14="http://schemas.microsoft.com/office/powerpoint/2010/main" val="634835734"/>
+              </p:ext>
+            </p:extLst>
+          </p:nvPr>
         </p:nvGraphicFramePr>
         <p:xfrm>
           <a:off x="442483" y="1901132"/>
-          <a:ext cx="6575635" cy="2229498"/>
+          <a:ext cx="6575635" cy="2174675"/>
         </p:xfrm>
         <a:graphic>
           <a:graphicData uri="http://schemas.openxmlformats.org/drawingml/2006/table">
@@ -5957,7 +6609,7 @@
                   </a:extLst>
                 </a:gridCol>
               </a:tblGrid>
-              <a:tr h="701317">
+              <a:tr h="0">
                 <a:tc>
                   <a:txBody>
                     <a:bodyPr/>
@@ -7304,433 +7956,6 @@
           </a:graphicData>
         </a:graphic>
       </p:graphicFrame>
-      <p:grpSp>
-        <p:nvGrpSpPr>
-          <p:cNvPr id="11" name="Group 11"/>
-          <p:cNvGrpSpPr/>
-          <p:nvPr/>
-        </p:nvGrpSpPr>
-        <p:grpSpPr>
-          <a:xfrm>
-            <a:off x="140431" y="5179565"/>
-            <a:ext cx="3554058" cy="1968520"/>
-            <a:chOff x="-51681" y="-152502"/>
-            <a:chExt cx="1273694" cy="705473"/>
-          </a:xfrm>
-        </p:grpSpPr>
-        <p:sp>
-          <p:nvSpPr>
-            <p:cNvPr id="12" name="Freeform 12"/>
-            <p:cNvSpPr/>
-            <p:nvPr/>
-          </p:nvSpPr>
-          <p:spPr>
-            <a:xfrm>
-              <a:off x="-51681" y="-152502"/>
-              <a:ext cx="1222013" cy="552971"/>
-            </a:xfrm>
-            <a:custGeom>
-              <a:avLst/>
-              <a:gdLst/>
-              <a:ahLst/>
-              <a:cxnLst/>
-              <a:rect l="l" t="t" r="r" b="b"/>
-              <a:pathLst>
-                <a:path w="1222013" h="552971">
-                  <a:moveTo>
-                    <a:pt x="0" y="0"/>
-                  </a:moveTo>
-                  <a:lnTo>
-                    <a:pt x="1222013" y="0"/>
-                  </a:lnTo>
-                  <a:lnTo>
-                    <a:pt x="1222013" y="552971"/>
-                  </a:lnTo>
-                  <a:lnTo>
-                    <a:pt x="0" y="552971"/>
-                  </a:lnTo>
-                  <a:close/>
-                </a:path>
-              </a:pathLst>
-            </a:custGeom>
-            <a:solidFill>
-              <a:schemeClr val="bg1"/>
-            </a:solidFill>
-          </p:spPr>
-          <p:txBody>
-            <a:bodyPr/>
-            <a:lstStyle/>
-            <a:p>
-              <a:pPr algn="ctr">
-                <a:lnSpc>
-                  <a:spcPts val="1679"/>
-                </a:lnSpc>
-              </a:pPr>
-              <a:endParaRPr lang="en-US" b="1">
-                <a:solidFill>
-                  <a:srgbClr val="000000"/>
-                </a:solidFill>
-                <a:latin typeface="Canva Sans Bold"/>
-                <a:ea typeface="Canva Sans Bold"/>
-                <a:cs typeface="Canva Sans Bold"/>
-                <a:sym typeface="Canva Sans Bold"/>
-              </a:endParaRPr>
-            </a:p>
-            <a:p>
-              <a:pPr algn="ctr">
-                <a:lnSpc>
-                  <a:spcPts val="1679"/>
-                </a:lnSpc>
-              </a:pPr>
-              <a:endParaRPr lang="en-US" b="1">
-                <a:solidFill>
-                  <a:srgbClr val="000000"/>
-                </a:solidFill>
-                <a:latin typeface="Canva Sans Bold"/>
-                <a:ea typeface="Canva Sans Bold"/>
-                <a:cs typeface="Canva Sans Bold"/>
-                <a:sym typeface="Canva Sans Bold"/>
-              </a:endParaRPr>
-            </a:p>
-            <a:p>
-              <a:pPr algn="ctr">
-                <a:lnSpc>
-                  <a:spcPts val="1679"/>
-                </a:lnSpc>
-              </a:pPr>
-              <a:endParaRPr lang="en-US" b="1">
-                <a:solidFill>
-                  <a:srgbClr val="000000"/>
-                </a:solidFill>
-                <a:latin typeface="Canva Sans Bold"/>
-                <a:ea typeface="Canva Sans Bold"/>
-                <a:cs typeface="Canva Sans Bold"/>
-                <a:sym typeface="Canva Sans Bold"/>
-              </a:endParaRPr>
-            </a:p>
-            <a:p>
-              <a:pPr algn="ctr">
-                <a:lnSpc>
-                  <a:spcPts val="1679"/>
-                </a:lnSpc>
-              </a:pPr>
-              <a:r>
-                <a:rPr lang="en-US" b="1">
-                  <a:solidFill>
-                    <a:srgbClr val="000000"/>
-                  </a:solidFill>
-                  <a:latin typeface="Canva Sans Bold"/>
-                  <a:ea typeface="Canva Sans Bold"/>
-                  <a:cs typeface="Canva Sans Bold"/>
-                  <a:sym typeface="Canva Sans Bold"/>
-                </a:rPr>
-                <a:t>{def_Corners_left_shots_vis}</a:t>
-              </a:r>
-            </a:p>
-          </p:txBody>
-        </p:sp>
-        <p:sp>
-          <p:nvSpPr>
-            <p:cNvPr id="13" name="TextBox 13"/>
-            <p:cNvSpPr txBox="1"/>
-            <p:nvPr/>
-          </p:nvSpPr>
-          <p:spPr>
-            <a:xfrm>
-              <a:off x="0" y="-19050"/>
-              <a:ext cx="1222013" cy="572021"/>
-            </a:xfrm>
-            <a:prstGeom prst="rect">
-              <a:avLst/>
-            </a:prstGeom>
-          </p:spPr>
-          <p:txBody>
-            <a:bodyPr lIns="50800" tIns="50800" rIns="50800" bIns="50800" rtlCol="0" anchor="ctr"/>
-            <a:lstStyle/>
-            <a:p>
-              <a:pPr algn="ctr">
-                <a:lnSpc>
-                  <a:spcPts val="1679"/>
-                </a:lnSpc>
-              </a:pPr>
-              <a:endParaRPr lang="en-US" sz="1200" b="1">
-                <a:solidFill>
-                  <a:srgbClr val="000000"/>
-                </a:solidFill>
-                <a:latin typeface="Canva Sans Bold"/>
-                <a:ea typeface="Canva Sans Bold"/>
-                <a:cs typeface="Canva Sans Bold"/>
-                <a:sym typeface="Canva Sans Bold"/>
-              </a:endParaRPr>
-            </a:p>
-          </p:txBody>
-        </p:sp>
-      </p:grpSp>
-      <p:grpSp>
-        <p:nvGrpSpPr>
-          <p:cNvPr id="14" name="Group 14"/>
-          <p:cNvGrpSpPr/>
-          <p:nvPr/>
-        </p:nvGrpSpPr>
-        <p:grpSpPr>
-          <a:xfrm>
-            <a:off x="3920557" y="5179564"/>
-            <a:ext cx="3409850" cy="1542985"/>
-            <a:chOff x="0" y="0"/>
-            <a:chExt cx="1222013" cy="552971"/>
-          </a:xfrm>
-        </p:grpSpPr>
-        <p:sp>
-          <p:nvSpPr>
-            <p:cNvPr id="15" name="Freeform 15"/>
-            <p:cNvSpPr/>
-            <p:nvPr/>
-          </p:nvSpPr>
-          <p:spPr>
-            <a:xfrm>
-              <a:off x="0" y="0"/>
-              <a:ext cx="1222013" cy="552971"/>
-            </a:xfrm>
-            <a:custGeom>
-              <a:avLst/>
-              <a:gdLst/>
-              <a:ahLst/>
-              <a:cxnLst/>
-              <a:rect l="l" t="t" r="r" b="b"/>
-              <a:pathLst>
-                <a:path w="1222013" h="552971">
-                  <a:moveTo>
-                    <a:pt x="0" y="0"/>
-                  </a:moveTo>
-                  <a:lnTo>
-                    <a:pt x="1222013" y="0"/>
-                  </a:lnTo>
-                  <a:lnTo>
-                    <a:pt x="1222013" y="552971"/>
-                  </a:lnTo>
-                  <a:lnTo>
-                    <a:pt x="0" y="552971"/>
-                  </a:lnTo>
-                  <a:close/>
-                </a:path>
-              </a:pathLst>
-            </a:custGeom>
-            <a:solidFill>
-              <a:schemeClr val="bg1"/>
-            </a:solidFill>
-          </p:spPr>
-          <p:txBody>
-            <a:bodyPr/>
-            <a:lstStyle/>
-            <a:p>
-              <a:pPr algn="ctr">
-                <a:lnSpc>
-                  <a:spcPts val="1679"/>
-                </a:lnSpc>
-              </a:pPr>
-              <a:endParaRPr lang="en-US" b="1">
-                <a:solidFill>
-                  <a:srgbClr val="000000"/>
-                </a:solidFill>
-                <a:latin typeface="Canva Sans Bold"/>
-                <a:ea typeface="Canva Sans Bold"/>
-                <a:cs typeface="Canva Sans Bold"/>
-                <a:sym typeface="Canva Sans Bold"/>
-              </a:endParaRPr>
-            </a:p>
-            <a:p>
-              <a:pPr algn="ctr">
-                <a:lnSpc>
-                  <a:spcPts val="1679"/>
-                </a:lnSpc>
-              </a:pPr>
-              <a:endParaRPr lang="en-US" b="1">
-                <a:solidFill>
-                  <a:srgbClr val="000000"/>
-                </a:solidFill>
-                <a:latin typeface="Canva Sans Bold"/>
-                <a:ea typeface="Canva Sans Bold"/>
-                <a:cs typeface="Canva Sans Bold"/>
-                <a:sym typeface="Canva Sans Bold"/>
-              </a:endParaRPr>
-            </a:p>
-            <a:p>
-              <a:pPr algn="ctr">
-                <a:lnSpc>
-                  <a:spcPts val="1679"/>
-                </a:lnSpc>
-              </a:pPr>
-              <a:endParaRPr lang="en-US" b="1">
-                <a:solidFill>
-                  <a:srgbClr val="000000"/>
-                </a:solidFill>
-                <a:latin typeface="Canva Sans Bold"/>
-                <a:ea typeface="Canva Sans Bold"/>
-                <a:cs typeface="Canva Sans Bold"/>
-                <a:sym typeface="Canva Sans Bold"/>
-              </a:endParaRPr>
-            </a:p>
-            <a:p>
-              <a:pPr algn="ctr">
-                <a:lnSpc>
-                  <a:spcPts val="1679"/>
-                </a:lnSpc>
-              </a:pPr>
-              <a:r>
-                <a:rPr lang="en-US" b="1">
-                  <a:solidFill>
-                    <a:srgbClr val="000000"/>
-                  </a:solidFill>
-                  <a:latin typeface="Canva Sans Bold"/>
-                  <a:ea typeface="Canva Sans Bold"/>
-                  <a:cs typeface="Canva Sans Bold"/>
-                  <a:sym typeface="Canva Sans Bold"/>
-                </a:rPr>
-                <a:t>{def_Corners_left_shots_vis}</a:t>
-              </a:r>
-            </a:p>
-          </p:txBody>
-        </p:sp>
-        <p:sp>
-          <p:nvSpPr>
-            <p:cNvPr id="16" name="TextBox 16"/>
-            <p:cNvSpPr txBox="1"/>
-            <p:nvPr/>
-          </p:nvSpPr>
-          <p:spPr>
-            <a:xfrm>
-              <a:off x="0" y="-19050"/>
-              <a:ext cx="1222013" cy="572021"/>
-            </a:xfrm>
-            <a:prstGeom prst="rect">
-              <a:avLst/>
-            </a:prstGeom>
-          </p:spPr>
-          <p:txBody>
-            <a:bodyPr lIns="50800" tIns="50800" rIns="50800" bIns="50800" rtlCol="0" anchor="ctr"/>
-            <a:lstStyle/>
-            <a:p>
-              <a:pPr algn="ctr">
-                <a:lnSpc>
-                  <a:spcPts val="1679"/>
-                </a:lnSpc>
-              </a:pPr>
-              <a:endParaRPr lang="en-US" sz="1200" b="1">
-                <a:solidFill>
-                  <a:srgbClr val="000000"/>
-                </a:solidFill>
-                <a:latin typeface="Canva Sans Bold"/>
-                <a:ea typeface="Canva Sans Bold"/>
-                <a:cs typeface="Canva Sans Bold"/>
-                <a:sym typeface="Canva Sans Bold"/>
-              </a:endParaRPr>
-            </a:p>
-          </p:txBody>
-        </p:sp>
-      </p:grpSp>
-      <p:grpSp>
-        <p:nvGrpSpPr>
-          <p:cNvPr id="17" name="Group 17"/>
-          <p:cNvGrpSpPr/>
-          <p:nvPr/>
-        </p:nvGrpSpPr>
-        <p:grpSpPr>
-          <a:xfrm>
-            <a:off x="248827" y="7468778"/>
-            <a:ext cx="3445662" cy="2636178"/>
-            <a:chOff x="0" y="0"/>
-            <a:chExt cx="1234847" cy="944747"/>
-          </a:xfrm>
-          <a:solidFill>
-            <a:schemeClr val="bg1"/>
-          </a:solidFill>
-        </p:grpSpPr>
-        <p:sp>
-          <p:nvSpPr>
-            <p:cNvPr id="18" name="Freeform 18"/>
-            <p:cNvSpPr/>
-            <p:nvPr/>
-          </p:nvSpPr>
-          <p:spPr>
-            <a:xfrm>
-              <a:off x="0" y="0"/>
-              <a:ext cx="1234847" cy="944747"/>
-            </a:xfrm>
-            <a:custGeom>
-              <a:avLst/>
-              <a:gdLst/>
-              <a:ahLst/>
-              <a:cxnLst/>
-              <a:rect l="l" t="t" r="r" b="b"/>
-              <a:pathLst>
-                <a:path w="1234847" h="944747">
-                  <a:moveTo>
-                    <a:pt x="0" y="0"/>
-                  </a:moveTo>
-                  <a:lnTo>
-                    <a:pt x="1234847" y="0"/>
-                  </a:lnTo>
-                  <a:lnTo>
-                    <a:pt x="1234847" y="944747"/>
-                  </a:lnTo>
-                  <a:lnTo>
-                    <a:pt x="0" y="944747"/>
-                  </a:lnTo>
-                  <a:close/>
-                </a:path>
-              </a:pathLst>
-            </a:custGeom>
-            <a:grpFill/>
-          </p:spPr>
-          <p:txBody>
-            <a:bodyPr/>
-            <a:lstStyle/>
-            <a:p>
-              <a:endParaRPr lang="LID4096"/>
-            </a:p>
-          </p:txBody>
-        </p:sp>
-        <p:sp>
-          <p:nvSpPr>
-            <p:cNvPr id="19" name="TextBox 19"/>
-            <p:cNvSpPr txBox="1"/>
-            <p:nvPr/>
-          </p:nvSpPr>
-          <p:spPr>
-            <a:xfrm>
-              <a:off x="0" y="-19050"/>
-              <a:ext cx="1234847" cy="963797"/>
-            </a:xfrm>
-            <a:prstGeom prst="rect">
-              <a:avLst/>
-            </a:prstGeom>
-            <a:grpFill/>
-          </p:spPr>
-          <p:txBody>
-            <a:bodyPr lIns="50800" tIns="50800" rIns="50800" bIns="50800" rtlCol="0" anchor="ctr"/>
-            <a:lstStyle/>
-            <a:p>
-              <a:pPr algn="ctr">
-                <a:lnSpc>
-                  <a:spcPts val="1679"/>
-                </a:lnSpc>
-              </a:pPr>
-              <a:r>
-                <a:rPr lang="en-US" sz="1200" b="1">
-                  <a:solidFill>
-                    <a:srgbClr val="000000"/>
-                  </a:solidFill>
-                  <a:latin typeface="Canva Sans Bold"/>
-                  <a:ea typeface="Canva Sans Bold"/>
-                  <a:cs typeface="Canva Sans Bold"/>
-                  <a:sym typeface="Canva Sans Bold"/>
-                </a:rPr>
-                <a:t>{att_corners_headers}</a:t>
-              </a:r>
-            </a:p>
-          </p:txBody>
-        </p:sp>
-      </p:grpSp>
       <p:sp>
         <p:nvSpPr>
           <p:cNvPr id="20" name="TextBox 20"/>
@@ -7863,109 +8088,6 @@
           </a:p>
         </p:txBody>
       </p:sp>
-      <p:grpSp>
-        <p:nvGrpSpPr>
-          <p:cNvPr id="23" name="Group 23"/>
-          <p:cNvGrpSpPr/>
-          <p:nvPr/>
-        </p:nvGrpSpPr>
-        <p:grpSpPr>
-          <a:xfrm>
-            <a:off x="3920557" y="7468778"/>
-            <a:ext cx="3445662" cy="2636178"/>
-            <a:chOff x="0" y="0"/>
-            <a:chExt cx="1234847" cy="944747"/>
-          </a:xfrm>
-          <a:solidFill>
-            <a:schemeClr val="bg1"/>
-          </a:solidFill>
-        </p:grpSpPr>
-        <p:sp>
-          <p:nvSpPr>
-            <p:cNvPr id="24" name="Freeform 24"/>
-            <p:cNvSpPr/>
-            <p:nvPr/>
-          </p:nvSpPr>
-          <p:spPr>
-            <a:xfrm>
-              <a:off x="0" y="0"/>
-              <a:ext cx="1234847" cy="944747"/>
-            </a:xfrm>
-            <a:custGeom>
-              <a:avLst/>
-              <a:gdLst/>
-              <a:ahLst/>
-              <a:cxnLst/>
-              <a:rect l="l" t="t" r="r" b="b"/>
-              <a:pathLst>
-                <a:path w="1234847" h="944747">
-                  <a:moveTo>
-                    <a:pt x="0" y="0"/>
-                  </a:moveTo>
-                  <a:lnTo>
-                    <a:pt x="1234847" y="0"/>
-                  </a:lnTo>
-                  <a:lnTo>
-                    <a:pt x="1234847" y="944747"/>
-                  </a:lnTo>
-                  <a:lnTo>
-                    <a:pt x="0" y="944747"/>
-                  </a:lnTo>
-                  <a:close/>
-                </a:path>
-              </a:pathLst>
-            </a:custGeom>
-            <a:grpFill/>
-          </p:spPr>
-          <p:txBody>
-            <a:bodyPr/>
-            <a:lstStyle/>
-            <a:p>
-              <a:endParaRPr lang="LID4096"/>
-            </a:p>
-          </p:txBody>
-        </p:sp>
-        <p:sp>
-          <p:nvSpPr>
-            <p:cNvPr id="25" name="TextBox 25"/>
-            <p:cNvSpPr txBox="1"/>
-            <p:nvPr/>
-          </p:nvSpPr>
-          <p:spPr>
-            <a:xfrm>
-              <a:off x="0" y="-19050"/>
-              <a:ext cx="1234847" cy="963797"/>
-            </a:xfrm>
-            <a:prstGeom prst="rect">
-              <a:avLst/>
-            </a:prstGeom>
-            <a:grpFill/>
-          </p:spPr>
-          <p:txBody>
-            <a:bodyPr lIns="50800" tIns="50800" rIns="50800" bIns="50800" rtlCol="0" anchor="ctr"/>
-            <a:lstStyle/>
-            <a:p>
-              <a:pPr algn="ctr">
-                <a:lnSpc>
-                  <a:spcPts val="1679"/>
-                </a:lnSpc>
-              </a:pPr>
-              <a:r>
-                <a:rPr lang="en-US" sz="1200" b="1">
-                  <a:solidFill>
-                    <a:srgbClr val="000000"/>
-                  </a:solidFill>
-                  <a:latin typeface="Canva Sans Bold"/>
-                  <a:ea typeface="Canva Sans Bold"/>
-                  <a:cs typeface="Canva Sans Bold"/>
-                  <a:sym typeface="Canva Sans Bold"/>
-                </a:rPr>
-                <a:t>{def_corners_headers}</a:t>
-              </a:r>
-            </a:p>
-          </p:txBody>
-        </p:sp>
-      </p:grpSp>
       <p:grpSp>
         <p:nvGrpSpPr>
           <p:cNvPr id="26" name="Group 26"/>
@@ -8130,6 +8252,1028 @@
               </a:rPr>
               <a:t>Corners {TEAM_NAME}</a:t>
             </a:r>
+          </a:p>
+        </p:txBody>
+      </p:sp>
+      <p:sp>
+        <p:nvSpPr>
+          <p:cNvPr id="34" name="Rectangle 2">
+            <a:extLst>
+              <a:ext uri="{FF2B5EF4-FFF2-40B4-BE49-F238E27FC236}">
+                <a16:creationId xmlns:a16="http://schemas.microsoft.com/office/drawing/2014/main" id="{30C141DD-440A-D8AB-B4FF-A82C5F89309E}"/>
+              </a:ext>
+            </a:extLst>
+          </p:cNvPr>
+          <p:cNvSpPr/>
+          <p:nvPr/>
+        </p:nvSpPr>
+        <p:spPr>
+          <a:xfrm>
+            <a:off x="3918936" y="5317027"/>
+            <a:ext cx="3359965" cy="1596141"/>
+          </a:xfrm>
+          <a:prstGeom prst="rect">
+            <a:avLst/>
+          </a:prstGeom>
+          <a:solidFill>
+            <a:srgbClr val="FFFFFF"/>
+          </a:solidFill>
+          <a:ln w="12700">
+            <a:miter lim="400000"/>
+          </a:ln>
+          <a:effectLst>
+            <a:outerShdw blurRad="50800" dist="127920" dir="3116579" rotWithShape="0">
+              <a:srgbClr val="000000">
+                <a:alpha val="48426"/>
+              </a:srgbClr>
+            </a:outerShdw>
+          </a:effectLst>
+        </p:spPr>
+        <p:txBody>
+          <a:bodyPr lIns="45718" tIns="45718" rIns="45718" bIns="45718" anchor="ctr"/>
+          <a:lstStyle/>
+          <a:p>
+            <a:endParaRPr/>
+          </a:p>
+        </p:txBody>
+      </p:sp>
+      <p:sp>
+        <p:nvSpPr>
+          <p:cNvPr id="35" name="Rectangle 34">
+            <a:extLst>
+              <a:ext uri="{FF2B5EF4-FFF2-40B4-BE49-F238E27FC236}">
+                <a16:creationId xmlns:a16="http://schemas.microsoft.com/office/drawing/2014/main" id="{01FA4B6F-FE8E-8F68-3B8E-0F17889CDCFA}"/>
+              </a:ext>
+            </a:extLst>
+          </p:cNvPr>
+          <p:cNvSpPr/>
+          <p:nvPr/>
+        </p:nvSpPr>
+        <p:spPr>
+          <a:xfrm>
+            <a:off x="3918936" y="5317027"/>
+            <a:ext cx="3366347" cy="1600200"/>
+          </a:xfrm>
+          <a:prstGeom prst="rect">
+            <a:avLst/>
+          </a:prstGeom>
+          <a:noFill/>
+          <a:ln>
+            <a:solidFill>
+              <a:schemeClr val="tx2">
+                <a:lumMod val="50000"/>
+              </a:schemeClr>
+            </a:solidFill>
+          </a:ln>
+          <a:effectLst>
+            <a:glow rad="63500">
+              <a:schemeClr val="tx2">
+                <a:lumMod val="50000"/>
+                <a:alpha val="40000"/>
+              </a:schemeClr>
+            </a:glow>
+            <a:outerShdw blurRad="152400" dist="317500" dir="5400000" sx="90000" sy="-19000" rotWithShape="0">
+              <a:prstClr val="black">
+                <a:alpha val="15000"/>
+              </a:prstClr>
+            </a:outerShdw>
+          </a:effectLst>
+        </p:spPr>
+        <p:style>
+          <a:lnRef idx="2">
+            <a:schemeClr val="dk1"/>
+          </a:lnRef>
+          <a:fillRef idx="1">
+            <a:schemeClr val="lt1"/>
+          </a:fillRef>
+          <a:effectRef idx="0">
+            <a:schemeClr val="dk1"/>
+          </a:effectRef>
+          <a:fontRef idx="minor">
+            <a:schemeClr val="dk1"/>
+          </a:fontRef>
+        </p:style>
+        <p:txBody>
+          <a:bodyPr rot="0" spcFirstLastPara="1" vertOverflow="overflow" horzOverflow="overflow" vert="horz" wrap="square" lIns="45719" tIns="45719" rIns="45719" bIns="45719" numCol="1" spcCol="38100" rtlCol="0" anchor="ctr">
+            <a:spAutoFit/>
+          </a:bodyPr>
+          <a:lstStyle/>
+          <a:p>
+            <a:pPr marL="0" marR="0" indent="0" algn="l" defTabSz="457200" rtl="0" fontAlgn="auto" latinLnBrk="0" hangingPunct="0">
+              <a:lnSpc>
+                <a:spcPct val="100000"/>
+              </a:lnSpc>
+              <a:spcBef>
+                <a:spcPts val="0"/>
+              </a:spcBef>
+              <a:spcAft>
+                <a:spcPts val="0"/>
+              </a:spcAft>
+              <a:buClrTx/>
+              <a:buSzTx/>
+              <a:buFontTx/>
+              <a:buNone/>
+              <a:tabLst/>
+            </a:pPr>
+            <a:r>
+              <a:rPr kumimoji="0" lang="en-US" sz="1800" b="0" i="0" u="none" strike="noStrike" cap="none" spc="0" normalizeH="0" baseline="0">
+                <a:ln>
+                  <a:solidFill>
+                    <a:schemeClr val="tx1"/>
+                  </a:solidFill>
+                </a:ln>
+                <a:solidFill>
+                  <a:srgbClr val="000000"/>
+                </a:solidFill>
+                <a:effectLst/>
+                <a:uFillTx/>
+                <a:latin typeface="+mn-lt"/>
+                <a:ea typeface="+mn-ea"/>
+                <a:cs typeface="+mn-cs"/>
+                <a:sym typeface="Aptos"/>
+              </a:rPr>
+              <a:t>{def_Corners_left_shots_vis}</a:t>
+            </a:r>
+          </a:p>
+          <a:p>
+            <a:pPr marL="0" marR="0" indent="0" algn="l" defTabSz="457200" rtl="0" fontAlgn="auto" latinLnBrk="0" hangingPunct="0">
+              <a:lnSpc>
+                <a:spcPct val="100000"/>
+              </a:lnSpc>
+              <a:spcBef>
+                <a:spcPts val="0"/>
+              </a:spcBef>
+              <a:spcAft>
+                <a:spcPts val="0"/>
+              </a:spcAft>
+              <a:buClrTx/>
+              <a:buSzTx/>
+              <a:buFontTx/>
+              <a:buNone/>
+              <a:tabLst/>
+            </a:pPr>
+            <a:endParaRPr lang="nl-NL">
+              <a:ln>
+                <a:solidFill>
+                  <a:schemeClr val="tx1"/>
+                </a:solidFill>
+              </a:ln>
+            </a:endParaRPr>
+          </a:p>
+          <a:p>
+            <a:pPr marL="0" marR="0" indent="0" algn="l" defTabSz="457200" rtl="0" fontAlgn="auto" latinLnBrk="0" hangingPunct="0">
+              <a:lnSpc>
+                <a:spcPct val="100000"/>
+              </a:lnSpc>
+              <a:spcBef>
+                <a:spcPts val="0"/>
+              </a:spcBef>
+              <a:spcAft>
+                <a:spcPts val="0"/>
+              </a:spcAft>
+              <a:buClrTx/>
+              <a:buSzTx/>
+              <a:buFontTx/>
+              <a:buNone/>
+              <a:tabLst/>
+            </a:pPr>
+            <a:endParaRPr kumimoji="0" lang="nl-NL" sz="1800" b="0" i="0" u="none" strike="noStrike" cap="none" spc="0" normalizeH="0" baseline="0">
+              <a:ln>
+                <a:solidFill>
+                  <a:schemeClr val="tx1"/>
+                </a:solidFill>
+              </a:ln>
+              <a:solidFill>
+                <a:srgbClr val="000000"/>
+              </a:solidFill>
+              <a:effectLst/>
+              <a:uFillTx/>
+              <a:latin typeface="+mn-lt"/>
+              <a:ea typeface="+mn-ea"/>
+              <a:cs typeface="+mn-cs"/>
+              <a:sym typeface="Aptos"/>
+            </a:endParaRPr>
+          </a:p>
+          <a:p>
+            <a:pPr marL="0" marR="0" indent="0" algn="l" defTabSz="457200" rtl="0" fontAlgn="auto" latinLnBrk="0" hangingPunct="0">
+              <a:lnSpc>
+                <a:spcPct val="100000"/>
+              </a:lnSpc>
+              <a:spcBef>
+                <a:spcPts val="0"/>
+              </a:spcBef>
+              <a:spcAft>
+                <a:spcPts val="0"/>
+              </a:spcAft>
+              <a:buClrTx/>
+              <a:buSzTx/>
+              <a:buFontTx/>
+              <a:buNone/>
+              <a:tabLst/>
+            </a:pPr>
+            <a:endParaRPr lang="nl-NL">
+              <a:ln>
+                <a:solidFill>
+                  <a:schemeClr val="tx1"/>
+                </a:solidFill>
+              </a:ln>
+            </a:endParaRPr>
+          </a:p>
+          <a:p>
+            <a:pPr marL="0" marR="0" indent="0" algn="l" defTabSz="457200" rtl="0" fontAlgn="auto" latinLnBrk="0" hangingPunct="0">
+              <a:lnSpc>
+                <a:spcPct val="100000"/>
+              </a:lnSpc>
+              <a:spcBef>
+                <a:spcPts val="0"/>
+              </a:spcBef>
+              <a:spcAft>
+                <a:spcPts val="0"/>
+              </a:spcAft>
+              <a:buClrTx/>
+              <a:buSzTx/>
+              <a:buFontTx/>
+              <a:buNone/>
+              <a:tabLst/>
+            </a:pPr>
+            <a:endParaRPr kumimoji="0" lang="LID4096" sz="1800" b="0" i="0" u="none" strike="noStrike" cap="none" spc="0" normalizeH="0" baseline="0">
+              <a:ln>
+                <a:solidFill>
+                  <a:schemeClr val="tx1"/>
+                </a:solidFill>
+              </a:ln>
+              <a:solidFill>
+                <a:srgbClr val="000000"/>
+              </a:solidFill>
+              <a:effectLst/>
+              <a:uFillTx/>
+              <a:latin typeface="+mn-lt"/>
+              <a:ea typeface="+mn-ea"/>
+              <a:cs typeface="+mn-cs"/>
+              <a:sym typeface="Aptos"/>
+            </a:endParaRPr>
+          </a:p>
+        </p:txBody>
+      </p:sp>
+      <p:sp>
+        <p:nvSpPr>
+          <p:cNvPr id="36" name="Rectangle 2">
+            <a:extLst>
+              <a:ext uri="{FF2B5EF4-FFF2-40B4-BE49-F238E27FC236}">
+                <a16:creationId xmlns:a16="http://schemas.microsoft.com/office/drawing/2014/main" id="{A5907B32-F324-C514-AA6A-CAF285702F51}"/>
+              </a:ext>
+            </a:extLst>
+          </p:cNvPr>
+          <p:cNvSpPr/>
+          <p:nvPr/>
+        </p:nvSpPr>
+        <p:spPr>
+          <a:xfrm>
+            <a:off x="397197" y="5304351"/>
+            <a:ext cx="3359965" cy="1596141"/>
+          </a:xfrm>
+          <a:prstGeom prst="rect">
+            <a:avLst/>
+          </a:prstGeom>
+          <a:solidFill>
+            <a:srgbClr val="FFFFFF"/>
+          </a:solidFill>
+          <a:ln w="12700">
+            <a:miter lim="400000"/>
+          </a:ln>
+          <a:effectLst>
+            <a:outerShdw blurRad="50800" dist="127920" dir="3116579" rotWithShape="0">
+              <a:srgbClr val="000000">
+                <a:alpha val="48426"/>
+              </a:srgbClr>
+            </a:outerShdw>
+          </a:effectLst>
+        </p:spPr>
+        <p:txBody>
+          <a:bodyPr lIns="45718" tIns="45718" rIns="45718" bIns="45718" anchor="ctr"/>
+          <a:lstStyle/>
+          <a:p>
+            <a:endParaRPr/>
+          </a:p>
+        </p:txBody>
+      </p:sp>
+      <p:sp>
+        <p:nvSpPr>
+          <p:cNvPr id="37" name="Rectangle 36">
+            <a:extLst>
+              <a:ext uri="{FF2B5EF4-FFF2-40B4-BE49-F238E27FC236}">
+                <a16:creationId xmlns:a16="http://schemas.microsoft.com/office/drawing/2014/main" id="{3AAF7B1A-25C4-8431-1FAC-8FF57566D154}"/>
+              </a:ext>
+            </a:extLst>
+          </p:cNvPr>
+          <p:cNvSpPr/>
+          <p:nvPr/>
+        </p:nvSpPr>
+        <p:spPr>
+          <a:xfrm>
+            <a:off x="383057" y="5310677"/>
+            <a:ext cx="3366347" cy="1600200"/>
+          </a:xfrm>
+          <a:prstGeom prst="rect">
+            <a:avLst/>
+          </a:prstGeom>
+          <a:noFill/>
+          <a:ln>
+            <a:solidFill>
+              <a:schemeClr val="tx2">
+                <a:lumMod val="50000"/>
+              </a:schemeClr>
+            </a:solidFill>
+          </a:ln>
+          <a:effectLst>
+            <a:glow rad="63500">
+              <a:schemeClr val="tx2">
+                <a:lumMod val="50000"/>
+                <a:alpha val="40000"/>
+              </a:schemeClr>
+            </a:glow>
+            <a:outerShdw blurRad="152400" dist="317500" dir="5400000" sx="90000" sy="-19000" rotWithShape="0">
+              <a:prstClr val="black">
+                <a:alpha val="15000"/>
+              </a:prstClr>
+            </a:outerShdw>
+          </a:effectLst>
+        </p:spPr>
+        <p:style>
+          <a:lnRef idx="2">
+            <a:schemeClr val="dk1"/>
+          </a:lnRef>
+          <a:fillRef idx="1">
+            <a:schemeClr val="lt1"/>
+          </a:fillRef>
+          <a:effectRef idx="0">
+            <a:schemeClr val="dk1"/>
+          </a:effectRef>
+          <a:fontRef idx="minor">
+            <a:schemeClr val="dk1"/>
+          </a:fontRef>
+        </p:style>
+        <p:txBody>
+          <a:bodyPr rot="0" spcFirstLastPara="1" vertOverflow="overflow" horzOverflow="overflow" vert="horz" wrap="square" lIns="45719" tIns="45719" rIns="45719" bIns="45719" numCol="1" spcCol="38100" rtlCol="0" anchor="ctr">
+            <a:spAutoFit/>
+          </a:bodyPr>
+          <a:lstStyle/>
+          <a:p>
+            <a:pPr marL="0" marR="0" indent="0" algn="l" defTabSz="457200" rtl="0" fontAlgn="auto" latinLnBrk="0" hangingPunct="0">
+              <a:lnSpc>
+                <a:spcPct val="100000"/>
+              </a:lnSpc>
+              <a:spcBef>
+                <a:spcPts val="0"/>
+              </a:spcBef>
+              <a:spcAft>
+                <a:spcPts val="0"/>
+              </a:spcAft>
+              <a:buClrTx/>
+              <a:buSzTx/>
+              <a:buFontTx/>
+              <a:buNone/>
+              <a:tabLst/>
+            </a:pPr>
+            <a:r>
+              <a:rPr lang="en-US">
+                <a:ln>
+                  <a:solidFill>
+                    <a:schemeClr val="tx1"/>
+                  </a:solidFill>
+                </a:ln>
+              </a:rPr>
+              <a:t>{def_Corners_left_shots_vis}</a:t>
+            </a:r>
+          </a:p>
+          <a:p>
+            <a:pPr marL="0" marR="0" indent="0" algn="l" defTabSz="457200" rtl="0" fontAlgn="auto" latinLnBrk="0" hangingPunct="0">
+              <a:lnSpc>
+                <a:spcPct val="100000"/>
+              </a:lnSpc>
+              <a:spcBef>
+                <a:spcPts val="0"/>
+              </a:spcBef>
+              <a:spcAft>
+                <a:spcPts val="0"/>
+              </a:spcAft>
+              <a:buClrTx/>
+              <a:buSzTx/>
+              <a:buFontTx/>
+              <a:buNone/>
+              <a:tabLst/>
+            </a:pPr>
+            <a:endParaRPr lang="nl-NL">
+              <a:ln>
+                <a:solidFill>
+                  <a:schemeClr val="tx1"/>
+                </a:solidFill>
+              </a:ln>
+            </a:endParaRPr>
+          </a:p>
+          <a:p>
+            <a:pPr marL="0" marR="0" indent="0" algn="l" defTabSz="457200" rtl="0" fontAlgn="auto" latinLnBrk="0" hangingPunct="0">
+              <a:lnSpc>
+                <a:spcPct val="100000"/>
+              </a:lnSpc>
+              <a:spcBef>
+                <a:spcPts val="0"/>
+              </a:spcBef>
+              <a:spcAft>
+                <a:spcPts val="0"/>
+              </a:spcAft>
+              <a:buClrTx/>
+              <a:buSzTx/>
+              <a:buFontTx/>
+              <a:buNone/>
+              <a:tabLst/>
+            </a:pPr>
+            <a:endParaRPr kumimoji="0" lang="nl-NL" sz="1800" b="0" i="0" u="none" strike="noStrike" cap="none" spc="0" normalizeH="0" baseline="0">
+              <a:ln>
+                <a:solidFill>
+                  <a:schemeClr val="tx1"/>
+                </a:solidFill>
+              </a:ln>
+              <a:solidFill>
+                <a:srgbClr val="000000"/>
+              </a:solidFill>
+              <a:effectLst/>
+              <a:uFillTx/>
+              <a:latin typeface="+mn-lt"/>
+              <a:ea typeface="+mn-ea"/>
+              <a:cs typeface="+mn-cs"/>
+              <a:sym typeface="Aptos"/>
+            </a:endParaRPr>
+          </a:p>
+          <a:p>
+            <a:pPr marL="0" marR="0" indent="0" algn="l" defTabSz="457200" rtl="0" fontAlgn="auto" latinLnBrk="0" hangingPunct="0">
+              <a:lnSpc>
+                <a:spcPct val="100000"/>
+              </a:lnSpc>
+              <a:spcBef>
+                <a:spcPts val="0"/>
+              </a:spcBef>
+              <a:spcAft>
+                <a:spcPts val="0"/>
+              </a:spcAft>
+              <a:buClrTx/>
+              <a:buSzTx/>
+              <a:buFontTx/>
+              <a:buNone/>
+              <a:tabLst/>
+            </a:pPr>
+            <a:endParaRPr lang="nl-NL">
+              <a:ln>
+                <a:solidFill>
+                  <a:schemeClr val="tx1"/>
+                </a:solidFill>
+              </a:ln>
+            </a:endParaRPr>
+          </a:p>
+          <a:p>
+            <a:pPr marL="0" marR="0" indent="0" algn="l" defTabSz="457200" rtl="0" fontAlgn="auto" latinLnBrk="0" hangingPunct="0">
+              <a:lnSpc>
+                <a:spcPct val="100000"/>
+              </a:lnSpc>
+              <a:spcBef>
+                <a:spcPts val="0"/>
+              </a:spcBef>
+              <a:spcAft>
+                <a:spcPts val="0"/>
+              </a:spcAft>
+              <a:buClrTx/>
+              <a:buSzTx/>
+              <a:buFontTx/>
+              <a:buNone/>
+              <a:tabLst/>
+            </a:pPr>
+            <a:endParaRPr kumimoji="0" lang="LID4096" sz="1800" b="0" i="0" u="none" strike="noStrike" cap="none" spc="0" normalizeH="0" baseline="0">
+              <a:ln>
+                <a:solidFill>
+                  <a:schemeClr val="tx1"/>
+                </a:solidFill>
+              </a:ln>
+              <a:solidFill>
+                <a:srgbClr val="000000"/>
+              </a:solidFill>
+              <a:effectLst/>
+              <a:uFillTx/>
+              <a:latin typeface="+mn-lt"/>
+              <a:ea typeface="+mn-ea"/>
+              <a:cs typeface="+mn-cs"/>
+              <a:sym typeface="Aptos"/>
+            </a:endParaRPr>
+          </a:p>
+        </p:txBody>
+      </p:sp>
+      <p:sp>
+        <p:nvSpPr>
+          <p:cNvPr id="40" name="Rectangle 2">
+            <a:extLst>
+              <a:ext uri="{FF2B5EF4-FFF2-40B4-BE49-F238E27FC236}">
+                <a16:creationId xmlns:a16="http://schemas.microsoft.com/office/drawing/2014/main" id="{61700699-F50E-00E1-D48A-3108A8DCE342}"/>
+              </a:ext>
+            </a:extLst>
+          </p:cNvPr>
+          <p:cNvSpPr/>
+          <p:nvPr/>
+        </p:nvSpPr>
+        <p:spPr>
+          <a:xfrm>
+            <a:off x="3918936" y="7586187"/>
+            <a:ext cx="3359965" cy="2554617"/>
+          </a:xfrm>
+          <a:prstGeom prst="rect">
+            <a:avLst/>
+          </a:prstGeom>
+          <a:solidFill>
+            <a:srgbClr val="FFFFFF"/>
+          </a:solidFill>
+          <a:ln w="12700">
+            <a:miter lim="400000"/>
+          </a:ln>
+          <a:effectLst>
+            <a:outerShdw blurRad="50800" dist="127920" dir="3116579" rotWithShape="0">
+              <a:srgbClr val="000000">
+                <a:alpha val="48426"/>
+              </a:srgbClr>
+            </a:outerShdw>
+          </a:effectLst>
+        </p:spPr>
+        <p:txBody>
+          <a:bodyPr lIns="45718" tIns="45718" rIns="45718" bIns="45718" anchor="ctr"/>
+          <a:lstStyle/>
+          <a:p>
+            <a:endParaRPr/>
+          </a:p>
+        </p:txBody>
+      </p:sp>
+      <p:sp>
+        <p:nvSpPr>
+          <p:cNvPr id="41" name="Rectangle 40">
+            <a:extLst>
+              <a:ext uri="{FF2B5EF4-FFF2-40B4-BE49-F238E27FC236}">
+                <a16:creationId xmlns:a16="http://schemas.microsoft.com/office/drawing/2014/main" id="{4C1D049D-DD3A-11AD-0C55-ED2CF94DABA8}"/>
+              </a:ext>
+            </a:extLst>
+          </p:cNvPr>
+          <p:cNvSpPr/>
+          <p:nvPr/>
+        </p:nvSpPr>
+        <p:spPr>
+          <a:xfrm>
+            <a:off x="3918936" y="7586187"/>
+            <a:ext cx="3366347" cy="2551176"/>
+          </a:xfrm>
+          <a:prstGeom prst="rect">
+            <a:avLst/>
+          </a:prstGeom>
+          <a:noFill/>
+          <a:ln>
+            <a:solidFill>
+              <a:schemeClr val="tx2">
+                <a:lumMod val="50000"/>
+              </a:schemeClr>
+            </a:solidFill>
+          </a:ln>
+          <a:effectLst>
+            <a:glow rad="63500">
+              <a:schemeClr val="tx2">
+                <a:lumMod val="50000"/>
+                <a:alpha val="40000"/>
+              </a:schemeClr>
+            </a:glow>
+            <a:outerShdw blurRad="152400" dist="317500" dir="5400000" sx="90000" sy="-19000" rotWithShape="0">
+              <a:prstClr val="black">
+                <a:alpha val="15000"/>
+              </a:prstClr>
+            </a:outerShdw>
+          </a:effectLst>
+        </p:spPr>
+        <p:style>
+          <a:lnRef idx="2">
+            <a:schemeClr val="dk1"/>
+          </a:lnRef>
+          <a:fillRef idx="1">
+            <a:schemeClr val="lt1"/>
+          </a:fillRef>
+          <a:effectRef idx="0">
+            <a:schemeClr val="dk1"/>
+          </a:effectRef>
+          <a:fontRef idx="minor">
+            <a:schemeClr val="dk1"/>
+          </a:fontRef>
+        </p:style>
+        <p:txBody>
+          <a:bodyPr rot="0" spcFirstLastPara="1" vertOverflow="overflow" horzOverflow="overflow" vert="horz" wrap="square" lIns="45719" tIns="45719" rIns="45719" bIns="45719" numCol="1" spcCol="38100" rtlCol="0" anchor="ctr">
+            <a:spAutoFit/>
+          </a:bodyPr>
+          <a:lstStyle/>
+          <a:p>
+            <a:pPr marL="0" marR="0" indent="0" algn="l" defTabSz="457200" rtl="0" fontAlgn="auto" latinLnBrk="0" hangingPunct="0">
+              <a:lnSpc>
+                <a:spcPct val="100000"/>
+              </a:lnSpc>
+              <a:spcBef>
+                <a:spcPts val="0"/>
+              </a:spcBef>
+              <a:spcAft>
+                <a:spcPts val="0"/>
+              </a:spcAft>
+              <a:buClrTx/>
+              <a:buSzTx/>
+              <a:buFontTx/>
+              <a:buNone/>
+              <a:tabLst/>
+            </a:pPr>
+            <a:r>
+              <a:rPr kumimoji="0" lang="en-US" sz="1800" b="0" i="0" u="none" strike="noStrike" cap="none" spc="0" normalizeH="0" baseline="0">
+                <a:ln>
+                  <a:solidFill>
+                    <a:schemeClr val="tx1"/>
+                  </a:solidFill>
+                </a:ln>
+                <a:solidFill>
+                  <a:srgbClr val="000000"/>
+                </a:solidFill>
+                <a:effectLst/>
+                <a:uFillTx/>
+                <a:latin typeface="+mn-lt"/>
+                <a:ea typeface="+mn-ea"/>
+                <a:cs typeface="+mn-cs"/>
+                <a:sym typeface="Aptos"/>
+              </a:rPr>
+              <a:t>Def_corners_headers}</a:t>
+            </a:r>
+          </a:p>
+          <a:p>
+            <a:pPr marL="0" marR="0" indent="0" algn="l" defTabSz="457200" rtl="0" fontAlgn="auto" latinLnBrk="0" hangingPunct="0">
+              <a:lnSpc>
+                <a:spcPct val="100000"/>
+              </a:lnSpc>
+              <a:spcBef>
+                <a:spcPts val="0"/>
+              </a:spcBef>
+              <a:spcAft>
+                <a:spcPts val="0"/>
+              </a:spcAft>
+              <a:buClrTx/>
+              <a:buSzTx/>
+              <a:buFontTx/>
+              <a:buNone/>
+              <a:tabLst/>
+            </a:pPr>
+            <a:endParaRPr lang="nl-NL">
+              <a:ln>
+                <a:solidFill>
+                  <a:schemeClr val="tx1"/>
+                </a:solidFill>
+              </a:ln>
+            </a:endParaRPr>
+          </a:p>
+          <a:p>
+            <a:pPr marL="0" marR="0" indent="0" algn="l" defTabSz="457200" rtl="0" fontAlgn="auto" latinLnBrk="0" hangingPunct="0">
+              <a:lnSpc>
+                <a:spcPct val="100000"/>
+              </a:lnSpc>
+              <a:spcBef>
+                <a:spcPts val="0"/>
+              </a:spcBef>
+              <a:spcAft>
+                <a:spcPts val="0"/>
+              </a:spcAft>
+              <a:buClrTx/>
+              <a:buSzTx/>
+              <a:buFontTx/>
+              <a:buNone/>
+              <a:tabLst/>
+            </a:pPr>
+            <a:endParaRPr kumimoji="0" lang="nl-NL" sz="1800" b="0" i="0" u="none" strike="noStrike" cap="none" spc="0" normalizeH="0" baseline="0">
+              <a:ln>
+                <a:solidFill>
+                  <a:schemeClr val="tx1"/>
+                </a:solidFill>
+              </a:ln>
+              <a:solidFill>
+                <a:srgbClr val="000000"/>
+              </a:solidFill>
+              <a:effectLst/>
+              <a:uFillTx/>
+              <a:latin typeface="+mn-lt"/>
+              <a:ea typeface="+mn-ea"/>
+              <a:cs typeface="+mn-cs"/>
+              <a:sym typeface="Aptos"/>
+            </a:endParaRPr>
+          </a:p>
+          <a:p>
+            <a:pPr marL="0" marR="0" indent="0" algn="l" defTabSz="457200" rtl="0" fontAlgn="auto" latinLnBrk="0" hangingPunct="0">
+              <a:lnSpc>
+                <a:spcPct val="100000"/>
+              </a:lnSpc>
+              <a:spcBef>
+                <a:spcPts val="0"/>
+              </a:spcBef>
+              <a:spcAft>
+                <a:spcPts val="0"/>
+              </a:spcAft>
+              <a:buClrTx/>
+              <a:buSzTx/>
+              <a:buFontTx/>
+              <a:buNone/>
+              <a:tabLst/>
+            </a:pPr>
+            <a:endParaRPr lang="nl-NL">
+              <a:ln>
+                <a:solidFill>
+                  <a:schemeClr val="tx1"/>
+                </a:solidFill>
+              </a:ln>
+            </a:endParaRPr>
+          </a:p>
+          <a:p>
+            <a:pPr marL="0" marR="0" indent="0" algn="l" defTabSz="457200" rtl="0" fontAlgn="auto" latinLnBrk="0" hangingPunct="0">
+              <a:lnSpc>
+                <a:spcPct val="100000"/>
+              </a:lnSpc>
+              <a:spcBef>
+                <a:spcPts val="0"/>
+              </a:spcBef>
+              <a:spcAft>
+                <a:spcPts val="0"/>
+              </a:spcAft>
+              <a:buClrTx/>
+              <a:buSzTx/>
+              <a:buFontTx/>
+              <a:buNone/>
+              <a:tabLst/>
+            </a:pPr>
+            <a:endParaRPr kumimoji="0" lang="LID4096" sz="1800" b="0" i="0" u="none" strike="noStrike" cap="none" spc="0" normalizeH="0" baseline="0">
+              <a:ln>
+                <a:solidFill>
+                  <a:schemeClr val="tx1"/>
+                </a:solidFill>
+              </a:ln>
+              <a:solidFill>
+                <a:srgbClr val="000000"/>
+              </a:solidFill>
+              <a:effectLst/>
+              <a:uFillTx/>
+              <a:latin typeface="+mn-lt"/>
+              <a:ea typeface="+mn-ea"/>
+              <a:cs typeface="+mn-cs"/>
+              <a:sym typeface="Aptos"/>
+            </a:endParaRPr>
+          </a:p>
+        </p:txBody>
+      </p:sp>
+      <p:sp>
+        <p:nvSpPr>
+          <p:cNvPr id="42" name="Rectangle 2">
+            <a:extLst>
+              <a:ext uri="{FF2B5EF4-FFF2-40B4-BE49-F238E27FC236}">
+                <a16:creationId xmlns:a16="http://schemas.microsoft.com/office/drawing/2014/main" id="{5AC47DA8-FF5A-B403-88F5-413985D326B3}"/>
+              </a:ext>
+            </a:extLst>
+          </p:cNvPr>
+          <p:cNvSpPr/>
+          <p:nvPr/>
+        </p:nvSpPr>
+        <p:spPr>
+          <a:xfrm>
+            <a:off x="397197" y="7573511"/>
+            <a:ext cx="3359965" cy="2554617"/>
+          </a:xfrm>
+          <a:prstGeom prst="rect">
+            <a:avLst/>
+          </a:prstGeom>
+          <a:solidFill>
+            <a:srgbClr val="FFFFFF"/>
+          </a:solidFill>
+          <a:ln w="12700">
+            <a:miter lim="400000"/>
+          </a:ln>
+          <a:effectLst>
+            <a:outerShdw blurRad="50800" dist="127920" dir="3116579" rotWithShape="0">
+              <a:srgbClr val="000000">
+                <a:alpha val="48426"/>
+              </a:srgbClr>
+            </a:outerShdw>
+          </a:effectLst>
+        </p:spPr>
+        <p:txBody>
+          <a:bodyPr lIns="45718" tIns="45718" rIns="45718" bIns="45718" anchor="ctr"/>
+          <a:lstStyle/>
+          <a:p>
+            <a:endParaRPr/>
+          </a:p>
+        </p:txBody>
+      </p:sp>
+      <p:sp>
+        <p:nvSpPr>
+          <p:cNvPr id="43" name="Rectangle 42">
+            <a:extLst>
+              <a:ext uri="{FF2B5EF4-FFF2-40B4-BE49-F238E27FC236}">
+                <a16:creationId xmlns:a16="http://schemas.microsoft.com/office/drawing/2014/main" id="{6C3C3B89-9935-1CA0-42FB-DD11839A7A86}"/>
+              </a:ext>
+            </a:extLst>
+          </p:cNvPr>
+          <p:cNvSpPr/>
+          <p:nvPr/>
+        </p:nvSpPr>
+        <p:spPr>
+          <a:xfrm>
+            <a:off x="383057" y="7576952"/>
+            <a:ext cx="3366347" cy="2551176"/>
+          </a:xfrm>
+          <a:prstGeom prst="rect">
+            <a:avLst/>
+          </a:prstGeom>
+          <a:noFill/>
+          <a:ln>
+            <a:solidFill>
+              <a:schemeClr val="tx2">
+                <a:lumMod val="50000"/>
+              </a:schemeClr>
+            </a:solidFill>
+          </a:ln>
+          <a:effectLst>
+            <a:glow rad="63500">
+              <a:schemeClr val="tx2">
+                <a:lumMod val="50000"/>
+                <a:alpha val="40000"/>
+              </a:schemeClr>
+            </a:glow>
+            <a:outerShdw blurRad="152400" dist="317500" dir="5400000" sx="90000" sy="-19000" rotWithShape="0">
+              <a:prstClr val="black">
+                <a:alpha val="15000"/>
+              </a:prstClr>
+            </a:outerShdw>
+          </a:effectLst>
+        </p:spPr>
+        <p:style>
+          <a:lnRef idx="2">
+            <a:schemeClr val="dk1"/>
+          </a:lnRef>
+          <a:fillRef idx="1">
+            <a:schemeClr val="lt1"/>
+          </a:fillRef>
+          <a:effectRef idx="0">
+            <a:schemeClr val="dk1"/>
+          </a:effectRef>
+          <a:fontRef idx="minor">
+            <a:schemeClr val="dk1"/>
+          </a:fontRef>
+        </p:style>
+        <p:txBody>
+          <a:bodyPr rot="0" spcFirstLastPara="1" vertOverflow="overflow" horzOverflow="overflow" vert="horz" wrap="square" lIns="45719" tIns="45719" rIns="45719" bIns="45719" numCol="1" spcCol="38100" rtlCol="0" anchor="ctr">
+            <a:spAutoFit/>
+          </a:bodyPr>
+          <a:lstStyle/>
+          <a:p>
+            <a:pPr marL="0" marR="0" indent="0" algn="l" defTabSz="457200" rtl="0" fontAlgn="auto" latinLnBrk="0" hangingPunct="0">
+              <a:lnSpc>
+                <a:spcPct val="100000"/>
+              </a:lnSpc>
+              <a:spcBef>
+                <a:spcPts val="0"/>
+              </a:spcBef>
+              <a:spcAft>
+                <a:spcPts val="0"/>
+              </a:spcAft>
+              <a:buClrTx/>
+              <a:buSzTx/>
+              <a:buFontTx/>
+              <a:buNone/>
+              <a:tabLst/>
+            </a:pPr>
+            <a:r>
+              <a:rPr lang="en-US">
+                <a:ln>
+                  <a:solidFill>
+                    <a:schemeClr val="tx1"/>
+                  </a:solidFill>
+                </a:ln>
+              </a:rPr>
+              <a:t>{att_corners_headers}</a:t>
+            </a:r>
+          </a:p>
+          <a:p>
+            <a:pPr marL="0" marR="0" indent="0" algn="l" defTabSz="457200" rtl="0" fontAlgn="auto" latinLnBrk="0" hangingPunct="0">
+              <a:lnSpc>
+                <a:spcPct val="100000"/>
+              </a:lnSpc>
+              <a:spcBef>
+                <a:spcPts val="0"/>
+              </a:spcBef>
+              <a:spcAft>
+                <a:spcPts val="0"/>
+              </a:spcAft>
+              <a:buClrTx/>
+              <a:buSzTx/>
+              <a:buFontTx/>
+              <a:buNone/>
+              <a:tabLst/>
+            </a:pPr>
+            <a:endParaRPr lang="nl-NL">
+              <a:ln>
+                <a:solidFill>
+                  <a:schemeClr val="tx1"/>
+                </a:solidFill>
+              </a:ln>
+            </a:endParaRPr>
+          </a:p>
+          <a:p>
+            <a:pPr marL="0" marR="0" indent="0" algn="l" defTabSz="457200" rtl="0" fontAlgn="auto" latinLnBrk="0" hangingPunct="0">
+              <a:lnSpc>
+                <a:spcPct val="100000"/>
+              </a:lnSpc>
+              <a:spcBef>
+                <a:spcPts val="0"/>
+              </a:spcBef>
+              <a:spcAft>
+                <a:spcPts val="0"/>
+              </a:spcAft>
+              <a:buClrTx/>
+              <a:buSzTx/>
+              <a:buFontTx/>
+              <a:buNone/>
+              <a:tabLst/>
+            </a:pPr>
+            <a:endParaRPr kumimoji="0" lang="nl-NL" sz="1800" b="0" i="0" u="none" strike="noStrike" cap="none" spc="0" normalizeH="0" baseline="0">
+              <a:ln>
+                <a:solidFill>
+                  <a:schemeClr val="tx1"/>
+                </a:solidFill>
+              </a:ln>
+              <a:solidFill>
+                <a:srgbClr val="000000"/>
+              </a:solidFill>
+              <a:effectLst/>
+              <a:uFillTx/>
+              <a:latin typeface="+mn-lt"/>
+              <a:ea typeface="+mn-ea"/>
+              <a:cs typeface="+mn-cs"/>
+              <a:sym typeface="Aptos"/>
+            </a:endParaRPr>
+          </a:p>
+          <a:p>
+            <a:pPr marL="0" marR="0" indent="0" algn="l" defTabSz="457200" rtl="0" fontAlgn="auto" latinLnBrk="0" hangingPunct="0">
+              <a:lnSpc>
+                <a:spcPct val="100000"/>
+              </a:lnSpc>
+              <a:spcBef>
+                <a:spcPts val="0"/>
+              </a:spcBef>
+              <a:spcAft>
+                <a:spcPts val="0"/>
+              </a:spcAft>
+              <a:buClrTx/>
+              <a:buSzTx/>
+              <a:buFontTx/>
+              <a:buNone/>
+              <a:tabLst/>
+            </a:pPr>
+            <a:endParaRPr lang="nl-NL">
+              <a:ln>
+                <a:solidFill>
+                  <a:schemeClr val="tx1"/>
+                </a:solidFill>
+              </a:ln>
+            </a:endParaRPr>
+          </a:p>
+          <a:p>
+            <a:pPr marL="0" marR="0" indent="0" algn="l" defTabSz="457200" rtl="0" fontAlgn="auto" latinLnBrk="0" hangingPunct="0">
+              <a:lnSpc>
+                <a:spcPct val="100000"/>
+              </a:lnSpc>
+              <a:spcBef>
+                <a:spcPts val="0"/>
+              </a:spcBef>
+              <a:spcAft>
+                <a:spcPts val="0"/>
+              </a:spcAft>
+              <a:buClrTx/>
+              <a:buSzTx/>
+              <a:buFontTx/>
+              <a:buNone/>
+              <a:tabLst/>
+            </a:pPr>
+            <a:endParaRPr kumimoji="0" lang="LID4096" sz="1800" b="0" i="0" u="none" strike="noStrike" cap="none" spc="0" normalizeH="0" baseline="0">
+              <a:ln>
+                <a:solidFill>
+                  <a:schemeClr val="tx1"/>
+                </a:solidFill>
+              </a:ln>
+              <a:solidFill>
+                <a:srgbClr val="000000"/>
+              </a:solidFill>
+              <a:effectLst/>
+              <a:uFillTx/>
+              <a:latin typeface="+mn-lt"/>
+              <a:ea typeface="+mn-ea"/>
+              <a:cs typeface="+mn-cs"/>
+              <a:sym typeface="Aptos"/>
+            </a:endParaRPr>
           </a:p>
         </p:txBody>
       </p:sp>

--- a/template_opp_analysis.pptx
+++ b/template_opp_analysis.pptx
@@ -4567,107 +4567,6 @@
           </a:graphicData>
         </a:graphic>
       </p:graphicFrame>
-      <p:grpSp>
-        <p:nvGrpSpPr>
-          <p:cNvPr id="6" name="Group 6"/>
-          <p:cNvGrpSpPr/>
-          <p:nvPr/>
-        </p:nvGrpSpPr>
-        <p:grpSpPr>
-          <a:xfrm>
-            <a:off x="6429382" y="131669"/>
-            <a:ext cx="749236" cy="707542"/>
-            <a:chOff x="0" y="0"/>
-            <a:chExt cx="268509" cy="253567"/>
-          </a:xfrm>
-        </p:grpSpPr>
-        <p:sp>
-          <p:nvSpPr>
-            <p:cNvPr id="7" name="Freeform 7"/>
-            <p:cNvSpPr/>
-            <p:nvPr/>
-          </p:nvSpPr>
-          <p:spPr>
-            <a:xfrm>
-              <a:off x="0" y="0"/>
-              <a:ext cx="268509" cy="253567"/>
-            </a:xfrm>
-            <a:custGeom>
-              <a:avLst/>
-              <a:gdLst/>
-              <a:ahLst/>
-              <a:cxnLst/>
-              <a:rect l="l" t="t" r="r" b="b"/>
-              <a:pathLst>
-                <a:path w="268509" h="253567">
-                  <a:moveTo>
-                    <a:pt x="0" y="0"/>
-                  </a:moveTo>
-                  <a:lnTo>
-                    <a:pt x="268509" y="0"/>
-                  </a:lnTo>
-                  <a:lnTo>
-                    <a:pt x="268509" y="253567"/>
-                  </a:lnTo>
-                  <a:lnTo>
-                    <a:pt x="0" y="253567"/>
-                  </a:lnTo>
-                  <a:close/>
-                </a:path>
-              </a:pathLst>
-            </a:custGeom>
-            <a:solidFill>
-              <a:srgbClr val="D78484"/>
-            </a:solidFill>
-          </p:spPr>
-          <p:txBody>
-            <a:bodyPr/>
-            <a:lstStyle/>
-            <a:p>
-              <a:endParaRPr lang="LID4096"/>
-            </a:p>
-          </p:txBody>
-        </p:sp>
-        <p:sp>
-          <p:nvSpPr>
-            <p:cNvPr id="8" name="TextBox 8"/>
-            <p:cNvSpPr txBox="1"/>
-            <p:nvPr/>
-          </p:nvSpPr>
-          <p:spPr>
-            <a:xfrm>
-              <a:off x="0" y="-19050"/>
-              <a:ext cx="268509" cy="272617"/>
-            </a:xfrm>
-            <a:prstGeom prst="rect">
-              <a:avLst/>
-            </a:prstGeom>
-          </p:spPr>
-          <p:txBody>
-            <a:bodyPr lIns="50800" tIns="50800" rIns="50800" bIns="50800" rtlCol="0" anchor="ctr"/>
-            <a:lstStyle/>
-            <a:p>
-              <a:pPr algn="ctr">
-                <a:lnSpc>
-                  <a:spcPts val="1679"/>
-                </a:lnSpc>
-              </a:pPr>
-              <a:r>
-                <a:rPr lang="en-US" sz="1200" b="1">
-                  <a:solidFill>
-                    <a:srgbClr val="000000"/>
-                  </a:solidFill>
-                  <a:latin typeface="Canva Sans Bold"/>
-                  <a:ea typeface="Canva Sans Bold"/>
-                  <a:cs typeface="Canva Sans Bold"/>
-                  <a:sym typeface="Canva Sans Bold"/>
-                </a:rPr>
-                <a:t>{LOGO}</a:t>
-              </a:r>
-            </a:p>
-          </p:txBody>
-        </p:sp>
-      </p:grpSp>
       <p:sp>
         <p:nvSpPr>
           <p:cNvPr id="12" name="TextBox 12"/>
@@ -6090,6 +5989,189 @@
               <a:buNone/>
               <a:tabLst/>
             </a:pPr>
+            <a:endParaRPr lang="nl-NL">
+              <a:ln>
+                <a:solidFill>
+                  <a:schemeClr val="tx1"/>
+                </a:solidFill>
+              </a:ln>
+            </a:endParaRPr>
+          </a:p>
+          <a:p>
+            <a:pPr marL="0" marR="0" indent="0" algn="l" defTabSz="457200" rtl="0" fontAlgn="auto" latinLnBrk="0" hangingPunct="0">
+              <a:lnSpc>
+                <a:spcPct val="100000"/>
+              </a:lnSpc>
+              <a:spcBef>
+                <a:spcPts val="0"/>
+              </a:spcBef>
+              <a:spcAft>
+                <a:spcPts val="0"/>
+              </a:spcAft>
+              <a:buClrTx/>
+              <a:buSzTx/>
+              <a:buFontTx/>
+              <a:buNone/>
+              <a:tabLst/>
+            </a:pPr>
+            <a:endParaRPr kumimoji="0" lang="LID4096" sz="1800" b="0" i="0" u="none" strike="noStrike" cap="none" spc="0" normalizeH="0" baseline="0">
+              <a:ln>
+                <a:solidFill>
+                  <a:schemeClr val="tx1"/>
+                </a:solidFill>
+              </a:ln>
+              <a:solidFill>
+                <a:srgbClr val="000000"/>
+              </a:solidFill>
+              <a:effectLst/>
+              <a:uFillTx/>
+              <a:latin typeface="+mn-lt"/>
+              <a:ea typeface="+mn-ea"/>
+              <a:cs typeface="+mn-cs"/>
+              <a:sym typeface="Aptos"/>
+            </a:endParaRPr>
+          </a:p>
+        </p:txBody>
+      </p:sp>
+      <p:sp>
+        <p:nvSpPr>
+          <p:cNvPr id="46" name="Rectangle 2">
+            <a:extLst>
+              <a:ext uri="{FF2B5EF4-FFF2-40B4-BE49-F238E27FC236}">
+                <a16:creationId xmlns:a16="http://schemas.microsoft.com/office/drawing/2014/main" id="{042AFD61-EC88-E083-B7FD-077092F2CA0D}"/>
+              </a:ext>
+            </a:extLst>
+          </p:cNvPr>
+          <p:cNvSpPr/>
+          <p:nvPr/>
+        </p:nvSpPr>
+        <p:spPr>
+          <a:xfrm>
+            <a:off x="6259401" y="64768"/>
+            <a:ext cx="953389" cy="805375"/>
+          </a:xfrm>
+          <a:prstGeom prst="rect">
+            <a:avLst/>
+          </a:prstGeom>
+          <a:solidFill>
+            <a:srgbClr val="FFFFFF"/>
+          </a:solidFill>
+          <a:ln w="12700">
+            <a:miter lim="400000"/>
+          </a:ln>
+          <a:effectLst>
+            <a:outerShdw blurRad="50800" dist="127920" dir="3116579" rotWithShape="0">
+              <a:srgbClr val="000000">
+                <a:alpha val="48426"/>
+              </a:srgbClr>
+            </a:outerShdw>
+          </a:effectLst>
+        </p:spPr>
+        <p:txBody>
+          <a:bodyPr lIns="45718" tIns="45718" rIns="45718" bIns="45718" anchor="ctr"/>
+          <a:lstStyle/>
+          <a:p>
+            <a:endParaRPr/>
+          </a:p>
+        </p:txBody>
+      </p:sp>
+      <p:sp>
+        <p:nvSpPr>
+          <p:cNvPr id="47" name="Rectangle 46">
+            <a:extLst>
+              <a:ext uri="{FF2B5EF4-FFF2-40B4-BE49-F238E27FC236}">
+                <a16:creationId xmlns:a16="http://schemas.microsoft.com/office/drawing/2014/main" id="{B5B825E9-6C3A-7263-77C9-9EF749ED6FC7}"/>
+              </a:ext>
+            </a:extLst>
+          </p:cNvPr>
+          <p:cNvSpPr/>
+          <p:nvPr/>
+        </p:nvSpPr>
+        <p:spPr>
+          <a:xfrm>
+            <a:off x="6259401" y="64786"/>
+            <a:ext cx="953388" cy="804672"/>
+          </a:xfrm>
+          <a:prstGeom prst="rect">
+            <a:avLst/>
+          </a:prstGeom>
+          <a:noFill/>
+          <a:ln>
+            <a:solidFill>
+              <a:schemeClr val="tx2">
+                <a:lumMod val="50000"/>
+              </a:schemeClr>
+            </a:solidFill>
+          </a:ln>
+          <a:effectLst>
+            <a:glow rad="63500">
+              <a:schemeClr val="tx2">
+                <a:lumMod val="50000"/>
+                <a:alpha val="40000"/>
+              </a:schemeClr>
+            </a:glow>
+            <a:outerShdw blurRad="152400" dist="317500" dir="5400000" sx="90000" sy="-19000" rotWithShape="0">
+              <a:prstClr val="black">
+                <a:alpha val="15000"/>
+              </a:prstClr>
+            </a:outerShdw>
+          </a:effectLst>
+        </p:spPr>
+        <p:style>
+          <a:lnRef idx="2">
+            <a:schemeClr val="dk1"/>
+          </a:lnRef>
+          <a:fillRef idx="1">
+            <a:schemeClr val="lt1"/>
+          </a:fillRef>
+          <a:effectRef idx="0">
+            <a:schemeClr val="dk1"/>
+          </a:effectRef>
+          <a:fontRef idx="minor">
+            <a:schemeClr val="dk1"/>
+          </a:fontRef>
+        </p:style>
+        <p:txBody>
+          <a:bodyPr rot="0" spcFirstLastPara="1" vertOverflow="overflow" horzOverflow="overflow" vert="horz" wrap="square" lIns="45719" tIns="45719" rIns="45719" bIns="45719" numCol="1" spcCol="38100" rtlCol="0" anchor="ctr">
+            <a:spAutoFit/>
+          </a:bodyPr>
+          <a:lstStyle/>
+          <a:p>
+            <a:pPr marL="0" marR="0" indent="0" algn="l" defTabSz="457200" rtl="0" fontAlgn="auto" latinLnBrk="0" hangingPunct="0">
+              <a:lnSpc>
+                <a:spcPct val="100000"/>
+              </a:lnSpc>
+              <a:spcBef>
+                <a:spcPts val="0"/>
+              </a:spcBef>
+              <a:spcAft>
+                <a:spcPts val="0"/>
+              </a:spcAft>
+              <a:buClrTx/>
+              <a:buSzTx/>
+              <a:buFontTx/>
+              <a:buNone/>
+              <a:tabLst/>
+            </a:pPr>
+            <a:r>
+              <a:rPr kumimoji="0" lang="nl-NL" sz="1800" b="0" i="0" u="none" strike="noStrike" cap="none" spc="0" normalizeH="0" baseline="0">
+                <a:ln>
+                  <a:solidFill>
+                    <a:schemeClr val="tx1"/>
+                  </a:solidFill>
+                </a:ln>
+                <a:solidFill>
+                  <a:srgbClr val="000000"/>
+                </a:solidFill>
+                <a:effectLst/>
+                <a:uFillTx/>
+                <a:latin typeface="+mn-lt"/>
+                <a:ea typeface="+mn-ea"/>
+                <a:cs typeface="+mn-cs"/>
+                <a:sym typeface="Aptos"/>
+              </a:rPr>
+              <a:t>{LOGO</a:t>
+            </a:r>
             <a:endParaRPr lang="nl-NL">
               <a:ln>
                 <a:solidFill>

--- a/template_opp_analysis.pptx
+++ b/template_opp_analysis.pptx
@@ -5067,7 +5067,7 @@
         </p:nvSpPr>
         <p:spPr>
           <a:xfrm>
-            <a:off x="3869286" y="1730309"/>
+            <a:off x="3869286" y="1726937"/>
             <a:ext cx="3366347" cy="1600200"/>
           </a:xfrm>
           <a:prstGeom prst="rect">
@@ -5148,7 +5148,7 @@
                 <a:cs typeface="+mn-cs"/>
                 <a:sym typeface="Aptos"/>
               </a:rPr>
-              <a:t>{Corners_right_positions_vs}</a:t>
+              <a:t>{Corners_right_positions_vIs}</a:t>
             </a:r>
           </a:p>
           <a:p>
@@ -5578,7 +5578,7 @@
         </p:nvSpPr>
         <p:spPr>
           <a:xfrm>
-            <a:off x="3869286" y="4310884"/>
+            <a:off x="3862645" y="4306855"/>
             <a:ext cx="3366347" cy="1600200"/>
           </a:xfrm>
           <a:prstGeom prst="rect">
@@ -5659,7 +5659,7 @@
                 <a:cs typeface="+mn-cs"/>
                 <a:sym typeface="Aptos"/>
               </a:rPr>
-              <a:t>{Corners_right_shots_vs}</a:t>
+              <a:t>{Corners_right_shots_vIs}</a:t>
             </a:r>
           </a:p>
           <a:p>
@@ -6089,7 +6089,7 @@
         </p:nvSpPr>
         <p:spPr>
           <a:xfrm>
-            <a:off x="6259401" y="64786"/>
+            <a:off x="6259401" y="71382"/>
             <a:ext cx="953388" cy="804672"/>
           </a:xfrm>
           <a:prstGeom prst="rect">
@@ -6170,7 +6170,7 @@
                 <a:cs typeface="+mn-cs"/>
                 <a:sym typeface="Aptos"/>
               </a:rPr>
-              <a:t>{LOGO</a:t>
+              <a:t>{LOGO}</a:t>
             </a:r>
             <a:endParaRPr lang="nl-NL">
               <a:ln>
@@ -8904,7 +8904,7 @@
         </p:nvSpPr>
         <p:spPr>
           <a:xfrm>
-            <a:off x="3918936" y="7586187"/>
+            <a:off x="3918936" y="7573510"/>
             <a:ext cx="3366347" cy="2551176"/>
           </a:xfrm>
           <a:prstGeom prst="rect">
@@ -8985,7 +8985,7 @@
                 <a:cs typeface="+mn-cs"/>
                 <a:sym typeface="Aptos"/>
               </a:rPr>
-              <a:t>Def_corners_headers}</a:t>
+              <a:t>{def_corners_headers}</a:t>
             </a:r>
           </a:p>
           <a:p>

--- a/template_opp_analysis.pptx
+++ b/template_opp_analysis.pptx
@@ -5067,7 +5067,7 @@
         </p:nvSpPr>
         <p:spPr>
           <a:xfrm>
-            <a:off x="3869286" y="1726937"/>
+            <a:off x="3862645" y="1724316"/>
             <a:ext cx="3366347" cy="1600200"/>
           </a:xfrm>
           <a:prstGeom prst="rect">
@@ -5148,7 +5148,7 @@
                 <a:cs typeface="+mn-cs"/>
                 <a:sym typeface="Aptos"/>
               </a:rPr>
-              <a:t>{Corners_right_positions_vIs}</a:t>
+              <a:t>{Corners_right_positions_vis}</a:t>
             </a:r>
           </a:p>
           <a:p>
@@ -5578,8 +5578,8 @@
         </p:nvSpPr>
         <p:spPr>
           <a:xfrm>
-            <a:off x="3862645" y="4306855"/>
-            <a:ext cx="3366347" cy="1600200"/>
+            <a:off x="3862645" y="4368292"/>
+            <a:ext cx="3366347" cy="1477325"/>
           </a:xfrm>
           <a:prstGeom prst="rect">
             <a:avLst/>
@@ -5659,7 +5659,7 @@
                 <a:cs typeface="+mn-cs"/>
                 <a:sym typeface="Aptos"/>
               </a:rPr>
-              <a:t>{Corners_right_shots_vIs}</a:t>
+              <a:t>{Corners_right_shots_vis}</a:t>
             </a:r>
           </a:p>
           <a:p>
@@ -6047,7 +6047,7 @@
         </p:nvSpPr>
         <p:spPr>
           <a:xfrm>
-            <a:off x="6259401" y="64768"/>
+            <a:off x="6262580" y="75927"/>
             <a:ext cx="953389" cy="805375"/>
           </a:xfrm>
           <a:prstGeom prst="rect">
@@ -6089,8 +6089,8 @@
         </p:nvSpPr>
         <p:spPr>
           <a:xfrm>
-            <a:off x="6259401" y="71382"/>
-            <a:ext cx="953388" cy="804672"/>
+            <a:off x="6374548" y="141121"/>
+            <a:ext cx="719230" cy="646329"/>
           </a:xfrm>
           <a:prstGeom prst="rect">
             <a:avLst/>
@@ -6172,6 +6172,334 @@
               </a:rPr>
               <a:t>{LOGO}</a:t>
             </a:r>
+            <a:endParaRPr lang="nl-NL">
+              <a:ln>
+                <a:solidFill>
+                  <a:schemeClr val="tx1"/>
+                </a:solidFill>
+              </a:ln>
+            </a:endParaRPr>
+          </a:p>
+        </p:txBody>
+      </p:sp>
+      <p:sp>
+        <p:nvSpPr>
+          <p:cNvPr id="49" name="Rectangle 48">
+            <a:extLst>
+              <a:ext uri="{FF2B5EF4-FFF2-40B4-BE49-F238E27FC236}">
+                <a16:creationId xmlns:a16="http://schemas.microsoft.com/office/drawing/2014/main" id="{3861BF5B-1C96-31DB-40D9-A628FDEEB526}"/>
+              </a:ext>
+            </a:extLst>
+          </p:cNvPr>
+          <p:cNvSpPr/>
+          <p:nvPr/>
+        </p:nvSpPr>
+        <p:spPr>
+          <a:xfrm>
+            <a:off x="342832" y="1731375"/>
+            <a:ext cx="3366347" cy="1600200"/>
+          </a:xfrm>
+          <a:prstGeom prst="rect">
+            <a:avLst/>
+          </a:prstGeom>
+          <a:noFill/>
+          <a:ln>
+            <a:solidFill>
+              <a:schemeClr val="tx2">
+                <a:lumMod val="50000"/>
+              </a:schemeClr>
+            </a:solidFill>
+          </a:ln>
+          <a:effectLst>
+            <a:glow rad="63500">
+              <a:schemeClr val="tx2">
+                <a:lumMod val="50000"/>
+                <a:alpha val="40000"/>
+              </a:schemeClr>
+            </a:glow>
+            <a:outerShdw blurRad="152400" dist="317500" dir="5400000" sx="90000" sy="-19000" rotWithShape="0">
+              <a:prstClr val="black">
+                <a:alpha val="15000"/>
+              </a:prstClr>
+            </a:outerShdw>
+          </a:effectLst>
+        </p:spPr>
+        <p:style>
+          <a:lnRef idx="2">
+            <a:schemeClr val="dk1"/>
+          </a:lnRef>
+          <a:fillRef idx="1">
+            <a:schemeClr val="lt1"/>
+          </a:fillRef>
+          <a:effectRef idx="0">
+            <a:schemeClr val="dk1"/>
+          </a:effectRef>
+          <a:fontRef idx="minor">
+            <a:schemeClr val="dk1"/>
+          </a:fontRef>
+        </p:style>
+        <p:txBody>
+          <a:bodyPr rot="0" spcFirstLastPara="1" vertOverflow="overflow" horzOverflow="overflow" vert="horz" wrap="square" lIns="45719" tIns="45719" rIns="45719" bIns="45719" numCol="1" spcCol="38100" rtlCol="0" anchor="ctr">
+            <a:spAutoFit/>
+          </a:bodyPr>
+          <a:lstStyle/>
+          <a:p>
+            <a:pPr marL="0" marR="0" indent="0" algn="l" defTabSz="457200" rtl="0" fontAlgn="auto" latinLnBrk="0" hangingPunct="0">
+              <a:lnSpc>
+                <a:spcPct val="100000"/>
+              </a:lnSpc>
+              <a:spcBef>
+                <a:spcPts val="0"/>
+              </a:spcBef>
+              <a:spcAft>
+                <a:spcPts val="0"/>
+              </a:spcAft>
+              <a:buClrTx/>
+              <a:buSzTx/>
+              <a:buFontTx/>
+              <a:buNone/>
+              <a:tabLst/>
+            </a:pPr>
+            <a:endParaRPr lang="nl-NL">
+              <a:ln>
+                <a:solidFill>
+                  <a:schemeClr val="tx1"/>
+                </a:solidFill>
+              </a:ln>
+            </a:endParaRPr>
+          </a:p>
+          <a:p>
+            <a:pPr marL="0" marR="0" indent="0" algn="l" defTabSz="457200" rtl="0" fontAlgn="auto" latinLnBrk="0" hangingPunct="0">
+              <a:lnSpc>
+                <a:spcPct val="100000"/>
+              </a:lnSpc>
+              <a:spcBef>
+                <a:spcPts val="0"/>
+              </a:spcBef>
+              <a:spcAft>
+                <a:spcPts val="0"/>
+              </a:spcAft>
+              <a:buClrTx/>
+              <a:buSzTx/>
+              <a:buFontTx/>
+              <a:buNone/>
+              <a:tabLst/>
+            </a:pPr>
+            <a:endParaRPr kumimoji="0" lang="nl-NL" sz="1800" b="0" i="0" u="none" strike="noStrike" cap="none" spc="0" normalizeH="0" baseline="0">
+              <a:ln>
+                <a:solidFill>
+                  <a:schemeClr val="tx1"/>
+                </a:solidFill>
+              </a:ln>
+              <a:solidFill>
+                <a:srgbClr val="000000"/>
+              </a:solidFill>
+              <a:effectLst/>
+              <a:uFillTx/>
+              <a:latin typeface="+mn-lt"/>
+              <a:ea typeface="+mn-ea"/>
+              <a:cs typeface="+mn-cs"/>
+              <a:sym typeface="Aptos"/>
+            </a:endParaRPr>
+          </a:p>
+          <a:p>
+            <a:pPr marL="0" marR="0" indent="0" algn="l" defTabSz="457200" rtl="0" fontAlgn="auto" latinLnBrk="0" hangingPunct="0">
+              <a:lnSpc>
+                <a:spcPct val="100000"/>
+              </a:lnSpc>
+              <a:spcBef>
+                <a:spcPts val="0"/>
+              </a:spcBef>
+              <a:spcAft>
+                <a:spcPts val="0"/>
+              </a:spcAft>
+              <a:buClrTx/>
+              <a:buSzTx/>
+              <a:buFontTx/>
+              <a:buNone/>
+              <a:tabLst/>
+            </a:pPr>
+            <a:endParaRPr lang="nl-NL">
+              <a:ln>
+                <a:solidFill>
+                  <a:schemeClr val="tx1"/>
+                </a:solidFill>
+              </a:ln>
+            </a:endParaRPr>
+          </a:p>
+          <a:p>
+            <a:pPr marL="0" marR="0" indent="0" algn="l" defTabSz="457200" rtl="0" fontAlgn="auto" latinLnBrk="0" hangingPunct="0">
+              <a:lnSpc>
+                <a:spcPct val="100000"/>
+              </a:lnSpc>
+              <a:spcBef>
+                <a:spcPts val="0"/>
+              </a:spcBef>
+              <a:spcAft>
+                <a:spcPts val="0"/>
+              </a:spcAft>
+              <a:buClrTx/>
+              <a:buSzTx/>
+              <a:buFontTx/>
+              <a:buNone/>
+              <a:tabLst/>
+            </a:pPr>
+            <a:endParaRPr kumimoji="0" lang="LID4096" sz="1800" b="0" i="0" u="none" strike="noStrike" cap="none" spc="0" normalizeH="0" baseline="0">
+              <a:ln>
+                <a:solidFill>
+                  <a:schemeClr val="tx1"/>
+                </a:solidFill>
+              </a:ln>
+              <a:solidFill>
+                <a:srgbClr val="000000"/>
+              </a:solidFill>
+              <a:effectLst/>
+              <a:uFillTx/>
+              <a:latin typeface="+mn-lt"/>
+              <a:ea typeface="+mn-ea"/>
+              <a:cs typeface="+mn-cs"/>
+              <a:sym typeface="Aptos"/>
+            </a:endParaRPr>
+          </a:p>
+        </p:txBody>
+      </p:sp>
+      <p:sp>
+        <p:nvSpPr>
+          <p:cNvPr id="50" name="Rectangle 49">
+            <a:extLst>
+              <a:ext uri="{FF2B5EF4-FFF2-40B4-BE49-F238E27FC236}">
+                <a16:creationId xmlns:a16="http://schemas.microsoft.com/office/drawing/2014/main" id="{BBD41991-DE33-7360-69ED-5356A87E0AD3}"/>
+              </a:ext>
+            </a:extLst>
+          </p:cNvPr>
+          <p:cNvSpPr/>
+          <p:nvPr/>
+        </p:nvSpPr>
+        <p:spPr>
+          <a:xfrm>
+            <a:off x="3859453" y="1731375"/>
+            <a:ext cx="3366347" cy="1600200"/>
+          </a:xfrm>
+          <a:prstGeom prst="rect">
+            <a:avLst/>
+          </a:prstGeom>
+          <a:noFill/>
+          <a:ln>
+            <a:solidFill>
+              <a:schemeClr val="tx2">
+                <a:lumMod val="50000"/>
+              </a:schemeClr>
+            </a:solidFill>
+          </a:ln>
+          <a:effectLst>
+            <a:glow rad="63500">
+              <a:schemeClr val="tx2">
+                <a:lumMod val="50000"/>
+                <a:alpha val="40000"/>
+              </a:schemeClr>
+            </a:glow>
+            <a:outerShdw blurRad="152400" dist="317500" dir="5400000" sx="90000" sy="-19000" rotWithShape="0">
+              <a:prstClr val="black">
+                <a:alpha val="15000"/>
+              </a:prstClr>
+            </a:outerShdw>
+          </a:effectLst>
+        </p:spPr>
+        <p:style>
+          <a:lnRef idx="2">
+            <a:schemeClr val="dk1"/>
+          </a:lnRef>
+          <a:fillRef idx="1">
+            <a:schemeClr val="lt1"/>
+          </a:fillRef>
+          <a:effectRef idx="0">
+            <a:schemeClr val="dk1"/>
+          </a:effectRef>
+          <a:fontRef idx="minor">
+            <a:schemeClr val="dk1"/>
+          </a:fontRef>
+        </p:style>
+        <p:txBody>
+          <a:bodyPr rot="0" spcFirstLastPara="1" vertOverflow="overflow" horzOverflow="overflow" vert="horz" wrap="square" lIns="45719" tIns="45719" rIns="45719" bIns="45719" numCol="1" spcCol="38100" rtlCol="0" anchor="ctr">
+            <a:spAutoFit/>
+          </a:bodyPr>
+          <a:lstStyle/>
+          <a:p>
+            <a:pPr marL="0" marR="0" indent="0" algn="l" defTabSz="457200" rtl="0" fontAlgn="auto" latinLnBrk="0" hangingPunct="0">
+              <a:lnSpc>
+                <a:spcPct val="100000"/>
+              </a:lnSpc>
+              <a:spcBef>
+                <a:spcPts val="0"/>
+              </a:spcBef>
+              <a:spcAft>
+                <a:spcPts val="0"/>
+              </a:spcAft>
+              <a:buClrTx/>
+              <a:buSzTx/>
+              <a:buFontTx/>
+              <a:buNone/>
+              <a:tabLst/>
+            </a:pPr>
+            <a:endParaRPr lang="nl-NL">
+              <a:ln>
+                <a:solidFill>
+                  <a:schemeClr val="tx1"/>
+                </a:solidFill>
+              </a:ln>
+            </a:endParaRPr>
+          </a:p>
+          <a:p>
+            <a:pPr marL="0" marR="0" indent="0" algn="l" defTabSz="457200" rtl="0" fontAlgn="auto" latinLnBrk="0" hangingPunct="0">
+              <a:lnSpc>
+                <a:spcPct val="100000"/>
+              </a:lnSpc>
+              <a:spcBef>
+                <a:spcPts val="0"/>
+              </a:spcBef>
+              <a:spcAft>
+                <a:spcPts val="0"/>
+              </a:spcAft>
+              <a:buClrTx/>
+              <a:buSzTx/>
+              <a:buFontTx/>
+              <a:buNone/>
+              <a:tabLst/>
+            </a:pPr>
+            <a:endParaRPr kumimoji="0" lang="nl-NL" sz="1800" b="0" i="0" u="none" strike="noStrike" cap="none" spc="0" normalizeH="0" baseline="0">
+              <a:ln>
+                <a:solidFill>
+                  <a:schemeClr val="tx1"/>
+                </a:solidFill>
+              </a:ln>
+              <a:solidFill>
+                <a:srgbClr val="000000"/>
+              </a:solidFill>
+              <a:effectLst/>
+              <a:uFillTx/>
+              <a:latin typeface="+mn-lt"/>
+              <a:ea typeface="+mn-ea"/>
+              <a:cs typeface="+mn-cs"/>
+              <a:sym typeface="Aptos"/>
+            </a:endParaRPr>
+          </a:p>
+          <a:p>
+            <a:pPr marL="0" marR="0" indent="0" algn="l" defTabSz="457200" rtl="0" fontAlgn="auto" latinLnBrk="0" hangingPunct="0">
+              <a:lnSpc>
+                <a:spcPct val="100000"/>
+              </a:lnSpc>
+              <a:spcBef>
+                <a:spcPts val="0"/>
+              </a:spcBef>
+              <a:spcAft>
+                <a:spcPts val="0"/>
+              </a:spcAft>
+              <a:buClrTx/>
+              <a:buSzTx/>
+              <a:buFontTx/>
+              <a:buNone/>
+              <a:tabLst/>
+            </a:pPr>
             <a:endParaRPr lang="nl-NL">
               <a:ln>
                 <a:solidFill>

--- a/template_opp_analysis.pptx
+++ b/template_opp_analysis.pptx
@@ -5111,7 +5111,7 @@
         </p:style>
         <p:txBody>
           <a:bodyPr rot="0" spcFirstLastPara="1" vertOverflow="overflow" horzOverflow="overflow" vert="horz" wrap="square" lIns="45719" tIns="45719" rIns="45719" bIns="45719" numCol="1" spcCol="38100" rtlCol="0" anchor="ctr">
-            <a:spAutoFit/>
+            <a:noAutofit/>
           </a:bodyPr>
           <a:lstStyle/>
           <a:p>
@@ -5322,12 +5322,14 @@
               </a:ext>
             </a:extLst>
           </p:cNvPr>
-          <p:cNvSpPr/>
+          <p:cNvSpPr>
+            <a:spLocks/>
+          </p:cNvSpPr>
           <p:nvPr/>
         </p:nvSpPr>
         <p:spPr>
           <a:xfrm>
-            <a:off x="342832" y="1730309"/>
+            <a:off x="319316" y="1737580"/>
             <a:ext cx="3366347" cy="1600200"/>
           </a:xfrm>
           <a:prstGeom prst="rect">
@@ -5371,7 +5373,7 @@
         </p:style>
         <p:txBody>
           <a:bodyPr rot="0" spcFirstLastPara="1" vertOverflow="overflow" horzOverflow="overflow" vert="horz" wrap="square" lIns="45719" tIns="45719" rIns="45719" bIns="45719" numCol="1" spcCol="38100" rtlCol="0" anchor="ctr">
-            <a:spAutoFit/>
+            <a:noAutofit/>
           </a:bodyPr>
           <a:lstStyle/>
           <a:p>
@@ -5578,8 +5580,8 @@
         </p:nvSpPr>
         <p:spPr>
           <a:xfrm>
-            <a:off x="3862645" y="4368292"/>
-            <a:ext cx="3366347" cy="1477325"/>
+            <a:off x="3862645" y="4328622"/>
+            <a:ext cx="3366347" cy="1596140"/>
           </a:xfrm>
           <a:prstGeom prst="rect">
             <a:avLst/>
@@ -5622,7 +5624,7 @@
         </p:style>
         <p:txBody>
           <a:bodyPr rot="0" spcFirstLastPara="1" vertOverflow="overflow" horzOverflow="overflow" vert="horz" wrap="square" lIns="45719" tIns="45719" rIns="45719" bIns="45719" numCol="1" spcCol="38100" rtlCol="0" anchor="ctr">
-            <a:spAutoFit/>
+            <a:noAutofit/>
           </a:bodyPr>
           <a:lstStyle/>
           <a:p>
@@ -5838,7 +5840,7 @@
         </p:nvSpPr>
         <p:spPr>
           <a:xfrm>
-            <a:off x="334524" y="4306856"/>
+            <a:off x="331073" y="4328621"/>
             <a:ext cx="3366347" cy="1600200"/>
           </a:xfrm>
           <a:prstGeom prst="rect">
@@ -5882,7 +5884,7 @@
         </p:style>
         <p:txBody>
           <a:bodyPr rot="0" spcFirstLastPara="1" vertOverflow="overflow" horzOverflow="overflow" vert="horz" wrap="square" lIns="45719" tIns="45719" rIns="45719" bIns="45719" numCol="1" spcCol="38100" rtlCol="0" anchor="ctr">
-            <a:spAutoFit/>
+            <a:noAutofit/>
           </a:bodyPr>
           <a:lstStyle/>
           <a:p>
@@ -6378,6 +6380,368 @@
         <p:spPr>
           <a:xfrm>
             <a:off x="3859453" y="1731375"/>
+            <a:ext cx="3366347" cy="1600200"/>
+          </a:xfrm>
+          <a:prstGeom prst="rect">
+            <a:avLst/>
+          </a:prstGeom>
+          <a:noFill/>
+          <a:ln>
+            <a:solidFill>
+              <a:schemeClr val="tx2">
+                <a:lumMod val="50000"/>
+              </a:schemeClr>
+            </a:solidFill>
+          </a:ln>
+          <a:effectLst>
+            <a:glow rad="63500">
+              <a:schemeClr val="tx2">
+                <a:lumMod val="50000"/>
+                <a:alpha val="40000"/>
+              </a:schemeClr>
+            </a:glow>
+            <a:outerShdw blurRad="152400" dist="317500" dir="5400000" sx="90000" sy="-19000" rotWithShape="0">
+              <a:prstClr val="black">
+                <a:alpha val="15000"/>
+              </a:prstClr>
+            </a:outerShdw>
+          </a:effectLst>
+        </p:spPr>
+        <p:style>
+          <a:lnRef idx="2">
+            <a:schemeClr val="dk1"/>
+          </a:lnRef>
+          <a:fillRef idx="1">
+            <a:schemeClr val="lt1"/>
+          </a:fillRef>
+          <a:effectRef idx="0">
+            <a:schemeClr val="dk1"/>
+          </a:effectRef>
+          <a:fontRef idx="minor">
+            <a:schemeClr val="dk1"/>
+          </a:fontRef>
+        </p:style>
+        <p:txBody>
+          <a:bodyPr rot="0" spcFirstLastPara="1" vertOverflow="overflow" horzOverflow="overflow" vert="horz" wrap="square" lIns="45719" tIns="45719" rIns="45719" bIns="45719" numCol="1" spcCol="38100" rtlCol="0" anchor="ctr">
+            <a:spAutoFit/>
+          </a:bodyPr>
+          <a:lstStyle/>
+          <a:p>
+            <a:pPr marL="0" marR="0" indent="0" algn="l" defTabSz="457200" rtl="0" fontAlgn="auto" latinLnBrk="0" hangingPunct="0">
+              <a:lnSpc>
+                <a:spcPct val="100000"/>
+              </a:lnSpc>
+              <a:spcBef>
+                <a:spcPts val="0"/>
+              </a:spcBef>
+              <a:spcAft>
+                <a:spcPts val="0"/>
+              </a:spcAft>
+              <a:buClrTx/>
+              <a:buSzTx/>
+              <a:buFontTx/>
+              <a:buNone/>
+              <a:tabLst/>
+            </a:pPr>
+            <a:endParaRPr lang="nl-NL">
+              <a:ln>
+                <a:solidFill>
+                  <a:schemeClr val="tx1"/>
+                </a:solidFill>
+              </a:ln>
+            </a:endParaRPr>
+          </a:p>
+          <a:p>
+            <a:pPr marL="0" marR="0" indent="0" algn="l" defTabSz="457200" rtl="0" fontAlgn="auto" latinLnBrk="0" hangingPunct="0">
+              <a:lnSpc>
+                <a:spcPct val="100000"/>
+              </a:lnSpc>
+              <a:spcBef>
+                <a:spcPts val="0"/>
+              </a:spcBef>
+              <a:spcAft>
+                <a:spcPts val="0"/>
+              </a:spcAft>
+              <a:buClrTx/>
+              <a:buSzTx/>
+              <a:buFontTx/>
+              <a:buNone/>
+              <a:tabLst/>
+            </a:pPr>
+            <a:endParaRPr kumimoji="0" lang="nl-NL" sz="1800" b="0" i="0" u="none" strike="noStrike" cap="none" spc="0" normalizeH="0" baseline="0">
+              <a:ln>
+                <a:solidFill>
+                  <a:schemeClr val="tx1"/>
+                </a:solidFill>
+              </a:ln>
+              <a:solidFill>
+                <a:srgbClr val="000000"/>
+              </a:solidFill>
+              <a:effectLst/>
+              <a:uFillTx/>
+              <a:latin typeface="+mn-lt"/>
+              <a:ea typeface="+mn-ea"/>
+              <a:cs typeface="+mn-cs"/>
+              <a:sym typeface="Aptos"/>
+            </a:endParaRPr>
+          </a:p>
+          <a:p>
+            <a:pPr marL="0" marR="0" indent="0" algn="l" defTabSz="457200" rtl="0" fontAlgn="auto" latinLnBrk="0" hangingPunct="0">
+              <a:lnSpc>
+                <a:spcPct val="100000"/>
+              </a:lnSpc>
+              <a:spcBef>
+                <a:spcPts val="0"/>
+              </a:spcBef>
+              <a:spcAft>
+                <a:spcPts val="0"/>
+              </a:spcAft>
+              <a:buClrTx/>
+              <a:buSzTx/>
+              <a:buFontTx/>
+              <a:buNone/>
+              <a:tabLst/>
+            </a:pPr>
+            <a:endParaRPr lang="nl-NL">
+              <a:ln>
+                <a:solidFill>
+                  <a:schemeClr val="tx1"/>
+                </a:solidFill>
+              </a:ln>
+            </a:endParaRPr>
+          </a:p>
+          <a:p>
+            <a:pPr marL="0" marR="0" indent="0" algn="l" defTabSz="457200" rtl="0" fontAlgn="auto" latinLnBrk="0" hangingPunct="0">
+              <a:lnSpc>
+                <a:spcPct val="100000"/>
+              </a:lnSpc>
+              <a:spcBef>
+                <a:spcPts val="0"/>
+              </a:spcBef>
+              <a:spcAft>
+                <a:spcPts val="0"/>
+              </a:spcAft>
+              <a:buClrTx/>
+              <a:buSzTx/>
+              <a:buFontTx/>
+              <a:buNone/>
+              <a:tabLst/>
+            </a:pPr>
+            <a:endParaRPr kumimoji="0" lang="LID4096" sz="1800" b="0" i="0" u="none" strike="noStrike" cap="none" spc="0" normalizeH="0" baseline="0">
+              <a:ln>
+                <a:solidFill>
+                  <a:schemeClr val="tx1"/>
+                </a:solidFill>
+              </a:ln>
+              <a:solidFill>
+                <a:srgbClr val="000000"/>
+              </a:solidFill>
+              <a:effectLst/>
+              <a:uFillTx/>
+              <a:latin typeface="+mn-lt"/>
+              <a:ea typeface="+mn-ea"/>
+              <a:cs typeface="+mn-cs"/>
+              <a:sym typeface="Aptos"/>
+            </a:endParaRPr>
+          </a:p>
+        </p:txBody>
+      </p:sp>
+      <p:sp>
+        <p:nvSpPr>
+          <p:cNvPr id="51" name="Rectangle 50">
+            <a:extLst>
+              <a:ext uri="{FF2B5EF4-FFF2-40B4-BE49-F238E27FC236}">
+                <a16:creationId xmlns:a16="http://schemas.microsoft.com/office/drawing/2014/main" id="{B799D6BB-A921-84D5-2F01-6C818FE3F393}"/>
+              </a:ext>
+            </a:extLst>
+          </p:cNvPr>
+          <p:cNvSpPr/>
+          <p:nvPr/>
+        </p:nvSpPr>
+        <p:spPr>
+          <a:xfrm>
+            <a:off x="346270" y="4338464"/>
+            <a:ext cx="3366347" cy="1600200"/>
+          </a:xfrm>
+          <a:prstGeom prst="rect">
+            <a:avLst/>
+          </a:prstGeom>
+          <a:noFill/>
+          <a:ln>
+            <a:solidFill>
+              <a:schemeClr val="tx2">
+                <a:lumMod val="50000"/>
+              </a:schemeClr>
+            </a:solidFill>
+          </a:ln>
+          <a:effectLst>
+            <a:glow rad="63500">
+              <a:schemeClr val="tx2">
+                <a:lumMod val="50000"/>
+                <a:alpha val="40000"/>
+              </a:schemeClr>
+            </a:glow>
+            <a:outerShdw blurRad="152400" dist="317500" dir="5400000" sx="90000" sy="-19000" rotWithShape="0">
+              <a:prstClr val="black">
+                <a:alpha val="15000"/>
+              </a:prstClr>
+            </a:outerShdw>
+          </a:effectLst>
+        </p:spPr>
+        <p:style>
+          <a:lnRef idx="2">
+            <a:schemeClr val="dk1"/>
+          </a:lnRef>
+          <a:fillRef idx="1">
+            <a:schemeClr val="lt1"/>
+          </a:fillRef>
+          <a:effectRef idx="0">
+            <a:schemeClr val="dk1"/>
+          </a:effectRef>
+          <a:fontRef idx="minor">
+            <a:schemeClr val="dk1"/>
+          </a:fontRef>
+        </p:style>
+        <p:txBody>
+          <a:bodyPr rot="0" spcFirstLastPara="1" vertOverflow="overflow" horzOverflow="overflow" vert="horz" wrap="square" lIns="45719" tIns="45719" rIns="45719" bIns="45719" numCol="1" spcCol="38100" rtlCol="0" anchor="ctr">
+            <a:spAutoFit/>
+          </a:bodyPr>
+          <a:lstStyle/>
+          <a:p>
+            <a:pPr marL="0" marR="0" indent="0" algn="l" defTabSz="457200" rtl="0" fontAlgn="auto" latinLnBrk="0" hangingPunct="0">
+              <a:lnSpc>
+                <a:spcPct val="100000"/>
+              </a:lnSpc>
+              <a:spcBef>
+                <a:spcPts val="0"/>
+              </a:spcBef>
+              <a:spcAft>
+                <a:spcPts val="0"/>
+              </a:spcAft>
+              <a:buClrTx/>
+              <a:buSzTx/>
+              <a:buFontTx/>
+              <a:buNone/>
+              <a:tabLst/>
+            </a:pPr>
+            <a:endParaRPr lang="nl-NL">
+              <a:ln>
+                <a:solidFill>
+                  <a:schemeClr val="tx1"/>
+                </a:solidFill>
+              </a:ln>
+            </a:endParaRPr>
+          </a:p>
+          <a:p>
+            <a:pPr marL="0" marR="0" indent="0" algn="l" defTabSz="457200" rtl="0" fontAlgn="auto" latinLnBrk="0" hangingPunct="0">
+              <a:lnSpc>
+                <a:spcPct val="100000"/>
+              </a:lnSpc>
+              <a:spcBef>
+                <a:spcPts val="0"/>
+              </a:spcBef>
+              <a:spcAft>
+                <a:spcPts val="0"/>
+              </a:spcAft>
+              <a:buClrTx/>
+              <a:buSzTx/>
+              <a:buFontTx/>
+              <a:buNone/>
+              <a:tabLst/>
+            </a:pPr>
+            <a:endParaRPr kumimoji="0" lang="nl-NL" sz="1800" b="0" i="0" u="none" strike="noStrike" cap="none" spc="0" normalizeH="0" baseline="0">
+              <a:ln>
+                <a:solidFill>
+                  <a:schemeClr val="tx1"/>
+                </a:solidFill>
+              </a:ln>
+              <a:solidFill>
+                <a:srgbClr val="000000"/>
+              </a:solidFill>
+              <a:effectLst/>
+              <a:uFillTx/>
+              <a:latin typeface="+mn-lt"/>
+              <a:ea typeface="+mn-ea"/>
+              <a:cs typeface="+mn-cs"/>
+              <a:sym typeface="Aptos"/>
+            </a:endParaRPr>
+          </a:p>
+          <a:p>
+            <a:pPr marL="0" marR="0" indent="0" algn="l" defTabSz="457200" rtl="0" fontAlgn="auto" latinLnBrk="0" hangingPunct="0">
+              <a:lnSpc>
+                <a:spcPct val="100000"/>
+              </a:lnSpc>
+              <a:spcBef>
+                <a:spcPts val="0"/>
+              </a:spcBef>
+              <a:spcAft>
+                <a:spcPts val="0"/>
+              </a:spcAft>
+              <a:buClrTx/>
+              <a:buSzTx/>
+              <a:buFontTx/>
+              <a:buNone/>
+              <a:tabLst/>
+            </a:pPr>
+            <a:endParaRPr lang="nl-NL">
+              <a:ln>
+                <a:solidFill>
+                  <a:schemeClr val="tx1"/>
+                </a:solidFill>
+              </a:ln>
+            </a:endParaRPr>
+          </a:p>
+          <a:p>
+            <a:pPr marL="0" marR="0" indent="0" algn="l" defTabSz="457200" rtl="0" fontAlgn="auto" latinLnBrk="0" hangingPunct="0">
+              <a:lnSpc>
+                <a:spcPct val="100000"/>
+              </a:lnSpc>
+              <a:spcBef>
+                <a:spcPts val="0"/>
+              </a:spcBef>
+              <a:spcAft>
+                <a:spcPts val="0"/>
+              </a:spcAft>
+              <a:buClrTx/>
+              <a:buSzTx/>
+              <a:buFontTx/>
+              <a:buNone/>
+              <a:tabLst/>
+            </a:pPr>
+            <a:endParaRPr kumimoji="0" lang="LID4096" sz="1800" b="0" i="0" u="none" strike="noStrike" cap="none" spc="0" normalizeH="0" baseline="0">
+              <a:ln>
+                <a:solidFill>
+                  <a:schemeClr val="tx1"/>
+                </a:solidFill>
+              </a:ln>
+              <a:solidFill>
+                <a:srgbClr val="000000"/>
+              </a:solidFill>
+              <a:effectLst/>
+              <a:uFillTx/>
+              <a:latin typeface="+mn-lt"/>
+              <a:ea typeface="+mn-ea"/>
+              <a:cs typeface="+mn-cs"/>
+              <a:sym typeface="Aptos"/>
+            </a:endParaRPr>
+          </a:p>
+        </p:txBody>
+      </p:sp>
+      <p:sp>
+        <p:nvSpPr>
+          <p:cNvPr id="52" name="Rectangle 51">
+            <a:extLst>
+              <a:ext uri="{FF2B5EF4-FFF2-40B4-BE49-F238E27FC236}">
+                <a16:creationId xmlns:a16="http://schemas.microsoft.com/office/drawing/2014/main" id="{CF348ACE-F594-DA11-C9ED-DC818C8DE117}"/>
+              </a:ext>
+            </a:extLst>
+          </p:cNvPr>
+          <p:cNvSpPr/>
+          <p:nvPr/>
+        </p:nvSpPr>
+        <p:spPr>
+          <a:xfrm>
+            <a:off x="3859452" y="4335681"/>
             <a:ext cx="3366347" cy="1600200"/>
           </a:xfrm>
           <a:prstGeom prst="rect">
@@ -6969,7 +7333,7 @@
           <p:nvPr>
             <p:extLst>
               <p:ext uri="{D42A27DB-BD31-4B8C-83A1-F6EECF244321}">
-                <p14:modId xmlns:p14="http://schemas.microsoft.com/office/powerpoint/2010/main" val="634835734"/>
+                <p14:modId xmlns:p14="http://schemas.microsoft.com/office/powerpoint/2010/main" val="540368359"/>
               </p:ext>
             </p:extLst>
           </p:nvPr>
@@ -8765,7 +9129,7 @@
         </p:style>
         <p:txBody>
           <a:bodyPr rot="0" spcFirstLastPara="1" vertOverflow="overflow" horzOverflow="overflow" vert="horz" wrap="square" lIns="45719" tIns="45719" rIns="45719" bIns="45719" numCol="1" spcCol="38100" rtlCol="0" anchor="ctr">
-            <a:spAutoFit/>
+            <a:noAutofit/>
           </a:bodyPr>
           <a:lstStyle/>
           <a:p>
@@ -9025,7 +9389,7 @@
         </p:style>
         <p:txBody>
           <a:bodyPr rot="0" spcFirstLastPara="1" vertOverflow="overflow" horzOverflow="overflow" vert="horz" wrap="square" lIns="45719" tIns="45719" rIns="45719" bIns="45719" numCol="1" spcCol="38100" rtlCol="0" anchor="ctr">
-            <a:spAutoFit/>
+            <a:noAutofit/>
           </a:bodyPr>
           <a:lstStyle/>
           <a:p>
@@ -9276,7 +9640,7 @@
         </p:style>
         <p:txBody>
           <a:bodyPr rot="0" spcFirstLastPara="1" vertOverflow="overflow" horzOverflow="overflow" vert="horz" wrap="square" lIns="45719" tIns="45719" rIns="45719" bIns="45719" numCol="1" spcCol="38100" rtlCol="0" anchor="ctr">
-            <a:spAutoFit/>
+            <a:noAutofit/>
           </a:bodyPr>
           <a:lstStyle/>
           <a:p>
@@ -9536,7 +9900,7 @@
         </p:style>
         <p:txBody>
           <a:bodyPr rot="0" spcFirstLastPara="1" vertOverflow="overflow" horzOverflow="overflow" vert="horz" wrap="square" lIns="45719" tIns="45719" rIns="45719" bIns="45719" numCol="1" spcCol="38100" rtlCol="0" anchor="ctr">
-            <a:spAutoFit/>
+            <a:noAutofit/>
           </a:bodyPr>
           <a:lstStyle/>
           <a:p>
@@ -9567,6 +9931,368 @@
               <a:t>{att_corners_headers}</a:t>
             </a:r>
           </a:p>
+          <a:p>
+            <a:pPr marL="0" marR="0" indent="0" algn="l" defTabSz="457200" rtl="0" fontAlgn="auto" latinLnBrk="0" hangingPunct="0">
+              <a:lnSpc>
+                <a:spcPct val="100000"/>
+              </a:lnSpc>
+              <a:spcBef>
+                <a:spcPts val="0"/>
+              </a:spcBef>
+              <a:spcAft>
+                <a:spcPts val="0"/>
+              </a:spcAft>
+              <a:buClrTx/>
+              <a:buSzTx/>
+              <a:buFontTx/>
+              <a:buNone/>
+              <a:tabLst/>
+            </a:pPr>
+            <a:endParaRPr lang="nl-NL">
+              <a:ln>
+                <a:solidFill>
+                  <a:schemeClr val="tx1"/>
+                </a:solidFill>
+              </a:ln>
+            </a:endParaRPr>
+          </a:p>
+          <a:p>
+            <a:pPr marL="0" marR="0" indent="0" algn="l" defTabSz="457200" rtl="0" fontAlgn="auto" latinLnBrk="0" hangingPunct="0">
+              <a:lnSpc>
+                <a:spcPct val="100000"/>
+              </a:lnSpc>
+              <a:spcBef>
+                <a:spcPts val="0"/>
+              </a:spcBef>
+              <a:spcAft>
+                <a:spcPts val="0"/>
+              </a:spcAft>
+              <a:buClrTx/>
+              <a:buSzTx/>
+              <a:buFontTx/>
+              <a:buNone/>
+              <a:tabLst/>
+            </a:pPr>
+            <a:endParaRPr kumimoji="0" lang="nl-NL" sz="1800" b="0" i="0" u="none" strike="noStrike" cap="none" spc="0" normalizeH="0" baseline="0">
+              <a:ln>
+                <a:solidFill>
+                  <a:schemeClr val="tx1"/>
+                </a:solidFill>
+              </a:ln>
+              <a:solidFill>
+                <a:srgbClr val="000000"/>
+              </a:solidFill>
+              <a:effectLst/>
+              <a:uFillTx/>
+              <a:latin typeface="+mn-lt"/>
+              <a:ea typeface="+mn-ea"/>
+              <a:cs typeface="+mn-cs"/>
+              <a:sym typeface="Aptos"/>
+            </a:endParaRPr>
+          </a:p>
+          <a:p>
+            <a:pPr marL="0" marR="0" indent="0" algn="l" defTabSz="457200" rtl="0" fontAlgn="auto" latinLnBrk="0" hangingPunct="0">
+              <a:lnSpc>
+                <a:spcPct val="100000"/>
+              </a:lnSpc>
+              <a:spcBef>
+                <a:spcPts val="0"/>
+              </a:spcBef>
+              <a:spcAft>
+                <a:spcPts val="0"/>
+              </a:spcAft>
+              <a:buClrTx/>
+              <a:buSzTx/>
+              <a:buFontTx/>
+              <a:buNone/>
+              <a:tabLst/>
+            </a:pPr>
+            <a:endParaRPr lang="nl-NL">
+              <a:ln>
+                <a:solidFill>
+                  <a:schemeClr val="tx1"/>
+                </a:solidFill>
+              </a:ln>
+            </a:endParaRPr>
+          </a:p>
+          <a:p>
+            <a:pPr marL="0" marR="0" indent="0" algn="l" defTabSz="457200" rtl="0" fontAlgn="auto" latinLnBrk="0" hangingPunct="0">
+              <a:lnSpc>
+                <a:spcPct val="100000"/>
+              </a:lnSpc>
+              <a:spcBef>
+                <a:spcPts val="0"/>
+              </a:spcBef>
+              <a:spcAft>
+                <a:spcPts val="0"/>
+              </a:spcAft>
+              <a:buClrTx/>
+              <a:buSzTx/>
+              <a:buFontTx/>
+              <a:buNone/>
+              <a:tabLst/>
+            </a:pPr>
+            <a:endParaRPr kumimoji="0" lang="LID4096" sz="1800" b="0" i="0" u="none" strike="noStrike" cap="none" spc="0" normalizeH="0" baseline="0">
+              <a:ln>
+                <a:solidFill>
+                  <a:schemeClr val="tx1"/>
+                </a:solidFill>
+              </a:ln>
+              <a:solidFill>
+                <a:srgbClr val="000000"/>
+              </a:solidFill>
+              <a:effectLst/>
+              <a:uFillTx/>
+              <a:latin typeface="+mn-lt"/>
+              <a:ea typeface="+mn-ea"/>
+              <a:cs typeface="+mn-cs"/>
+              <a:sym typeface="Aptos"/>
+            </a:endParaRPr>
+          </a:p>
+        </p:txBody>
+      </p:sp>
+      <p:sp>
+        <p:nvSpPr>
+          <p:cNvPr id="44" name="Rectangle 43">
+            <a:extLst>
+              <a:ext uri="{FF2B5EF4-FFF2-40B4-BE49-F238E27FC236}">
+                <a16:creationId xmlns:a16="http://schemas.microsoft.com/office/drawing/2014/main" id="{0A9D8194-6133-B07E-927F-AB299C1D7C82}"/>
+              </a:ext>
+            </a:extLst>
+          </p:cNvPr>
+          <p:cNvSpPr/>
+          <p:nvPr/>
+        </p:nvSpPr>
+        <p:spPr>
+          <a:xfrm>
+            <a:off x="377923" y="5317027"/>
+            <a:ext cx="3366347" cy="1600200"/>
+          </a:xfrm>
+          <a:prstGeom prst="rect">
+            <a:avLst/>
+          </a:prstGeom>
+          <a:noFill/>
+          <a:ln>
+            <a:solidFill>
+              <a:schemeClr val="tx2">
+                <a:lumMod val="50000"/>
+              </a:schemeClr>
+            </a:solidFill>
+          </a:ln>
+          <a:effectLst>
+            <a:glow rad="63500">
+              <a:schemeClr val="tx2">
+                <a:lumMod val="50000"/>
+                <a:alpha val="40000"/>
+              </a:schemeClr>
+            </a:glow>
+            <a:outerShdw blurRad="152400" dist="317500" dir="5400000" sx="90000" sy="-19000" rotWithShape="0">
+              <a:prstClr val="black">
+                <a:alpha val="15000"/>
+              </a:prstClr>
+            </a:outerShdw>
+          </a:effectLst>
+        </p:spPr>
+        <p:style>
+          <a:lnRef idx="2">
+            <a:schemeClr val="dk1"/>
+          </a:lnRef>
+          <a:fillRef idx="1">
+            <a:schemeClr val="lt1"/>
+          </a:fillRef>
+          <a:effectRef idx="0">
+            <a:schemeClr val="dk1"/>
+          </a:effectRef>
+          <a:fontRef idx="minor">
+            <a:schemeClr val="dk1"/>
+          </a:fontRef>
+        </p:style>
+        <p:txBody>
+          <a:bodyPr rot="0" spcFirstLastPara="1" vertOverflow="overflow" horzOverflow="overflow" vert="horz" wrap="square" lIns="45719" tIns="45719" rIns="45719" bIns="45719" numCol="1" spcCol="38100" rtlCol="0" anchor="ctr">
+            <a:spAutoFit/>
+          </a:bodyPr>
+          <a:lstStyle/>
+          <a:p>
+            <a:pPr marL="0" marR="0" indent="0" algn="l" defTabSz="457200" rtl="0" fontAlgn="auto" latinLnBrk="0" hangingPunct="0">
+              <a:lnSpc>
+                <a:spcPct val="100000"/>
+              </a:lnSpc>
+              <a:spcBef>
+                <a:spcPts val="0"/>
+              </a:spcBef>
+              <a:spcAft>
+                <a:spcPts val="0"/>
+              </a:spcAft>
+              <a:buClrTx/>
+              <a:buSzTx/>
+              <a:buFontTx/>
+              <a:buNone/>
+              <a:tabLst/>
+            </a:pPr>
+            <a:endParaRPr lang="nl-NL">
+              <a:ln>
+                <a:solidFill>
+                  <a:schemeClr val="tx1"/>
+                </a:solidFill>
+              </a:ln>
+            </a:endParaRPr>
+          </a:p>
+          <a:p>
+            <a:pPr marL="0" marR="0" indent="0" algn="l" defTabSz="457200" rtl="0" fontAlgn="auto" latinLnBrk="0" hangingPunct="0">
+              <a:lnSpc>
+                <a:spcPct val="100000"/>
+              </a:lnSpc>
+              <a:spcBef>
+                <a:spcPts val="0"/>
+              </a:spcBef>
+              <a:spcAft>
+                <a:spcPts val="0"/>
+              </a:spcAft>
+              <a:buClrTx/>
+              <a:buSzTx/>
+              <a:buFontTx/>
+              <a:buNone/>
+              <a:tabLst/>
+            </a:pPr>
+            <a:endParaRPr kumimoji="0" lang="nl-NL" sz="1800" b="0" i="0" u="none" strike="noStrike" cap="none" spc="0" normalizeH="0" baseline="0">
+              <a:ln>
+                <a:solidFill>
+                  <a:schemeClr val="tx1"/>
+                </a:solidFill>
+              </a:ln>
+              <a:solidFill>
+                <a:srgbClr val="000000"/>
+              </a:solidFill>
+              <a:effectLst/>
+              <a:uFillTx/>
+              <a:latin typeface="+mn-lt"/>
+              <a:ea typeface="+mn-ea"/>
+              <a:cs typeface="+mn-cs"/>
+              <a:sym typeface="Aptos"/>
+            </a:endParaRPr>
+          </a:p>
+          <a:p>
+            <a:pPr marL="0" marR="0" indent="0" algn="l" defTabSz="457200" rtl="0" fontAlgn="auto" latinLnBrk="0" hangingPunct="0">
+              <a:lnSpc>
+                <a:spcPct val="100000"/>
+              </a:lnSpc>
+              <a:spcBef>
+                <a:spcPts val="0"/>
+              </a:spcBef>
+              <a:spcAft>
+                <a:spcPts val="0"/>
+              </a:spcAft>
+              <a:buClrTx/>
+              <a:buSzTx/>
+              <a:buFontTx/>
+              <a:buNone/>
+              <a:tabLst/>
+            </a:pPr>
+            <a:endParaRPr lang="nl-NL">
+              <a:ln>
+                <a:solidFill>
+                  <a:schemeClr val="tx1"/>
+                </a:solidFill>
+              </a:ln>
+            </a:endParaRPr>
+          </a:p>
+          <a:p>
+            <a:pPr marL="0" marR="0" indent="0" algn="l" defTabSz="457200" rtl="0" fontAlgn="auto" latinLnBrk="0" hangingPunct="0">
+              <a:lnSpc>
+                <a:spcPct val="100000"/>
+              </a:lnSpc>
+              <a:spcBef>
+                <a:spcPts val="0"/>
+              </a:spcBef>
+              <a:spcAft>
+                <a:spcPts val="0"/>
+              </a:spcAft>
+              <a:buClrTx/>
+              <a:buSzTx/>
+              <a:buFontTx/>
+              <a:buNone/>
+              <a:tabLst/>
+            </a:pPr>
+            <a:endParaRPr kumimoji="0" lang="LID4096" sz="1800" b="0" i="0" u="none" strike="noStrike" cap="none" spc="0" normalizeH="0" baseline="0">
+              <a:ln>
+                <a:solidFill>
+                  <a:schemeClr val="tx1"/>
+                </a:solidFill>
+              </a:ln>
+              <a:solidFill>
+                <a:srgbClr val="000000"/>
+              </a:solidFill>
+              <a:effectLst/>
+              <a:uFillTx/>
+              <a:latin typeface="+mn-lt"/>
+              <a:ea typeface="+mn-ea"/>
+              <a:cs typeface="+mn-cs"/>
+              <a:sym typeface="Aptos"/>
+            </a:endParaRPr>
+          </a:p>
+        </p:txBody>
+      </p:sp>
+      <p:sp>
+        <p:nvSpPr>
+          <p:cNvPr id="45" name="Rectangle 44">
+            <a:extLst>
+              <a:ext uri="{FF2B5EF4-FFF2-40B4-BE49-F238E27FC236}">
+                <a16:creationId xmlns:a16="http://schemas.microsoft.com/office/drawing/2014/main" id="{7C7BF0CA-D5F1-53A1-722C-FA69B409CC16}"/>
+              </a:ext>
+            </a:extLst>
+          </p:cNvPr>
+          <p:cNvSpPr/>
+          <p:nvPr/>
+        </p:nvSpPr>
+        <p:spPr>
+          <a:xfrm>
+            <a:off x="3926694" y="5311775"/>
+            <a:ext cx="3366347" cy="1600200"/>
+          </a:xfrm>
+          <a:prstGeom prst="rect">
+            <a:avLst/>
+          </a:prstGeom>
+          <a:noFill/>
+          <a:ln>
+            <a:solidFill>
+              <a:schemeClr val="tx2">
+                <a:lumMod val="50000"/>
+              </a:schemeClr>
+            </a:solidFill>
+          </a:ln>
+          <a:effectLst>
+            <a:glow rad="63500">
+              <a:schemeClr val="tx2">
+                <a:lumMod val="50000"/>
+                <a:alpha val="40000"/>
+              </a:schemeClr>
+            </a:glow>
+            <a:outerShdw blurRad="152400" dist="317500" dir="5400000" sx="90000" sy="-19000" rotWithShape="0">
+              <a:prstClr val="black">
+                <a:alpha val="15000"/>
+              </a:prstClr>
+            </a:outerShdw>
+          </a:effectLst>
+        </p:spPr>
+        <p:style>
+          <a:lnRef idx="2">
+            <a:schemeClr val="dk1"/>
+          </a:lnRef>
+          <a:fillRef idx="1">
+            <a:schemeClr val="lt1"/>
+          </a:fillRef>
+          <a:effectRef idx="0">
+            <a:schemeClr val="dk1"/>
+          </a:effectRef>
+          <a:fontRef idx="minor">
+            <a:schemeClr val="dk1"/>
+          </a:fontRef>
+        </p:style>
+        <p:txBody>
+          <a:bodyPr rot="0" spcFirstLastPara="1" vertOverflow="overflow" horzOverflow="overflow" vert="horz" wrap="square" lIns="45719" tIns="45719" rIns="45719" bIns="45719" numCol="1" spcCol="38100" rtlCol="0" anchor="ctr">
+            <a:spAutoFit/>
+          </a:bodyPr>
+          <a:lstStyle/>
           <a:p>
             <a:pPr marL="0" marR="0" indent="0" algn="l" defTabSz="457200" rtl="0" fontAlgn="auto" latinLnBrk="0" hangingPunct="0">
               <a:lnSpc>

--- a/template_opp_analysis.pptx
+++ b/template_opp_analysis.pptx
@@ -3134,7 +3134,20 @@
             <a:bodyPr/>
             <a:lstStyle/>
             <a:p>
-              <a:endParaRPr lang="LID4096"/>
+              <a:pPr algn="ctr"/>
+              <a:r>
+                <a:rPr lang="nl-NL">
+                  <a:solidFill>
+                    <a:schemeClr val="bg1"/>
+                  </a:solidFill>
+                </a:rPr>
+                <a:t>{top_bar}</a:t>
+              </a:r>
+              <a:endParaRPr lang="LID4096">
+                <a:solidFill>
+                  <a:schemeClr val="bg1"/>
+                </a:solidFill>
+              </a:endParaRPr>
             </a:p>
           </p:txBody>
         </p:sp>
@@ -6941,204 +6954,15 @@
           <a:chExt cx="0" cy="0"/>
         </a:xfrm>
       </p:grpSpPr>
-      <p:sp>
-        <p:nvSpPr>
-          <p:cNvPr id="2" name="TextBox 2"/>
-          <p:cNvSpPr txBox="1"/>
-          <p:nvPr/>
-        </p:nvSpPr>
-        <p:spPr>
-          <a:xfrm>
-            <a:off x="442483" y="4646651"/>
-            <a:ext cx="3367368" cy="1293303"/>
-          </a:xfrm>
-          <a:prstGeom prst="rect">
-            <a:avLst/>
-          </a:prstGeom>
-        </p:spPr>
-        <p:txBody>
-          <a:bodyPr lIns="0" tIns="0" rIns="0" bIns="0" rtlCol="0" anchor="t">
-            <a:spAutoFit/>
-          </a:bodyPr>
-          <a:lstStyle/>
-          <a:p>
-            <a:pPr algn="ctr">
-              <a:lnSpc>
-                <a:spcPts val="1679"/>
-              </a:lnSpc>
-              <a:spcBef>
-                <a:spcPct val="0"/>
-              </a:spcBef>
-            </a:pPr>
-            <a:r>
-              <a:rPr lang="en-US" sz="1200" b="1" spc="-6">
-                <a:solidFill>
-                  <a:srgbClr val="000000"/>
-                </a:solidFill>
-                <a:latin typeface="Canva Sans Bold"/>
-                <a:ea typeface="Canva Sans Bold"/>
-                <a:cs typeface="Canva Sans Bold"/>
-                <a:sym typeface="Canva Sans Bold"/>
-              </a:rPr>
-              <a:t>Def. Corners Left: how many crosses turned into a shot?</a:t>
-            </a:r>
-            <a:r>
-              <a:rPr lang="en-US" sz="1200" b="1">
-                <a:solidFill>
-                  <a:srgbClr val="000000"/>
-                </a:solidFill>
-                <a:latin typeface="Canva Sans Bold"/>
-                <a:ea typeface="Canva Sans Bold"/>
-                <a:cs typeface="Canva Sans Bold"/>
-                <a:sym typeface="Canva Sans Bold"/>
-              </a:rPr>
-              <a:t> {def_Corners_left_shots_vis}</a:t>
-            </a:r>
-          </a:p>
-          <a:p>
-            <a:pPr algn="ctr">
-              <a:lnSpc>
-                <a:spcPts val="1679"/>
-              </a:lnSpc>
-              <a:spcBef>
-                <a:spcPct val="0"/>
-              </a:spcBef>
-            </a:pPr>
-            <a:endParaRPr lang="en-US" sz="1200" b="1" spc="-6">
-              <a:solidFill>
-                <a:srgbClr val="000000"/>
-              </a:solidFill>
-              <a:latin typeface="Canva Sans Bold"/>
-              <a:ea typeface="Canva Sans Bold"/>
-              <a:cs typeface="Canva Sans Bold"/>
-              <a:sym typeface="Canva Sans Bold"/>
-            </a:endParaRPr>
-          </a:p>
-          <a:p>
-            <a:pPr algn="ctr">
-              <a:lnSpc>
-                <a:spcPts val="1679"/>
-              </a:lnSpc>
-              <a:spcBef>
-                <a:spcPct val="0"/>
-              </a:spcBef>
-            </a:pPr>
-            <a:endParaRPr lang="en-US" sz="1200" b="1" spc="-6">
-              <a:solidFill>
-                <a:srgbClr val="000000"/>
-              </a:solidFill>
-              <a:latin typeface="Canva Sans Bold"/>
-              <a:ea typeface="Canva Sans Bold"/>
-              <a:cs typeface="Canva Sans Bold"/>
-              <a:sym typeface="Canva Sans Bold"/>
-            </a:endParaRPr>
-          </a:p>
-          <a:p>
-            <a:pPr algn="ctr">
-              <a:lnSpc>
-                <a:spcPts val="1679"/>
-              </a:lnSpc>
-              <a:spcBef>
-                <a:spcPct val="0"/>
-              </a:spcBef>
-            </a:pPr>
-            <a:endParaRPr lang="en-US" sz="1200" b="1" spc="-6">
-              <a:solidFill>
-                <a:srgbClr val="000000"/>
-              </a:solidFill>
-              <a:latin typeface="Canva Sans Bold"/>
-              <a:ea typeface="Canva Sans Bold"/>
-              <a:cs typeface="Canva Sans Bold"/>
-              <a:sym typeface="Canva Sans Bold"/>
-            </a:endParaRPr>
-          </a:p>
-          <a:p>
-            <a:pPr algn="ctr">
-              <a:lnSpc>
-                <a:spcPts val="1679"/>
-              </a:lnSpc>
-              <a:spcBef>
-                <a:spcPct val="0"/>
-              </a:spcBef>
-            </a:pPr>
-            <a:endParaRPr lang="en-US" sz="1200" b="1" spc="-6">
-              <a:solidFill>
-                <a:srgbClr val="000000"/>
-              </a:solidFill>
-              <a:latin typeface="Canva Sans Bold"/>
-              <a:ea typeface="Canva Sans Bold"/>
-              <a:cs typeface="Canva Sans Bold"/>
-              <a:sym typeface="Canva Sans Bold"/>
-            </a:endParaRPr>
-          </a:p>
-        </p:txBody>
-      </p:sp>
-      <p:sp>
-        <p:nvSpPr>
-          <p:cNvPr id="3" name="TextBox 3"/>
-          <p:cNvSpPr txBox="1"/>
-          <p:nvPr/>
-        </p:nvSpPr>
-        <p:spPr>
-          <a:xfrm>
-            <a:off x="3954058" y="4646651"/>
-            <a:ext cx="3342848" cy="617220"/>
-          </a:xfrm>
-          <a:prstGeom prst="rect">
-            <a:avLst/>
-          </a:prstGeom>
-        </p:spPr>
-        <p:txBody>
-          <a:bodyPr lIns="0" tIns="0" rIns="0" bIns="0" rtlCol="0" anchor="t">
-            <a:spAutoFit/>
-          </a:bodyPr>
-          <a:lstStyle/>
-          <a:p>
-            <a:pPr algn="ctr">
-              <a:lnSpc>
-                <a:spcPts val="1679"/>
-              </a:lnSpc>
-              <a:spcBef>
-                <a:spcPct val="0"/>
-              </a:spcBef>
-            </a:pPr>
-            <a:r>
-              <a:rPr lang="en-US" sz="1200" b="1">
-                <a:solidFill>
-                  <a:srgbClr val="000000"/>
-                </a:solidFill>
-                <a:latin typeface="Canva Sans Bold"/>
-                <a:ea typeface="Canva Sans Bold"/>
-                <a:cs typeface="Canva Sans Bold"/>
-                <a:sym typeface="Canva Sans Bold"/>
-              </a:rPr>
-              <a:t>Def. Corners Right: how many crosses turned into a shot?</a:t>
-            </a:r>
-          </a:p>
-          <a:p>
-            <a:pPr algn="ctr">
-              <a:lnSpc>
-                <a:spcPts val="1679"/>
-              </a:lnSpc>
-              <a:spcBef>
-                <a:spcPct val="0"/>
-              </a:spcBef>
-            </a:pPr>
-            <a:endParaRPr lang="en-US" sz="1200" b="1">
-              <a:solidFill>
-                <a:srgbClr val="000000"/>
-              </a:solidFill>
-              <a:latin typeface="Canva Sans Bold"/>
-              <a:ea typeface="Canva Sans Bold"/>
-              <a:cs typeface="Canva Sans Bold"/>
-              <a:sym typeface="Canva Sans Bold"/>
-            </a:endParaRPr>
-          </a:p>
-        </p:txBody>
-      </p:sp>
       <p:grpSp>
         <p:nvGrpSpPr>
-          <p:cNvPr id="4" name="Group 4"/>
+          <p:cNvPr id="53" name="Group 2">
+            <a:extLst>
+              <a:ext uri="{FF2B5EF4-FFF2-40B4-BE49-F238E27FC236}">
+                <a16:creationId xmlns:a16="http://schemas.microsoft.com/office/drawing/2014/main" id="{845EB5F7-0A5C-2A6F-DD80-E890576A566E}"/>
+              </a:ext>
+            </a:extLst>
+          </p:cNvPr>
           <p:cNvGrpSpPr/>
           <p:nvPr/>
         </p:nvGrpSpPr>
@@ -7152,7 +6976,13 @@
         </p:grpSpPr>
         <p:sp>
           <p:nvSpPr>
-            <p:cNvPr id="5" name="Freeform 5"/>
+            <p:cNvPr id="54" name="Freeform 3">
+              <a:extLst>
+                <a:ext uri="{FF2B5EF4-FFF2-40B4-BE49-F238E27FC236}">
+                  <a16:creationId xmlns:a16="http://schemas.microsoft.com/office/drawing/2014/main" id="{78CE6043-FBE7-6AD7-0F76-4348222CB044}"/>
+                </a:ext>
+              </a:extLst>
+            </p:cNvPr>
             <p:cNvSpPr/>
             <p:nvPr/>
           </p:nvSpPr>
@@ -7193,13 +7023,32 @@
             <a:bodyPr/>
             <a:lstStyle/>
             <a:p>
-              <a:endParaRPr lang="LID4096"/>
+              <a:pPr algn="ctr"/>
+              <a:r>
+                <a:rPr lang="nl-NL">
+                  <a:solidFill>
+                    <a:schemeClr val="bg1"/>
+                  </a:solidFill>
+                </a:rPr>
+                <a:t>{top_bar}</a:t>
+              </a:r>
+              <a:endParaRPr lang="LID4096">
+                <a:solidFill>
+                  <a:schemeClr val="bg1"/>
+                </a:solidFill>
+              </a:endParaRPr>
             </a:p>
           </p:txBody>
         </p:sp>
         <p:sp>
           <p:nvSpPr>
-            <p:cNvPr id="6" name="TextBox 6"/>
+            <p:cNvPr id="55" name="TextBox 4">
+              <a:extLst>
+                <a:ext uri="{FF2B5EF4-FFF2-40B4-BE49-F238E27FC236}">
+                  <a16:creationId xmlns:a16="http://schemas.microsoft.com/office/drawing/2014/main" id="{AA4A81BE-9893-E74E-85F3-BC0287515FDF}"/>
+                </a:ext>
+              </a:extLst>
+            </p:cNvPr>
             <p:cNvSpPr txBox="1"/>
             <p:nvPr/>
           </p:nvSpPr>
@@ -7226,104 +7075,191 @@
           </p:txBody>
         </p:sp>
       </p:grpSp>
-      <p:grpSp>
-        <p:nvGrpSpPr>
-          <p:cNvPr id="7" name="Group 7"/>
-          <p:cNvGrpSpPr/>
+      <p:sp>
+        <p:nvSpPr>
+          <p:cNvPr id="2" name="TextBox 2"/>
+          <p:cNvSpPr txBox="1"/>
           <p:nvPr/>
-        </p:nvGrpSpPr>
-        <p:grpSpPr>
+        </p:nvSpPr>
+        <p:spPr>
           <a:xfrm>
-            <a:off x="0" y="10452227"/>
-            <a:ext cx="7560000" cy="278668"/>
-            <a:chOff x="0" y="0"/>
-            <a:chExt cx="2709333" cy="99868"/>
+            <a:off x="442483" y="4646651"/>
+            <a:ext cx="3367368" cy="1075294"/>
           </a:xfrm>
-        </p:grpSpPr>
-        <p:sp>
-          <p:nvSpPr>
-            <p:cNvPr id="8" name="Freeform 8"/>
-            <p:cNvSpPr/>
-            <p:nvPr/>
-          </p:nvSpPr>
-          <p:spPr>
-            <a:xfrm>
-              <a:off x="0" y="0"/>
-              <a:ext cx="2709333" cy="99868"/>
-            </a:xfrm>
-            <a:custGeom>
-              <a:avLst/>
-              <a:gdLst/>
-              <a:ahLst/>
-              <a:cxnLst/>
-              <a:rect l="l" t="t" r="r" b="b"/>
-              <a:pathLst>
-                <a:path w="2709333" h="99868">
-                  <a:moveTo>
-                    <a:pt x="0" y="0"/>
-                  </a:moveTo>
-                  <a:lnTo>
-                    <a:pt x="2709333" y="0"/>
-                  </a:lnTo>
-                  <a:lnTo>
-                    <a:pt x="2709333" y="99868"/>
-                  </a:lnTo>
-                  <a:lnTo>
-                    <a:pt x="0" y="99868"/>
-                  </a:lnTo>
-                  <a:close/>
-                </a:path>
-              </a:pathLst>
-            </a:custGeom>
-            <a:solidFill>
-              <a:srgbClr val="000000"/>
-            </a:solidFill>
-          </p:spPr>
-          <p:txBody>
-            <a:bodyPr/>
-            <a:lstStyle/>
-            <a:p>
-              <a:endParaRPr lang="LID4096"/>
-            </a:p>
-          </p:txBody>
-        </p:sp>
-        <p:sp>
-          <p:nvSpPr>
-            <p:cNvPr id="9" name="TextBox 9"/>
-            <p:cNvSpPr txBox="1"/>
-            <p:nvPr/>
-          </p:nvSpPr>
-          <p:spPr>
-            <a:xfrm>
-              <a:off x="0" y="-9525"/>
-              <a:ext cx="2709333" cy="109393"/>
-            </a:xfrm>
-            <a:prstGeom prst="rect">
-              <a:avLst/>
-            </a:prstGeom>
-          </p:spPr>
-          <p:txBody>
-            <a:bodyPr lIns="50800" tIns="50800" rIns="50800" bIns="50800" rtlCol="0" anchor="ctr"/>
-            <a:lstStyle/>
-            <a:p>
-              <a:pPr algn="ctr">
-                <a:lnSpc>
-                  <a:spcPts val="1464"/>
-                </a:lnSpc>
-              </a:pPr>
-              <a:endParaRPr lang="en-US" sz="1045">
+          <a:prstGeom prst="rect">
+            <a:avLst/>
+          </a:prstGeom>
+        </p:spPr>
+        <p:txBody>
+          <a:bodyPr lIns="0" tIns="0" rIns="0" bIns="0" rtlCol="0" anchor="t">
+            <a:spAutoFit/>
+          </a:bodyPr>
+          <a:lstStyle/>
+          <a:p>
+            <a:pPr algn="ctr">
+              <a:lnSpc>
+                <a:spcPts val="1679"/>
+              </a:lnSpc>
+              <a:spcBef>
+                <a:spcPct val="0"/>
+              </a:spcBef>
+            </a:pPr>
+            <a:r>
+              <a:rPr lang="en-US" sz="1200" b="1" spc="-6">
                 <a:solidFill>
-                  <a:srgbClr val="FFFFFF"/>
+                  <a:srgbClr val="000000"/>
                 </a:solidFill>
-                <a:latin typeface="Canva Sans"/>
-                <a:ea typeface="Canva Sans"/>
-                <a:cs typeface="Canva Sans"/>
-                <a:sym typeface="Canva Sans"/>
-              </a:endParaRPr>
-            </a:p>
-          </p:txBody>
-        </p:sp>
-      </p:grpSp>
+                <a:latin typeface="Canva Sans Bold"/>
+                <a:ea typeface="Canva Sans Bold"/>
+                <a:cs typeface="Canva Sans Bold"/>
+                <a:sym typeface="Canva Sans Bold"/>
+              </a:rPr>
+              <a:t>Def. Corners Left: how many crosses turned into a shot?</a:t>
+            </a:r>
+            <a:r>
+              <a:rPr lang="en-US" sz="1200" b="1">
+                <a:solidFill>
+                  <a:srgbClr val="000000"/>
+                </a:solidFill>
+                <a:latin typeface="Canva Sans Bold"/>
+                <a:ea typeface="Canva Sans Bold"/>
+                <a:cs typeface="Canva Sans Bold"/>
+                <a:sym typeface="Canva Sans Bold"/>
+              </a:rPr>
+              <a:t> </a:t>
+            </a:r>
+            <a:endParaRPr lang="en-US" sz="1200" b="1" spc="-6">
+              <a:solidFill>
+                <a:srgbClr val="000000"/>
+              </a:solidFill>
+              <a:latin typeface="Canva Sans Bold"/>
+              <a:ea typeface="Canva Sans Bold"/>
+              <a:cs typeface="Canva Sans Bold"/>
+              <a:sym typeface="Canva Sans Bold"/>
+            </a:endParaRPr>
+          </a:p>
+          <a:p>
+            <a:pPr algn="ctr">
+              <a:lnSpc>
+                <a:spcPts val="1679"/>
+              </a:lnSpc>
+              <a:spcBef>
+                <a:spcPct val="0"/>
+              </a:spcBef>
+            </a:pPr>
+            <a:endParaRPr lang="en-US" sz="1200" b="1" spc="-6">
+              <a:solidFill>
+                <a:srgbClr val="000000"/>
+              </a:solidFill>
+              <a:latin typeface="Canva Sans Bold"/>
+              <a:ea typeface="Canva Sans Bold"/>
+              <a:cs typeface="Canva Sans Bold"/>
+              <a:sym typeface="Canva Sans Bold"/>
+            </a:endParaRPr>
+          </a:p>
+          <a:p>
+            <a:pPr algn="ctr">
+              <a:lnSpc>
+                <a:spcPts val="1679"/>
+              </a:lnSpc>
+              <a:spcBef>
+                <a:spcPct val="0"/>
+              </a:spcBef>
+            </a:pPr>
+            <a:endParaRPr lang="en-US" sz="1200" b="1" spc="-6">
+              <a:solidFill>
+                <a:srgbClr val="000000"/>
+              </a:solidFill>
+              <a:latin typeface="Canva Sans Bold"/>
+              <a:ea typeface="Canva Sans Bold"/>
+              <a:cs typeface="Canva Sans Bold"/>
+              <a:sym typeface="Canva Sans Bold"/>
+            </a:endParaRPr>
+          </a:p>
+          <a:p>
+            <a:pPr algn="ctr">
+              <a:lnSpc>
+                <a:spcPts val="1679"/>
+              </a:lnSpc>
+              <a:spcBef>
+                <a:spcPct val="0"/>
+              </a:spcBef>
+            </a:pPr>
+            <a:endParaRPr lang="en-US" sz="1200" b="1" spc="-6">
+              <a:solidFill>
+                <a:srgbClr val="000000"/>
+              </a:solidFill>
+              <a:latin typeface="Canva Sans Bold"/>
+              <a:ea typeface="Canva Sans Bold"/>
+              <a:cs typeface="Canva Sans Bold"/>
+              <a:sym typeface="Canva Sans Bold"/>
+            </a:endParaRPr>
+          </a:p>
+        </p:txBody>
+      </p:sp>
+      <p:sp>
+        <p:nvSpPr>
+          <p:cNvPr id="3" name="TextBox 3"/>
+          <p:cNvSpPr txBox="1"/>
+          <p:nvPr/>
+        </p:nvSpPr>
+        <p:spPr>
+          <a:xfrm>
+            <a:off x="3954058" y="4646651"/>
+            <a:ext cx="3342848" cy="617220"/>
+          </a:xfrm>
+          <a:prstGeom prst="rect">
+            <a:avLst/>
+          </a:prstGeom>
+        </p:spPr>
+        <p:txBody>
+          <a:bodyPr lIns="0" tIns="0" rIns="0" bIns="0" rtlCol="0" anchor="t">
+            <a:spAutoFit/>
+          </a:bodyPr>
+          <a:lstStyle/>
+          <a:p>
+            <a:pPr algn="ctr">
+              <a:lnSpc>
+                <a:spcPts val="1679"/>
+              </a:lnSpc>
+              <a:spcBef>
+                <a:spcPct val="0"/>
+              </a:spcBef>
+            </a:pPr>
+            <a:r>
+              <a:rPr lang="en-US" sz="1200" b="1">
+                <a:solidFill>
+                  <a:srgbClr val="000000"/>
+                </a:solidFill>
+                <a:latin typeface="Canva Sans Bold"/>
+                <a:ea typeface="Canva Sans Bold"/>
+                <a:cs typeface="Canva Sans Bold"/>
+                <a:sym typeface="Canva Sans Bold"/>
+              </a:rPr>
+              <a:t>Def. Corners Right: how many crosses turned into a shot?</a:t>
+            </a:r>
+          </a:p>
+          <a:p>
+            <a:pPr algn="ctr">
+              <a:lnSpc>
+                <a:spcPts val="1679"/>
+              </a:lnSpc>
+              <a:spcBef>
+                <a:spcPct val="0"/>
+              </a:spcBef>
+            </a:pPr>
+            <a:endParaRPr lang="en-US" sz="1200" b="1">
+              <a:solidFill>
+                <a:srgbClr val="000000"/>
+              </a:solidFill>
+              <a:latin typeface="Canva Sans Bold"/>
+              <a:ea typeface="Canva Sans Bold"/>
+              <a:cs typeface="Canva Sans Bold"/>
+              <a:sym typeface="Canva Sans Bold"/>
+            </a:endParaRPr>
+          </a:p>
+        </p:txBody>
+      </p:sp>
       <p:graphicFrame>
         <p:nvGraphicFramePr>
           <p:cNvPr id="10" name="Table 10"/>
@@ -9900,7 +9836,7 @@
         </p:style>
         <p:txBody>
           <a:bodyPr rot="0" spcFirstLastPara="1" vertOverflow="overflow" horzOverflow="overflow" vert="horz" wrap="square" lIns="45719" tIns="45719" rIns="45719" bIns="45719" numCol="1" spcCol="38100" rtlCol="0" anchor="ctr">
-            <a:noAutofit/>
+            <a:spAutoFit/>
           </a:bodyPr>
           <a:lstStyle/>
           <a:p>
@@ -10413,6 +10349,125 @@
           </a:p>
         </p:txBody>
       </p:sp>
+      <p:grpSp>
+        <p:nvGrpSpPr>
+          <p:cNvPr id="47" name="Group 27">
+            <a:extLst>
+              <a:ext uri="{FF2B5EF4-FFF2-40B4-BE49-F238E27FC236}">
+                <a16:creationId xmlns:a16="http://schemas.microsoft.com/office/drawing/2014/main" id="{44753B68-3B83-1E8A-4017-FFFA6B86A48C}"/>
+              </a:ext>
+            </a:extLst>
+          </p:cNvPr>
+          <p:cNvGrpSpPr/>
+          <p:nvPr/>
+        </p:nvGrpSpPr>
+        <p:grpSpPr>
+          <a:xfrm>
+            <a:off x="0" y="10452227"/>
+            <a:ext cx="7560000" cy="278668"/>
+            <a:chOff x="0" y="0"/>
+            <a:chExt cx="2709333" cy="99868"/>
+          </a:xfrm>
+        </p:grpSpPr>
+        <p:sp>
+          <p:nvSpPr>
+            <p:cNvPr id="48" name="Freeform 28">
+              <a:extLst>
+                <a:ext uri="{FF2B5EF4-FFF2-40B4-BE49-F238E27FC236}">
+                  <a16:creationId xmlns:a16="http://schemas.microsoft.com/office/drawing/2014/main" id="{E17D912E-12F7-B999-6248-6DD6ADFAAE95}"/>
+                </a:ext>
+              </a:extLst>
+            </p:cNvPr>
+            <p:cNvSpPr/>
+            <p:nvPr/>
+          </p:nvSpPr>
+          <p:spPr>
+            <a:xfrm>
+              <a:off x="0" y="0"/>
+              <a:ext cx="2709333" cy="99868"/>
+            </a:xfrm>
+            <a:custGeom>
+              <a:avLst/>
+              <a:gdLst/>
+              <a:ahLst/>
+              <a:cxnLst/>
+              <a:rect l="l" t="t" r="r" b="b"/>
+              <a:pathLst>
+                <a:path w="2709333" h="99868">
+                  <a:moveTo>
+                    <a:pt x="0" y="0"/>
+                  </a:moveTo>
+                  <a:lnTo>
+                    <a:pt x="2709333" y="0"/>
+                  </a:lnTo>
+                  <a:lnTo>
+                    <a:pt x="2709333" y="99868"/>
+                  </a:lnTo>
+                  <a:lnTo>
+                    <a:pt x="0" y="99868"/>
+                  </a:lnTo>
+                  <a:close/>
+                </a:path>
+              </a:pathLst>
+            </a:custGeom>
+            <a:solidFill>
+              <a:srgbClr val="000000"/>
+            </a:solidFill>
+          </p:spPr>
+          <p:txBody>
+            <a:bodyPr/>
+            <a:lstStyle/>
+            <a:p>
+              <a:endParaRPr lang="LID4096"/>
+            </a:p>
+          </p:txBody>
+        </p:sp>
+        <p:sp>
+          <p:nvSpPr>
+            <p:cNvPr id="49" name="TextBox 29">
+              <a:extLst>
+                <a:ext uri="{FF2B5EF4-FFF2-40B4-BE49-F238E27FC236}">
+                  <a16:creationId xmlns:a16="http://schemas.microsoft.com/office/drawing/2014/main" id="{B72B6AAC-6A21-35BD-D883-9949C6DBD50C}"/>
+                </a:ext>
+              </a:extLst>
+            </p:cNvPr>
+            <p:cNvSpPr txBox="1"/>
+            <p:nvPr/>
+          </p:nvSpPr>
+          <p:spPr>
+            <a:xfrm>
+              <a:off x="0" y="-9525"/>
+              <a:ext cx="2709333" cy="109393"/>
+            </a:xfrm>
+            <a:prstGeom prst="rect">
+              <a:avLst/>
+            </a:prstGeom>
+          </p:spPr>
+          <p:txBody>
+            <a:bodyPr lIns="50800" tIns="50800" rIns="50800" bIns="50800" rtlCol="0" anchor="ctr"/>
+            <a:lstStyle/>
+            <a:p>
+              <a:pPr algn="ctr">
+                <a:lnSpc>
+                  <a:spcPts val="1464"/>
+                </a:lnSpc>
+              </a:pPr>
+              <a:r>
+                <a:rPr lang="en-US" sz="1045">
+                  <a:solidFill>
+                    <a:srgbClr val="FFFFFF"/>
+                  </a:solidFill>
+                  <a:latin typeface="Canva Sans"/>
+                  <a:ea typeface="Canva Sans"/>
+                  <a:cs typeface="Canva Sans"/>
+                  <a:sym typeface="Canva Sans"/>
+                </a:rPr>
+                <a:t>{bottom_bar}</a:t>
+              </a:r>
+            </a:p>
+          </p:txBody>
+        </p:sp>
+      </p:grpSp>
     </p:spTree>
   </p:cSld>
   <p:clrMapOvr>

--- a/template_opp_analysis.pptx
+++ b/template_opp_analysis.pptx
@@ -3186,11 +3186,17 @@
           <p:cNvGraphicFramePr>
             <a:graphicFrameLocks noGrp="1"/>
           </p:cNvGraphicFramePr>
-          <p:nvPr/>
+          <p:nvPr>
+            <p:extLst>
+              <p:ext uri="{D42A27DB-BD31-4B8C-83A1-F6EECF244321}">
+                <p14:modId xmlns:p14="http://schemas.microsoft.com/office/powerpoint/2010/main" val="899401418"/>
+              </p:ext>
+            </p:extLst>
+          </p:nvPr>
         </p:nvGraphicFramePr>
         <p:xfrm>
-          <a:off x="469072" y="6784928"/>
-          <a:ext cx="6575635" cy="2293200"/>
+          <a:off x="469072" y="7969171"/>
+          <a:ext cx="6575635" cy="2058822"/>
         </p:xfrm>
         <a:graphic>
           <a:graphicData uri="http://schemas.openxmlformats.org/drawingml/2006/table">
@@ -3233,7 +3239,7 @@
                   </a:extLst>
                 </a:gridCol>
               </a:tblGrid>
-              <a:tr h="701150">
+              <a:tr h="466772">
                 <a:tc>
                   <a:txBody>
                     <a:bodyPr/>
@@ -3391,7 +3397,7 @@
                           <a:cs typeface="Canva Sans Bold"/>
                           <a:sym typeface="Canva Sans Bold"/>
                         </a:rPr>
-                        <a:t>Cross Succ. %</a:t>
+                        <a:t>Cross Succ. </a:t>
                       </a:r>
                       <a:endParaRPr lang="en-US" sz="1100"/>
                     </a:p>
@@ -4810,50 +4816,6 @@
               <a:cs typeface="Canva Sans"/>
               <a:sym typeface="Canva Sans"/>
             </a:endParaRPr>
-          </a:p>
-        </p:txBody>
-      </p:sp>
-      <p:sp>
-        <p:nvSpPr>
-          <p:cNvPr id="16" name="TextBox 16"/>
-          <p:cNvSpPr txBox="1"/>
-          <p:nvPr/>
-        </p:nvSpPr>
-        <p:spPr>
-          <a:xfrm>
-            <a:off x="2043622" y="6231383"/>
-            <a:ext cx="3512195" cy="322589"/>
-          </a:xfrm>
-          <a:prstGeom prst="rect">
-            <a:avLst/>
-          </a:prstGeom>
-        </p:spPr>
-        <p:txBody>
-          <a:bodyPr wrap="square" lIns="0" tIns="0" rIns="0" bIns="0" rtlCol="0" anchor="t">
-            <a:spAutoFit/>
-          </a:bodyPr>
-          <a:lstStyle/>
-          <a:p>
-            <a:pPr algn="ctr">
-              <a:lnSpc>
-                <a:spcPts val="2659"/>
-              </a:lnSpc>
-              <a:spcBef>
-                <a:spcPct val="0"/>
-              </a:spcBef>
-            </a:pPr>
-            <a:r>
-              <a:rPr lang="en-US" sz="1899">
-                <a:solidFill>
-                  <a:srgbClr val="000000"/>
-                </a:solidFill>
-                <a:latin typeface="Canva Sans"/>
-                <a:ea typeface="Canva Sans"/>
-                <a:cs typeface="Canva Sans"/>
-                <a:sym typeface="Canva Sans"/>
-              </a:rPr>
-              <a:t>CORNER TAKERS (LEFT)</a:t>
-            </a:r>
           </a:p>
         </p:txBody>
       </p:sp>
@@ -5038,8 +5000,8 @@
         </p:nvSpPr>
         <p:spPr>
           <a:xfrm>
-            <a:off x="3856004" y="1749082"/>
-            <a:ext cx="3359965" cy="1596141"/>
+            <a:off x="3856004" y="1740149"/>
+            <a:ext cx="3529584" cy="1389888"/>
           </a:xfrm>
           <a:prstGeom prst="rect">
             <a:avLst/>
@@ -5068,7 +5030,7 @@
       </p:sp>
       <p:sp>
         <p:nvSpPr>
-          <p:cNvPr id="54" name="Rectangle 53">
+          <p:cNvPr id="54" name="PH_Corners_right_positions_vis">
             <a:extLst>
               <a:ext uri="{FF2B5EF4-FFF2-40B4-BE49-F238E27FC236}">
                 <a16:creationId xmlns:a16="http://schemas.microsoft.com/office/drawing/2014/main" id="{5DF0850D-76D9-599D-EDA4-9053CD996508}"/>
@@ -5080,8 +5042,8 @@
         </p:nvSpPr>
         <p:spPr>
           <a:xfrm>
-            <a:off x="3862645" y="1724316"/>
-            <a:ext cx="3366347" cy="1600200"/>
+            <a:off x="3850755" y="1741857"/>
+            <a:ext cx="3529584" cy="1389888"/>
           </a:xfrm>
           <a:prstGeom prst="rect">
             <a:avLst/>
@@ -5298,8 +5260,8 @@
         </p:nvSpPr>
         <p:spPr>
           <a:xfrm>
-            <a:off x="334265" y="1736406"/>
-            <a:ext cx="3359965" cy="1596141"/>
+            <a:off x="249454" y="1752892"/>
+            <a:ext cx="3529584" cy="1389888"/>
           </a:xfrm>
           <a:prstGeom prst="rect">
             <a:avLst/>
@@ -5342,8 +5304,8 @@
         </p:nvSpPr>
         <p:spPr>
           <a:xfrm>
-            <a:off x="319316" y="1737580"/>
-            <a:ext cx="3366347" cy="1600200"/>
+            <a:off x="244426" y="1740149"/>
+            <a:ext cx="3529584" cy="1389888"/>
           </a:xfrm>
           <a:prstGeom prst="rect">
             <a:avLst/>
@@ -5581,7 +5543,7 @@
       </p:sp>
       <p:sp>
         <p:nvSpPr>
-          <p:cNvPr id="43" name="Rectangle 42">
+          <p:cNvPr id="43" name="PH_Corners_right_shots_vis">
             <a:extLst>
               <a:ext uri="{FF2B5EF4-FFF2-40B4-BE49-F238E27FC236}">
                 <a16:creationId xmlns:a16="http://schemas.microsoft.com/office/drawing/2014/main" id="{D2853733-1D34-A559-2BA0-73B5B1A115B9}"/>
@@ -5811,7 +5773,7 @@
         </p:nvSpPr>
         <p:spPr>
           <a:xfrm>
-            <a:off x="340906" y="4315945"/>
+            <a:off x="327508" y="4337710"/>
             <a:ext cx="3359965" cy="1596141"/>
           </a:xfrm>
           <a:prstGeom prst="rect">
@@ -5841,7 +5803,7 @@
       </p:sp>
       <p:sp>
         <p:nvSpPr>
-          <p:cNvPr id="45" name="Rectangle 44">
+          <p:cNvPr id="45" name="PH_Corners_left_shots_vis">
             <a:extLst>
               <a:ext uri="{FF2B5EF4-FFF2-40B4-BE49-F238E27FC236}">
                 <a16:creationId xmlns:a16="http://schemas.microsoft.com/office/drawing/2014/main" id="{00EFB0B4-4FA4-0A2E-CA34-C4BB1CE8FF95}"/>
@@ -6199,549 +6161,6 @@
       </p:sp>
       <p:sp>
         <p:nvSpPr>
-          <p:cNvPr id="49" name="Rectangle 48">
-            <a:extLst>
-              <a:ext uri="{FF2B5EF4-FFF2-40B4-BE49-F238E27FC236}">
-                <a16:creationId xmlns:a16="http://schemas.microsoft.com/office/drawing/2014/main" id="{3861BF5B-1C96-31DB-40D9-A628FDEEB526}"/>
-              </a:ext>
-            </a:extLst>
-          </p:cNvPr>
-          <p:cNvSpPr/>
-          <p:nvPr/>
-        </p:nvSpPr>
-        <p:spPr>
-          <a:xfrm>
-            <a:off x="342832" y="1731375"/>
-            <a:ext cx="3366347" cy="1600200"/>
-          </a:xfrm>
-          <a:prstGeom prst="rect">
-            <a:avLst/>
-          </a:prstGeom>
-          <a:noFill/>
-          <a:ln>
-            <a:solidFill>
-              <a:schemeClr val="tx2">
-                <a:lumMod val="50000"/>
-              </a:schemeClr>
-            </a:solidFill>
-          </a:ln>
-          <a:effectLst>
-            <a:glow rad="63500">
-              <a:schemeClr val="tx2">
-                <a:lumMod val="50000"/>
-                <a:alpha val="40000"/>
-              </a:schemeClr>
-            </a:glow>
-            <a:outerShdw blurRad="152400" dist="317500" dir="5400000" sx="90000" sy="-19000" rotWithShape="0">
-              <a:prstClr val="black">
-                <a:alpha val="15000"/>
-              </a:prstClr>
-            </a:outerShdw>
-          </a:effectLst>
-        </p:spPr>
-        <p:style>
-          <a:lnRef idx="2">
-            <a:schemeClr val="dk1"/>
-          </a:lnRef>
-          <a:fillRef idx="1">
-            <a:schemeClr val="lt1"/>
-          </a:fillRef>
-          <a:effectRef idx="0">
-            <a:schemeClr val="dk1"/>
-          </a:effectRef>
-          <a:fontRef idx="minor">
-            <a:schemeClr val="dk1"/>
-          </a:fontRef>
-        </p:style>
-        <p:txBody>
-          <a:bodyPr rot="0" spcFirstLastPara="1" vertOverflow="overflow" horzOverflow="overflow" vert="horz" wrap="square" lIns="45719" tIns="45719" rIns="45719" bIns="45719" numCol="1" spcCol="38100" rtlCol="0" anchor="ctr">
-            <a:spAutoFit/>
-          </a:bodyPr>
-          <a:lstStyle/>
-          <a:p>
-            <a:pPr marL="0" marR="0" indent="0" algn="l" defTabSz="457200" rtl="0" fontAlgn="auto" latinLnBrk="0" hangingPunct="0">
-              <a:lnSpc>
-                <a:spcPct val="100000"/>
-              </a:lnSpc>
-              <a:spcBef>
-                <a:spcPts val="0"/>
-              </a:spcBef>
-              <a:spcAft>
-                <a:spcPts val="0"/>
-              </a:spcAft>
-              <a:buClrTx/>
-              <a:buSzTx/>
-              <a:buFontTx/>
-              <a:buNone/>
-              <a:tabLst/>
-            </a:pPr>
-            <a:endParaRPr lang="nl-NL">
-              <a:ln>
-                <a:solidFill>
-                  <a:schemeClr val="tx1"/>
-                </a:solidFill>
-              </a:ln>
-            </a:endParaRPr>
-          </a:p>
-          <a:p>
-            <a:pPr marL="0" marR="0" indent="0" algn="l" defTabSz="457200" rtl="0" fontAlgn="auto" latinLnBrk="0" hangingPunct="0">
-              <a:lnSpc>
-                <a:spcPct val="100000"/>
-              </a:lnSpc>
-              <a:spcBef>
-                <a:spcPts val="0"/>
-              </a:spcBef>
-              <a:spcAft>
-                <a:spcPts val="0"/>
-              </a:spcAft>
-              <a:buClrTx/>
-              <a:buSzTx/>
-              <a:buFontTx/>
-              <a:buNone/>
-              <a:tabLst/>
-            </a:pPr>
-            <a:endParaRPr kumimoji="0" lang="nl-NL" sz="1800" b="0" i="0" u="none" strike="noStrike" cap="none" spc="0" normalizeH="0" baseline="0">
-              <a:ln>
-                <a:solidFill>
-                  <a:schemeClr val="tx1"/>
-                </a:solidFill>
-              </a:ln>
-              <a:solidFill>
-                <a:srgbClr val="000000"/>
-              </a:solidFill>
-              <a:effectLst/>
-              <a:uFillTx/>
-              <a:latin typeface="+mn-lt"/>
-              <a:ea typeface="+mn-ea"/>
-              <a:cs typeface="+mn-cs"/>
-              <a:sym typeface="Aptos"/>
-            </a:endParaRPr>
-          </a:p>
-          <a:p>
-            <a:pPr marL="0" marR="0" indent="0" algn="l" defTabSz="457200" rtl="0" fontAlgn="auto" latinLnBrk="0" hangingPunct="0">
-              <a:lnSpc>
-                <a:spcPct val="100000"/>
-              </a:lnSpc>
-              <a:spcBef>
-                <a:spcPts val="0"/>
-              </a:spcBef>
-              <a:spcAft>
-                <a:spcPts val="0"/>
-              </a:spcAft>
-              <a:buClrTx/>
-              <a:buSzTx/>
-              <a:buFontTx/>
-              <a:buNone/>
-              <a:tabLst/>
-            </a:pPr>
-            <a:endParaRPr lang="nl-NL">
-              <a:ln>
-                <a:solidFill>
-                  <a:schemeClr val="tx1"/>
-                </a:solidFill>
-              </a:ln>
-            </a:endParaRPr>
-          </a:p>
-          <a:p>
-            <a:pPr marL="0" marR="0" indent="0" algn="l" defTabSz="457200" rtl="0" fontAlgn="auto" latinLnBrk="0" hangingPunct="0">
-              <a:lnSpc>
-                <a:spcPct val="100000"/>
-              </a:lnSpc>
-              <a:spcBef>
-                <a:spcPts val="0"/>
-              </a:spcBef>
-              <a:spcAft>
-                <a:spcPts val="0"/>
-              </a:spcAft>
-              <a:buClrTx/>
-              <a:buSzTx/>
-              <a:buFontTx/>
-              <a:buNone/>
-              <a:tabLst/>
-            </a:pPr>
-            <a:endParaRPr kumimoji="0" lang="LID4096" sz="1800" b="0" i="0" u="none" strike="noStrike" cap="none" spc="0" normalizeH="0" baseline="0">
-              <a:ln>
-                <a:solidFill>
-                  <a:schemeClr val="tx1"/>
-                </a:solidFill>
-              </a:ln>
-              <a:solidFill>
-                <a:srgbClr val="000000"/>
-              </a:solidFill>
-              <a:effectLst/>
-              <a:uFillTx/>
-              <a:latin typeface="+mn-lt"/>
-              <a:ea typeface="+mn-ea"/>
-              <a:cs typeface="+mn-cs"/>
-              <a:sym typeface="Aptos"/>
-            </a:endParaRPr>
-          </a:p>
-        </p:txBody>
-      </p:sp>
-      <p:sp>
-        <p:nvSpPr>
-          <p:cNvPr id="50" name="Rectangle 49">
-            <a:extLst>
-              <a:ext uri="{FF2B5EF4-FFF2-40B4-BE49-F238E27FC236}">
-                <a16:creationId xmlns:a16="http://schemas.microsoft.com/office/drawing/2014/main" id="{BBD41991-DE33-7360-69ED-5356A87E0AD3}"/>
-              </a:ext>
-            </a:extLst>
-          </p:cNvPr>
-          <p:cNvSpPr/>
-          <p:nvPr/>
-        </p:nvSpPr>
-        <p:spPr>
-          <a:xfrm>
-            <a:off x="3859453" y="1731375"/>
-            <a:ext cx="3366347" cy="1600200"/>
-          </a:xfrm>
-          <a:prstGeom prst="rect">
-            <a:avLst/>
-          </a:prstGeom>
-          <a:noFill/>
-          <a:ln>
-            <a:solidFill>
-              <a:schemeClr val="tx2">
-                <a:lumMod val="50000"/>
-              </a:schemeClr>
-            </a:solidFill>
-          </a:ln>
-          <a:effectLst>
-            <a:glow rad="63500">
-              <a:schemeClr val="tx2">
-                <a:lumMod val="50000"/>
-                <a:alpha val="40000"/>
-              </a:schemeClr>
-            </a:glow>
-            <a:outerShdw blurRad="152400" dist="317500" dir="5400000" sx="90000" sy="-19000" rotWithShape="0">
-              <a:prstClr val="black">
-                <a:alpha val="15000"/>
-              </a:prstClr>
-            </a:outerShdw>
-          </a:effectLst>
-        </p:spPr>
-        <p:style>
-          <a:lnRef idx="2">
-            <a:schemeClr val="dk1"/>
-          </a:lnRef>
-          <a:fillRef idx="1">
-            <a:schemeClr val="lt1"/>
-          </a:fillRef>
-          <a:effectRef idx="0">
-            <a:schemeClr val="dk1"/>
-          </a:effectRef>
-          <a:fontRef idx="minor">
-            <a:schemeClr val="dk1"/>
-          </a:fontRef>
-        </p:style>
-        <p:txBody>
-          <a:bodyPr rot="0" spcFirstLastPara="1" vertOverflow="overflow" horzOverflow="overflow" vert="horz" wrap="square" lIns="45719" tIns="45719" rIns="45719" bIns="45719" numCol="1" spcCol="38100" rtlCol="0" anchor="ctr">
-            <a:spAutoFit/>
-          </a:bodyPr>
-          <a:lstStyle/>
-          <a:p>
-            <a:pPr marL="0" marR="0" indent="0" algn="l" defTabSz="457200" rtl="0" fontAlgn="auto" latinLnBrk="0" hangingPunct="0">
-              <a:lnSpc>
-                <a:spcPct val="100000"/>
-              </a:lnSpc>
-              <a:spcBef>
-                <a:spcPts val="0"/>
-              </a:spcBef>
-              <a:spcAft>
-                <a:spcPts val="0"/>
-              </a:spcAft>
-              <a:buClrTx/>
-              <a:buSzTx/>
-              <a:buFontTx/>
-              <a:buNone/>
-              <a:tabLst/>
-            </a:pPr>
-            <a:endParaRPr lang="nl-NL">
-              <a:ln>
-                <a:solidFill>
-                  <a:schemeClr val="tx1"/>
-                </a:solidFill>
-              </a:ln>
-            </a:endParaRPr>
-          </a:p>
-          <a:p>
-            <a:pPr marL="0" marR="0" indent="0" algn="l" defTabSz="457200" rtl="0" fontAlgn="auto" latinLnBrk="0" hangingPunct="0">
-              <a:lnSpc>
-                <a:spcPct val="100000"/>
-              </a:lnSpc>
-              <a:spcBef>
-                <a:spcPts val="0"/>
-              </a:spcBef>
-              <a:spcAft>
-                <a:spcPts val="0"/>
-              </a:spcAft>
-              <a:buClrTx/>
-              <a:buSzTx/>
-              <a:buFontTx/>
-              <a:buNone/>
-              <a:tabLst/>
-            </a:pPr>
-            <a:endParaRPr kumimoji="0" lang="nl-NL" sz="1800" b="0" i="0" u="none" strike="noStrike" cap="none" spc="0" normalizeH="0" baseline="0">
-              <a:ln>
-                <a:solidFill>
-                  <a:schemeClr val="tx1"/>
-                </a:solidFill>
-              </a:ln>
-              <a:solidFill>
-                <a:srgbClr val="000000"/>
-              </a:solidFill>
-              <a:effectLst/>
-              <a:uFillTx/>
-              <a:latin typeface="+mn-lt"/>
-              <a:ea typeface="+mn-ea"/>
-              <a:cs typeface="+mn-cs"/>
-              <a:sym typeface="Aptos"/>
-            </a:endParaRPr>
-          </a:p>
-          <a:p>
-            <a:pPr marL="0" marR="0" indent="0" algn="l" defTabSz="457200" rtl="0" fontAlgn="auto" latinLnBrk="0" hangingPunct="0">
-              <a:lnSpc>
-                <a:spcPct val="100000"/>
-              </a:lnSpc>
-              <a:spcBef>
-                <a:spcPts val="0"/>
-              </a:spcBef>
-              <a:spcAft>
-                <a:spcPts val="0"/>
-              </a:spcAft>
-              <a:buClrTx/>
-              <a:buSzTx/>
-              <a:buFontTx/>
-              <a:buNone/>
-              <a:tabLst/>
-            </a:pPr>
-            <a:endParaRPr lang="nl-NL">
-              <a:ln>
-                <a:solidFill>
-                  <a:schemeClr val="tx1"/>
-                </a:solidFill>
-              </a:ln>
-            </a:endParaRPr>
-          </a:p>
-          <a:p>
-            <a:pPr marL="0" marR="0" indent="0" algn="l" defTabSz="457200" rtl="0" fontAlgn="auto" latinLnBrk="0" hangingPunct="0">
-              <a:lnSpc>
-                <a:spcPct val="100000"/>
-              </a:lnSpc>
-              <a:spcBef>
-                <a:spcPts val="0"/>
-              </a:spcBef>
-              <a:spcAft>
-                <a:spcPts val="0"/>
-              </a:spcAft>
-              <a:buClrTx/>
-              <a:buSzTx/>
-              <a:buFontTx/>
-              <a:buNone/>
-              <a:tabLst/>
-            </a:pPr>
-            <a:endParaRPr kumimoji="0" lang="LID4096" sz="1800" b="0" i="0" u="none" strike="noStrike" cap="none" spc="0" normalizeH="0" baseline="0">
-              <a:ln>
-                <a:solidFill>
-                  <a:schemeClr val="tx1"/>
-                </a:solidFill>
-              </a:ln>
-              <a:solidFill>
-                <a:srgbClr val="000000"/>
-              </a:solidFill>
-              <a:effectLst/>
-              <a:uFillTx/>
-              <a:latin typeface="+mn-lt"/>
-              <a:ea typeface="+mn-ea"/>
-              <a:cs typeface="+mn-cs"/>
-              <a:sym typeface="Aptos"/>
-            </a:endParaRPr>
-          </a:p>
-        </p:txBody>
-      </p:sp>
-      <p:sp>
-        <p:nvSpPr>
-          <p:cNvPr id="51" name="Rectangle 50">
-            <a:extLst>
-              <a:ext uri="{FF2B5EF4-FFF2-40B4-BE49-F238E27FC236}">
-                <a16:creationId xmlns:a16="http://schemas.microsoft.com/office/drawing/2014/main" id="{B799D6BB-A921-84D5-2F01-6C818FE3F393}"/>
-              </a:ext>
-            </a:extLst>
-          </p:cNvPr>
-          <p:cNvSpPr/>
-          <p:nvPr/>
-        </p:nvSpPr>
-        <p:spPr>
-          <a:xfrm>
-            <a:off x="346270" y="4338464"/>
-            <a:ext cx="3366347" cy="1600200"/>
-          </a:xfrm>
-          <a:prstGeom prst="rect">
-            <a:avLst/>
-          </a:prstGeom>
-          <a:noFill/>
-          <a:ln>
-            <a:solidFill>
-              <a:schemeClr val="tx2">
-                <a:lumMod val="50000"/>
-              </a:schemeClr>
-            </a:solidFill>
-          </a:ln>
-          <a:effectLst>
-            <a:glow rad="63500">
-              <a:schemeClr val="tx2">
-                <a:lumMod val="50000"/>
-                <a:alpha val="40000"/>
-              </a:schemeClr>
-            </a:glow>
-            <a:outerShdw blurRad="152400" dist="317500" dir="5400000" sx="90000" sy="-19000" rotWithShape="0">
-              <a:prstClr val="black">
-                <a:alpha val="15000"/>
-              </a:prstClr>
-            </a:outerShdw>
-          </a:effectLst>
-        </p:spPr>
-        <p:style>
-          <a:lnRef idx="2">
-            <a:schemeClr val="dk1"/>
-          </a:lnRef>
-          <a:fillRef idx="1">
-            <a:schemeClr val="lt1"/>
-          </a:fillRef>
-          <a:effectRef idx="0">
-            <a:schemeClr val="dk1"/>
-          </a:effectRef>
-          <a:fontRef idx="minor">
-            <a:schemeClr val="dk1"/>
-          </a:fontRef>
-        </p:style>
-        <p:txBody>
-          <a:bodyPr rot="0" spcFirstLastPara="1" vertOverflow="overflow" horzOverflow="overflow" vert="horz" wrap="square" lIns="45719" tIns="45719" rIns="45719" bIns="45719" numCol="1" spcCol="38100" rtlCol="0" anchor="ctr">
-            <a:spAutoFit/>
-          </a:bodyPr>
-          <a:lstStyle/>
-          <a:p>
-            <a:pPr marL="0" marR="0" indent="0" algn="l" defTabSz="457200" rtl="0" fontAlgn="auto" latinLnBrk="0" hangingPunct="0">
-              <a:lnSpc>
-                <a:spcPct val="100000"/>
-              </a:lnSpc>
-              <a:spcBef>
-                <a:spcPts val="0"/>
-              </a:spcBef>
-              <a:spcAft>
-                <a:spcPts val="0"/>
-              </a:spcAft>
-              <a:buClrTx/>
-              <a:buSzTx/>
-              <a:buFontTx/>
-              <a:buNone/>
-              <a:tabLst/>
-            </a:pPr>
-            <a:endParaRPr lang="nl-NL">
-              <a:ln>
-                <a:solidFill>
-                  <a:schemeClr val="tx1"/>
-                </a:solidFill>
-              </a:ln>
-            </a:endParaRPr>
-          </a:p>
-          <a:p>
-            <a:pPr marL="0" marR="0" indent="0" algn="l" defTabSz="457200" rtl="0" fontAlgn="auto" latinLnBrk="0" hangingPunct="0">
-              <a:lnSpc>
-                <a:spcPct val="100000"/>
-              </a:lnSpc>
-              <a:spcBef>
-                <a:spcPts val="0"/>
-              </a:spcBef>
-              <a:spcAft>
-                <a:spcPts val="0"/>
-              </a:spcAft>
-              <a:buClrTx/>
-              <a:buSzTx/>
-              <a:buFontTx/>
-              <a:buNone/>
-              <a:tabLst/>
-            </a:pPr>
-            <a:endParaRPr kumimoji="0" lang="nl-NL" sz="1800" b="0" i="0" u="none" strike="noStrike" cap="none" spc="0" normalizeH="0" baseline="0">
-              <a:ln>
-                <a:solidFill>
-                  <a:schemeClr val="tx1"/>
-                </a:solidFill>
-              </a:ln>
-              <a:solidFill>
-                <a:srgbClr val="000000"/>
-              </a:solidFill>
-              <a:effectLst/>
-              <a:uFillTx/>
-              <a:latin typeface="+mn-lt"/>
-              <a:ea typeface="+mn-ea"/>
-              <a:cs typeface="+mn-cs"/>
-              <a:sym typeface="Aptos"/>
-            </a:endParaRPr>
-          </a:p>
-          <a:p>
-            <a:pPr marL="0" marR="0" indent="0" algn="l" defTabSz="457200" rtl="0" fontAlgn="auto" latinLnBrk="0" hangingPunct="0">
-              <a:lnSpc>
-                <a:spcPct val="100000"/>
-              </a:lnSpc>
-              <a:spcBef>
-                <a:spcPts val="0"/>
-              </a:spcBef>
-              <a:spcAft>
-                <a:spcPts val="0"/>
-              </a:spcAft>
-              <a:buClrTx/>
-              <a:buSzTx/>
-              <a:buFontTx/>
-              <a:buNone/>
-              <a:tabLst/>
-            </a:pPr>
-            <a:endParaRPr lang="nl-NL">
-              <a:ln>
-                <a:solidFill>
-                  <a:schemeClr val="tx1"/>
-                </a:solidFill>
-              </a:ln>
-            </a:endParaRPr>
-          </a:p>
-          <a:p>
-            <a:pPr marL="0" marR="0" indent="0" algn="l" defTabSz="457200" rtl="0" fontAlgn="auto" latinLnBrk="0" hangingPunct="0">
-              <a:lnSpc>
-                <a:spcPct val="100000"/>
-              </a:lnSpc>
-              <a:spcBef>
-                <a:spcPts val="0"/>
-              </a:spcBef>
-              <a:spcAft>
-                <a:spcPts val="0"/>
-              </a:spcAft>
-              <a:buClrTx/>
-              <a:buSzTx/>
-              <a:buFontTx/>
-              <a:buNone/>
-              <a:tabLst/>
-            </a:pPr>
-            <a:endParaRPr kumimoji="0" lang="LID4096" sz="1800" b="0" i="0" u="none" strike="noStrike" cap="none" spc="0" normalizeH="0" baseline="0">
-              <a:ln>
-                <a:solidFill>
-                  <a:schemeClr val="tx1"/>
-                </a:solidFill>
-              </a:ln>
-              <a:solidFill>
-                <a:srgbClr val="000000"/>
-              </a:solidFill>
-              <a:effectLst/>
-              <a:uFillTx/>
-              <a:latin typeface="+mn-lt"/>
-              <a:ea typeface="+mn-ea"/>
-              <a:cs typeface="+mn-cs"/>
-              <a:sym typeface="Aptos"/>
-            </a:endParaRPr>
-          </a:p>
-        </p:txBody>
-      </p:sp>
-      <p:sp>
-        <p:nvSpPr>
           <p:cNvPr id="52" name="Rectangle 51">
             <a:extLst>
               <a:ext uri="{FF2B5EF4-FFF2-40B4-BE49-F238E27FC236}">
@@ -6918,6 +6337,50 @@
               <a:cs typeface="+mn-cs"/>
               <a:sym typeface="Aptos"/>
             </a:endParaRPr>
+          </a:p>
+        </p:txBody>
+      </p:sp>
+      <p:sp>
+        <p:nvSpPr>
+          <p:cNvPr id="55" name="TextBox 20"/>
+          <p:cNvSpPr txBox="1"/>
+          <p:nvPr/>
+        </p:nvSpPr>
+        <p:spPr>
+          <a:xfrm>
+            <a:off x="1689923" y="7399623"/>
+            <a:ext cx="4332162" cy="322589"/>
+          </a:xfrm>
+          <a:prstGeom prst="rect">
+            <a:avLst/>
+          </a:prstGeom>
+        </p:spPr>
+        <p:txBody>
+          <a:bodyPr wrap="square" lIns="0" tIns="0" rIns="0" bIns="0" rtlCol="0" anchor="t">
+            <a:spAutoFit/>
+          </a:bodyPr>
+          <a:lstStyle/>
+          <a:p>
+            <a:pPr algn="ctr">
+              <a:lnSpc>
+                <a:spcPts val="2659"/>
+              </a:lnSpc>
+              <a:spcBef>
+                <a:spcPct val="0"/>
+              </a:spcBef>
+            </a:pPr>
+            <a:r>
+              <a:rPr lang="en-US" sz="1899" b="1">
+                <a:solidFill>
+                  <a:srgbClr val="000000"/>
+                </a:solidFill>
+                <a:latin typeface="Canva Sans Bold"/>
+                <a:ea typeface="Canva Sans Bold"/>
+                <a:cs typeface="Canva Sans Bold"/>
+                <a:sym typeface="Canva Sans Bold"/>
+              </a:rPr>
+              <a:t>CORNER TAKERS (LEFT)</a:t>
+            </a:r>
           </a:p>
         </p:txBody>
       </p:sp>
@@ -7269,13 +6732,13 @@
           <p:nvPr>
             <p:extLst>
               <p:ext uri="{D42A27DB-BD31-4B8C-83A1-F6EECF244321}">
-                <p14:modId xmlns:p14="http://schemas.microsoft.com/office/powerpoint/2010/main" val="540368359"/>
+                <p14:modId xmlns:p14="http://schemas.microsoft.com/office/powerpoint/2010/main" val="1765979708"/>
               </p:ext>
             </p:extLst>
           </p:nvPr>
         </p:nvGraphicFramePr>
         <p:xfrm>
-          <a:off x="442483" y="1901132"/>
+          <a:off x="529965" y="1578828"/>
           <a:ext cx="6575635" cy="2174675"/>
         </p:xfrm>
         <a:graphic>
@@ -8666,50 +8129,6 @@
           </a:graphicData>
         </a:graphic>
       </p:graphicFrame>
-      <p:sp>
-        <p:nvSpPr>
-          <p:cNvPr id="20" name="TextBox 20"/>
-          <p:cNvSpPr txBox="1"/>
-          <p:nvPr/>
-        </p:nvSpPr>
-        <p:spPr>
-          <a:xfrm>
-            <a:off x="1612169" y="1376469"/>
-            <a:ext cx="4332162" cy="322589"/>
-          </a:xfrm>
-          <a:prstGeom prst="rect">
-            <a:avLst/>
-          </a:prstGeom>
-        </p:spPr>
-        <p:txBody>
-          <a:bodyPr wrap="square" lIns="0" tIns="0" rIns="0" bIns="0" rtlCol="0" anchor="t">
-            <a:spAutoFit/>
-          </a:bodyPr>
-          <a:lstStyle/>
-          <a:p>
-            <a:pPr algn="ctr">
-              <a:lnSpc>
-                <a:spcPts val="2659"/>
-              </a:lnSpc>
-              <a:spcBef>
-                <a:spcPct val="0"/>
-              </a:spcBef>
-            </a:pPr>
-            <a:r>
-              <a:rPr lang="en-US" sz="1899" b="1">
-                <a:solidFill>
-                  <a:srgbClr val="000000"/>
-                </a:solidFill>
-                <a:latin typeface="Canva Sans Bold"/>
-                <a:ea typeface="Canva Sans Bold"/>
-                <a:cs typeface="Canva Sans Bold"/>
-                <a:sym typeface="Canva Sans Bold"/>
-              </a:rPr>
-              <a:t>CORNER TAKERS (RIGHT)</a:t>
-            </a:r>
-          </a:p>
-        </p:txBody>
-      </p:sp>
       <p:sp>
         <p:nvSpPr>
           <p:cNvPr id="21" name="TextBox 21"/>
@@ -9009,7 +8428,7 @@
       </p:sp>
       <p:sp>
         <p:nvSpPr>
-          <p:cNvPr id="35" name="Rectangle 34">
+          <p:cNvPr id="35" name="PH_def_right">
             <a:extLst>
               <a:ext uri="{FF2B5EF4-FFF2-40B4-BE49-F238E27FC236}">
                 <a16:creationId xmlns:a16="http://schemas.microsoft.com/office/drawing/2014/main" id="{01FA4B6F-FE8E-8F68-3B8E-0F17889CDCFA}"/>
@@ -9269,7 +8688,7 @@
       </p:sp>
       <p:sp>
         <p:nvSpPr>
-          <p:cNvPr id="37" name="Rectangle 36">
+          <p:cNvPr id="37" name="PH_def_left">
             <a:extLst>
               <a:ext uri="{FF2B5EF4-FFF2-40B4-BE49-F238E27FC236}">
                 <a16:creationId xmlns:a16="http://schemas.microsoft.com/office/drawing/2014/main" id="{3AAF7B1A-25C4-8431-1FAC-8FF57566D154}"/>
@@ -10468,6 +9887,56 @@
           </p:txBody>
         </p:sp>
       </p:grpSp>
+      <p:sp>
+        <p:nvSpPr>
+          <p:cNvPr id="57" name="TextBox 20">
+            <a:extLst>
+              <a:ext uri="{FF2B5EF4-FFF2-40B4-BE49-F238E27FC236}">
+                <a16:creationId xmlns:a16="http://schemas.microsoft.com/office/drawing/2014/main" id="{14F98EA0-D7B8-8237-2BE1-2B97810D7712}"/>
+              </a:ext>
+            </a:extLst>
+          </p:cNvPr>
+          <p:cNvSpPr txBox="1"/>
+          <p:nvPr/>
+        </p:nvSpPr>
+        <p:spPr>
+          <a:xfrm>
+            <a:off x="1852051" y="1206565"/>
+            <a:ext cx="4332162" cy="322589"/>
+          </a:xfrm>
+          <a:prstGeom prst="rect">
+            <a:avLst/>
+          </a:prstGeom>
+        </p:spPr>
+        <p:txBody>
+          <a:bodyPr wrap="square" lIns="0" tIns="0" rIns="0" bIns="0" rtlCol="0" anchor="t">
+            <a:spAutoFit/>
+          </a:bodyPr>
+          <a:lstStyle/>
+          <a:p>
+            <a:pPr algn="ctr">
+              <a:lnSpc>
+                <a:spcPts val="2659"/>
+              </a:lnSpc>
+              <a:spcBef>
+                <a:spcPct val="0"/>
+              </a:spcBef>
+            </a:pPr>
+            <a:r>
+              <a:rPr lang="en-US" sz="1899" b="1">
+                <a:solidFill>
+                  <a:srgbClr val="000000"/>
+                </a:solidFill>
+                <a:latin typeface="Canva Sans Bold"/>
+                <a:ea typeface="Canva Sans Bold"/>
+                <a:cs typeface="Canva Sans Bold"/>
+                <a:sym typeface="Canva Sans Bold"/>
+              </a:rPr>
+              <a:t>CORNER TAKERS (RIGHT)</a:t>
+            </a:r>
+          </a:p>
+        </p:txBody>
+      </p:sp>
     </p:spTree>
   </p:cSld>
   <p:clrMapOvr>

--- a/template_opp_analysis.pptx
+++ b/template_opp_analysis.pptx
@@ -5290,7 +5290,7 @@
       </p:sp>
       <p:sp>
         <p:nvSpPr>
-          <p:cNvPr id="41" name="Rectangle 40">
+          <p:cNvPr id="41" name="PH_Corners_left_positions_vis">
             <a:extLst>
               <a:ext uri="{FF2B5EF4-FFF2-40B4-BE49-F238E27FC236}">
                 <a16:creationId xmlns:a16="http://schemas.microsoft.com/office/drawing/2014/main" id="{FBC95EC2-B3A4-B383-FFC1-30F5BC6596F0}"/>

--- a/template_opp_analysis.pptx
+++ b/template_opp_analysis.pptx
@@ -3189,13 +3189,13 @@
           <p:nvPr>
             <p:extLst>
               <p:ext uri="{D42A27DB-BD31-4B8C-83A1-F6EECF244321}">
-                <p14:modId xmlns:p14="http://schemas.microsoft.com/office/powerpoint/2010/main" val="899401418"/>
+                <p14:modId xmlns:p14="http://schemas.microsoft.com/office/powerpoint/2010/main" val="3764406275"/>
               </p:ext>
             </p:extLst>
           </p:nvPr>
         </p:nvGraphicFramePr>
         <p:xfrm>
-          <a:off x="469072" y="7969171"/>
+          <a:off x="486192" y="7465853"/>
           <a:ext cx="6575635" cy="2058822"/>
         </p:xfrm>
         <a:graphic>
@@ -4616,7 +4616,7 @@
               </a:spcBef>
             </a:pPr>
             <a:r>
-              <a:rPr lang="en-US" sz="1745">
+              <a:rPr lang="en-US" sz="1400">
                 <a:solidFill>
                   <a:srgbClr val="000000"/>
                 </a:solidFill>
@@ -4637,7 +4637,7 @@
                 <a:spcPct val="0"/>
               </a:spcBef>
             </a:pPr>
-            <a:endParaRPr lang="en-US" sz="1745">
+            <a:endParaRPr lang="en-US" sz="1400">
               <a:solidFill>
                 <a:srgbClr val="000000"/>
               </a:solidFill>
@@ -4679,7 +4679,7 @@
               </a:spcBef>
             </a:pPr>
             <a:r>
-              <a:rPr lang="en-US" sz="1750">
+              <a:rPr lang="en-US" sz="1400">
                 <a:solidFill>
                   <a:srgbClr val="000000"/>
                 </a:solidFill>
@@ -6012,48 +6012,6 @@
       </p:sp>
       <p:sp>
         <p:nvSpPr>
-          <p:cNvPr id="46" name="Rectangle 2">
-            <a:extLst>
-              <a:ext uri="{FF2B5EF4-FFF2-40B4-BE49-F238E27FC236}">
-                <a16:creationId xmlns:a16="http://schemas.microsoft.com/office/drawing/2014/main" id="{042AFD61-EC88-E083-B7FD-077092F2CA0D}"/>
-              </a:ext>
-            </a:extLst>
-          </p:cNvPr>
-          <p:cNvSpPr/>
-          <p:nvPr/>
-        </p:nvSpPr>
-        <p:spPr>
-          <a:xfrm>
-            <a:off x="6262580" y="75927"/>
-            <a:ext cx="953389" cy="805375"/>
-          </a:xfrm>
-          <a:prstGeom prst="rect">
-            <a:avLst/>
-          </a:prstGeom>
-          <a:solidFill>
-            <a:srgbClr val="FFFFFF"/>
-          </a:solidFill>
-          <a:ln w="12700">
-            <a:miter lim="400000"/>
-          </a:ln>
-          <a:effectLst>
-            <a:outerShdw blurRad="50800" dist="127920" dir="3116579" rotWithShape="0">
-              <a:srgbClr val="000000">
-                <a:alpha val="48426"/>
-              </a:srgbClr>
-            </a:outerShdw>
-          </a:effectLst>
-        </p:spPr>
-        <p:txBody>
-          <a:bodyPr lIns="45718" tIns="45718" rIns="45718" bIns="45718" anchor="ctr"/>
-          <a:lstStyle/>
-          <a:p>
-            <a:endParaRPr/>
-          </a:p>
-        </p:txBody>
-      </p:sp>
-      <p:sp>
-        <p:nvSpPr>
           <p:cNvPr id="47" name="Rectangle 46">
             <a:extLst>
               <a:ext uri="{FF2B5EF4-FFF2-40B4-BE49-F238E27FC236}">
@@ -6066,7 +6024,7 @@
         </p:nvSpPr>
         <p:spPr>
           <a:xfrm>
-            <a:off x="6374548" y="141121"/>
+            <a:off x="6359308" y="175952"/>
             <a:ext cx="719230" cy="646329"/>
           </a:xfrm>
           <a:prstGeom prst="rect">
@@ -6138,7 +6096,7 @@
                   </a:solidFill>
                 </a:ln>
                 <a:solidFill>
-                  <a:srgbClr val="000000"/>
+                  <a:schemeClr val="bg1"/>
                 </a:solidFill>
                 <a:effectLst/>
                 <a:uFillTx/>
@@ -6155,6 +6113,9 @@
                   <a:schemeClr val="tx1"/>
                 </a:solidFill>
               </a:ln>
+              <a:solidFill>
+                <a:schemeClr val="bg1"/>
+              </a:solidFill>
             </a:endParaRPr>
           </a:p>
         </p:txBody>
@@ -6348,7 +6309,7 @@
         </p:nvSpPr>
         <p:spPr>
           <a:xfrm>
-            <a:off x="1689923" y="7399623"/>
+            <a:off x="1707043" y="6896305"/>
             <a:ext cx="4332162" cy="322589"/>
           </a:xfrm>
           <a:prstGeom prst="rect">
@@ -6732,13 +6693,13 @@
           <p:nvPr>
             <p:extLst>
               <p:ext uri="{D42A27DB-BD31-4B8C-83A1-F6EECF244321}">
-                <p14:modId xmlns:p14="http://schemas.microsoft.com/office/powerpoint/2010/main" val="1765979708"/>
+                <p14:modId xmlns:p14="http://schemas.microsoft.com/office/powerpoint/2010/main" val="2366546538"/>
               </p:ext>
             </p:extLst>
           </p:nvPr>
         </p:nvGraphicFramePr>
         <p:xfrm>
-          <a:off x="529965" y="1578828"/>
+          <a:off x="522033" y="1861005"/>
           <a:ext cx="6575635" cy="2174675"/>
         </p:xfrm>
         <a:graphic>
@@ -8217,107 +8178,6 @@
           </a:p>
         </p:txBody>
       </p:sp>
-      <p:grpSp>
-        <p:nvGrpSpPr>
-          <p:cNvPr id="26" name="Group 26"/>
-          <p:cNvGrpSpPr/>
-          <p:nvPr/>
-        </p:nvGrpSpPr>
-        <p:grpSpPr>
-          <a:xfrm>
-            <a:off x="6429382" y="131669"/>
-            <a:ext cx="749236" cy="707542"/>
-            <a:chOff x="0" y="0"/>
-            <a:chExt cx="268509" cy="253567"/>
-          </a:xfrm>
-        </p:grpSpPr>
-        <p:sp>
-          <p:nvSpPr>
-            <p:cNvPr id="27" name="Freeform 27"/>
-            <p:cNvSpPr/>
-            <p:nvPr/>
-          </p:nvSpPr>
-          <p:spPr>
-            <a:xfrm>
-              <a:off x="0" y="0"/>
-              <a:ext cx="268509" cy="253567"/>
-            </a:xfrm>
-            <a:custGeom>
-              <a:avLst/>
-              <a:gdLst/>
-              <a:ahLst/>
-              <a:cxnLst/>
-              <a:rect l="l" t="t" r="r" b="b"/>
-              <a:pathLst>
-                <a:path w="268509" h="253567">
-                  <a:moveTo>
-                    <a:pt x="0" y="0"/>
-                  </a:moveTo>
-                  <a:lnTo>
-                    <a:pt x="268509" y="0"/>
-                  </a:lnTo>
-                  <a:lnTo>
-                    <a:pt x="268509" y="253567"/>
-                  </a:lnTo>
-                  <a:lnTo>
-                    <a:pt x="0" y="253567"/>
-                  </a:lnTo>
-                  <a:close/>
-                </a:path>
-              </a:pathLst>
-            </a:custGeom>
-            <a:solidFill>
-              <a:srgbClr val="D78484"/>
-            </a:solidFill>
-          </p:spPr>
-          <p:txBody>
-            <a:bodyPr/>
-            <a:lstStyle/>
-            <a:p>
-              <a:endParaRPr lang="LID4096"/>
-            </a:p>
-          </p:txBody>
-        </p:sp>
-        <p:sp>
-          <p:nvSpPr>
-            <p:cNvPr id="28" name="TextBox 28"/>
-            <p:cNvSpPr txBox="1"/>
-            <p:nvPr/>
-          </p:nvSpPr>
-          <p:spPr>
-            <a:xfrm>
-              <a:off x="0" y="-19050"/>
-              <a:ext cx="268509" cy="272617"/>
-            </a:xfrm>
-            <a:prstGeom prst="rect">
-              <a:avLst/>
-            </a:prstGeom>
-          </p:spPr>
-          <p:txBody>
-            <a:bodyPr lIns="50800" tIns="50800" rIns="50800" bIns="50800" rtlCol="0" anchor="ctr"/>
-            <a:lstStyle/>
-            <a:p>
-              <a:pPr algn="ctr">
-                <a:lnSpc>
-                  <a:spcPts val="1679"/>
-                </a:lnSpc>
-              </a:pPr>
-              <a:r>
-                <a:rPr lang="en-US" sz="1200" b="1">
-                  <a:solidFill>
-                    <a:srgbClr val="000000"/>
-                  </a:solidFill>
-                  <a:latin typeface="Canva Sans Bold"/>
-                  <a:ea typeface="Canva Sans Bold"/>
-                  <a:cs typeface="Canva Sans Bold"/>
-                  <a:sym typeface="Canva Sans Bold"/>
-                </a:rPr>
-                <a:t>{LOGO}</a:t>
-              </a:r>
-            </a:p>
-          </p:txBody>
-        </p:sp>
-      </p:grpSp>
       <p:sp>
         <p:nvSpPr>
           <p:cNvPr id="29" name="TextBox 29"/>
@@ -9901,7 +9761,7 @@
         </p:nvSpPr>
         <p:spPr>
           <a:xfrm>
-            <a:off x="1852051" y="1206565"/>
+            <a:off x="1844119" y="1488742"/>
             <a:ext cx="4332162" cy="322589"/>
           </a:xfrm>
           <a:prstGeom prst="rect">
@@ -9934,6 +9794,116 @@
               </a:rPr>
               <a:t>CORNER TAKERS (RIGHT)</a:t>
             </a:r>
+          </a:p>
+        </p:txBody>
+      </p:sp>
+      <p:sp>
+        <p:nvSpPr>
+          <p:cNvPr id="58" name="Rectangle 57">
+            <a:extLst>
+              <a:ext uri="{FF2B5EF4-FFF2-40B4-BE49-F238E27FC236}">
+                <a16:creationId xmlns:a16="http://schemas.microsoft.com/office/drawing/2014/main" id="{3CC63FFE-E2D3-3E98-DFBC-A7F02DD39AEC}"/>
+              </a:ext>
+            </a:extLst>
+          </p:cNvPr>
+          <p:cNvSpPr/>
+          <p:nvPr/>
+        </p:nvSpPr>
+        <p:spPr>
+          <a:xfrm>
+            <a:off x="6359308" y="175952"/>
+            <a:ext cx="719230" cy="646329"/>
+          </a:xfrm>
+          <a:prstGeom prst="rect">
+            <a:avLst/>
+          </a:prstGeom>
+          <a:noFill/>
+          <a:ln>
+            <a:solidFill>
+              <a:schemeClr val="tx2">
+                <a:lumMod val="50000"/>
+              </a:schemeClr>
+            </a:solidFill>
+          </a:ln>
+          <a:effectLst>
+            <a:glow rad="63500">
+              <a:schemeClr val="tx2">
+                <a:lumMod val="50000"/>
+                <a:alpha val="40000"/>
+              </a:schemeClr>
+            </a:glow>
+            <a:outerShdw blurRad="152400" dist="317500" dir="5400000" sx="90000" sy="-19000" rotWithShape="0">
+              <a:prstClr val="black">
+                <a:alpha val="15000"/>
+              </a:prstClr>
+            </a:outerShdw>
+          </a:effectLst>
+        </p:spPr>
+        <p:style>
+          <a:lnRef idx="2">
+            <a:schemeClr val="dk1"/>
+          </a:lnRef>
+          <a:fillRef idx="1">
+            <a:schemeClr val="lt1"/>
+          </a:fillRef>
+          <a:effectRef idx="0">
+            <a:schemeClr val="dk1"/>
+          </a:effectRef>
+          <a:fontRef idx="minor">
+            <a:schemeClr val="dk1"/>
+          </a:fontRef>
+        </p:style>
+        <p:txBody>
+          <a:bodyPr rot="0" spcFirstLastPara="1" vertOverflow="overflow" horzOverflow="overflow" vert="horz" wrap="square" lIns="45719" tIns="45719" rIns="45719" bIns="45719" numCol="1" spcCol="38100" rtlCol="0" anchor="ctr">
+            <a:spAutoFit/>
+          </a:bodyPr>
+          <a:lstStyle/>
+          <a:p>
+            <a:pPr marL="0" marR="0" indent="0" algn="l" defTabSz="457200" rtl="0" fontAlgn="auto" latinLnBrk="0" hangingPunct="0">
+              <a:lnSpc>
+                <a:spcPct val="100000"/>
+              </a:lnSpc>
+              <a:spcBef>
+                <a:spcPts val="0"/>
+              </a:spcBef>
+              <a:spcAft>
+                <a:spcPts val="0"/>
+              </a:spcAft>
+              <a:buClrTx/>
+              <a:buSzTx/>
+              <a:buFontTx/>
+              <a:buNone/>
+              <a:tabLst/>
+            </a:pPr>
+            <a:r>
+              <a:rPr kumimoji="0" lang="nl-NL" sz="1800" b="0" i="0" u="none" strike="noStrike" cap="none" spc="0" normalizeH="0" baseline="0">
+                <a:ln>
+                  <a:solidFill>
+                    <a:schemeClr val="tx1"/>
+                  </a:solidFill>
+                </a:ln>
+                <a:solidFill>
+                  <a:schemeClr val="bg1"/>
+                </a:solidFill>
+                <a:effectLst/>
+                <a:uFillTx/>
+                <a:latin typeface="+mn-lt"/>
+                <a:ea typeface="+mn-ea"/>
+                <a:cs typeface="+mn-cs"/>
+                <a:sym typeface="Aptos"/>
+              </a:rPr>
+              <a:t>{LOGO}</a:t>
+            </a:r>
+            <a:endParaRPr lang="nl-NL">
+              <a:ln>
+                <a:solidFill>
+                  <a:schemeClr val="tx1"/>
+                </a:solidFill>
+              </a:ln>
+              <a:solidFill>
+                <a:schemeClr val="bg1"/>
+              </a:solidFill>
+            </a:endParaRPr>
           </a:p>
         </p:txBody>
       </p:sp>

--- a/template_opp_analysis.pptx
+++ b/template_opp_analysis.pptx
@@ -3180,1412 +3180,6 @@
           </p:txBody>
         </p:sp>
       </p:grpSp>
-      <p:graphicFrame>
-        <p:nvGraphicFramePr>
-          <p:cNvPr id="5" name="Table 5"/>
-          <p:cNvGraphicFramePr>
-            <a:graphicFrameLocks noGrp="1"/>
-          </p:cNvGraphicFramePr>
-          <p:nvPr>
-            <p:extLst>
-              <p:ext uri="{D42A27DB-BD31-4B8C-83A1-F6EECF244321}">
-                <p14:modId xmlns:p14="http://schemas.microsoft.com/office/powerpoint/2010/main" val="3764406275"/>
-              </p:ext>
-            </p:extLst>
-          </p:nvPr>
-        </p:nvGraphicFramePr>
-        <p:xfrm>
-          <a:off x="486192" y="7465853"/>
-          <a:ext cx="6575635" cy="2058822"/>
-        </p:xfrm>
-        <a:graphic>
-          <a:graphicData uri="http://schemas.openxmlformats.org/drawingml/2006/table">
-            <a:tbl>
-              <a:tblPr/>
-              <a:tblGrid>
-                <a:gridCol w="1848607">
-                  <a:extLst>
-                    <a:ext uri="{9D8B030D-6E8A-4147-A177-3AD203B41FA5}">
-                      <a16:colId xmlns:a16="http://schemas.microsoft.com/office/drawing/2014/main" val="20000"/>
-                    </a:ext>
-                  </a:extLst>
-                </a:gridCol>
-                <a:gridCol w="1060904">
-                  <a:extLst>
-                    <a:ext uri="{9D8B030D-6E8A-4147-A177-3AD203B41FA5}">
-                      <a16:colId xmlns:a16="http://schemas.microsoft.com/office/drawing/2014/main" val="20001"/>
-                    </a:ext>
-                  </a:extLst>
-                </a:gridCol>
-                <a:gridCol w="1150802">
-                  <a:extLst>
-                    <a:ext uri="{9D8B030D-6E8A-4147-A177-3AD203B41FA5}">
-                      <a16:colId xmlns:a16="http://schemas.microsoft.com/office/drawing/2014/main" val="20002"/>
-                    </a:ext>
-                  </a:extLst>
-                </a:gridCol>
-                <a:gridCol w="1199135">
-                  <a:extLst>
-                    <a:ext uri="{9D8B030D-6E8A-4147-A177-3AD203B41FA5}">
-                      <a16:colId xmlns:a16="http://schemas.microsoft.com/office/drawing/2014/main" val="20003"/>
-                    </a:ext>
-                  </a:extLst>
-                </a:gridCol>
-                <a:gridCol w="1316187">
-                  <a:extLst>
-                    <a:ext uri="{9D8B030D-6E8A-4147-A177-3AD203B41FA5}">
-                      <a16:colId xmlns:a16="http://schemas.microsoft.com/office/drawing/2014/main" val="20004"/>
-                    </a:ext>
-                  </a:extLst>
-                </a:gridCol>
-              </a:tblGrid>
-              <a:tr h="466772">
-                <a:tc>
-                  <a:txBody>
-                    <a:bodyPr/>
-                    <a:lstStyle/>
-                    <a:p>
-                      <a:pPr algn="ctr">
-                        <a:lnSpc>
-                          <a:spcPts val="1679"/>
-                        </a:lnSpc>
-                        <a:defRPr/>
-                      </a:pPr>
-                      <a:r>
-                        <a:rPr lang="en-US" sz="1200" b="1">
-                          <a:solidFill>
-                            <a:srgbClr val="FFFFFF"/>
-                          </a:solidFill>
-                          <a:latin typeface="Canva Sans Bold"/>
-                          <a:ea typeface="Canva Sans Bold"/>
-                          <a:cs typeface="Canva Sans Bold"/>
-                          <a:sym typeface="Canva Sans Bold"/>
-                        </a:rPr>
-                        <a:t>Player</a:t>
-                      </a:r>
-                      <a:endParaRPr lang="en-US" sz="1100"/>
-                    </a:p>
-                  </a:txBody>
-                  <a:tcPr marL="114300" marR="114300" marT="114300" marB="114300" anchor="ctr">
-                    <a:lnL w="19050" cap="flat" cmpd="sng" algn="ctr">
-                      <a:solidFill>
-                        <a:srgbClr val="000000"/>
-                      </a:solidFill>
-                      <a:prstDash val="solid"/>
-                      <a:round/>
-                      <a:headEnd type="none" w="med" len="med"/>
-                      <a:tailEnd type="none" w="med" len="med"/>
-                    </a:lnL>
-                    <a:lnR w="19050" cap="flat" cmpd="sng" algn="ctr">
-                      <a:solidFill>
-                        <a:srgbClr val="000000"/>
-                      </a:solidFill>
-                      <a:prstDash val="solid"/>
-                      <a:round/>
-                      <a:headEnd type="none" w="med" len="med"/>
-                      <a:tailEnd type="none" w="med" len="med"/>
-                    </a:lnR>
-                    <a:lnT w="19050" cap="flat" cmpd="sng" algn="ctr">
-                      <a:solidFill>
-                        <a:srgbClr val="000000"/>
-                      </a:solidFill>
-                      <a:prstDash val="solid"/>
-                      <a:round/>
-                      <a:headEnd type="none" w="med" len="med"/>
-                      <a:tailEnd type="none" w="med" len="med"/>
-                    </a:lnT>
-                    <a:lnB w="19050" cap="flat" cmpd="sng" algn="ctr">
-                      <a:solidFill>
-                        <a:srgbClr val="000000"/>
-                      </a:solidFill>
-                      <a:prstDash val="solid"/>
-                      <a:round/>
-                      <a:headEnd type="none" w="med" len="med"/>
-                      <a:tailEnd type="none" w="med" len="med"/>
-                    </a:lnB>
-                    <a:solidFill>
-                      <a:srgbClr val="362726"/>
-                    </a:solidFill>
-                  </a:tcPr>
-                </a:tc>
-                <a:tc>
-                  <a:txBody>
-                    <a:bodyPr/>
-                    <a:lstStyle/>
-                    <a:p>
-                      <a:pPr algn="ctr">
-                        <a:lnSpc>
-                          <a:spcPts val="1679"/>
-                        </a:lnSpc>
-                        <a:defRPr/>
-                      </a:pPr>
-                      <a:r>
-                        <a:rPr lang="en-US" sz="1200" b="1">
-                          <a:solidFill>
-                            <a:srgbClr val="FFFFFF"/>
-                          </a:solidFill>
-                          <a:latin typeface="Canva Sans Bold"/>
-                          <a:ea typeface="Canva Sans Bold"/>
-                          <a:cs typeface="Canva Sans Bold"/>
-                          <a:sym typeface="Canva Sans Bold"/>
-                        </a:rPr>
-                        <a:t>Corners</a:t>
-                      </a:r>
-                      <a:endParaRPr lang="en-US" sz="1100"/>
-                    </a:p>
-                  </a:txBody>
-                  <a:tcPr marL="114300" marR="114300" marT="114300" marB="114300" anchor="ctr">
-                    <a:lnL w="19050" cap="flat" cmpd="sng" algn="ctr">
-                      <a:solidFill>
-                        <a:srgbClr val="000000"/>
-                      </a:solidFill>
-                      <a:prstDash val="solid"/>
-                      <a:round/>
-                      <a:headEnd type="none" w="med" len="med"/>
-                      <a:tailEnd type="none" w="med" len="med"/>
-                    </a:lnL>
-                    <a:lnR w="19050" cap="flat" cmpd="sng" algn="ctr">
-                      <a:solidFill>
-                        <a:srgbClr val="000000"/>
-                      </a:solidFill>
-                      <a:prstDash val="solid"/>
-                      <a:round/>
-                      <a:headEnd type="none" w="med" len="med"/>
-                      <a:tailEnd type="none" w="med" len="med"/>
-                    </a:lnR>
-                    <a:lnT w="19050" cap="flat" cmpd="sng" algn="ctr">
-                      <a:solidFill>
-                        <a:srgbClr val="000000"/>
-                      </a:solidFill>
-                      <a:prstDash val="solid"/>
-                      <a:round/>
-                      <a:headEnd type="none" w="med" len="med"/>
-                      <a:tailEnd type="none" w="med" len="med"/>
-                    </a:lnT>
-                    <a:lnB w="19050" cap="flat" cmpd="sng" algn="ctr">
-                      <a:solidFill>
-                        <a:srgbClr val="000000"/>
-                      </a:solidFill>
-                      <a:prstDash val="solid"/>
-                      <a:round/>
-                      <a:headEnd type="none" w="med" len="med"/>
-                      <a:tailEnd type="none" w="med" len="med"/>
-                    </a:lnB>
-                    <a:solidFill>
-                      <a:srgbClr val="362726"/>
-                    </a:solidFill>
-                  </a:tcPr>
-                </a:tc>
-                <a:tc>
-                  <a:txBody>
-                    <a:bodyPr/>
-                    <a:lstStyle/>
-                    <a:p>
-                      <a:pPr algn="ctr">
-                        <a:lnSpc>
-                          <a:spcPts val="1679"/>
-                        </a:lnSpc>
-                        <a:defRPr/>
-                      </a:pPr>
-                      <a:r>
-                        <a:rPr lang="en-US" sz="1200" b="1">
-                          <a:solidFill>
-                            <a:srgbClr val="FFFFFF"/>
-                          </a:solidFill>
-                          <a:latin typeface="Canva Sans Bold"/>
-                          <a:ea typeface="Canva Sans Bold"/>
-                          <a:cs typeface="Canva Sans Bold"/>
-                          <a:sym typeface="Canva Sans Bold"/>
-                        </a:rPr>
-                        <a:t>Cross Succ. </a:t>
-                      </a:r>
-                      <a:endParaRPr lang="en-US" sz="1100"/>
-                    </a:p>
-                  </a:txBody>
-                  <a:tcPr marL="114300" marR="114300" marT="114300" marB="114300" anchor="ctr">
-                    <a:lnL w="19050" cap="flat" cmpd="sng" algn="ctr">
-                      <a:solidFill>
-                        <a:srgbClr val="000000"/>
-                      </a:solidFill>
-                      <a:prstDash val="solid"/>
-                      <a:round/>
-                      <a:headEnd type="none" w="med" len="med"/>
-                      <a:tailEnd type="none" w="med" len="med"/>
-                    </a:lnL>
-                    <a:lnR w="19050" cap="flat" cmpd="sng" algn="ctr">
-                      <a:solidFill>
-                        <a:srgbClr val="000000"/>
-                      </a:solidFill>
-                      <a:prstDash val="solid"/>
-                      <a:round/>
-                      <a:headEnd type="none" w="med" len="med"/>
-                      <a:tailEnd type="none" w="med" len="med"/>
-                    </a:lnR>
-                    <a:lnT w="19050" cap="flat" cmpd="sng" algn="ctr">
-                      <a:solidFill>
-                        <a:srgbClr val="000000"/>
-                      </a:solidFill>
-                      <a:prstDash val="solid"/>
-                      <a:round/>
-                      <a:headEnd type="none" w="med" len="med"/>
-                      <a:tailEnd type="none" w="med" len="med"/>
-                    </a:lnT>
-                    <a:lnB w="19050" cap="flat" cmpd="sng" algn="ctr">
-                      <a:solidFill>
-                        <a:srgbClr val="000000"/>
-                      </a:solidFill>
-                      <a:prstDash val="solid"/>
-                      <a:round/>
-                      <a:headEnd type="none" w="med" len="med"/>
-                      <a:tailEnd type="none" w="med" len="med"/>
-                    </a:lnB>
-                    <a:solidFill>
-                      <a:srgbClr val="362726"/>
-                    </a:solidFill>
-                  </a:tcPr>
-                </a:tc>
-                <a:tc>
-                  <a:txBody>
-                    <a:bodyPr/>
-                    <a:lstStyle/>
-                    <a:p>
-                      <a:pPr algn="ctr">
-                        <a:lnSpc>
-                          <a:spcPts val="1679"/>
-                        </a:lnSpc>
-                        <a:defRPr/>
-                      </a:pPr>
-                      <a:r>
-                        <a:rPr lang="en-US" sz="1200" b="1">
-                          <a:solidFill>
-                            <a:srgbClr val="FFFFFF"/>
-                          </a:solidFill>
-                          <a:latin typeface="Canva Sans Bold"/>
-                          <a:ea typeface="Canva Sans Bold"/>
-                          <a:cs typeface="Canva Sans Bold"/>
-                          <a:sym typeface="Canva Sans Bold"/>
-                        </a:rPr>
-                        <a:t>1st choice</a:t>
-                      </a:r>
-                      <a:endParaRPr lang="en-US" sz="1100"/>
-                    </a:p>
-                  </a:txBody>
-                  <a:tcPr marL="114300" marR="114300" marT="114300" marB="114300" anchor="ctr">
-                    <a:lnL w="19050" cap="flat" cmpd="sng" algn="ctr">
-                      <a:solidFill>
-                        <a:srgbClr val="000000"/>
-                      </a:solidFill>
-                      <a:prstDash val="solid"/>
-                      <a:round/>
-                      <a:headEnd type="none" w="med" len="med"/>
-                      <a:tailEnd type="none" w="med" len="med"/>
-                    </a:lnL>
-                    <a:lnR w="19050" cap="flat" cmpd="sng" algn="ctr">
-                      <a:solidFill>
-                        <a:srgbClr val="000000"/>
-                      </a:solidFill>
-                      <a:prstDash val="solid"/>
-                      <a:round/>
-                      <a:headEnd type="none" w="med" len="med"/>
-                      <a:tailEnd type="none" w="med" len="med"/>
-                    </a:lnR>
-                    <a:lnT w="19050" cap="flat" cmpd="sng" algn="ctr">
-                      <a:solidFill>
-                        <a:srgbClr val="000000"/>
-                      </a:solidFill>
-                      <a:prstDash val="solid"/>
-                      <a:round/>
-                      <a:headEnd type="none" w="med" len="med"/>
-                      <a:tailEnd type="none" w="med" len="med"/>
-                    </a:lnT>
-                    <a:lnB w="19050" cap="flat" cmpd="sng" algn="ctr">
-                      <a:solidFill>
-                        <a:srgbClr val="000000"/>
-                      </a:solidFill>
-                      <a:prstDash val="solid"/>
-                      <a:round/>
-                      <a:headEnd type="none" w="med" len="med"/>
-                      <a:tailEnd type="none" w="med" len="med"/>
-                    </a:lnB>
-                    <a:solidFill>
-                      <a:srgbClr val="362726"/>
-                    </a:solidFill>
-                  </a:tcPr>
-                </a:tc>
-                <a:tc>
-                  <a:txBody>
-                    <a:bodyPr/>
-                    <a:lstStyle/>
-                    <a:p>
-                      <a:pPr algn="ctr">
-                        <a:lnSpc>
-                          <a:spcPts val="1679"/>
-                        </a:lnSpc>
-                        <a:defRPr/>
-                      </a:pPr>
-                      <a:r>
-                        <a:rPr lang="en-US" sz="1200" b="1">
-                          <a:solidFill>
-                            <a:srgbClr val="FFFFFF"/>
-                          </a:solidFill>
-                          <a:latin typeface="Canva Sans Bold"/>
-                          <a:ea typeface="Canva Sans Bold"/>
-                          <a:cs typeface="Canva Sans Bold"/>
-                          <a:sym typeface="Canva Sans Bold"/>
-                        </a:rPr>
-                        <a:t>2nd choice</a:t>
-                      </a:r>
-                      <a:endParaRPr lang="en-US" sz="1100"/>
-                    </a:p>
-                  </a:txBody>
-                  <a:tcPr marL="114300" marR="114300" marT="114300" marB="114300" anchor="ctr">
-                    <a:lnL w="19050" cap="flat" cmpd="sng" algn="ctr">
-                      <a:solidFill>
-                        <a:srgbClr val="000000"/>
-                      </a:solidFill>
-                      <a:prstDash val="solid"/>
-                      <a:round/>
-                      <a:headEnd type="none" w="med" len="med"/>
-                      <a:tailEnd type="none" w="med" len="med"/>
-                    </a:lnL>
-                    <a:lnR w="19050" cap="flat" cmpd="sng" algn="ctr">
-                      <a:solidFill>
-                        <a:srgbClr val="000000"/>
-                      </a:solidFill>
-                      <a:prstDash val="solid"/>
-                      <a:round/>
-                      <a:headEnd type="none" w="med" len="med"/>
-                      <a:tailEnd type="none" w="med" len="med"/>
-                    </a:lnR>
-                    <a:lnT w="19050" cap="flat" cmpd="sng" algn="ctr">
-                      <a:solidFill>
-                        <a:srgbClr val="000000"/>
-                      </a:solidFill>
-                      <a:prstDash val="solid"/>
-                      <a:round/>
-                      <a:headEnd type="none" w="med" len="med"/>
-                      <a:tailEnd type="none" w="med" len="med"/>
-                    </a:lnT>
-                    <a:lnB w="19050" cap="flat" cmpd="sng" algn="ctr">
-                      <a:solidFill>
-                        <a:srgbClr val="000000"/>
-                      </a:solidFill>
-                      <a:prstDash val="solid"/>
-                      <a:round/>
-                      <a:headEnd type="none" w="med" len="med"/>
-                      <a:tailEnd type="none" w="med" len="med"/>
-                    </a:lnB>
-                    <a:solidFill>
-                      <a:srgbClr val="362726"/>
-                    </a:solidFill>
-                  </a:tcPr>
-                </a:tc>
-                <a:extLst>
-                  <a:ext uri="{0D108BD9-81ED-4DB2-BD59-A6C34878D82A}">
-                    <a16:rowId xmlns:a16="http://schemas.microsoft.com/office/drawing/2014/main" val="10000"/>
-                  </a:ext>
-                </a:extLst>
-              </a:tr>
-              <a:tr h="489844">
-                <a:tc>
-                  <a:txBody>
-                    <a:bodyPr/>
-                    <a:lstStyle/>
-                    <a:p>
-                      <a:pPr algn="l">
-                        <a:lnSpc>
-                          <a:spcPts val="1679"/>
-                        </a:lnSpc>
-                        <a:defRPr/>
-                      </a:pPr>
-                      <a:r>
-                        <a:rPr lang="en-US" sz="1200">
-                          <a:solidFill>
-                            <a:srgbClr val="000000"/>
-                          </a:solidFill>
-                          <a:latin typeface="Canva Sans"/>
-                          <a:ea typeface="Canva Sans"/>
-                          <a:cs typeface="Canva Sans"/>
-                          <a:sym typeface="Canva Sans"/>
-                        </a:rPr>
-                        <a:t>{best_taker_l}</a:t>
-                      </a:r>
-                      <a:endParaRPr lang="en-US" sz="1100"/>
-                    </a:p>
-                  </a:txBody>
-                  <a:tcPr marL="114300" marR="114300" marT="114300" marB="114300" anchor="ctr">
-                    <a:lnL w="19050" cap="flat" cmpd="sng" algn="ctr">
-                      <a:solidFill>
-                        <a:srgbClr val="000000"/>
-                      </a:solidFill>
-                      <a:prstDash val="solid"/>
-                      <a:round/>
-                      <a:headEnd type="none" w="med" len="med"/>
-                      <a:tailEnd type="none" w="med" len="med"/>
-                    </a:lnL>
-                    <a:lnR w="19050" cap="flat" cmpd="sng" algn="ctr">
-                      <a:solidFill>
-                        <a:srgbClr val="000000"/>
-                      </a:solidFill>
-                      <a:prstDash val="solid"/>
-                      <a:round/>
-                      <a:headEnd type="none" w="med" len="med"/>
-                      <a:tailEnd type="none" w="med" len="med"/>
-                    </a:lnR>
-                    <a:lnT w="19050" cap="flat" cmpd="sng" algn="ctr">
-                      <a:solidFill>
-                        <a:srgbClr val="000000"/>
-                      </a:solidFill>
-                      <a:prstDash val="solid"/>
-                      <a:round/>
-                      <a:headEnd type="none" w="med" len="med"/>
-                      <a:tailEnd type="none" w="med" len="med"/>
-                    </a:lnT>
-                    <a:lnB w="19050" cap="flat" cmpd="sng" algn="ctr">
-                      <a:solidFill>
-                        <a:srgbClr val="000000"/>
-                      </a:solidFill>
-                      <a:prstDash val="solid"/>
-                      <a:round/>
-                      <a:headEnd type="none" w="med" len="med"/>
-                      <a:tailEnd type="none" w="med" len="med"/>
-                    </a:lnB>
-                  </a:tcPr>
-                </a:tc>
-                <a:tc>
-                  <a:txBody>
-                    <a:bodyPr/>
-                    <a:lstStyle/>
-                    <a:p>
-                      <a:pPr algn="ctr">
-                        <a:lnSpc>
-                          <a:spcPts val="1679"/>
-                        </a:lnSpc>
-                        <a:defRPr/>
-                      </a:pPr>
-                      <a:r>
-                        <a:rPr lang="en-US" sz="1200">
-                          <a:solidFill>
-                            <a:srgbClr val="000000"/>
-                          </a:solidFill>
-                          <a:latin typeface="Canva Sans"/>
-                          <a:ea typeface="Canva Sans"/>
-                          <a:cs typeface="Canva Sans"/>
-                          <a:sym typeface="Canva Sans"/>
-                        </a:rPr>
-                        <a:t>{n_c_l1}</a:t>
-                      </a:r>
-                      <a:endParaRPr lang="en-US" sz="1100"/>
-                    </a:p>
-                  </a:txBody>
-                  <a:tcPr marL="114300" marR="114300" marT="114300" marB="114300" anchor="ctr">
-                    <a:lnL w="19050" cap="flat" cmpd="sng" algn="ctr">
-                      <a:solidFill>
-                        <a:srgbClr val="000000"/>
-                      </a:solidFill>
-                      <a:prstDash val="solid"/>
-                      <a:round/>
-                      <a:headEnd type="none" w="med" len="med"/>
-                      <a:tailEnd type="none" w="med" len="med"/>
-                    </a:lnL>
-                    <a:lnR w="19050" cap="flat" cmpd="sng" algn="ctr">
-                      <a:solidFill>
-                        <a:srgbClr val="000000"/>
-                      </a:solidFill>
-                      <a:prstDash val="solid"/>
-                      <a:round/>
-                      <a:headEnd type="none" w="med" len="med"/>
-                      <a:tailEnd type="none" w="med" len="med"/>
-                    </a:lnR>
-                    <a:lnT w="19050" cap="flat" cmpd="sng" algn="ctr">
-                      <a:solidFill>
-                        <a:srgbClr val="000000"/>
-                      </a:solidFill>
-                      <a:prstDash val="solid"/>
-                      <a:round/>
-                      <a:headEnd type="none" w="med" len="med"/>
-                      <a:tailEnd type="none" w="med" len="med"/>
-                    </a:lnT>
-                    <a:lnB w="19050" cap="flat" cmpd="sng" algn="ctr">
-                      <a:solidFill>
-                        <a:srgbClr val="000000"/>
-                      </a:solidFill>
-                      <a:prstDash val="solid"/>
-                      <a:round/>
-                      <a:headEnd type="none" w="med" len="med"/>
-                      <a:tailEnd type="none" w="med" len="med"/>
-                    </a:lnB>
-                  </a:tcPr>
-                </a:tc>
-                <a:tc>
-                  <a:txBody>
-                    <a:bodyPr/>
-                    <a:lstStyle/>
-                    <a:p>
-                      <a:pPr algn="ctr">
-                        <a:lnSpc>
-                          <a:spcPts val="1679"/>
-                        </a:lnSpc>
-                        <a:defRPr/>
-                      </a:pPr>
-                      <a:r>
-                        <a:rPr lang="en-US" sz="1200">
-                          <a:solidFill>
-                            <a:srgbClr val="000000"/>
-                          </a:solidFill>
-                          <a:latin typeface="Canva Sans"/>
-                          <a:ea typeface="Canva Sans"/>
-                          <a:cs typeface="Canva Sans"/>
-                          <a:sym typeface="Canva Sans"/>
-                        </a:rPr>
-                        <a:t>{cs_l1}</a:t>
-                      </a:r>
-                      <a:endParaRPr lang="en-US" sz="1100"/>
-                    </a:p>
-                  </a:txBody>
-                  <a:tcPr marL="114300" marR="114300" marT="114300" marB="114300" anchor="ctr">
-                    <a:lnL w="19050" cap="flat" cmpd="sng" algn="ctr">
-                      <a:solidFill>
-                        <a:srgbClr val="000000"/>
-                      </a:solidFill>
-                      <a:prstDash val="solid"/>
-                      <a:round/>
-                      <a:headEnd type="none" w="med" len="med"/>
-                      <a:tailEnd type="none" w="med" len="med"/>
-                    </a:lnL>
-                    <a:lnR w="19050" cap="flat" cmpd="sng" algn="ctr">
-                      <a:solidFill>
-                        <a:srgbClr val="000000"/>
-                      </a:solidFill>
-                      <a:prstDash val="solid"/>
-                      <a:round/>
-                      <a:headEnd type="none" w="med" len="med"/>
-                      <a:tailEnd type="none" w="med" len="med"/>
-                    </a:lnR>
-                    <a:lnT w="19050" cap="flat" cmpd="sng" algn="ctr">
-                      <a:solidFill>
-                        <a:srgbClr val="000000"/>
-                      </a:solidFill>
-                      <a:prstDash val="solid"/>
-                      <a:round/>
-                      <a:headEnd type="none" w="med" len="med"/>
-                      <a:tailEnd type="none" w="med" len="med"/>
-                    </a:lnT>
-                    <a:lnB w="19050" cap="flat" cmpd="sng" algn="ctr">
-                      <a:solidFill>
-                        <a:srgbClr val="000000"/>
-                      </a:solidFill>
-                      <a:prstDash val="solid"/>
-                      <a:round/>
-                      <a:headEnd type="none" w="med" len="med"/>
-                      <a:tailEnd type="none" w="med" len="med"/>
-                    </a:lnB>
-                  </a:tcPr>
-                </a:tc>
-                <a:tc>
-                  <a:txBody>
-                    <a:bodyPr/>
-                    <a:lstStyle/>
-                    <a:p>
-                      <a:pPr algn="ctr">
-                        <a:lnSpc>
-                          <a:spcPts val="1679"/>
-                        </a:lnSpc>
-                        <a:defRPr/>
-                      </a:pPr>
-                      <a:r>
-                        <a:rPr lang="en-US" sz="1200">
-                          <a:solidFill>
-                            <a:srgbClr val="000000"/>
-                          </a:solidFill>
-                          <a:latin typeface="Canva Sans"/>
-                          <a:ea typeface="Canva Sans"/>
-                          <a:cs typeface="Canva Sans"/>
-                          <a:sym typeface="Canva Sans"/>
-                        </a:rPr>
-                        <a:t>{1stc_l1}</a:t>
-                      </a:r>
-                      <a:endParaRPr lang="en-US" sz="1100"/>
-                    </a:p>
-                  </a:txBody>
-                  <a:tcPr marL="114300" marR="114300" marT="114300" marB="114300" anchor="ctr">
-                    <a:lnL w="19050" cap="flat" cmpd="sng" algn="ctr">
-                      <a:solidFill>
-                        <a:srgbClr val="000000"/>
-                      </a:solidFill>
-                      <a:prstDash val="solid"/>
-                      <a:round/>
-                      <a:headEnd type="none" w="med" len="med"/>
-                      <a:tailEnd type="none" w="med" len="med"/>
-                    </a:lnL>
-                    <a:lnR w="19050" cap="flat" cmpd="sng" algn="ctr">
-                      <a:solidFill>
-                        <a:srgbClr val="000000"/>
-                      </a:solidFill>
-                      <a:prstDash val="solid"/>
-                      <a:round/>
-                      <a:headEnd type="none" w="med" len="med"/>
-                      <a:tailEnd type="none" w="med" len="med"/>
-                    </a:lnR>
-                    <a:lnT w="19050" cap="flat" cmpd="sng" algn="ctr">
-                      <a:solidFill>
-                        <a:srgbClr val="000000"/>
-                      </a:solidFill>
-                      <a:prstDash val="solid"/>
-                      <a:round/>
-                      <a:headEnd type="none" w="med" len="med"/>
-                      <a:tailEnd type="none" w="med" len="med"/>
-                    </a:lnT>
-                    <a:lnB w="19050" cap="flat" cmpd="sng" algn="ctr">
-                      <a:solidFill>
-                        <a:srgbClr val="000000"/>
-                      </a:solidFill>
-                      <a:prstDash val="solid"/>
-                      <a:round/>
-                      <a:headEnd type="none" w="med" len="med"/>
-                      <a:tailEnd type="none" w="med" len="med"/>
-                    </a:lnB>
-                  </a:tcPr>
-                </a:tc>
-                <a:tc>
-                  <a:txBody>
-                    <a:bodyPr/>
-                    <a:lstStyle/>
-                    <a:p>
-                      <a:pPr algn="ctr">
-                        <a:lnSpc>
-                          <a:spcPts val="1679"/>
-                        </a:lnSpc>
-                        <a:defRPr/>
-                      </a:pPr>
-                      <a:r>
-                        <a:rPr lang="en-US" sz="1200">
-                          <a:solidFill>
-                            <a:srgbClr val="000000"/>
-                          </a:solidFill>
-                          <a:latin typeface="Canva Sans"/>
-                          <a:ea typeface="Canva Sans"/>
-                          <a:cs typeface="Canva Sans"/>
-                          <a:sym typeface="Canva Sans"/>
-                        </a:rPr>
-                        <a:t>{2ndc_l1}</a:t>
-                      </a:r>
-                      <a:endParaRPr lang="en-US" sz="1100"/>
-                    </a:p>
-                  </a:txBody>
-                  <a:tcPr marL="114300" marR="114300" marT="114300" marB="114300" anchor="ctr">
-                    <a:lnL w="19050" cap="flat" cmpd="sng" algn="ctr">
-                      <a:solidFill>
-                        <a:srgbClr val="000000"/>
-                      </a:solidFill>
-                      <a:prstDash val="solid"/>
-                      <a:round/>
-                      <a:headEnd type="none" w="med" len="med"/>
-                      <a:tailEnd type="none" w="med" len="med"/>
-                    </a:lnL>
-                    <a:lnR w="19050" cap="flat" cmpd="sng" algn="ctr">
-                      <a:solidFill>
-                        <a:srgbClr val="000000"/>
-                      </a:solidFill>
-                      <a:prstDash val="solid"/>
-                      <a:round/>
-                      <a:headEnd type="none" w="med" len="med"/>
-                      <a:tailEnd type="none" w="med" len="med"/>
-                    </a:lnR>
-                    <a:lnT w="19050" cap="flat" cmpd="sng" algn="ctr">
-                      <a:solidFill>
-                        <a:srgbClr val="000000"/>
-                      </a:solidFill>
-                      <a:prstDash val="solid"/>
-                      <a:round/>
-                      <a:headEnd type="none" w="med" len="med"/>
-                      <a:tailEnd type="none" w="med" len="med"/>
-                    </a:lnT>
-                    <a:lnB w="19050" cap="flat" cmpd="sng" algn="ctr">
-                      <a:solidFill>
-                        <a:srgbClr val="000000"/>
-                      </a:solidFill>
-                      <a:prstDash val="solid"/>
-                      <a:round/>
-                      <a:headEnd type="none" w="med" len="med"/>
-                      <a:tailEnd type="none" w="med" len="med"/>
-                    </a:lnB>
-                  </a:tcPr>
-                </a:tc>
-                <a:extLst>
-                  <a:ext uri="{0D108BD9-81ED-4DB2-BD59-A6C34878D82A}">
-                    <a16:rowId xmlns:a16="http://schemas.microsoft.com/office/drawing/2014/main" val="10001"/>
-                  </a:ext>
-                </a:extLst>
-              </a:tr>
-              <a:tr h="563684">
-                <a:tc>
-                  <a:txBody>
-                    <a:bodyPr/>
-                    <a:lstStyle/>
-                    <a:p>
-                      <a:pPr algn="l">
-                        <a:lnSpc>
-                          <a:spcPts val="1679"/>
-                        </a:lnSpc>
-                        <a:defRPr/>
-                      </a:pPr>
-                      <a:r>
-                        <a:rPr lang="en-US" sz="1200">
-                          <a:solidFill>
-                            <a:srgbClr val="000000"/>
-                          </a:solidFill>
-                          <a:latin typeface="Canva Sans"/>
-                          <a:ea typeface="Canva Sans"/>
-                          <a:cs typeface="Canva Sans"/>
-                          <a:sym typeface="Canva Sans"/>
-                        </a:rPr>
-                        <a:t>{second_best_taker_l}</a:t>
-                      </a:r>
-                      <a:endParaRPr lang="en-US" sz="1100"/>
-                    </a:p>
-                  </a:txBody>
-                  <a:tcPr marL="114300" marR="114300" marT="114300" marB="114300" anchor="ctr">
-                    <a:lnL w="19050" cap="flat" cmpd="sng" algn="ctr">
-                      <a:solidFill>
-                        <a:srgbClr val="000000"/>
-                      </a:solidFill>
-                      <a:prstDash val="solid"/>
-                      <a:round/>
-                      <a:headEnd type="none" w="med" len="med"/>
-                      <a:tailEnd type="none" w="med" len="med"/>
-                    </a:lnL>
-                    <a:lnR w="19050" cap="flat" cmpd="sng" algn="ctr">
-                      <a:solidFill>
-                        <a:srgbClr val="000000"/>
-                      </a:solidFill>
-                      <a:prstDash val="solid"/>
-                      <a:round/>
-                      <a:headEnd type="none" w="med" len="med"/>
-                      <a:tailEnd type="none" w="med" len="med"/>
-                    </a:lnR>
-                    <a:lnT w="19050" cap="flat" cmpd="sng" algn="ctr">
-                      <a:solidFill>
-                        <a:srgbClr val="000000"/>
-                      </a:solidFill>
-                      <a:prstDash val="solid"/>
-                      <a:round/>
-                      <a:headEnd type="none" w="med" len="med"/>
-                      <a:tailEnd type="none" w="med" len="med"/>
-                    </a:lnT>
-                    <a:lnB w="19050" cap="flat" cmpd="sng" algn="ctr">
-                      <a:solidFill>
-                        <a:srgbClr val="000000"/>
-                      </a:solidFill>
-                      <a:prstDash val="solid"/>
-                      <a:round/>
-                      <a:headEnd type="none" w="med" len="med"/>
-                      <a:tailEnd type="none" w="med" len="med"/>
-                    </a:lnB>
-                  </a:tcPr>
-                </a:tc>
-                <a:tc>
-                  <a:txBody>
-                    <a:bodyPr/>
-                    <a:lstStyle/>
-                    <a:p>
-                      <a:pPr algn="ctr">
-                        <a:lnSpc>
-                          <a:spcPts val="1679"/>
-                        </a:lnSpc>
-                        <a:defRPr/>
-                      </a:pPr>
-                      <a:r>
-                        <a:rPr lang="en-US" sz="1200">
-                          <a:solidFill>
-                            <a:srgbClr val="000000"/>
-                          </a:solidFill>
-                          <a:latin typeface="Arimo"/>
-                          <a:ea typeface="Arimo"/>
-                          <a:cs typeface="Arimo"/>
-                          <a:sym typeface="Arimo"/>
-                        </a:rPr>
-                        <a:t>{n_c_l2}</a:t>
-                      </a:r>
-                      <a:endParaRPr lang="en-US" sz="1100"/>
-                    </a:p>
-                  </a:txBody>
-                  <a:tcPr marL="114300" marR="114300" marT="114300" marB="114300" anchor="ctr">
-                    <a:lnL w="19050" cap="flat" cmpd="sng" algn="ctr">
-                      <a:solidFill>
-                        <a:srgbClr val="000000"/>
-                      </a:solidFill>
-                      <a:prstDash val="solid"/>
-                      <a:round/>
-                      <a:headEnd type="none" w="med" len="med"/>
-                      <a:tailEnd type="none" w="med" len="med"/>
-                    </a:lnL>
-                    <a:lnR w="19050" cap="flat" cmpd="sng" algn="ctr">
-                      <a:solidFill>
-                        <a:srgbClr val="000000"/>
-                      </a:solidFill>
-                      <a:prstDash val="solid"/>
-                      <a:round/>
-                      <a:headEnd type="none" w="med" len="med"/>
-                      <a:tailEnd type="none" w="med" len="med"/>
-                    </a:lnR>
-                    <a:lnT w="19050" cap="flat" cmpd="sng" algn="ctr">
-                      <a:solidFill>
-                        <a:srgbClr val="000000"/>
-                      </a:solidFill>
-                      <a:prstDash val="solid"/>
-                      <a:round/>
-                      <a:headEnd type="none" w="med" len="med"/>
-                      <a:tailEnd type="none" w="med" len="med"/>
-                    </a:lnT>
-                    <a:lnB w="19050" cap="flat" cmpd="sng" algn="ctr">
-                      <a:solidFill>
-                        <a:srgbClr val="000000"/>
-                      </a:solidFill>
-                      <a:prstDash val="solid"/>
-                      <a:round/>
-                      <a:headEnd type="none" w="med" len="med"/>
-                      <a:tailEnd type="none" w="med" len="med"/>
-                    </a:lnB>
-                  </a:tcPr>
-                </a:tc>
-                <a:tc>
-                  <a:txBody>
-                    <a:bodyPr/>
-                    <a:lstStyle/>
-                    <a:p>
-                      <a:pPr algn="ctr">
-                        <a:lnSpc>
-                          <a:spcPts val="1679"/>
-                        </a:lnSpc>
-                        <a:defRPr/>
-                      </a:pPr>
-                      <a:r>
-                        <a:rPr lang="en-US" sz="1200">
-                          <a:solidFill>
-                            <a:srgbClr val="000000"/>
-                          </a:solidFill>
-                          <a:latin typeface="Canva Sans"/>
-                          <a:ea typeface="Canva Sans"/>
-                          <a:cs typeface="Canva Sans"/>
-                          <a:sym typeface="Canva Sans"/>
-                        </a:rPr>
-                        <a:t>{cs_l2}</a:t>
-                      </a:r>
-                      <a:endParaRPr lang="en-US" sz="1100"/>
-                    </a:p>
-                  </a:txBody>
-                  <a:tcPr marL="114300" marR="114300" marT="114300" marB="114300" anchor="ctr">
-                    <a:lnL w="19050" cap="flat" cmpd="sng" algn="ctr">
-                      <a:solidFill>
-                        <a:srgbClr val="000000"/>
-                      </a:solidFill>
-                      <a:prstDash val="solid"/>
-                      <a:round/>
-                      <a:headEnd type="none" w="med" len="med"/>
-                      <a:tailEnd type="none" w="med" len="med"/>
-                    </a:lnL>
-                    <a:lnR w="19050" cap="flat" cmpd="sng" algn="ctr">
-                      <a:solidFill>
-                        <a:srgbClr val="000000"/>
-                      </a:solidFill>
-                      <a:prstDash val="solid"/>
-                      <a:round/>
-                      <a:headEnd type="none" w="med" len="med"/>
-                      <a:tailEnd type="none" w="med" len="med"/>
-                    </a:lnR>
-                    <a:lnT w="19050" cap="flat" cmpd="sng" algn="ctr">
-                      <a:solidFill>
-                        <a:srgbClr val="000000"/>
-                      </a:solidFill>
-                      <a:prstDash val="solid"/>
-                      <a:round/>
-                      <a:headEnd type="none" w="med" len="med"/>
-                      <a:tailEnd type="none" w="med" len="med"/>
-                    </a:lnT>
-                    <a:lnB w="19050" cap="flat" cmpd="sng" algn="ctr">
-                      <a:solidFill>
-                        <a:srgbClr val="000000"/>
-                      </a:solidFill>
-                      <a:prstDash val="solid"/>
-                      <a:round/>
-                      <a:headEnd type="none" w="med" len="med"/>
-                      <a:tailEnd type="none" w="med" len="med"/>
-                    </a:lnB>
-                  </a:tcPr>
-                </a:tc>
-                <a:tc>
-                  <a:txBody>
-                    <a:bodyPr/>
-                    <a:lstStyle/>
-                    <a:p>
-                      <a:pPr algn="ctr">
-                        <a:lnSpc>
-                          <a:spcPts val="1679"/>
-                        </a:lnSpc>
-                        <a:defRPr/>
-                      </a:pPr>
-                      <a:r>
-                        <a:rPr lang="en-US" sz="1200">
-                          <a:solidFill>
-                            <a:srgbClr val="000000"/>
-                          </a:solidFill>
-                          <a:latin typeface="Canva Sans"/>
-                          <a:ea typeface="Canva Sans"/>
-                          <a:cs typeface="Canva Sans"/>
-                          <a:sym typeface="Canva Sans"/>
-                        </a:rPr>
-                        <a:t>{1stc_l2}</a:t>
-                      </a:r>
-                      <a:endParaRPr lang="en-US" sz="1100"/>
-                    </a:p>
-                  </a:txBody>
-                  <a:tcPr marL="114300" marR="114300" marT="114300" marB="114300" anchor="ctr">
-                    <a:lnL w="19050" cap="flat" cmpd="sng" algn="ctr">
-                      <a:solidFill>
-                        <a:srgbClr val="000000"/>
-                      </a:solidFill>
-                      <a:prstDash val="solid"/>
-                      <a:round/>
-                      <a:headEnd type="none" w="med" len="med"/>
-                      <a:tailEnd type="none" w="med" len="med"/>
-                    </a:lnL>
-                    <a:lnR w="19050" cap="flat" cmpd="sng" algn="ctr">
-                      <a:solidFill>
-                        <a:srgbClr val="000000"/>
-                      </a:solidFill>
-                      <a:prstDash val="solid"/>
-                      <a:round/>
-                      <a:headEnd type="none" w="med" len="med"/>
-                      <a:tailEnd type="none" w="med" len="med"/>
-                    </a:lnR>
-                    <a:lnT w="19050" cap="flat" cmpd="sng" algn="ctr">
-                      <a:solidFill>
-                        <a:srgbClr val="000000"/>
-                      </a:solidFill>
-                      <a:prstDash val="solid"/>
-                      <a:round/>
-                      <a:headEnd type="none" w="med" len="med"/>
-                      <a:tailEnd type="none" w="med" len="med"/>
-                    </a:lnT>
-                    <a:lnB w="19050" cap="flat" cmpd="sng" algn="ctr">
-                      <a:solidFill>
-                        <a:srgbClr val="000000"/>
-                      </a:solidFill>
-                      <a:prstDash val="solid"/>
-                      <a:round/>
-                      <a:headEnd type="none" w="med" len="med"/>
-                      <a:tailEnd type="none" w="med" len="med"/>
-                    </a:lnB>
-                  </a:tcPr>
-                </a:tc>
-                <a:tc>
-                  <a:txBody>
-                    <a:bodyPr/>
-                    <a:lstStyle/>
-                    <a:p>
-                      <a:pPr algn="ctr">
-                        <a:lnSpc>
-                          <a:spcPts val="1679"/>
-                        </a:lnSpc>
-                        <a:defRPr/>
-                      </a:pPr>
-                      <a:r>
-                        <a:rPr lang="en-US" sz="1200">
-                          <a:solidFill>
-                            <a:srgbClr val="000000"/>
-                          </a:solidFill>
-                          <a:latin typeface="Canva Sans"/>
-                          <a:ea typeface="Canva Sans"/>
-                          <a:cs typeface="Canva Sans"/>
-                          <a:sym typeface="Canva Sans"/>
-                        </a:rPr>
-                        <a:t>{2ndc_l2}</a:t>
-                      </a:r>
-                      <a:endParaRPr lang="en-US" sz="1100"/>
-                    </a:p>
-                  </a:txBody>
-                  <a:tcPr marL="114300" marR="114300" marT="114300" marB="114300" anchor="ctr">
-                    <a:lnL w="19050" cap="flat" cmpd="sng" algn="ctr">
-                      <a:solidFill>
-                        <a:srgbClr val="000000"/>
-                      </a:solidFill>
-                      <a:prstDash val="solid"/>
-                      <a:round/>
-                      <a:headEnd type="none" w="med" len="med"/>
-                      <a:tailEnd type="none" w="med" len="med"/>
-                    </a:lnL>
-                    <a:lnR w="19050" cap="flat" cmpd="sng" algn="ctr">
-                      <a:solidFill>
-                        <a:srgbClr val="000000"/>
-                      </a:solidFill>
-                      <a:prstDash val="solid"/>
-                      <a:round/>
-                      <a:headEnd type="none" w="med" len="med"/>
-                      <a:tailEnd type="none" w="med" len="med"/>
-                    </a:lnR>
-                    <a:lnT w="19050" cap="flat" cmpd="sng" algn="ctr">
-                      <a:solidFill>
-                        <a:srgbClr val="000000"/>
-                      </a:solidFill>
-                      <a:prstDash val="solid"/>
-                      <a:round/>
-                      <a:headEnd type="none" w="med" len="med"/>
-                      <a:tailEnd type="none" w="med" len="med"/>
-                    </a:lnT>
-                    <a:lnB w="19050" cap="flat" cmpd="sng" algn="ctr">
-                      <a:solidFill>
-                        <a:srgbClr val="000000"/>
-                      </a:solidFill>
-                      <a:prstDash val="solid"/>
-                      <a:round/>
-                      <a:headEnd type="none" w="med" len="med"/>
-                      <a:tailEnd type="none" w="med" len="med"/>
-                    </a:lnB>
-                  </a:tcPr>
-                </a:tc>
-                <a:extLst>
-                  <a:ext uri="{0D108BD9-81ED-4DB2-BD59-A6C34878D82A}">
-                    <a16:rowId xmlns:a16="http://schemas.microsoft.com/office/drawing/2014/main" val="10002"/>
-                  </a:ext>
-                </a:extLst>
-              </a:tr>
-              <a:tr h="538522">
-                <a:tc>
-                  <a:txBody>
-                    <a:bodyPr/>
-                    <a:lstStyle/>
-                    <a:p>
-                      <a:pPr algn="l">
-                        <a:lnSpc>
-                          <a:spcPts val="1679"/>
-                        </a:lnSpc>
-                        <a:defRPr/>
-                      </a:pPr>
-                      <a:r>
-                        <a:rPr lang="en-US" sz="1200">
-                          <a:solidFill>
-                            <a:srgbClr val="000000"/>
-                          </a:solidFill>
-                          <a:latin typeface="Arimo"/>
-                          <a:ea typeface="Arimo"/>
-                          <a:cs typeface="Arimo"/>
-                          <a:sym typeface="Arimo"/>
-                        </a:rPr>
-                        <a:t>{third_best_taker_l}</a:t>
-                      </a:r>
-                      <a:endParaRPr lang="en-US" sz="1100"/>
-                    </a:p>
-                  </a:txBody>
-                  <a:tcPr marL="114300" marR="114300" marT="114300" marB="114300" anchor="ctr">
-                    <a:lnL w="19050" cap="flat" cmpd="sng" algn="ctr">
-                      <a:solidFill>
-                        <a:srgbClr val="000000"/>
-                      </a:solidFill>
-                      <a:prstDash val="solid"/>
-                      <a:round/>
-                      <a:headEnd type="none" w="med" len="med"/>
-                      <a:tailEnd type="none" w="med" len="med"/>
-                    </a:lnL>
-                    <a:lnR w="19050" cap="flat" cmpd="sng" algn="ctr">
-                      <a:solidFill>
-                        <a:srgbClr val="000000"/>
-                      </a:solidFill>
-                      <a:prstDash val="solid"/>
-                      <a:round/>
-                      <a:headEnd type="none" w="med" len="med"/>
-                      <a:tailEnd type="none" w="med" len="med"/>
-                    </a:lnR>
-                    <a:lnT w="19050" cap="flat" cmpd="sng" algn="ctr">
-                      <a:solidFill>
-                        <a:srgbClr val="000000"/>
-                      </a:solidFill>
-                      <a:prstDash val="solid"/>
-                      <a:round/>
-                      <a:headEnd type="none" w="med" len="med"/>
-                      <a:tailEnd type="none" w="med" len="med"/>
-                    </a:lnT>
-                    <a:lnB w="19050" cap="flat" cmpd="sng" algn="ctr">
-                      <a:solidFill>
-                        <a:srgbClr val="000000"/>
-                      </a:solidFill>
-                      <a:prstDash val="solid"/>
-                      <a:round/>
-                      <a:headEnd type="none" w="med" len="med"/>
-                      <a:tailEnd type="none" w="med" len="med"/>
-                    </a:lnB>
-                  </a:tcPr>
-                </a:tc>
-                <a:tc>
-                  <a:txBody>
-                    <a:bodyPr/>
-                    <a:lstStyle/>
-                    <a:p>
-                      <a:pPr algn="ctr">
-                        <a:lnSpc>
-                          <a:spcPts val="1679"/>
-                        </a:lnSpc>
-                        <a:defRPr/>
-                      </a:pPr>
-                      <a:r>
-                        <a:rPr lang="en-US" sz="1200">
-                          <a:solidFill>
-                            <a:srgbClr val="000000"/>
-                          </a:solidFill>
-                          <a:latin typeface="Arimo"/>
-                          <a:ea typeface="Arimo"/>
-                          <a:cs typeface="Arimo"/>
-                          <a:sym typeface="Arimo"/>
-                        </a:rPr>
-                        <a:t>{n_c_l3}</a:t>
-                      </a:r>
-                      <a:endParaRPr lang="en-US" sz="1100"/>
-                    </a:p>
-                  </a:txBody>
-                  <a:tcPr marL="114300" marR="114300" marT="114300" marB="114300" anchor="ctr">
-                    <a:lnL w="19050" cap="flat" cmpd="sng" algn="ctr">
-                      <a:solidFill>
-                        <a:srgbClr val="000000"/>
-                      </a:solidFill>
-                      <a:prstDash val="solid"/>
-                      <a:round/>
-                      <a:headEnd type="none" w="med" len="med"/>
-                      <a:tailEnd type="none" w="med" len="med"/>
-                    </a:lnL>
-                    <a:lnR w="19050" cap="flat" cmpd="sng" algn="ctr">
-                      <a:solidFill>
-                        <a:srgbClr val="000000"/>
-                      </a:solidFill>
-                      <a:prstDash val="solid"/>
-                      <a:round/>
-                      <a:headEnd type="none" w="med" len="med"/>
-                      <a:tailEnd type="none" w="med" len="med"/>
-                    </a:lnR>
-                    <a:lnT w="19050" cap="flat" cmpd="sng" algn="ctr">
-                      <a:solidFill>
-                        <a:srgbClr val="000000"/>
-                      </a:solidFill>
-                      <a:prstDash val="solid"/>
-                      <a:round/>
-                      <a:headEnd type="none" w="med" len="med"/>
-                      <a:tailEnd type="none" w="med" len="med"/>
-                    </a:lnT>
-                    <a:lnB w="19050" cap="flat" cmpd="sng" algn="ctr">
-                      <a:solidFill>
-                        <a:srgbClr val="000000"/>
-                      </a:solidFill>
-                      <a:prstDash val="solid"/>
-                      <a:round/>
-                      <a:headEnd type="none" w="med" len="med"/>
-                      <a:tailEnd type="none" w="med" len="med"/>
-                    </a:lnB>
-                  </a:tcPr>
-                </a:tc>
-                <a:tc>
-                  <a:txBody>
-                    <a:bodyPr/>
-                    <a:lstStyle/>
-                    <a:p>
-                      <a:pPr algn="ctr">
-                        <a:lnSpc>
-                          <a:spcPts val="1679"/>
-                        </a:lnSpc>
-                        <a:defRPr/>
-                      </a:pPr>
-                      <a:r>
-                        <a:rPr lang="en-US" sz="1200">
-                          <a:solidFill>
-                            <a:srgbClr val="000000"/>
-                          </a:solidFill>
-                          <a:latin typeface="Canva Sans"/>
-                          <a:ea typeface="Canva Sans"/>
-                          <a:cs typeface="Canva Sans"/>
-                          <a:sym typeface="Canva Sans"/>
-                        </a:rPr>
-                        <a:t>{cs_l3}</a:t>
-                      </a:r>
-                      <a:endParaRPr lang="en-US" sz="1100"/>
-                    </a:p>
-                  </a:txBody>
-                  <a:tcPr marL="114300" marR="114300" marT="114300" marB="114300" anchor="ctr">
-                    <a:lnL w="19050" cap="flat" cmpd="sng" algn="ctr">
-                      <a:solidFill>
-                        <a:srgbClr val="000000"/>
-                      </a:solidFill>
-                      <a:prstDash val="solid"/>
-                      <a:round/>
-                      <a:headEnd type="none" w="med" len="med"/>
-                      <a:tailEnd type="none" w="med" len="med"/>
-                    </a:lnL>
-                    <a:lnR w="19050" cap="flat" cmpd="sng" algn="ctr">
-                      <a:solidFill>
-                        <a:srgbClr val="000000"/>
-                      </a:solidFill>
-                      <a:prstDash val="solid"/>
-                      <a:round/>
-                      <a:headEnd type="none" w="med" len="med"/>
-                      <a:tailEnd type="none" w="med" len="med"/>
-                    </a:lnR>
-                    <a:lnT w="19050" cap="flat" cmpd="sng" algn="ctr">
-                      <a:solidFill>
-                        <a:srgbClr val="000000"/>
-                      </a:solidFill>
-                      <a:prstDash val="solid"/>
-                      <a:round/>
-                      <a:headEnd type="none" w="med" len="med"/>
-                      <a:tailEnd type="none" w="med" len="med"/>
-                    </a:lnT>
-                    <a:lnB w="19050" cap="flat" cmpd="sng" algn="ctr">
-                      <a:solidFill>
-                        <a:srgbClr val="000000"/>
-                      </a:solidFill>
-                      <a:prstDash val="solid"/>
-                      <a:round/>
-                      <a:headEnd type="none" w="med" len="med"/>
-                      <a:tailEnd type="none" w="med" len="med"/>
-                    </a:lnB>
-                  </a:tcPr>
-                </a:tc>
-                <a:tc>
-                  <a:txBody>
-                    <a:bodyPr/>
-                    <a:lstStyle/>
-                    <a:p>
-                      <a:pPr algn="ctr">
-                        <a:lnSpc>
-                          <a:spcPts val="1679"/>
-                        </a:lnSpc>
-                        <a:defRPr/>
-                      </a:pPr>
-                      <a:r>
-                        <a:rPr lang="en-US" sz="1200">
-                          <a:solidFill>
-                            <a:srgbClr val="000000"/>
-                          </a:solidFill>
-                          <a:latin typeface="Canva Sans"/>
-                          <a:ea typeface="Canva Sans"/>
-                          <a:cs typeface="Canva Sans"/>
-                          <a:sym typeface="Canva Sans"/>
-                        </a:rPr>
-                        <a:t>{1stc_l3}</a:t>
-                      </a:r>
-                      <a:endParaRPr lang="en-US" sz="1100"/>
-                    </a:p>
-                  </a:txBody>
-                  <a:tcPr marL="114300" marR="114300" marT="114300" marB="114300" anchor="ctr">
-                    <a:lnL w="19050" cap="flat" cmpd="sng" algn="ctr">
-                      <a:solidFill>
-                        <a:srgbClr val="000000"/>
-                      </a:solidFill>
-                      <a:prstDash val="solid"/>
-                      <a:round/>
-                      <a:headEnd type="none" w="med" len="med"/>
-                      <a:tailEnd type="none" w="med" len="med"/>
-                    </a:lnL>
-                    <a:lnR w="19050" cap="flat" cmpd="sng" algn="ctr">
-                      <a:solidFill>
-                        <a:srgbClr val="000000"/>
-                      </a:solidFill>
-                      <a:prstDash val="solid"/>
-                      <a:round/>
-                      <a:headEnd type="none" w="med" len="med"/>
-                      <a:tailEnd type="none" w="med" len="med"/>
-                    </a:lnR>
-                    <a:lnT w="19050" cap="flat" cmpd="sng" algn="ctr">
-                      <a:solidFill>
-                        <a:srgbClr val="000000"/>
-                      </a:solidFill>
-                      <a:prstDash val="solid"/>
-                      <a:round/>
-                      <a:headEnd type="none" w="med" len="med"/>
-                      <a:tailEnd type="none" w="med" len="med"/>
-                    </a:lnT>
-                    <a:lnB w="19050" cap="flat" cmpd="sng" algn="ctr">
-                      <a:solidFill>
-                        <a:srgbClr val="000000"/>
-                      </a:solidFill>
-                      <a:prstDash val="solid"/>
-                      <a:round/>
-                      <a:headEnd type="none" w="med" len="med"/>
-                      <a:tailEnd type="none" w="med" len="med"/>
-                    </a:lnB>
-                  </a:tcPr>
-                </a:tc>
-                <a:tc>
-                  <a:txBody>
-                    <a:bodyPr/>
-                    <a:lstStyle/>
-                    <a:p>
-                      <a:pPr algn="ctr">
-                        <a:lnSpc>
-                          <a:spcPts val="1679"/>
-                        </a:lnSpc>
-                        <a:defRPr/>
-                      </a:pPr>
-                      <a:r>
-                        <a:rPr lang="en-US" sz="1200">
-                          <a:solidFill>
-                            <a:srgbClr val="000000"/>
-                          </a:solidFill>
-                          <a:latin typeface="Canva Sans"/>
-                          <a:ea typeface="Canva Sans"/>
-                          <a:cs typeface="Canva Sans"/>
-                          <a:sym typeface="Canva Sans"/>
-                        </a:rPr>
-                        <a:t>{2ndc_l3}</a:t>
-                      </a:r>
-                      <a:endParaRPr lang="en-US" sz="1100"/>
-                    </a:p>
-                  </a:txBody>
-                  <a:tcPr marL="114300" marR="114300" marT="114300" marB="114300" anchor="ctr">
-                    <a:lnL w="19050" cap="flat" cmpd="sng" algn="ctr">
-                      <a:solidFill>
-                        <a:srgbClr val="000000"/>
-                      </a:solidFill>
-                      <a:prstDash val="solid"/>
-                      <a:round/>
-                      <a:headEnd type="none" w="med" len="med"/>
-                      <a:tailEnd type="none" w="med" len="med"/>
-                    </a:lnL>
-                    <a:lnR w="19050" cap="flat" cmpd="sng" algn="ctr">
-                      <a:solidFill>
-                        <a:srgbClr val="000000"/>
-                      </a:solidFill>
-                      <a:prstDash val="solid"/>
-                      <a:round/>
-                      <a:headEnd type="none" w="med" len="med"/>
-                      <a:tailEnd type="none" w="med" len="med"/>
-                    </a:lnR>
-                    <a:lnT w="19050" cap="flat" cmpd="sng" algn="ctr">
-                      <a:solidFill>
-                        <a:srgbClr val="000000"/>
-                      </a:solidFill>
-                      <a:prstDash val="solid"/>
-                      <a:round/>
-                      <a:headEnd type="none" w="med" len="med"/>
-                      <a:tailEnd type="none" w="med" len="med"/>
-                    </a:lnT>
-                    <a:lnB w="19050" cap="flat" cmpd="sng" algn="ctr">
-                      <a:solidFill>
-                        <a:srgbClr val="000000"/>
-                      </a:solidFill>
-                      <a:prstDash val="solid"/>
-                      <a:round/>
-                      <a:headEnd type="none" w="med" len="med"/>
-                      <a:tailEnd type="none" w="med" len="med"/>
-                    </a:lnB>
-                  </a:tcPr>
-                </a:tc>
-                <a:extLst>
-                  <a:ext uri="{0D108BD9-81ED-4DB2-BD59-A6C34878D82A}">
-                    <a16:rowId xmlns:a16="http://schemas.microsoft.com/office/drawing/2014/main" val="10003"/>
-                  </a:ext>
-                </a:extLst>
-              </a:tr>
-            </a:tbl>
-          </a:graphicData>
-        </a:graphic>
-      </p:graphicFrame>
       <p:sp>
         <p:nvSpPr>
           <p:cNvPr id="12" name="TextBox 12"/>
@@ -6301,37 +4895,187 @@
           </a:p>
         </p:txBody>
       </p:sp>
+      <p:grpSp>
+        <p:nvGrpSpPr>
+          <p:cNvPr id="57" name="Group 27">
+            <a:extLst>
+              <a:ext uri="{FF2B5EF4-FFF2-40B4-BE49-F238E27FC236}">
+                <a16:creationId xmlns:a16="http://schemas.microsoft.com/office/drawing/2014/main" id="{E9AA5BD1-A113-C32D-BB37-B3E9CA6779DD}"/>
+              </a:ext>
+            </a:extLst>
+          </p:cNvPr>
+          <p:cNvGrpSpPr/>
+          <p:nvPr/>
+        </p:nvGrpSpPr>
+        <p:grpSpPr>
+          <a:xfrm>
+            <a:off x="-3500" y="6537695"/>
+            <a:ext cx="7560000" cy="109728"/>
+            <a:chOff x="0" y="-9525"/>
+            <a:chExt cx="2709333" cy="109393"/>
+          </a:xfrm>
+          <a:solidFill>
+            <a:schemeClr val="tx1"/>
+          </a:solidFill>
+        </p:grpSpPr>
+        <p:sp>
+          <p:nvSpPr>
+            <p:cNvPr id="58" name="Freeform 28">
+              <a:extLst>
+                <a:ext uri="{FF2B5EF4-FFF2-40B4-BE49-F238E27FC236}">
+                  <a16:creationId xmlns:a16="http://schemas.microsoft.com/office/drawing/2014/main" id="{35E5E940-5C60-F690-2341-71E98751479C}"/>
+                </a:ext>
+              </a:extLst>
+            </p:cNvPr>
+            <p:cNvSpPr/>
+            <p:nvPr/>
+          </p:nvSpPr>
+          <p:spPr>
+            <a:xfrm>
+              <a:off x="0" y="0"/>
+              <a:ext cx="2709333" cy="99868"/>
+            </a:xfrm>
+            <a:custGeom>
+              <a:avLst/>
+              <a:gdLst/>
+              <a:ahLst/>
+              <a:cxnLst/>
+              <a:rect l="l" t="t" r="r" b="b"/>
+              <a:pathLst>
+                <a:path w="2709333" h="99868">
+                  <a:moveTo>
+                    <a:pt x="0" y="0"/>
+                  </a:moveTo>
+                  <a:lnTo>
+                    <a:pt x="2709333" y="0"/>
+                  </a:lnTo>
+                  <a:lnTo>
+                    <a:pt x="2709333" y="99868"/>
+                  </a:lnTo>
+                  <a:lnTo>
+                    <a:pt x="0" y="99868"/>
+                  </a:lnTo>
+                  <a:close/>
+                </a:path>
+              </a:pathLst>
+            </a:custGeom>
+            <a:grpFill/>
+          </p:spPr>
+          <p:style>
+            <a:lnRef idx="2">
+              <a:schemeClr val="dk1"/>
+            </a:lnRef>
+            <a:fillRef idx="1">
+              <a:schemeClr val="lt1"/>
+            </a:fillRef>
+            <a:effectRef idx="0">
+              <a:schemeClr val="dk1"/>
+            </a:effectRef>
+            <a:fontRef idx="minor">
+              <a:schemeClr val="dk1"/>
+            </a:fontRef>
+          </p:style>
+          <p:txBody>
+            <a:bodyPr/>
+            <a:lstStyle/>
+            <a:p>
+              <a:endParaRPr lang="LID4096"/>
+            </a:p>
+          </p:txBody>
+        </p:sp>
+        <p:sp>
+          <p:nvSpPr>
+            <p:cNvPr id="59" name="TextBox 29">
+              <a:extLst>
+                <a:ext uri="{FF2B5EF4-FFF2-40B4-BE49-F238E27FC236}">
+                  <a16:creationId xmlns:a16="http://schemas.microsoft.com/office/drawing/2014/main" id="{03967EA5-D8FE-174F-72A2-E8CB23489D93}"/>
+                </a:ext>
+              </a:extLst>
+            </p:cNvPr>
+            <p:cNvSpPr txBox="1"/>
+            <p:nvPr/>
+          </p:nvSpPr>
+          <p:spPr>
+            <a:xfrm>
+              <a:off x="0" y="-9525"/>
+              <a:ext cx="2709333" cy="99868"/>
+            </a:xfrm>
+            <a:prstGeom prst="rect">
+              <a:avLst/>
+            </a:prstGeom>
+            <a:grpFill/>
+          </p:spPr>
+          <p:style>
+            <a:lnRef idx="2">
+              <a:schemeClr val="dk1"/>
+            </a:lnRef>
+            <a:fillRef idx="1">
+              <a:schemeClr val="lt1"/>
+            </a:fillRef>
+            <a:effectRef idx="0">
+              <a:schemeClr val="dk1"/>
+            </a:effectRef>
+            <a:fontRef idx="minor">
+              <a:schemeClr val="dk1"/>
+            </a:fontRef>
+          </p:style>
+          <p:txBody>
+            <a:bodyPr lIns="50800" tIns="50800" rIns="50800" bIns="50800" rtlCol="0" anchor="ctr"/>
+            <a:lstStyle/>
+            <a:p>
+              <a:pPr algn="ctr">
+                <a:lnSpc>
+                  <a:spcPts val="1464"/>
+                </a:lnSpc>
+              </a:pPr>
+              <a:r>
+                <a:rPr lang="nl-NL">
+                  <a:solidFill>
+                    <a:schemeClr val="bg1"/>
+                  </a:solidFill>
+                </a:rPr>
+                <a:t>{middle_bar}</a:t>
+              </a:r>
+              <a:endParaRPr>
+                <a:solidFill>
+                  <a:schemeClr val="bg1"/>
+                </a:solidFill>
+              </a:endParaRPr>
+            </a:p>
+          </p:txBody>
+        </p:sp>
+      </p:grpSp>
       <p:sp>
         <p:nvSpPr>
-          <p:cNvPr id="55" name="TextBox 20"/>
+          <p:cNvPr id="63" name="TextBox 2"/>
           <p:cNvSpPr txBox="1"/>
           <p:nvPr/>
         </p:nvSpPr>
         <p:spPr>
           <a:xfrm>
-            <a:off x="1707043" y="6896305"/>
-            <a:ext cx="4332162" cy="322589"/>
+            <a:off x="382629" y="7231716"/>
+            <a:ext cx="3367368" cy="1075294"/>
           </a:xfrm>
           <a:prstGeom prst="rect">
             <a:avLst/>
           </a:prstGeom>
         </p:spPr>
         <p:txBody>
-          <a:bodyPr wrap="square" lIns="0" tIns="0" rIns="0" bIns="0" rtlCol="0" anchor="t">
+          <a:bodyPr lIns="0" tIns="0" rIns="0" bIns="0" rtlCol="0" anchor="t">
             <a:spAutoFit/>
           </a:bodyPr>
           <a:lstStyle/>
           <a:p>
             <a:pPr algn="ctr">
               <a:lnSpc>
-                <a:spcPts val="2659"/>
+                <a:spcPts val="1679"/>
               </a:lnSpc>
               <a:spcBef>
                 <a:spcPct val="0"/>
               </a:spcBef>
             </a:pPr>
             <a:r>
-              <a:rPr lang="en-US" sz="1899" b="1">
+              <a:rPr lang="en-US" sz="1200" b="1" spc="-6">
                 <a:solidFill>
                   <a:srgbClr val="000000"/>
                 </a:solidFill>
@@ -6340,8 +5084,1022 @@
                 <a:cs typeface="Canva Sans Bold"/>
                 <a:sym typeface="Canva Sans Bold"/>
               </a:rPr>
-              <a:t>CORNER TAKERS (LEFT)</a:t>
+              <a:t>Def. Corners Left: how many crosses turned into a shot?</a:t>
             </a:r>
+            <a:r>
+              <a:rPr lang="en-US" sz="1200" b="1">
+                <a:solidFill>
+                  <a:srgbClr val="000000"/>
+                </a:solidFill>
+                <a:latin typeface="Canva Sans Bold"/>
+                <a:ea typeface="Canva Sans Bold"/>
+                <a:cs typeface="Canva Sans Bold"/>
+                <a:sym typeface="Canva Sans Bold"/>
+              </a:rPr>
+              <a:t> </a:t>
+            </a:r>
+            <a:endParaRPr lang="en-US" sz="1200" b="1" spc="-6">
+              <a:solidFill>
+                <a:srgbClr val="000000"/>
+              </a:solidFill>
+              <a:latin typeface="Canva Sans Bold"/>
+              <a:ea typeface="Canva Sans Bold"/>
+              <a:cs typeface="Canva Sans Bold"/>
+              <a:sym typeface="Canva Sans Bold"/>
+            </a:endParaRPr>
+          </a:p>
+          <a:p>
+            <a:pPr algn="ctr">
+              <a:lnSpc>
+                <a:spcPts val="1679"/>
+              </a:lnSpc>
+              <a:spcBef>
+                <a:spcPct val="0"/>
+              </a:spcBef>
+            </a:pPr>
+            <a:endParaRPr lang="en-US" sz="1200" b="1" spc="-6">
+              <a:solidFill>
+                <a:srgbClr val="000000"/>
+              </a:solidFill>
+              <a:latin typeface="Canva Sans Bold"/>
+              <a:ea typeface="Canva Sans Bold"/>
+              <a:cs typeface="Canva Sans Bold"/>
+              <a:sym typeface="Canva Sans Bold"/>
+            </a:endParaRPr>
+          </a:p>
+          <a:p>
+            <a:pPr algn="ctr">
+              <a:lnSpc>
+                <a:spcPts val="1679"/>
+              </a:lnSpc>
+              <a:spcBef>
+                <a:spcPct val="0"/>
+              </a:spcBef>
+            </a:pPr>
+            <a:endParaRPr lang="en-US" sz="1200" b="1" spc="-6">
+              <a:solidFill>
+                <a:srgbClr val="000000"/>
+              </a:solidFill>
+              <a:latin typeface="Canva Sans Bold"/>
+              <a:ea typeface="Canva Sans Bold"/>
+              <a:cs typeface="Canva Sans Bold"/>
+              <a:sym typeface="Canva Sans Bold"/>
+            </a:endParaRPr>
+          </a:p>
+          <a:p>
+            <a:pPr algn="ctr">
+              <a:lnSpc>
+                <a:spcPts val="1679"/>
+              </a:lnSpc>
+              <a:spcBef>
+                <a:spcPct val="0"/>
+              </a:spcBef>
+            </a:pPr>
+            <a:endParaRPr lang="en-US" sz="1200" b="1" spc="-6">
+              <a:solidFill>
+                <a:srgbClr val="000000"/>
+              </a:solidFill>
+              <a:latin typeface="Canva Sans Bold"/>
+              <a:ea typeface="Canva Sans Bold"/>
+              <a:cs typeface="Canva Sans Bold"/>
+              <a:sym typeface="Canva Sans Bold"/>
+            </a:endParaRPr>
+          </a:p>
+        </p:txBody>
+      </p:sp>
+      <p:sp>
+        <p:nvSpPr>
+          <p:cNvPr id="64" name="TextBox 3"/>
+          <p:cNvSpPr txBox="1"/>
+          <p:nvPr/>
+        </p:nvSpPr>
+        <p:spPr>
+          <a:xfrm>
+            <a:off x="3894204" y="7231716"/>
+            <a:ext cx="3342848" cy="617220"/>
+          </a:xfrm>
+          <a:prstGeom prst="rect">
+            <a:avLst/>
+          </a:prstGeom>
+        </p:spPr>
+        <p:txBody>
+          <a:bodyPr lIns="0" tIns="0" rIns="0" bIns="0" rtlCol="0" anchor="t">
+            <a:spAutoFit/>
+          </a:bodyPr>
+          <a:lstStyle/>
+          <a:p>
+            <a:pPr algn="ctr">
+              <a:lnSpc>
+                <a:spcPts val="1679"/>
+              </a:lnSpc>
+              <a:spcBef>
+                <a:spcPct val="0"/>
+              </a:spcBef>
+            </a:pPr>
+            <a:r>
+              <a:rPr lang="en-US" sz="1200" b="1">
+                <a:solidFill>
+                  <a:srgbClr val="000000"/>
+                </a:solidFill>
+                <a:latin typeface="Canva Sans Bold"/>
+                <a:ea typeface="Canva Sans Bold"/>
+                <a:cs typeface="Canva Sans Bold"/>
+                <a:sym typeface="Canva Sans Bold"/>
+              </a:rPr>
+              <a:t>Def. Corners Right: how many crosses turned into a shot?</a:t>
+            </a:r>
+          </a:p>
+          <a:p>
+            <a:pPr algn="ctr">
+              <a:lnSpc>
+                <a:spcPts val="1679"/>
+              </a:lnSpc>
+              <a:spcBef>
+                <a:spcPct val="0"/>
+              </a:spcBef>
+            </a:pPr>
+            <a:endParaRPr lang="en-US" sz="1200" b="1">
+              <a:solidFill>
+                <a:srgbClr val="000000"/>
+              </a:solidFill>
+              <a:latin typeface="Canva Sans Bold"/>
+              <a:ea typeface="Canva Sans Bold"/>
+              <a:cs typeface="Canva Sans Bold"/>
+              <a:sym typeface="Canva Sans Bold"/>
+            </a:endParaRPr>
+          </a:p>
+        </p:txBody>
+      </p:sp>
+      <p:sp>
+        <p:nvSpPr>
+          <p:cNvPr id="65" name="Rectangle 2">
+            <a:extLst>
+              <a:ext uri="{FF2B5EF4-FFF2-40B4-BE49-F238E27FC236}">
+                <a16:creationId xmlns:a16="http://schemas.microsoft.com/office/drawing/2014/main" id="{30C141DD-440A-D8AB-B4FF-A82C5F89309E}"/>
+              </a:ext>
+            </a:extLst>
+          </p:cNvPr>
+          <p:cNvSpPr/>
+          <p:nvPr/>
+        </p:nvSpPr>
+        <p:spPr>
+          <a:xfrm>
+            <a:off x="3859082" y="7902092"/>
+            <a:ext cx="3359965" cy="1596141"/>
+          </a:xfrm>
+          <a:prstGeom prst="rect">
+            <a:avLst/>
+          </a:prstGeom>
+          <a:solidFill>
+            <a:srgbClr val="FFFFFF"/>
+          </a:solidFill>
+          <a:ln w="12700">
+            <a:miter lim="400000"/>
+          </a:ln>
+          <a:effectLst>
+            <a:outerShdw blurRad="50800" dist="127920" dir="3116579" rotWithShape="0">
+              <a:srgbClr val="000000">
+                <a:alpha val="48426"/>
+              </a:srgbClr>
+            </a:outerShdw>
+          </a:effectLst>
+        </p:spPr>
+        <p:txBody>
+          <a:bodyPr lIns="45718" tIns="45718" rIns="45718" bIns="45718" anchor="ctr"/>
+          <a:lstStyle/>
+          <a:p>
+            <a:endParaRPr/>
+          </a:p>
+        </p:txBody>
+      </p:sp>
+      <p:sp>
+        <p:nvSpPr>
+          <p:cNvPr id="66" name="PH_def_right">
+            <a:extLst>
+              <a:ext uri="{FF2B5EF4-FFF2-40B4-BE49-F238E27FC236}">
+                <a16:creationId xmlns:a16="http://schemas.microsoft.com/office/drawing/2014/main" id="{01FA4B6F-FE8E-8F68-3B8E-0F17889CDCFA}"/>
+              </a:ext>
+            </a:extLst>
+          </p:cNvPr>
+          <p:cNvSpPr/>
+          <p:nvPr/>
+        </p:nvSpPr>
+        <p:spPr>
+          <a:xfrm>
+            <a:off x="3859082" y="7902092"/>
+            <a:ext cx="3366347" cy="1600200"/>
+          </a:xfrm>
+          <a:prstGeom prst="rect">
+            <a:avLst/>
+          </a:prstGeom>
+          <a:noFill/>
+          <a:ln>
+            <a:solidFill>
+              <a:schemeClr val="tx2">
+                <a:lumMod val="50000"/>
+              </a:schemeClr>
+            </a:solidFill>
+          </a:ln>
+          <a:effectLst>
+            <a:glow rad="63500">
+              <a:schemeClr val="tx2">
+                <a:lumMod val="50000"/>
+                <a:alpha val="40000"/>
+              </a:schemeClr>
+            </a:glow>
+            <a:outerShdw blurRad="152400" dist="317500" dir="5400000" sx="90000" sy="-19000" rotWithShape="0">
+              <a:prstClr val="black">
+                <a:alpha val="15000"/>
+              </a:prstClr>
+            </a:outerShdw>
+          </a:effectLst>
+        </p:spPr>
+        <p:style>
+          <a:lnRef idx="2">
+            <a:schemeClr val="dk1"/>
+          </a:lnRef>
+          <a:fillRef idx="1">
+            <a:schemeClr val="lt1"/>
+          </a:fillRef>
+          <a:effectRef idx="0">
+            <a:schemeClr val="dk1"/>
+          </a:effectRef>
+          <a:fontRef idx="minor">
+            <a:schemeClr val="dk1"/>
+          </a:fontRef>
+        </p:style>
+        <p:txBody>
+          <a:bodyPr rot="0" spcFirstLastPara="1" vertOverflow="overflow" horzOverflow="overflow" vert="horz" wrap="square" lIns="45719" tIns="45719" rIns="45719" bIns="45719" numCol="1" spcCol="38100" rtlCol="0" anchor="ctr">
+            <a:noAutofit/>
+          </a:bodyPr>
+          <a:lstStyle/>
+          <a:p>
+            <a:pPr marL="0" marR="0" indent="0" algn="l" defTabSz="457200" rtl="0" fontAlgn="auto" latinLnBrk="0" hangingPunct="0">
+              <a:lnSpc>
+                <a:spcPct val="100000"/>
+              </a:lnSpc>
+              <a:spcBef>
+                <a:spcPts val="0"/>
+              </a:spcBef>
+              <a:spcAft>
+                <a:spcPts val="0"/>
+              </a:spcAft>
+              <a:buClrTx/>
+              <a:buSzTx/>
+              <a:buFontTx/>
+              <a:buNone/>
+              <a:tabLst/>
+            </a:pPr>
+            <a:r>
+              <a:rPr kumimoji="0" lang="en-US" sz="1800" b="0" i="0" u="none" strike="noStrike" cap="none" spc="0" normalizeH="0" baseline="0">
+                <a:ln>
+                  <a:solidFill>
+                    <a:schemeClr val="tx1"/>
+                  </a:solidFill>
+                </a:ln>
+                <a:solidFill>
+                  <a:srgbClr val="000000"/>
+                </a:solidFill>
+                <a:effectLst/>
+                <a:uFillTx/>
+                <a:latin typeface="+mn-lt"/>
+                <a:ea typeface="+mn-ea"/>
+                <a:cs typeface="+mn-cs"/>
+                <a:sym typeface="Aptos"/>
+              </a:rPr>
+              <a:t>{def_Corners_left_shots_vis}</a:t>
+            </a:r>
+          </a:p>
+          <a:p>
+            <a:pPr marL="0" marR="0" indent="0" algn="l" defTabSz="457200" rtl="0" fontAlgn="auto" latinLnBrk="0" hangingPunct="0">
+              <a:lnSpc>
+                <a:spcPct val="100000"/>
+              </a:lnSpc>
+              <a:spcBef>
+                <a:spcPts val="0"/>
+              </a:spcBef>
+              <a:spcAft>
+                <a:spcPts val="0"/>
+              </a:spcAft>
+              <a:buClrTx/>
+              <a:buSzTx/>
+              <a:buFontTx/>
+              <a:buNone/>
+              <a:tabLst/>
+            </a:pPr>
+            <a:endParaRPr lang="nl-NL">
+              <a:ln>
+                <a:solidFill>
+                  <a:schemeClr val="tx1"/>
+                </a:solidFill>
+              </a:ln>
+            </a:endParaRPr>
+          </a:p>
+          <a:p>
+            <a:pPr marL="0" marR="0" indent="0" algn="l" defTabSz="457200" rtl="0" fontAlgn="auto" latinLnBrk="0" hangingPunct="0">
+              <a:lnSpc>
+                <a:spcPct val="100000"/>
+              </a:lnSpc>
+              <a:spcBef>
+                <a:spcPts val="0"/>
+              </a:spcBef>
+              <a:spcAft>
+                <a:spcPts val="0"/>
+              </a:spcAft>
+              <a:buClrTx/>
+              <a:buSzTx/>
+              <a:buFontTx/>
+              <a:buNone/>
+              <a:tabLst/>
+            </a:pPr>
+            <a:endParaRPr kumimoji="0" lang="nl-NL" sz="1800" b="0" i="0" u="none" strike="noStrike" cap="none" spc="0" normalizeH="0" baseline="0">
+              <a:ln>
+                <a:solidFill>
+                  <a:schemeClr val="tx1"/>
+                </a:solidFill>
+              </a:ln>
+              <a:solidFill>
+                <a:srgbClr val="000000"/>
+              </a:solidFill>
+              <a:effectLst/>
+              <a:uFillTx/>
+              <a:latin typeface="+mn-lt"/>
+              <a:ea typeface="+mn-ea"/>
+              <a:cs typeface="+mn-cs"/>
+              <a:sym typeface="Aptos"/>
+            </a:endParaRPr>
+          </a:p>
+          <a:p>
+            <a:pPr marL="0" marR="0" indent="0" algn="l" defTabSz="457200" rtl="0" fontAlgn="auto" latinLnBrk="0" hangingPunct="0">
+              <a:lnSpc>
+                <a:spcPct val="100000"/>
+              </a:lnSpc>
+              <a:spcBef>
+                <a:spcPts val="0"/>
+              </a:spcBef>
+              <a:spcAft>
+                <a:spcPts val="0"/>
+              </a:spcAft>
+              <a:buClrTx/>
+              <a:buSzTx/>
+              <a:buFontTx/>
+              <a:buNone/>
+              <a:tabLst/>
+            </a:pPr>
+            <a:endParaRPr lang="nl-NL">
+              <a:ln>
+                <a:solidFill>
+                  <a:schemeClr val="tx1"/>
+                </a:solidFill>
+              </a:ln>
+            </a:endParaRPr>
+          </a:p>
+          <a:p>
+            <a:pPr marL="0" marR="0" indent="0" algn="l" defTabSz="457200" rtl="0" fontAlgn="auto" latinLnBrk="0" hangingPunct="0">
+              <a:lnSpc>
+                <a:spcPct val="100000"/>
+              </a:lnSpc>
+              <a:spcBef>
+                <a:spcPts val="0"/>
+              </a:spcBef>
+              <a:spcAft>
+                <a:spcPts val="0"/>
+              </a:spcAft>
+              <a:buClrTx/>
+              <a:buSzTx/>
+              <a:buFontTx/>
+              <a:buNone/>
+              <a:tabLst/>
+            </a:pPr>
+            <a:endParaRPr kumimoji="0" lang="LID4096" sz="1800" b="0" i="0" u="none" strike="noStrike" cap="none" spc="0" normalizeH="0" baseline="0">
+              <a:ln>
+                <a:solidFill>
+                  <a:schemeClr val="tx1"/>
+                </a:solidFill>
+              </a:ln>
+              <a:solidFill>
+                <a:srgbClr val="000000"/>
+              </a:solidFill>
+              <a:effectLst/>
+              <a:uFillTx/>
+              <a:latin typeface="+mn-lt"/>
+              <a:ea typeface="+mn-ea"/>
+              <a:cs typeface="+mn-cs"/>
+              <a:sym typeface="Aptos"/>
+            </a:endParaRPr>
+          </a:p>
+        </p:txBody>
+      </p:sp>
+      <p:sp>
+        <p:nvSpPr>
+          <p:cNvPr id="67" name="Rectangle 2">
+            <a:extLst>
+              <a:ext uri="{FF2B5EF4-FFF2-40B4-BE49-F238E27FC236}">
+                <a16:creationId xmlns:a16="http://schemas.microsoft.com/office/drawing/2014/main" id="{A5907B32-F324-C514-AA6A-CAF285702F51}"/>
+              </a:ext>
+            </a:extLst>
+          </p:cNvPr>
+          <p:cNvSpPr/>
+          <p:nvPr/>
+        </p:nvSpPr>
+        <p:spPr>
+          <a:xfrm>
+            <a:off x="337343" y="7889416"/>
+            <a:ext cx="3359965" cy="1596141"/>
+          </a:xfrm>
+          <a:prstGeom prst="rect">
+            <a:avLst/>
+          </a:prstGeom>
+          <a:solidFill>
+            <a:srgbClr val="FFFFFF"/>
+          </a:solidFill>
+          <a:ln w="12700">
+            <a:miter lim="400000"/>
+          </a:ln>
+          <a:effectLst>
+            <a:outerShdw blurRad="50800" dist="127920" dir="3116579" rotWithShape="0">
+              <a:srgbClr val="000000">
+                <a:alpha val="48426"/>
+              </a:srgbClr>
+            </a:outerShdw>
+          </a:effectLst>
+        </p:spPr>
+        <p:txBody>
+          <a:bodyPr lIns="45718" tIns="45718" rIns="45718" bIns="45718" anchor="ctr"/>
+          <a:lstStyle/>
+          <a:p>
+            <a:endParaRPr/>
+          </a:p>
+        </p:txBody>
+      </p:sp>
+      <p:sp>
+        <p:nvSpPr>
+          <p:cNvPr id="68" name="PH_def_left">
+            <a:extLst>
+              <a:ext uri="{FF2B5EF4-FFF2-40B4-BE49-F238E27FC236}">
+                <a16:creationId xmlns:a16="http://schemas.microsoft.com/office/drawing/2014/main" id="{3AAF7B1A-25C4-8431-1FAC-8FF57566D154}"/>
+              </a:ext>
+            </a:extLst>
+          </p:cNvPr>
+          <p:cNvSpPr/>
+          <p:nvPr/>
+        </p:nvSpPr>
+        <p:spPr>
+          <a:xfrm>
+            <a:off x="323203" y="7895742"/>
+            <a:ext cx="3366347" cy="1600200"/>
+          </a:xfrm>
+          <a:prstGeom prst="rect">
+            <a:avLst/>
+          </a:prstGeom>
+          <a:noFill/>
+          <a:ln>
+            <a:solidFill>
+              <a:schemeClr val="tx2">
+                <a:lumMod val="50000"/>
+              </a:schemeClr>
+            </a:solidFill>
+          </a:ln>
+          <a:effectLst>
+            <a:glow rad="63500">
+              <a:schemeClr val="tx2">
+                <a:lumMod val="50000"/>
+                <a:alpha val="40000"/>
+              </a:schemeClr>
+            </a:glow>
+            <a:outerShdw blurRad="152400" dist="317500" dir="5400000" sx="90000" sy="-19000" rotWithShape="0">
+              <a:prstClr val="black">
+                <a:alpha val="15000"/>
+              </a:prstClr>
+            </a:outerShdw>
+          </a:effectLst>
+        </p:spPr>
+        <p:style>
+          <a:lnRef idx="2">
+            <a:schemeClr val="dk1"/>
+          </a:lnRef>
+          <a:fillRef idx="1">
+            <a:schemeClr val="lt1"/>
+          </a:fillRef>
+          <a:effectRef idx="0">
+            <a:schemeClr val="dk1"/>
+          </a:effectRef>
+          <a:fontRef idx="minor">
+            <a:schemeClr val="dk1"/>
+          </a:fontRef>
+        </p:style>
+        <p:txBody>
+          <a:bodyPr rot="0" spcFirstLastPara="1" vertOverflow="overflow" horzOverflow="overflow" vert="horz" wrap="square" lIns="45719" tIns="45719" rIns="45719" bIns="45719" numCol="1" spcCol="38100" rtlCol="0" anchor="ctr">
+            <a:noAutofit/>
+          </a:bodyPr>
+          <a:lstStyle/>
+          <a:p>
+            <a:pPr marL="0" marR="0" indent="0" algn="l" defTabSz="457200" rtl="0" fontAlgn="auto" latinLnBrk="0" hangingPunct="0">
+              <a:lnSpc>
+                <a:spcPct val="100000"/>
+              </a:lnSpc>
+              <a:spcBef>
+                <a:spcPts val="0"/>
+              </a:spcBef>
+              <a:spcAft>
+                <a:spcPts val="0"/>
+              </a:spcAft>
+              <a:buClrTx/>
+              <a:buSzTx/>
+              <a:buFontTx/>
+              <a:buNone/>
+              <a:tabLst/>
+            </a:pPr>
+            <a:r>
+              <a:rPr lang="en-US">
+                <a:ln>
+                  <a:solidFill>
+                    <a:schemeClr val="tx1"/>
+                  </a:solidFill>
+                </a:ln>
+              </a:rPr>
+              <a:t>{def_Corners_left_shots_vis}</a:t>
+            </a:r>
+          </a:p>
+          <a:p>
+            <a:pPr marL="0" marR="0" indent="0" algn="l" defTabSz="457200" rtl="0" fontAlgn="auto" latinLnBrk="0" hangingPunct="0">
+              <a:lnSpc>
+                <a:spcPct val="100000"/>
+              </a:lnSpc>
+              <a:spcBef>
+                <a:spcPts val="0"/>
+              </a:spcBef>
+              <a:spcAft>
+                <a:spcPts val="0"/>
+              </a:spcAft>
+              <a:buClrTx/>
+              <a:buSzTx/>
+              <a:buFontTx/>
+              <a:buNone/>
+              <a:tabLst/>
+            </a:pPr>
+            <a:endParaRPr lang="nl-NL">
+              <a:ln>
+                <a:solidFill>
+                  <a:schemeClr val="tx1"/>
+                </a:solidFill>
+              </a:ln>
+            </a:endParaRPr>
+          </a:p>
+          <a:p>
+            <a:pPr marL="0" marR="0" indent="0" algn="l" defTabSz="457200" rtl="0" fontAlgn="auto" latinLnBrk="0" hangingPunct="0">
+              <a:lnSpc>
+                <a:spcPct val="100000"/>
+              </a:lnSpc>
+              <a:spcBef>
+                <a:spcPts val="0"/>
+              </a:spcBef>
+              <a:spcAft>
+                <a:spcPts val="0"/>
+              </a:spcAft>
+              <a:buClrTx/>
+              <a:buSzTx/>
+              <a:buFontTx/>
+              <a:buNone/>
+              <a:tabLst/>
+            </a:pPr>
+            <a:endParaRPr kumimoji="0" lang="nl-NL" sz="1800" b="0" i="0" u="none" strike="noStrike" cap="none" spc="0" normalizeH="0" baseline="0">
+              <a:ln>
+                <a:solidFill>
+                  <a:schemeClr val="tx1"/>
+                </a:solidFill>
+              </a:ln>
+              <a:solidFill>
+                <a:srgbClr val="000000"/>
+              </a:solidFill>
+              <a:effectLst/>
+              <a:uFillTx/>
+              <a:latin typeface="+mn-lt"/>
+              <a:ea typeface="+mn-ea"/>
+              <a:cs typeface="+mn-cs"/>
+              <a:sym typeface="Aptos"/>
+            </a:endParaRPr>
+          </a:p>
+          <a:p>
+            <a:pPr marL="0" marR="0" indent="0" algn="l" defTabSz="457200" rtl="0" fontAlgn="auto" latinLnBrk="0" hangingPunct="0">
+              <a:lnSpc>
+                <a:spcPct val="100000"/>
+              </a:lnSpc>
+              <a:spcBef>
+                <a:spcPts val="0"/>
+              </a:spcBef>
+              <a:spcAft>
+                <a:spcPts val="0"/>
+              </a:spcAft>
+              <a:buClrTx/>
+              <a:buSzTx/>
+              <a:buFontTx/>
+              <a:buNone/>
+              <a:tabLst/>
+            </a:pPr>
+            <a:endParaRPr lang="nl-NL">
+              <a:ln>
+                <a:solidFill>
+                  <a:schemeClr val="tx1"/>
+                </a:solidFill>
+              </a:ln>
+            </a:endParaRPr>
+          </a:p>
+          <a:p>
+            <a:pPr marL="0" marR="0" indent="0" algn="l" defTabSz="457200" rtl="0" fontAlgn="auto" latinLnBrk="0" hangingPunct="0">
+              <a:lnSpc>
+                <a:spcPct val="100000"/>
+              </a:lnSpc>
+              <a:spcBef>
+                <a:spcPts val="0"/>
+              </a:spcBef>
+              <a:spcAft>
+                <a:spcPts val="0"/>
+              </a:spcAft>
+              <a:buClrTx/>
+              <a:buSzTx/>
+              <a:buFontTx/>
+              <a:buNone/>
+              <a:tabLst/>
+            </a:pPr>
+            <a:endParaRPr kumimoji="0" lang="LID4096" sz="1800" b="0" i="0" u="none" strike="noStrike" cap="none" spc="0" normalizeH="0" baseline="0">
+              <a:ln>
+                <a:solidFill>
+                  <a:schemeClr val="tx1"/>
+                </a:solidFill>
+              </a:ln>
+              <a:solidFill>
+                <a:srgbClr val="000000"/>
+              </a:solidFill>
+              <a:effectLst/>
+              <a:uFillTx/>
+              <a:latin typeface="+mn-lt"/>
+              <a:ea typeface="+mn-ea"/>
+              <a:cs typeface="+mn-cs"/>
+              <a:sym typeface="Aptos"/>
+            </a:endParaRPr>
+          </a:p>
+        </p:txBody>
+      </p:sp>
+      <p:sp>
+        <p:nvSpPr>
+          <p:cNvPr id="69" name="Rectangle 68">
+            <a:extLst>
+              <a:ext uri="{FF2B5EF4-FFF2-40B4-BE49-F238E27FC236}">
+                <a16:creationId xmlns:a16="http://schemas.microsoft.com/office/drawing/2014/main" id="{0A9D8194-6133-B07E-927F-AB299C1D7C82}"/>
+              </a:ext>
+            </a:extLst>
+          </p:cNvPr>
+          <p:cNvSpPr/>
+          <p:nvPr/>
+        </p:nvSpPr>
+        <p:spPr>
+          <a:xfrm>
+            <a:off x="318069" y="7902092"/>
+            <a:ext cx="3366347" cy="1600200"/>
+          </a:xfrm>
+          <a:prstGeom prst="rect">
+            <a:avLst/>
+          </a:prstGeom>
+          <a:noFill/>
+          <a:ln>
+            <a:solidFill>
+              <a:schemeClr val="tx2">
+                <a:lumMod val="50000"/>
+              </a:schemeClr>
+            </a:solidFill>
+          </a:ln>
+          <a:effectLst>
+            <a:glow rad="63500">
+              <a:schemeClr val="tx2">
+                <a:lumMod val="50000"/>
+                <a:alpha val="40000"/>
+              </a:schemeClr>
+            </a:glow>
+            <a:outerShdw blurRad="152400" dist="317500" dir="5400000" sx="90000" sy="-19000" rotWithShape="0">
+              <a:prstClr val="black">
+                <a:alpha val="15000"/>
+              </a:prstClr>
+            </a:outerShdw>
+          </a:effectLst>
+        </p:spPr>
+        <p:style>
+          <a:lnRef idx="2">
+            <a:schemeClr val="dk1"/>
+          </a:lnRef>
+          <a:fillRef idx="1">
+            <a:schemeClr val="lt1"/>
+          </a:fillRef>
+          <a:effectRef idx="0">
+            <a:schemeClr val="dk1"/>
+          </a:effectRef>
+          <a:fontRef idx="minor">
+            <a:schemeClr val="dk1"/>
+          </a:fontRef>
+        </p:style>
+        <p:txBody>
+          <a:bodyPr rot="0" spcFirstLastPara="1" vertOverflow="overflow" horzOverflow="overflow" vert="horz" wrap="square" lIns="45719" tIns="45719" rIns="45719" bIns="45719" numCol="1" spcCol="38100" rtlCol="0" anchor="ctr">
+            <a:spAutoFit/>
+          </a:bodyPr>
+          <a:lstStyle/>
+          <a:p>
+            <a:pPr marL="0" marR="0" indent="0" algn="l" defTabSz="457200" rtl="0" fontAlgn="auto" latinLnBrk="0" hangingPunct="0">
+              <a:lnSpc>
+                <a:spcPct val="100000"/>
+              </a:lnSpc>
+              <a:spcBef>
+                <a:spcPts val="0"/>
+              </a:spcBef>
+              <a:spcAft>
+                <a:spcPts val="0"/>
+              </a:spcAft>
+              <a:buClrTx/>
+              <a:buSzTx/>
+              <a:buFontTx/>
+              <a:buNone/>
+              <a:tabLst/>
+            </a:pPr>
+            <a:endParaRPr lang="nl-NL">
+              <a:ln>
+                <a:solidFill>
+                  <a:schemeClr val="tx1"/>
+                </a:solidFill>
+              </a:ln>
+            </a:endParaRPr>
+          </a:p>
+          <a:p>
+            <a:pPr marL="0" marR="0" indent="0" algn="l" defTabSz="457200" rtl="0" fontAlgn="auto" latinLnBrk="0" hangingPunct="0">
+              <a:lnSpc>
+                <a:spcPct val="100000"/>
+              </a:lnSpc>
+              <a:spcBef>
+                <a:spcPts val="0"/>
+              </a:spcBef>
+              <a:spcAft>
+                <a:spcPts val="0"/>
+              </a:spcAft>
+              <a:buClrTx/>
+              <a:buSzTx/>
+              <a:buFontTx/>
+              <a:buNone/>
+              <a:tabLst/>
+            </a:pPr>
+            <a:endParaRPr kumimoji="0" lang="nl-NL" sz="1800" b="0" i="0" u="none" strike="noStrike" cap="none" spc="0" normalizeH="0" baseline="0">
+              <a:ln>
+                <a:solidFill>
+                  <a:schemeClr val="tx1"/>
+                </a:solidFill>
+              </a:ln>
+              <a:solidFill>
+                <a:srgbClr val="000000"/>
+              </a:solidFill>
+              <a:effectLst/>
+              <a:uFillTx/>
+              <a:latin typeface="+mn-lt"/>
+              <a:ea typeface="+mn-ea"/>
+              <a:cs typeface="+mn-cs"/>
+              <a:sym typeface="Aptos"/>
+            </a:endParaRPr>
+          </a:p>
+          <a:p>
+            <a:pPr marL="0" marR="0" indent="0" algn="l" defTabSz="457200" rtl="0" fontAlgn="auto" latinLnBrk="0" hangingPunct="0">
+              <a:lnSpc>
+                <a:spcPct val="100000"/>
+              </a:lnSpc>
+              <a:spcBef>
+                <a:spcPts val="0"/>
+              </a:spcBef>
+              <a:spcAft>
+                <a:spcPts val="0"/>
+              </a:spcAft>
+              <a:buClrTx/>
+              <a:buSzTx/>
+              <a:buFontTx/>
+              <a:buNone/>
+              <a:tabLst/>
+            </a:pPr>
+            <a:endParaRPr lang="nl-NL">
+              <a:ln>
+                <a:solidFill>
+                  <a:schemeClr val="tx1"/>
+                </a:solidFill>
+              </a:ln>
+            </a:endParaRPr>
+          </a:p>
+          <a:p>
+            <a:pPr marL="0" marR="0" indent="0" algn="l" defTabSz="457200" rtl="0" fontAlgn="auto" latinLnBrk="0" hangingPunct="0">
+              <a:lnSpc>
+                <a:spcPct val="100000"/>
+              </a:lnSpc>
+              <a:spcBef>
+                <a:spcPts val="0"/>
+              </a:spcBef>
+              <a:spcAft>
+                <a:spcPts val="0"/>
+              </a:spcAft>
+              <a:buClrTx/>
+              <a:buSzTx/>
+              <a:buFontTx/>
+              <a:buNone/>
+              <a:tabLst/>
+            </a:pPr>
+            <a:endParaRPr kumimoji="0" lang="LID4096" sz="1800" b="0" i="0" u="none" strike="noStrike" cap="none" spc="0" normalizeH="0" baseline="0">
+              <a:ln>
+                <a:solidFill>
+                  <a:schemeClr val="tx1"/>
+                </a:solidFill>
+              </a:ln>
+              <a:solidFill>
+                <a:srgbClr val="000000"/>
+              </a:solidFill>
+              <a:effectLst/>
+              <a:uFillTx/>
+              <a:latin typeface="+mn-lt"/>
+              <a:ea typeface="+mn-ea"/>
+              <a:cs typeface="+mn-cs"/>
+              <a:sym typeface="Aptos"/>
+            </a:endParaRPr>
+          </a:p>
+        </p:txBody>
+      </p:sp>
+      <p:sp>
+        <p:nvSpPr>
+          <p:cNvPr id="70" name="Rectangle 69">
+            <a:extLst>
+              <a:ext uri="{FF2B5EF4-FFF2-40B4-BE49-F238E27FC236}">
+                <a16:creationId xmlns:a16="http://schemas.microsoft.com/office/drawing/2014/main" id="{7C7BF0CA-D5F1-53A1-722C-FA69B409CC16}"/>
+              </a:ext>
+            </a:extLst>
+          </p:cNvPr>
+          <p:cNvSpPr/>
+          <p:nvPr/>
+        </p:nvSpPr>
+        <p:spPr>
+          <a:xfrm>
+            <a:off x="3866840" y="7896840"/>
+            <a:ext cx="3366347" cy="1600200"/>
+          </a:xfrm>
+          <a:prstGeom prst="rect">
+            <a:avLst/>
+          </a:prstGeom>
+          <a:noFill/>
+          <a:ln>
+            <a:solidFill>
+              <a:schemeClr val="tx2">
+                <a:lumMod val="50000"/>
+              </a:schemeClr>
+            </a:solidFill>
+          </a:ln>
+          <a:effectLst>
+            <a:glow rad="63500">
+              <a:schemeClr val="tx2">
+                <a:lumMod val="50000"/>
+                <a:alpha val="40000"/>
+              </a:schemeClr>
+            </a:glow>
+            <a:outerShdw blurRad="152400" dist="317500" dir="5400000" sx="90000" sy="-19000" rotWithShape="0">
+              <a:prstClr val="black">
+                <a:alpha val="15000"/>
+              </a:prstClr>
+            </a:outerShdw>
+          </a:effectLst>
+        </p:spPr>
+        <p:style>
+          <a:lnRef idx="2">
+            <a:schemeClr val="dk1"/>
+          </a:lnRef>
+          <a:fillRef idx="1">
+            <a:schemeClr val="lt1"/>
+          </a:fillRef>
+          <a:effectRef idx="0">
+            <a:schemeClr val="dk1"/>
+          </a:effectRef>
+          <a:fontRef idx="minor">
+            <a:schemeClr val="dk1"/>
+          </a:fontRef>
+        </p:style>
+        <p:txBody>
+          <a:bodyPr rot="0" spcFirstLastPara="1" vertOverflow="overflow" horzOverflow="overflow" vert="horz" wrap="square" lIns="45719" tIns="45719" rIns="45719" bIns="45719" numCol="1" spcCol="38100" rtlCol="0" anchor="ctr">
+            <a:spAutoFit/>
+          </a:bodyPr>
+          <a:lstStyle/>
+          <a:p>
+            <a:pPr marL="0" marR="0" indent="0" algn="l" defTabSz="457200" rtl="0" fontAlgn="auto" latinLnBrk="0" hangingPunct="0">
+              <a:lnSpc>
+                <a:spcPct val="100000"/>
+              </a:lnSpc>
+              <a:spcBef>
+                <a:spcPts val="0"/>
+              </a:spcBef>
+              <a:spcAft>
+                <a:spcPts val="0"/>
+              </a:spcAft>
+              <a:buClrTx/>
+              <a:buSzTx/>
+              <a:buFontTx/>
+              <a:buNone/>
+              <a:tabLst/>
+            </a:pPr>
+            <a:endParaRPr lang="nl-NL">
+              <a:ln>
+                <a:solidFill>
+                  <a:schemeClr val="tx1"/>
+                </a:solidFill>
+              </a:ln>
+            </a:endParaRPr>
+          </a:p>
+          <a:p>
+            <a:pPr marL="0" marR="0" indent="0" algn="l" defTabSz="457200" rtl="0" fontAlgn="auto" latinLnBrk="0" hangingPunct="0">
+              <a:lnSpc>
+                <a:spcPct val="100000"/>
+              </a:lnSpc>
+              <a:spcBef>
+                <a:spcPts val="0"/>
+              </a:spcBef>
+              <a:spcAft>
+                <a:spcPts val="0"/>
+              </a:spcAft>
+              <a:buClrTx/>
+              <a:buSzTx/>
+              <a:buFontTx/>
+              <a:buNone/>
+              <a:tabLst/>
+            </a:pPr>
+            <a:endParaRPr kumimoji="0" lang="nl-NL" sz="1800" b="0" i="0" u="none" strike="noStrike" cap="none" spc="0" normalizeH="0" baseline="0">
+              <a:ln>
+                <a:solidFill>
+                  <a:schemeClr val="tx1"/>
+                </a:solidFill>
+              </a:ln>
+              <a:solidFill>
+                <a:srgbClr val="000000"/>
+              </a:solidFill>
+              <a:effectLst/>
+              <a:uFillTx/>
+              <a:latin typeface="+mn-lt"/>
+              <a:ea typeface="+mn-ea"/>
+              <a:cs typeface="+mn-cs"/>
+              <a:sym typeface="Aptos"/>
+            </a:endParaRPr>
+          </a:p>
+          <a:p>
+            <a:pPr marL="0" marR="0" indent="0" algn="l" defTabSz="457200" rtl="0" fontAlgn="auto" latinLnBrk="0" hangingPunct="0">
+              <a:lnSpc>
+                <a:spcPct val="100000"/>
+              </a:lnSpc>
+              <a:spcBef>
+                <a:spcPts val="0"/>
+              </a:spcBef>
+              <a:spcAft>
+                <a:spcPts val="0"/>
+              </a:spcAft>
+              <a:buClrTx/>
+              <a:buSzTx/>
+              <a:buFontTx/>
+              <a:buNone/>
+              <a:tabLst/>
+            </a:pPr>
+            <a:endParaRPr lang="nl-NL">
+              <a:ln>
+                <a:solidFill>
+                  <a:schemeClr val="tx1"/>
+                </a:solidFill>
+              </a:ln>
+            </a:endParaRPr>
+          </a:p>
+          <a:p>
+            <a:pPr marL="0" marR="0" indent="0" algn="l" defTabSz="457200" rtl="0" fontAlgn="auto" latinLnBrk="0" hangingPunct="0">
+              <a:lnSpc>
+                <a:spcPct val="100000"/>
+              </a:lnSpc>
+              <a:spcBef>
+                <a:spcPts val="0"/>
+              </a:spcBef>
+              <a:spcAft>
+                <a:spcPts val="0"/>
+              </a:spcAft>
+              <a:buClrTx/>
+              <a:buSzTx/>
+              <a:buFontTx/>
+              <a:buNone/>
+              <a:tabLst/>
+            </a:pPr>
+            <a:endParaRPr kumimoji="0" lang="LID4096" sz="1800" b="0" i="0" u="none" strike="noStrike" cap="none" spc="0" normalizeH="0" baseline="0">
+              <a:ln>
+                <a:solidFill>
+                  <a:schemeClr val="tx1"/>
+                </a:solidFill>
+              </a:ln>
+              <a:solidFill>
+                <a:srgbClr val="000000"/>
+              </a:solidFill>
+              <a:effectLst/>
+              <a:uFillTx/>
+              <a:latin typeface="+mn-lt"/>
+              <a:ea typeface="+mn-ea"/>
+              <a:cs typeface="+mn-cs"/>
+              <a:sym typeface="Aptos"/>
+            </a:endParaRPr>
           </a:p>
         </p:txBody>
       </p:sp>
@@ -6499,191 +6257,6 @@
           </p:txBody>
         </p:sp>
       </p:grpSp>
-      <p:sp>
-        <p:nvSpPr>
-          <p:cNvPr id="2" name="TextBox 2"/>
-          <p:cNvSpPr txBox="1"/>
-          <p:nvPr/>
-        </p:nvSpPr>
-        <p:spPr>
-          <a:xfrm>
-            <a:off x="442483" y="4646651"/>
-            <a:ext cx="3367368" cy="1075294"/>
-          </a:xfrm>
-          <a:prstGeom prst="rect">
-            <a:avLst/>
-          </a:prstGeom>
-        </p:spPr>
-        <p:txBody>
-          <a:bodyPr lIns="0" tIns="0" rIns="0" bIns="0" rtlCol="0" anchor="t">
-            <a:spAutoFit/>
-          </a:bodyPr>
-          <a:lstStyle/>
-          <a:p>
-            <a:pPr algn="ctr">
-              <a:lnSpc>
-                <a:spcPts val="1679"/>
-              </a:lnSpc>
-              <a:spcBef>
-                <a:spcPct val="0"/>
-              </a:spcBef>
-            </a:pPr>
-            <a:r>
-              <a:rPr lang="en-US" sz="1200" b="1" spc="-6">
-                <a:solidFill>
-                  <a:srgbClr val="000000"/>
-                </a:solidFill>
-                <a:latin typeface="Canva Sans Bold"/>
-                <a:ea typeface="Canva Sans Bold"/>
-                <a:cs typeface="Canva Sans Bold"/>
-                <a:sym typeface="Canva Sans Bold"/>
-              </a:rPr>
-              <a:t>Def. Corners Left: how many crosses turned into a shot?</a:t>
-            </a:r>
-            <a:r>
-              <a:rPr lang="en-US" sz="1200" b="1">
-                <a:solidFill>
-                  <a:srgbClr val="000000"/>
-                </a:solidFill>
-                <a:latin typeface="Canva Sans Bold"/>
-                <a:ea typeface="Canva Sans Bold"/>
-                <a:cs typeface="Canva Sans Bold"/>
-                <a:sym typeface="Canva Sans Bold"/>
-              </a:rPr>
-              <a:t> </a:t>
-            </a:r>
-            <a:endParaRPr lang="en-US" sz="1200" b="1" spc="-6">
-              <a:solidFill>
-                <a:srgbClr val="000000"/>
-              </a:solidFill>
-              <a:latin typeface="Canva Sans Bold"/>
-              <a:ea typeface="Canva Sans Bold"/>
-              <a:cs typeface="Canva Sans Bold"/>
-              <a:sym typeface="Canva Sans Bold"/>
-            </a:endParaRPr>
-          </a:p>
-          <a:p>
-            <a:pPr algn="ctr">
-              <a:lnSpc>
-                <a:spcPts val="1679"/>
-              </a:lnSpc>
-              <a:spcBef>
-                <a:spcPct val="0"/>
-              </a:spcBef>
-            </a:pPr>
-            <a:endParaRPr lang="en-US" sz="1200" b="1" spc="-6">
-              <a:solidFill>
-                <a:srgbClr val="000000"/>
-              </a:solidFill>
-              <a:latin typeface="Canva Sans Bold"/>
-              <a:ea typeface="Canva Sans Bold"/>
-              <a:cs typeface="Canva Sans Bold"/>
-              <a:sym typeface="Canva Sans Bold"/>
-            </a:endParaRPr>
-          </a:p>
-          <a:p>
-            <a:pPr algn="ctr">
-              <a:lnSpc>
-                <a:spcPts val="1679"/>
-              </a:lnSpc>
-              <a:spcBef>
-                <a:spcPct val="0"/>
-              </a:spcBef>
-            </a:pPr>
-            <a:endParaRPr lang="en-US" sz="1200" b="1" spc="-6">
-              <a:solidFill>
-                <a:srgbClr val="000000"/>
-              </a:solidFill>
-              <a:latin typeface="Canva Sans Bold"/>
-              <a:ea typeface="Canva Sans Bold"/>
-              <a:cs typeface="Canva Sans Bold"/>
-              <a:sym typeface="Canva Sans Bold"/>
-            </a:endParaRPr>
-          </a:p>
-          <a:p>
-            <a:pPr algn="ctr">
-              <a:lnSpc>
-                <a:spcPts val="1679"/>
-              </a:lnSpc>
-              <a:spcBef>
-                <a:spcPct val="0"/>
-              </a:spcBef>
-            </a:pPr>
-            <a:endParaRPr lang="en-US" sz="1200" b="1" spc="-6">
-              <a:solidFill>
-                <a:srgbClr val="000000"/>
-              </a:solidFill>
-              <a:latin typeface="Canva Sans Bold"/>
-              <a:ea typeface="Canva Sans Bold"/>
-              <a:cs typeface="Canva Sans Bold"/>
-              <a:sym typeface="Canva Sans Bold"/>
-            </a:endParaRPr>
-          </a:p>
-        </p:txBody>
-      </p:sp>
-      <p:sp>
-        <p:nvSpPr>
-          <p:cNvPr id="3" name="TextBox 3"/>
-          <p:cNvSpPr txBox="1"/>
-          <p:nvPr/>
-        </p:nvSpPr>
-        <p:spPr>
-          <a:xfrm>
-            <a:off x="3954058" y="4646651"/>
-            <a:ext cx="3342848" cy="617220"/>
-          </a:xfrm>
-          <a:prstGeom prst="rect">
-            <a:avLst/>
-          </a:prstGeom>
-        </p:spPr>
-        <p:txBody>
-          <a:bodyPr lIns="0" tIns="0" rIns="0" bIns="0" rtlCol="0" anchor="t">
-            <a:spAutoFit/>
-          </a:bodyPr>
-          <a:lstStyle/>
-          <a:p>
-            <a:pPr algn="ctr">
-              <a:lnSpc>
-                <a:spcPts val="1679"/>
-              </a:lnSpc>
-              <a:spcBef>
-                <a:spcPct val="0"/>
-              </a:spcBef>
-            </a:pPr>
-            <a:r>
-              <a:rPr lang="en-US" sz="1200" b="1">
-                <a:solidFill>
-                  <a:srgbClr val="000000"/>
-                </a:solidFill>
-                <a:latin typeface="Canva Sans Bold"/>
-                <a:ea typeface="Canva Sans Bold"/>
-                <a:cs typeface="Canva Sans Bold"/>
-                <a:sym typeface="Canva Sans Bold"/>
-              </a:rPr>
-              <a:t>Def. Corners Right: how many crosses turned into a shot?</a:t>
-            </a:r>
-          </a:p>
-          <a:p>
-            <a:pPr algn="ctr">
-              <a:lnSpc>
-                <a:spcPts val="1679"/>
-              </a:lnSpc>
-              <a:spcBef>
-                <a:spcPct val="0"/>
-              </a:spcBef>
-            </a:pPr>
-            <a:endParaRPr lang="en-US" sz="1200" b="1">
-              <a:solidFill>
-                <a:srgbClr val="000000"/>
-              </a:solidFill>
-              <a:latin typeface="Canva Sans Bold"/>
-              <a:ea typeface="Canva Sans Bold"/>
-              <a:cs typeface="Canva Sans Bold"/>
-              <a:sym typeface="Canva Sans Bold"/>
-            </a:endParaRPr>
-          </a:p>
-        </p:txBody>
-      </p:sp>
       <p:graphicFrame>
         <p:nvGraphicFramePr>
           <p:cNvPr id="10" name="Table 10"/>
@@ -6693,13 +6266,13 @@
           <p:nvPr>
             <p:extLst>
               <p:ext uri="{D42A27DB-BD31-4B8C-83A1-F6EECF244321}">
-                <p14:modId xmlns:p14="http://schemas.microsoft.com/office/powerpoint/2010/main" val="2366546538"/>
+                <p14:modId xmlns:p14="http://schemas.microsoft.com/office/powerpoint/2010/main" val="2725226565"/>
               </p:ext>
             </p:extLst>
           </p:nvPr>
         </p:nvGraphicFramePr>
         <p:xfrm>
-          <a:off x="522033" y="1861005"/>
+          <a:off x="490432" y="4542083"/>
           <a:ext cx="6575635" cy="2174675"/>
         </p:xfrm>
         <a:graphic>
@@ -8246,517 +7819,6 @@
       </p:sp>
       <p:sp>
         <p:nvSpPr>
-          <p:cNvPr id="34" name="Rectangle 2">
-            <a:extLst>
-              <a:ext uri="{FF2B5EF4-FFF2-40B4-BE49-F238E27FC236}">
-                <a16:creationId xmlns:a16="http://schemas.microsoft.com/office/drawing/2014/main" id="{30C141DD-440A-D8AB-B4FF-A82C5F89309E}"/>
-              </a:ext>
-            </a:extLst>
-          </p:cNvPr>
-          <p:cNvSpPr/>
-          <p:nvPr/>
-        </p:nvSpPr>
-        <p:spPr>
-          <a:xfrm>
-            <a:off x="3918936" y="5317027"/>
-            <a:ext cx="3359965" cy="1596141"/>
-          </a:xfrm>
-          <a:prstGeom prst="rect">
-            <a:avLst/>
-          </a:prstGeom>
-          <a:solidFill>
-            <a:srgbClr val="FFFFFF"/>
-          </a:solidFill>
-          <a:ln w="12700">
-            <a:miter lim="400000"/>
-          </a:ln>
-          <a:effectLst>
-            <a:outerShdw blurRad="50800" dist="127920" dir="3116579" rotWithShape="0">
-              <a:srgbClr val="000000">
-                <a:alpha val="48426"/>
-              </a:srgbClr>
-            </a:outerShdw>
-          </a:effectLst>
-        </p:spPr>
-        <p:txBody>
-          <a:bodyPr lIns="45718" tIns="45718" rIns="45718" bIns="45718" anchor="ctr"/>
-          <a:lstStyle/>
-          <a:p>
-            <a:endParaRPr/>
-          </a:p>
-        </p:txBody>
-      </p:sp>
-      <p:sp>
-        <p:nvSpPr>
-          <p:cNvPr id="35" name="PH_def_right">
-            <a:extLst>
-              <a:ext uri="{FF2B5EF4-FFF2-40B4-BE49-F238E27FC236}">
-                <a16:creationId xmlns:a16="http://schemas.microsoft.com/office/drawing/2014/main" id="{01FA4B6F-FE8E-8F68-3B8E-0F17889CDCFA}"/>
-              </a:ext>
-            </a:extLst>
-          </p:cNvPr>
-          <p:cNvSpPr/>
-          <p:nvPr/>
-        </p:nvSpPr>
-        <p:spPr>
-          <a:xfrm>
-            <a:off x="3918936" y="5317027"/>
-            <a:ext cx="3366347" cy="1600200"/>
-          </a:xfrm>
-          <a:prstGeom prst="rect">
-            <a:avLst/>
-          </a:prstGeom>
-          <a:noFill/>
-          <a:ln>
-            <a:solidFill>
-              <a:schemeClr val="tx2">
-                <a:lumMod val="50000"/>
-              </a:schemeClr>
-            </a:solidFill>
-          </a:ln>
-          <a:effectLst>
-            <a:glow rad="63500">
-              <a:schemeClr val="tx2">
-                <a:lumMod val="50000"/>
-                <a:alpha val="40000"/>
-              </a:schemeClr>
-            </a:glow>
-            <a:outerShdw blurRad="152400" dist="317500" dir="5400000" sx="90000" sy="-19000" rotWithShape="0">
-              <a:prstClr val="black">
-                <a:alpha val="15000"/>
-              </a:prstClr>
-            </a:outerShdw>
-          </a:effectLst>
-        </p:spPr>
-        <p:style>
-          <a:lnRef idx="2">
-            <a:schemeClr val="dk1"/>
-          </a:lnRef>
-          <a:fillRef idx="1">
-            <a:schemeClr val="lt1"/>
-          </a:fillRef>
-          <a:effectRef idx="0">
-            <a:schemeClr val="dk1"/>
-          </a:effectRef>
-          <a:fontRef idx="minor">
-            <a:schemeClr val="dk1"/>
-          </a:fontRef>
-        </p:style>
-        <p:txBody>
-          <a:bodyPr rot="0" spcFirstLastPara="1" vertOverflow="overflow" horzOverflow="overflow" vert="horz" wrap="square" lIns="45719" tIns="45719" rIns="45719" bIns="45719" numCol="1" spcCol="38100" rtlCol="0" anchor="ctr">
-            <a:noAutofit/>
-          </a:bodyPr>
-          <a:lstStyle/>
-          <a:p>
-            <a:pPr marL="0" marR="0" indent="0" algn="l" defTabSz="457200" rtl="0" fontAlgn="auto" latinLnBrk="0" hangingPunct="0">
-              <a:lnSpc>
-                <a:spcPct val="100000"/>
-              </a:lnSpc>
-              <a:spcBef>
-                <a:spcPts val="0"/>
-              </a:spcBef>
-              <a:spcAft>
-                <a:spcPts val="0"/>
-              </a:spcAft>
-              <a:buClrTx/>
-              <a:buSzTx/>
-              <a:buFontTx/>
-              <a:buNone/>
-              <a:tabLst/>
-            </a:pPr>
-            <a:r>
-              <a:rPr kumimoji="0" lang="en-US" sz="1800" b="0" i="0" u="none" strike="noStrike" cap="none" spc="0" normalizeH="0" baseline="0">
-                <a:ln>
-                  <a:solidFill>
-                    <a:schemeClr val="tx1"/>
-                  </a:solidFill>
-                </a:ln>
-                <a:solidFill>
-                  <a:srgbClr val="000000"/>
-                </a:solidFill>
-                <a:effectLst/>
-                <a:uFillTx/>
-                <a:latin typeface="+mn-lt"/>
-                <a:ea typeface="+mn-ea"/>
-                <a:cs typeface="+mn-cs"/>
-                <a:sym typeface="Aptos"/>
-              </a:rPr>
-              <a:t>{def_Corners_left_shots_vis}</a:t>
-            </a:r>
-          </a:p>
-          <a:p>
-            <a:pPr marL="0" marR="0" indent="0" algn="l" defTabSz="457200" rtl="0" fontAlgn="auto" latinLnBrk="0" hangingPunct="0">
-              <a:lnSpc>
-                <a:spcPct val="100000"/>
-              </a:lnSpc>
-              <a:spcBef>
-                <a:spcPts val="0"/>
-              </a:spcBef>
-              <a:spcAft>
-                <a:spcPts val="0"/>
-              </a:spcAft>
-              <a:buClrTx/>
-              <a:buSzTx/>
-              <a:buFontTx/>
-              <a:buNone/>
-              <a:tabLst/>
-            </a:pPr>
-            <a:endParaRPr lang="nl-NL">
-              <a:ln>
-                <a:solidFill>
-                  <a:schemeClr val="tx1"/>
-                </a:solidFill>
-              </a:ln>
-            </a:endParaRPr>
-          </a:p>
-          <a:p>
-            <a:pPr marL="0" marR="0" indent="0" algn="l" defTabSz="457200" rtl="0" fontAlgn="auto" latinLnBrk="0" hangingPunct="0">
-              <a:lnSpc>
-                <a:spcPct val="100000"/>
-              </a:lnSpc>
-              <a:spcBef>
-                <a:spcPts val="0"/>
-              </a:spcBef>
-              <a:spcAft>
-                <a:spcPts val="0"/>
-              </a:spcAft>
-              <a:buClrTx/>
-              <a:buSzTx/>
-              <a:buFontTx/>
-              <a:buNone/>
-              <a:tabLst/>
-            </a:pPr>
-            <a:endParaRPr kumimoji="0" lang="nl-NL" sz="1800" b="0" i="0" u="none" strike="noStrike" cap="none" spc="0" normalizeH="0" baseline="0">
-              <a:ln>
-                <a:solidFill>
-                  <a:schemeClr val="tx1"/>
-                </a:solidFill>
-              </a:ln>
-              <a:solidFill>
-                <a:srgbClr val="000000"/>
-              </a:solidFill>
-              <a:effectLst/>
-              <a:uFillTx/>
-              <a:latin typeface="+mn-lt"/>
-              <a:ea typeface="+mn-ea"/>
-              <a:cs typeface="+mn-cs"/>
-              <a:sym typeface="Aptos"/>
-            </a:endParaRPr>
-          </a:p>
-          <a:p>
-            <a:pPr marL="0" marR="0" indent="0" algn="l" defTabSz="457200" rtl="0" fontAlgn="auto" latinLnBrk="0" hangingPunct="0">
-              <a:lnSpc>
-                <a:spcPct val="100000"/>
-              </a:lnSpc>
-              <a:spcBef>
-                <a:spcPts val="0"/>
-              </a:spcBef>
-              <a:spcAft>
-                <a:spcPts val="0"/>
-              </a:spcAft>
-              <a:buClrTx/>
-              <a:buSzTx/>
-              <a:buFontTx/>
-              <a:buNone/>
-              <a:tabLst/>
-            </a:pPr>
-            <a:endParaRPr lang="nl-NL">
-              <a:ln>
-                <a:solidFill>
-                  <a:schemeClr val="tx1"/>
-                </a:solidFill>
-              </a:ln>
-            </a:endParaRPr>
-          </a:p>
-          <a:p>
-            <a:pPr marL="0" marR="0" indent="0" algn="l" defTabSz="457200" rtl="0" fontAlgn="auto" latinLnBrk="0" hangingPunct="0">
-              <a:lnSpc>
-                <a:spcPct val="100000"/>
-              </a:lnSpc>
-              <a:spcBef>
-                <a:spcPts val="0"/>
-              </a:spcBef>
-              <a:spcAft>
-                <a:spcPts val="0"/>
-              </a:spcAft>
-              <a:buClrTx/>
-              <a:buSzTx/>
-              <a:buFontTx/>
-              <a:buNone/>
-              <a:tabLst/>
-            </a:pPr>
-            <a:endParaRPr kumimoji="0" lang="LID4096" sz="1800" b="0" i="0" u="none" strike="noStrike" cap="none" spc="0" normalizeH="0" baseline="0">
-              <a:ln>
-                <a:solidFill>
-                  <a:schemeClr val="tx1"/>
-                </a:solidFill>
-              </a:ln>
-              <a:solidFill>
-                <a:srgbClr val="000000"/>
-              </a:solidFill>
-              <a:effectLst/>
-              <a:uFillTx/>
-              <a:latin typeface="+mn-lt"/>
-              <a:ea typeface="+mn-ea"/>
-              <a:cs typeface="+mn-cs"/>
-              <a:sym typeface="Aptos"/>
-            </a:endParaRPr>
-          </a:p>
-        </p:txBody>
-      </p:sp>
-      <p:sp>
-        <p:nvSpPr>
-          <p:cNvPr id="36" name="Rectangle 2">
-            <a:extLst>
-              <a:ext uri="{FF2B5EF4-FFF2-40B4-BE49-F238E27FC236}">
-                <a16:creationId xmlns:a16="http://schemas.microsoft.com/office/drawing/2014/main" id="{A5907B32-F324-C514-AA6A-CAF285702F51}"/>
-              </a:ext>
-            </a:extLst>
-          </p:cNvPr>
-          <p:cNvSpPr/>
-          <p:nvPr/>
-        </p:nvSpPr>
-        <p:spPr>
-          <a:xfrm>
-            <a:off x="397197" y="5304351"/>
-            <a:ext cx="3359965" cy="1596141"/>
-          </a:xfrm>
-          <a:prstGeom prst="rect">
-            <a:avLst/>
-          </a:prstGeom>
-          <a:solidFill>
-            <a:srgbClr val="FFFFFF"/>
-          </a:solidFill>
-          <a:ln w="12700">
-            <a:miter lim="400000"/>
-          </a:ln>
-          <a:effectLst>
-            <a:outerShdw blurRad="50800" dist="127920" dir="3116579" rotWithShape="0">
-              <a:srgbClr val="000000">
-                <a:alpha val="48426"/>
-              </a:srgbClr>
-            </a:outerShdw>
-          </a:effectLst>
-        </p:spPr>
-        <p:txBody>
-          <a:bodyPr lIns="45718" tIns="45718" rIns="45718" bIns="45718" anchor="ctr"/>
-          <a:lstStyle/>
-          <a:p>
-            <a:endParaRPr/>
-          </a:p>
-        </p:txBody>
-      </p:sp>
-      <p:sp>
-        <p:nvSpPr>
-          <p:cNvPr id="37" name="PH_def_left">
-            <a:extLst>
-              <a:ext uri="{FF2B5EF4-FFF2-40B4-BE49-F238E27FC236}">
-                <a16:creationId xmlns:a16="http://schemas.microsoft.com/office/drawing/2014/main" id="{3AAF7B1A-25C4-8431-1FAC-8FF57566D154}"/>
-              </a:ext>
-            </a:extLst>
-          </p:cNvPr>
-          <p:cNvSpPr/>
-          <p:nvPr/>
-        </p:nvSpPr>
-        <p:spPr>
-          <a:xfrm>
-            <a:off x="383057" y="5310677"/>
-            <a:ext cx="3366347" cy="1600200"/>
-          </a:xfrm>
-          <a:prstGeom prst="rect">
-            <a:avLst/>
-          </a:prstGeom>
-          <a:noFill/>
-          <a:ln>
-            <a:solidFill>
-              <a:schemeClr val="tx2">
-                <a:lumMod val="50000"/>
-              </a:schemeClr>
-            </a:solidFill>
-          </a:ln>
-          <a:effectLst>
-            <a:glow rad="63500">
-              <a:schemeClr val="tx2">
-                <a:lumMod val="50000"/>
-                <a:alpha val="40000"/>
-              </a:schemeClr>
-            </a:glow>
-            <a:outerShdw blurRad="152400" dist="317500" dir="5400000" sx="90000" sy="-19000" rotWithShape="0">
-              <a:prstClr val="black">
-                <a:alpha val="15000"/>
-              </a:prstClr>
-            </a:outerShdw>
-          </a:effectLst>
-        </p:spPr>
-        <p:style>
-          <a:lnRef idx="2">
-            <a:schemeClr val="dk1"/>
-          </a:lnRef>
-          <a:fillRef idx="1">
-            <a:schemeClr val="lt1"/>
-          </a:fillRef>
-          <a:effectRef idx="0">
-            <a:schemeClr val="dk1"/>
-          </a:effectRef>
-          <a:fontRef idx="minor">
-            <a:schemeClr val="dk1"/>
-          </a:fontRef>
-        </p:style>
-        <p:txBody>
-          <a:bodyPr rot="0" spcFirstLastPara="1" vertOverflow="overflow" horzOverflow="overflow" vert="horz" wrap="square" lIns="45719" tIns="45719" rIns="45719" bIns="45719" numCol="1" spcCol="38100" rtlCol="0" anchor="ctr">
-            <a:noAutofit/>
-          </a:bodyPr>
-          <a:lstStyle/>
-          <a:p>
-            <a:pPr marL="0" marR="0" indent="0" algn="l" defTabSz="457200" rtl="0" fontAlgn="auto" latinLnBrk="0" hangingPunct="0">
-              <a:lnSpc>
-                <a:spcPct val="100000"/>
-              </a:lnSpc>
-              <a:spcBef>
-                <a:spcPts val="0"/>
-              </a:spcBef>
-              <a:spcAft>
-                <a:spcPts val="0"/>
-              </a:spcAft>
-              <a:buClrTx/>
-              <a:buSzTx/>
-              <a:buFontTx/>
-              <a:buNone/>
-              <a:tabLst/>
-            </a:pPr>
-            <a:r>
-              <a:rPr lang="en-US">
-                <a:ln>
-                  <a:solidFill>
-                    <a:schemeClr val="tx1"/>
-                  </a:solidFill>
-                </a:ln>
-              </a:rPr>
-              <a:t>{def_Corners_left_shots_vis}</a:t>
-            </a:r>
-          </a:p>
-          <a:p>
-            <a:pPr marL="0" marR="0" indent="0" algn="l" defTabSz="457200" rtl="0" fontAlgn="auto" latinLnBrk="0" hangingPunct="0">
-              <a:lnSpc>
-                <a:spcPct val="100000"/>
-              </a:lnSpc>
-              <a:spcBef>
-                <a:spcPts val="0"/>
-              </a:spcBef>
-              <a:spcAft>
-                <a:spcPts val="0"/>
-              </a:spcAft>
-              <a:buClrTx/>
-              <a:buSzTx/>
-              <a:buFontTx/>
-              <a:buNone/>
-              <a:tabLst/>
-            </a:pPr>
-            <a:endParaRPr lang="nl-NL">
-              <a:ln>
-                <a:solidFill>
-                  <a:schemeClr val="tx1"/>
-                </a:solidFill>
-              </a:ln>
-            </a:endParaRPr>
-          </a:p>
-          <a:p>
-            <a:pPr marL="0" marR="0" indent="0" algn="l" defTabSz="457200" rtl="0" fontAlgn="auto" latinLnBrk="0" hangingPunct="0">
-              <a:lnSpc>
-                <a:spcPct val="100000"/>
-              </a:lnSpc>
-              <a:spcBef>
-                <a:spcPts val="0"/>
-              </a:spcBef>
-              <a:spcAft>
-                <a:spcPts val="0"/>
-              </a:spcAft>
-              <a:buClrTx/>
-              <a:buSzTx/>
-              <a:buFontTx/>
-              <a:buNone/>
-              <a:tabLst/>
-            </a:pPr>
-            <a:endParaRPr kumimoji="0" lang="nl-NL" sz="1800" b="0" i="0" u="none" strike="noStrike" cap="none" spc="0" normalizeH="0" baseline="0">
-              <a:ln>
-                <a:solidFill>
-                  <a:schemeClr val="tx1"/>
-                </a:solidFill>
-              </a:ln>
-              <a:solidFill>
-                <a:srgbClr val="000000"/>
-              </a:solidFill>
-              <a:effectLst/>
-              <a:uFillTx/>
-              <a:latin typeface="+mn-lt"/>
-              <a:ea typeface="+mn-ea"/>
-              <a:cs typeface="+mn-cs"/>
-              <a:sym typeface="Aptos"/>
-            </a:endParaRPr>
-          </a:p>
-          <a:p>
-            <a:pPr marL="0" marR="0" indent="0" algn="l" defTabSz="457200" rtl="0" fontAlgn="auto" latinLnBrk="0" hangingPunct="0">
-              <a:lnSpc>
-                <a:spcPct val="100000"/>
-              </a:lnSpc>
-              <a:spcBef>
-                <a:spcPts val="0"/>
-              </a:spcBef>
-              <a:spcAft>
-                <a:spcPts val="0"/>
-              </a:spcAft>
-              <a:buClrTx/>
-              <a:buSzTx/>
-              <a:buFontTx/>
-              <a:buNone/>
-              <a:tabLst/>
-            </a:pPr>
-            <a:endParaRPr lang="nl-NL">
-              <a:ln>
-                <a:solidFill>
-                  <a:schemeClr val="tx1"/>
-                </a:solidFill>
-              </a:ln>
-            </a:endParaRPr>
-          </a:p>
-          <a:p>
-            <a:pPr marL="0" marR="0" indent="0" algn="l" defTabSz="457200" rtl="0" fontAlgn="auto" latinLnBrk="0" hangingPunct="0">
-              <a:lnSpc>
-                <a:spcPct val="100000"/>
-              </a:lnSpc>
-              <a:spcBef>
-                <a:spcPts val="0"/>
-              </a:spcBef>
-              <a:spcAft>
-                <a:spcPts val="0"/>
-              </a:spcAft>
-              <a:buClrTx/>
-              <a:buSzTx/>
-              <a:buFontTx/>
-              <a:buNone/>
-              <a:tabLst/>
-            </a:pPr>
-            <a:endParaRPr kumimoji="0" lang="LID4096" sz="1800" b="0" i="0" u="none" strike="noStrike" cap="none" spc="0" normalizeH="0" baseline="0">
-              <a:ln>
-                <a:solidFill>
-                  <a:schemeClr val="tx1"/>
-                </a:solidFill>
-              </a:ln>
-              <a:solidFill>
-                <a:srgbClr val="000000"/>
-              </a:solidFill>
-              <a:effectLst/>
-              <a:uFillTx/>
-              <a:latin typeface="+mn-lt"/>
-              <a:ea typeface="+mn-ea"/>
-              <a:cs typeface="+mn-cs"/>
-              <a:sym typeface="Aptos"/>
-            </a:endParaRPr>
-          </a:p>
-        </p:txBody>
-      </p:sp>
-      <p:sp>
-        <p:nvSpPr>
           <p:cNvPr id="40" name="Rectangle 2">
             <a:extLst>
               <a:ext uri="{FF2B5EF4-FFF2-40B4-BE49-F238E27FC236}">
@@ -9146,368 +8208,6 @@
               <a:t>{att_corners_headers}</a:t>
             </a:r>
           </a:p>
-          <a:p>
-            <a:pPr marL="0" marR="0" indent="0" algn="l" defTabSz="457200" rtl="0" fontAlgn="auto" latinLnBrk="0" hangingPunct="0">
-              <a:lnSpc>
-                <a:spcPct val="100000"/>
-              </a:lnSpc>
-              <a:spcBef>
-                <a:spcPts val="0"/>
-              </a:spcBef>
-              <a:spcAft>
-                <a:spcPts val="0"/>
-              </a:spcAft>
-              <a:buClrTx/>
-              <a:buSzTx/>
-              <a:buFontTx/>
-              <a:buNone/>
-              <a:tabLst/>
-            </a:pPr>
-            <a:endParaRPr lang="nl-NL">
-              <a:ln>
-                <a:solidFill>
-                  <a:schemeClr val="tx1"/>
-                </a:solidFill>
-              </a:ln>
-            </a:endParaRPr>
-          </a:p>
-          <a:p>
-            <a:pPr marL="0" marR="0" indent="0" algn="l" defTabSz="457200" rtl="0" fontAlgn="auto" latinLnBrk="0" hangingPunct="0">
-              <a:lnSpc>
-                <a:spcPct val="100000"/>
-              </a:lnSpc>
-              <a:spcBef>
-                <a:spcPts val="0"/>
-              </a:spcBef>
-              <a:spcAft>
-                <a:spcPts val="0"/>
-              </a:spcAft>
-              <a:buClrTx/>
-              <a:buSzTx/>
-              <a:buFontTx/>
-              <a:buNone/>
-              <a:tabLst/>
-            </a:pPr>
-            <a:endParaRPr kumimoji="0" lang="nl-NL" sz="1800" b="0" i="0" u="none" strike="noStrike" cap="none" spc="0" normalizeH="0" baseline="0">
-              <a:ln>
-                <a:solidFill>
-                  <a:schemeClr val="tx1"/>
-                </a:solidFill>
-              </a:ln>
-              <a:solidFill>
-                <a:srgbClr val="000000"/>
-              </a:solidFill>
-              <a:effectLst/>
-              <a:uFillTx/>
-              <a:latin typeface="+mn-lt"/>
-              <a:ea typeface="+mn-ea"/>
-              <a:cs typeface="+mn-cs"/>
-              <a:sym typeface="Aptos"/>
-            </a:endParaRPr>
-          </a:p>
-          <a:p>
-            <a:pPr marL="0" marR="0" indent="0" algn="l" defTabSz="457200" rtl="0" fontAlgn="auto" latinLnBrk="0" hangingPunct="0">
-              <a:lnSpc>
-                <a:spcPct val="100000"/>
-              </a:lnSpc>
-              <a:spcBef>
-                <a:spcPts val="0"/>
-              </a:spcBef>
-              <a:spcAft>
-                <a:spcPts val="0"/>
-              </a:spcAft>
-              <a:buClrTx/>
-              <a:buSzTx/>
-              <a:buFontTx/>
-              <a:buNone/>
-              <a:tabLst/>
-            </a:pPr>
-            <a:endParaRPr lang="nl-NL">
-              <a:ln>
-                <a:solidFill>
-                  <a:schemeClr val="tx1"/>
-                </a:solidFill>
-              </a:ln>
-            </a:endParaRPr>
-          </a:p>
-          <a:p>
-            <a:pPr marL="0" marR="0" indent="0" algn="l" defTabSz="457200" rtl="0" fontAlgn="auto" latinLnBrk="0" hangingPunct="0">
-              <a:lnSpc>
-                <a:spcPct val="100000"/>
-              </a:lnSpc>
-              <a:spcBef>
-                <a:spcPts val="0"/>
-              </a:spcBef>
-              <a:spcAft>
-                <a:spcPts val="0"/>
-              </a:spcAft>
-              <a:buClrTx/>
-              <a:buSzTx/>
-              <a:buFontTx/>
-              <a:buNone/>
-              <a:tabLst/>
-            </a:pPr>
-            <a:endParaRPr kumimoji="0" lang="LID4096" sz="1800" b="0" i="0" u="none" strike="noStrike" cap="none" spc="0" normalizeH="0" baseline="0">
-              <a:ln>
-                <a:solidFill>
-                  <a:schemeClr val="tx1"/>
-                </a:solidFill>
-              </a:ln>
-              <a:solidFill>
-                <a:srgbClr val="000000"/>
-              </a:solidFill>
-              <a:effectLst/>
-              <a:uFillTx/>
-              <a:latin typeface="+mn-lt"/>
-              <a:ea typeface="+mn-ea"/>
-              <a:cs typeface="+mn-cs"/>
-              <a:sym typeface="Aptos"/>
-            </a:endParaRPr>
-          </a:p>
-        </p:txBody>
-      </p:sp>
-      <p:sp>
-        <p:nvSpPr>
-          <p:cNvPr id="44" name="Rectangle 43">
-            <a:extLst>
-              <a:ext uri="{FF2B5EF4-FFF2-40B4-BE49-F238E27FC236}">
-                <a16:creationId xmlns:a16="http://schemas.microsoft.com/office/drawing/2014/main" id="{0A9D8194-6133-B07E-927F-AB299C1D7C82}"/>
-              </a:ext>
-            </a:extLst>
-          </p:cNvPr>
-          <p:cNvSpPr/>
-          <p:nvPr/>
-        </p:nvSpPr>
-        <p:spPr>
-          <a:xfrm>
-            <a:off x="377923" y="5317027"/>
-            <a:ext cx="3366347" cy="1600200"/>
-          </a:xfrm>
-          <a:prstGeom prst="rect">
-            <a:avLst/>
-          </a:prstGeom>
-          <a:noFill/>
-          <a:ln>
-            <a:solidFill>
-              <a:schemeClr val="tx2">
-                <a:lumMod val="50000"/>
-              </a:schemeClr>
-            </a:solidFill>
-          </a:ln>
-          <a:effectLst>
-            <a:glow rad="63500">
-              <a:schemeClr val="tx2">
-                <a:lumMod val="50000"/>
-                <a:alpha val="40000"/>
-              </a:schemeClr>
-            </a:glow>
-            <a:outerShdw blurRad="152400" dist="317500" dir="5400000" sx="90000" sy="-19000" rotWithShape="0">
-              <a:prstClr val="black">
-                <a:alpha val="15000"/>
-              </a:prstClr>
-            </a:outerShdw>
-          </a:effectLst>
-        </p:spPr>
-        <p:style>
-          <a:lnRef idx="2">
-            <a:schemeClr val="dk1"/>
-          </a:lnRef>
-          <a:fillRef idx="1">
-            <a:schemeClr val="lt1"/>
-          </a:fillRef>
-          <a:effectRef idx="0">
-            <a:schemeClr val="dk1"/>
-          </a:effectRef>
-          <a:fontRef idx="minor">
-            <a:schemeClr val="dk1"/>
-          </a:fontRef>
-        </p:style>
-        <p:txBody>
-          <a:bodyPr rot="0" spcFirstLastPara="1" vertOverflow="overflow" horzOverflow="overflow" vert="horz" wrap="square" lIns="45719" tIns="45719" rIns="45719" bIns="45719" numCol="1" spcCol="38100" rtlCol="0" anchor="ctr">
-            <a:spAutoFit/>
-          </a:bodyPr>
-          <a:lstStyle/>
-          <a:p>
-            <a:pPr marL="0" marR="0" indent="0" algn="l" defTabSz="457200" rtl="0" fontAlgn="auto" latinLnBrk="0" hangingPunct="0">
-              <a:lnSpc>
-                <a:spcPct val="100000"/>
-              </a:lnSpc>
-              <a:spcBef>
-                <a:spcPts val="0"/>
-              </a:spcBef>
-              <a:spcAft>
-                <a:spcPts val="0"/>
-              </a:spcAft>
-              <a:buClrTx/>
-              <a:buSzTx/>
-              <a:buFontTx/>
-              <a:buNone/>
-              <a:tabLst/>
-            </a:pPr>
-            <a:endParaRPr lang="nl-NL">
-              <a:ln>
-                <a:solidFill>
-                  <a:schemeClr val="tx1"/>
-                </a:solidFill>
-              </a:ln>
-            </a:endParaRPr>
-          </a:p>
-          <a:p>
-            <a:pPr marL="0" marR="0" indent="0" algn="l" defTabSz="457200" rtl="0" fontAlgn="auto" latinLnBrk="0" hangingPunct="0">
-              <a:lnSpc>
-                <a:spcPct val="100000"/>
-              </a:lnSpc>
-              <a:spcBef>
-                <a:spcPts val="0"/>
-              </a:spcBef>
-              <a:spcAft>
-                <a:spcPts val="0"/>
-              </a:spcAft>
-              <a:buClrTx/>
-              <a:buSzTx/>
-              <a:buFontTx/>
-              <a:buNone/>
-              <a:tabLst/>
-            </a:pPr>
-            <a:endParaRPr kumimoji="0" lang="nl-NL" sz="1800" b="0" i="0" u="none" strike="noStrike" cap="none" spc="0" normalizeH="0" baseline="0">
-              <a:ln>
-                <a:solidFill>
-                  <a:schemeClr val="tx1"/>
-                </a:solidFill>
-              </a:ln>
-              <a:solidFill>
-                <a:srgbClr val="000000"/>
-              </a:solidFill>
-              <a:effectLst/>
-              <a:uFillTx/>
-              <a:latin typeface="+mn-lt"/>
-              <a:ea typeface="+mn-ea"/>
-              <a:cs typeface="+mn-cs"/>
-              <a:sym typeface="Aptos"/>
-            </a:endParaRPr>
-          </a:p>
-          <a:p>
-            <a:pPr marL="0" marR="0" indent="0" algn="l" defTabSz="457200" rtl="0" fontAlgn="auto" latinLnBrk="0" hangingPunct="0">
-              <a:lnSpc>
-                <a:spcPct val="100000"/>
-              </a:lnSpc>
-              <a:spcBef>
-                <a:spcPts val="0"/>
-              </a:spcBef>
-              <a:spcAft>
-                <a:spcPts val="0"/>
-              </a:spcAft>
-              <a:buClrTx/>
-              <a:buSzTx/>
-              <a:buFontTx/>
-              <a:buNone/>
-              <a:tabLst/>
-            </a:pPr>
-            <a:endParaRPr lang="nl-NL">
-              <a:ln>
-                <a:solidFill>
-                  <a:schemeClr val="tx1"/>
-                </a:solidFill>
-              </a:ln>
-            </a:endParaRPr>
-          </a:p>
-          <a:p>
-            <a:pPr marL="0" marR="0" indent="0" algn="l" defTabSz="457200" rtl="0" fontAlgn="auto" latinLnBrk="0" hangingPunct="0">
-              <a:lnSpc>
-                <a:spcPct val="100000"/>
-              </a:lnSpc>
-              <a:spcBef>
-                <a:spcPts val="0"/>
-              </a:spcBef>
-              <a:spcAft>
-                <a:spcPts val="0"/>
-              </a:spcAft>
-              <a:buClrTx/>
-              <a:buSzTx/>
-              <a:buFontTx/>
-              <a:buNone/>
-              <a:tabLst/>
-            </a:pPr>
-            <a:endParaRPr kumimoji="0" lang="LID4096" sz="1800" b="0" i="0" u="none" strike="noStrike" cap="none" spc="0" normalizeH="0" baseline="0">
-              <a:ln>
-                <a:solidFill>
-                  <a:schemeClr val="tx1"/>
-                </a:solidFill>
-              </a:ln>
-              <a:solidFill>
-                <a:srgbClr val="000000"/>
-              </a:solidFill>
-              <a:effectLst/>
-              <a:uFillTx/>
-              <a:latin typeface="+mn-lt"/>
-              <a:ea typeface="+mn-ea"/>
-              <a:cs typeface="+mn-cs"/>
-              <a:sym typeface="Aptos"/>
-            </a:endParaRPr>
-          </a:p>
-        </p:txBody>
-      </p:sp>
-      <p:sp>
-        <p:nvSpPr>
-          <p:cNvPr id="45" name="Rectangle 44">
-            <a:extLst>
-              <a:ext uri="{FF2B5EF4-FFF2-40B4-BE49-F238E27FC236}">
-                <a16:creationId xmlns:a16="http://schemas.microsoft.com/office/drawing/2014/main" id="{7C7BF0CA-D5F1-53A1-722C-FA69B409CC16}"/>
-              </a:ext>
-            </a:extLst>
-          </p:cNvPr>
-          <p:cNvSpPr/>
-          <p:nvPr/>
-        </p:nvSpPr>
-        <p:spPr>
-          <a:xfrm>
-            <a:off x="3926694" y="5311775"/>
-            <a:ext cx="3366347" cy="1600200"/>
-          </a:xfrm>
-          <a:prstGeom prst="rect">
-            <a:avLst/>
-          </a:prstGeom>
-          <a:noFill/>
-          <a:ln>
-            <a:solidFill>
-              <a:schemeClr val="tx2">
-                <a:lumMod val="50000"/>
-              </a:schemeClr>
-            </a:solidFill>
-          </a:ln>
-          <a:effectLst>
-            <a:glow rad="63500">
-              <a:schemeClr val="tx2">
-                <a:lumMod val="50000"/>
-                <a:alpha val="40000"/>
-              </a:schemeClr>
-            </a:glow>
-            <a:outerShdw blurRad="152400" dist="317500" dir="5400000" sx="90000" sy="-19000" rotWithShape="0">
-              <a:prstClr val="black">
-                <a:alpha val="15000"/>
-              </a:prstClr>
-            </a:outerShdw>
-          </a:effectLst>
-        </p:spPr>
-        <p:style>
-          <a:lnRef idx="2">
-            <a:schemeClr val="dk1"/>
-          </a:lnRef>
-          <a:fillRef idx="1">
-            <a:schemeClr val="lt1"/>
-          </a:fillRef>
-          <a:effectRef idx="0">
-            <a:schemeClr val="dk1"/>
-          </a:effectRef>
-          <a:fontRef idx="minor">
-            <a:schemeClr val="dk1"/>
-          </a:fontRef>
-        </p:style>
-        <p:txBody>
-          <a:bodyPr rot="0" spcFirstLastPara="1" vertOverflow="overflow" horzOverflow="overflow" vert="horz" wrap="square" lIns="45719" tIns="45719" rIns="45719" bIns="45719" numCol="1" spcCol="38100" rtlCol="0" anchor="ctr">
-            <a:spAutoFit/>
-          </a:bodyPr>
-          <a:lstStyle/>
           <a:p>
             <a:pPr marL="0" marR="0" indent="0" algn="l" defTabSz="457200" rtl="0" fontAlgn="auto" latinLnBrk="0" hangingPunct="0">
               <a:lnSpc>
@@ -9761,7 +8461,7 @@
         </p:nvSpPr>
         <p:spPr>
           <a:xfrm>
-            <a:off x="1844119" y="1488742"/>
+            <a:off x="1612169" y="4005931"/>
             <a:ext cx="4332162" cy="322589"/>
           </a:xfrm>
           <a:prstGeom prst="rect">
@@ -9904,6 +8604,1456 @@
                 <a:schemeClr val="bg1"/>
               </a:solidFill>
             </a:endParaRPr>
+          </a:p>
+        </p:txBody>
+      </p:sp>
+      <p:graphicFrame>
+        <p:nvGraphicFramePr>
+          <p:cNvPr id="59" name="Table 5"/>
+          <p:cNvGraphicFramePr>
+            <a:graphicFrameLocks noGrp="1"/>
+          </p:cNvGraphicFramePr>
+          <p:nvPr>
+            <p:extLst>
+              <p:ext uri="{D42A27DB-BD31-4B8C-83A1-F6EECF244321}">
+                <p14:modId xmlns:p14="http://schemas.microsoft.com/office/powerpoint/2010/main" val="2465298860"/>
+              </p:ext>
+            </p:extLst>
+          </p:nvPr>
+        </p:nvGraphicFramePr>
+        <p:xfrm>
+          <a:off x="494472" y="1755771"/>
+          <a:ext cx="6575635" cy="2058822"/>
+        </p:xfrm>
+        <a:graphic>
+          <a:graphicData uri="http://schemas.openxmlformats.org/drawingml/2006/table">
+            <a:tbl>
+              <a:tblPr/>
+              <a:tblGrid>
+                <a:gridCol w="1848607">
+                  <a:extLst>
+                    <a:ext uri="{9D8B030D-6E8A-4147-A177-3AD203B41FA5}">
+                      <a16:colId xmlns:a16="http://schemas.microsoft.com/office/drawing/2014/main" val="20000"/>
+                    </a:ext>
+                  </a:extLst>
+                </a:gridCol>
+                <a:gridCol w="1060904">
+                  <a:extLst>
+                    <a:ext uri="{9D8B030D-6E8A-4147-A177-3AD203B41FA5}">
+                      <a16:colId xmlns:a16="http://schemas.microsoft.com/office/drawing/2014/main" val="20001"/>
+                    </a:ext>
+                  </a:extLst>
+                </a:gridCol>
+                <a:gridCol w="1150802">
+                  <a:extLst>
+                    <a:ext uri="{9D8B030D-6E8A-4147-A177-3AD203B41FA5}">
+                      <a16:colId xmlns:a16="http://schemas.microsoft.com/office/drawing/2014/main" val="20002"/>
+                    </a:ext>
+                  </a:extLst>
+                </a:gridCol>
+                <a:gridCol w="1199135">
+                  <a:extLst>
+                    <a:ext uri="{9D8B030D-6E8A-4147-A177-3AD203B41FA5}">
+                      <a16:colId xmlns:a16="http://schemas.microsoft.com/office/drawing/2014/main" val="20003"/>
+                    </a:ext>
+                  </a:extLst>
+                </a:gridCol>
+                <a:gridCol w="1316187">
+                  <a:extLst>
+                    <a:ext uri="{9D8B030D-6E8A-4147-A177-3AD203B41FA5}">
+                      <a16:colId xmlns:a16="http://schemas.microsoft.com/office/drawing/2014/main" val="20004"/>
+                    </a:ext>
+                  </a:extLst>
+                </a:gridCol>
+              </a:tblGrid>
+              <a:tr h="466772">
+                <a:tc>
+                  <a:txBody>
+                    <a:bodyPr/>
+                    <a:lstStyle/>
+                    <a:p>
+                      <a:pPr algn="ctr">
+                        <a:lnSpc>
+                          <a:spcPts val="1679"/>
+                        </a:lnSpc>
+                        <a:defRPr/>
+                      </a:pPr>
+                      <a:r>
+                        <a:rPr lang="en-US" sz="1200" b="1">
+                          <a:solidFill>
+                            <a:srgbClr val="FFFFFF"/>
+                          </a:solidFill>
+                          <a:latin typeface="Canva Sans Bold"/>
+                          <a:ea typeface="Canva Sans Bold"/>
+                          <a:cs typeface="Canva Sans Bold"/>
+                          <a:sym typeface="Canva Sans Bold"/>
+                        </a:rPr>
+                        <a:t>Player</a:t>
+                      </a:r>
+                      <a:endParaRPr lang="en-US" sz="1100"/>
+                    </a:p>
+                  </a:txBody>
+                  <a:tcPr marL="114300" marR="114300" marT="114300" marB="114300" anchor="ctr">
+                    <a:lnL w="19050" cap="flat" cmpd="sng" algn="ctr">
+                      <a:solidFill>
+                        <a:srgbClr val="000000"/>
+                      </a:solidFill>
+                      <a:prstDash val="solid"/>
+                      <a:round/>
+                      <a:headEnd type="none" w="med" len="med"/>
+                      <a:tailEnd type="none" w="med" len="med"/>
+                    </a:lnL>
+                    <a:lnR w="19050" cap="flat" cmpd="sng" algn="ctr">
+                      <a:solidFill>
+                        <a:srgbClr val="000000"/>
+                      </a:solidFill>
+                      <a:prstDash val="solid"/>
+                      <a:round/>
+                      <a:headEnd type="none" w="med" len="med"/>
+                      <a:tailEnd type="none" w="med" len="med"/>
+                    </a:lnR>
+                    <a:lnT w="19050" cap="flat" cmpd="sng" algn="ctr">
+                      <a:solidFill>
+                        <a:srgbClr val="000000"/>
+                      </a:solidFill>
+                      <a:prstDash val="solid"/>
+                      <a:round/>
+                      <a:headEnd type="none" w="med" len="med"/>
+                      <a:tailEnd type="none" w="med" len="med"/>
+                    </a:lnT>
+                    <a:lnB w="19050" cap="flat" cmpd="sng" algn="ctr">
+                      <a:solidFill>
+                        <a:srgbClr val="000000"/>
+                      </a:solidFill>
+                      <a:prstDash val="solid"/>
+                      <a:round/>
+                      <a:headEnd type="none" w="med" len="med"/>
+                      <a:tailEnd type="none" w="med" len="med"/>
+                    </a:lnB>
+                    <a:solidFill>
+                      <a:srgbClr val="362726"/>
+                    </a:solidFill>
+                  </a:tcPr>
+                </a:tc>
+                <a:tc>
+                  <a:txBody>
+                    <a:bodyPr/>
+                    <a:lstStyle/>
+                    <a:p>
+                      <a:pPr algn="ctr">
+                        <a:lnSpc>
+                          <a:spcPts val="1679"/>
+                        </a:lnSpc>
+                        <a:defRPr/>
+                      </a:pPr>
+                      <a:r>
+                        <a:rPr lang="en-US" sz="1200" b="1">
+                          <a:solidFill>
+                            <a:srgbClr val="FFFFFF"/>
+                          </a:solidFill>
+                          <a:latin typeface="Canva Sans Bold"/>
+                          <a:ea typeface="Canva Sans Bold"/>
+                          <a:cs typeface="Canva Sans Bold"/>
+                          <a:sym typeface="Canva Sans Bold"/>
+                        </a:rPr>
+                        <a:t>Corners</a:t>
+                      </a:r>
+                      <a:endParaRPr lang="en-US" sz="1100"/>
+                    </a:p>
+                  </a:txBody>
+                  <a:tcPr marL="114300" marR="114300" marT="114300" marB="114300" anchor="ctr">
+                    <a:lnL w="19050" cap="flat" cmpd="sng" algn="ctr">
+                      <a:solidFill>
+                        <a:srgbClr val="000000"/>
+                      </a:solidFill>
+                      <a:prstDash val="solid"/>
+                      <a:round/>
+                      <a:headEnd type="none" w="med" len="med"/>
+                      <a:tailEnd type="none" w="med" len="med"/>
+                    </a:lnL>
+                    <a:lnR w="19050" cap="flat" cmpd="sng" algn="ctr">
+                      <a:solidFill>
+                        <a:srgbClr val="000000"/>
+                      </a:solidFill>
+                      <a:prstDash val="solid"/>
+                      <a:round/>
+                      <a:headEnd type="none" w="med" len="med"/>
+                      <a:tailEnd type="none" w="med" len="med"/>
+                    </a:lnR>
+                    <a:lnT w="19050" cap="flat" cmpd="sng" algn="ctr">
+                      <a:solidFill>
+                        <a:srgbClr val="000000"/>
+                      </a:solidFill>
+                      <a:prstDash val="solid"/>
+                      <a:round/>
+                      <a:headEnd type="none" w="med" len="med"/>
+                      <a:tailEnd type="none" w="med" len="med"/>
+                    </a:lnT>
+                    <a:lnB w="19050" cap="flat" cmpd="sng" algn="ctr">
+                      <a:solidFill>
+                        <a:srgbClr val="000000"/>
+                      </a:solidFill>
+                      <a:prstDash val="solid"/>
+                      <a:round/>
+                      <a:headEnd type="none" w="med" len="med"/>
+                      <a:tailEnd type="none" w="med" len="med"/>
+                    </a:lnB>
+                    <a:solidFill>
+                      <a:srgbClr val="362726"/>
+                    </a:solidFill>
+                  </a:tcPr>
+                </a:tc>
+                <a:tc>
+                  <a:txBody>
+                    <a:bodyPr/>
+                    <a:lstStyle/>
+                    <a:p>
+                      <a:pPr algn="ctr">
+                        <a:lnSpc>
+                          <a:spcPts val="1679"/>
+                        </a:lnSpc>
+                        <a:defRPr/>
+                      </a:pPr>
+                      <a:r>
+                        <a:rPr lang="en-US" sz="1200" b="1">
+                          <a:solidFill>
+                            <a:srgbClr val="FFFFFF"/>
+                          </a:solidFill>
+                          <a:latin typeface="Canva Sans Bold"/>
+                          <a:ea typeface="Canva Sans Bold"/>
+                          <a:cs typeface="Canva Sans Bold"/>
+                          <a:sym typeface="Canva Sans Bold"/>
+                        </a:rPr>
+                        <a:t>Cross Succ. </a:t>
+                      </a:r>
+                      <a:endParaRPr lang="en-US" sz="1100"/>
+                    </a:p>
+                  </a:txBody>
+                  <a:tcPr marL="114300" marR="114300" marT="114300" marB="114300" anchor="ctr">
+                    <a:lnL w="19050" cap="flat" cmpd="sng" algn="ctr">
+                      <a:solidFill>
+                        <a:srgbClr val="000000"/>
+                      </a:solidFill>
+                      <a:prstDash val="solid"/>
+                      <a:round/>
+                      <a:headEnd type="none" w="med" len="med"/>
+                      <a:tailEnd type="none" w="med" len="med"/>
+                    </a:lnL>
+                    <a:lnR w="19050" cap="flat" cmpd="sng" algn="ctr">
+                      <a:solidFill>
+                        <a:srgbClr val="000000"/>
+                      </a:solidFill>
+                      <a:prstDash val="solid"/>
+                      <a:round/>
+                      <a:headEnd type="none" w="med" len="med"/>
+                      <a:tailEnd type="none" w="med" len="med"/>
+                    </a:lnR>
+                    <a:lnT w="19050" cap="flat" cmpd="sng" algn="ctr">
+                      <a:solidFill>
+                        <a:srgbClr val="000000"/>
+                      </a:solidFill>
+                      <a:prstDash val="solid"/>
+                      <a:round/>
+                      <a:headEnd type="none" w="med" len="med"/>
+                      <a:tailEnd type="none" w="med" len="med"/>
+                    </a:lnT>
+                    <a:lnB w="19050" cap="flat" cmpd="sng" algn="ctr">
+                      <a:solidFill>
+                        <a:srgbClr val="000000"/>
+                      </a:solidFill>
+                      <a:prstDash val="solid"/>
+                      <a:round/>
+                      <a:headEnd type="none" w="med" len="med"/>
+                      <a:tailEnd type="none" w="med" len="med"/>
+                    </a:lnB>
+                    <a:solidFill>
+                      <a:srgbClr val="362726"/>
+                    </a:solidFill>
+                  </a:tcPr>
+                </a:tc>
+                <a:tc>
+                  <a:txBody>
+                    <a:bodyPr/>
+                    <a:lstStyle/>
+                    <a:p>
+                      <a:pPr algn="ctr">
+                        <a:lnSpc>
+                          <a:spcPts val="1679"/>
+                        </a:lnSpc>
+                        <a:defRPr/>
+                      </a:pPr>
+                      <a:r>
+                        <a:rPr lang="en-US" sz="1200" b="1">
+                          <a:solidFill>
+                            <a:srgbClr val="FFFFFF"/>
+                          </a:solidFill>
+                          <a:latin typeface="Canva Sans Bold"/>
+                          <a:ea typeface="Canva Sans Bold"/>
+                          <a:cs typeface="Canva Sans Bold"/>
+                          <a:sym typeface="Canva Sans Bold"/>
+                        </a:rPr>
+                        <a:t>1st choice</a:t>
+                      </a:r>
+                      <a:endParaRPr lang="en-US" sz="1100"/>
+                    </a:p>
+                  </a:txBody>
+                  <a:tcPr marL="114300" marR="114300" marT="114300" marB="114300" anchor="ctr">
+                    <a:lnL w="19050" cap="flat" cmpd="sng" algn="ctr">
+                      <a:solidFill>
+                        <a:srgbClr val="000000"/>
+                      </a:solidFill>
+                      <a:prstDash val="solid"/>
+                      <a:round/>
+                      <a:headEnd type="none" w="med" len="med"/>
+                      <a:tailEnd type="none" w="med" len="med"/>
+                    </a:lnL>
+                    <a:lnR w="19050" cap="flat" cmpd="sng" algn="ctr">
+                      <a:solidFill>
+                        <a:srgbClr val="000000"/>
+                      </a:solidFill>
+                      <a:prstDash val="solid"/>
+                      <a:round/>
+                      <a:headEnd type="none" w="med" len="med"/>
+                      <a:tailEnd type="none" w="med" len="med"/>
+                    </a:lnR>
+                    <a:lnT w="19050" cap="flat" cmpd="sng" algn="ctr">
+                      <a:solidFill>
+                        <a:srgbClr val="000000"/>
+                      </a:solidFill>
+                      <a:prstDash val="solid"/>
+                      <a:round/>
+                      <a:headEnd type="none" w="med" len="med"/>
+                      <a:tailEnd type="none" w="med" len="med"/>
+                    </a:lnT>
+                    <a:lnB w="19050" cap="flat" cmpd="sng" algn="ctr">
+                      <a:solidFill>
+                        <a:srgbClr val="000000"/>
+                      </a:solidFill>
+                      <a:prstDash val="solid"/>
+                      <a:round/>
+                      <a:headEnd type="none" w="med" len="med"/>
+                      <a:tailEnd type="none" w="med" len="med"/>
+                    </a:lnB>
+                    <a:solidFill>
+                      <a:srgbClr val="362726"/>
+                    </a:solidFill>
+                  </a:tcPr>
+                </a:tc>
+                <a:tc>
+                  <a:txBody>
+                    <a:bodyPr/>
+                    <a:lstStyle/>
+                    <a:p>
+                      <a:pPr algn="ctr">
+                        <a:lnSpc>
+                          <a:spcPts val="1679"/>
+                        </a:lnSpc>
+                        <a:defRPr/>
+                      </a:pPr>
+                      <a:r>
+                        <a:rPr lang="en-US" sz="1200" b="1">
+                          <a:solidFill>
+                            <a:srgbClr val="FFFFFF"/>
+                          </a:solidFill>
+                          <a:latin typeface="Canva Sans Bold"/>
+                          <a:ea typeface="Canva Sans Bold"/>
+                          <a:cs typeface="Canva Sans Bold"/>
+                          <a:sym typeface="Canva Sans Bold"/>
+                        </a:rPr>
+                        <a:t>2nd choice</a:t>
+                      </a:r>
+                      <a:endParaRPr lang="en-US" sz="1100"/>
+                    </a:p>
+                  </a:txBody>
+                  <a:tcPr marL="114300" marR="114300" marT="114300" marB="114300" anchor="ctr">
+                    <a:lnL w="19050" cap="flat" cmpd="sng" algn="ctr">
+                      <a:solidFill>
+                        <a:srgbClr val="000000"/>
+                      </a:solidFill>
+                      <a:prstDash val="solid"/>
+                      <a:round/>
+                      <a:headEnd type="none" w="med" len="med"/>
+                      <a:tailEnd type="none" w="med" len="med"/>
+                    </a:lnL>
+                    <a:lnR w="19050" cap="flat" cmpd="sng" algn="ctr">
+                      <a:solidFill>
+                        <a:srgbClr val="000000"/>
+                      </a:solidFill>
+                      <a:prstDash val="solid"/>
+                      <a:round/>
+                      <a:headEnd type="none" w="med" len="med"/>
+                      <a:tailEnd type="none" w="med" len="med"/>
+                    </a:lnR>
+                    <a:lnT w="19050" cap="flat" cmpd="sng" algn="ctr">
+                      <a:solidFill>
+                        <a:srgbClr val="000000"/>
+                      </a:solidFill>
+                      <a:prstDash val="solid"/>
+                      <a:round/>
+                      <a:headEnd type="none" w="med" len="med"/>
+                      <a:tailEnd type="none" w="med" len="med"/>
+                    </a:lnT>
+                    <a:lnB w="19050" cap="flat" cmpd="sng" algn="ctr">
+                      <a:solidFill>
+                        <a:srgbClr val="000000"/>
+                      </a:solidFill>
+                      <a:prstDash val="solid"/>
+                      <a:round/>
+                      <a:headEnd type="none" w="med" len="med"/>
+                      <a:tailEnd type="none" w="med" len="med"/>
+                    </a:lnB>
+                    <a:solidFill>
+                      <a:srgbClr val="362726"/>
+                    </a:solidFill>
+                  </a:tcPr>
+                </a:tc>
+                <a:extLst>
+                  <a:ext uri="{0D108BD9-81ED-4DB2-BD59-A6C34878D82A}">
+                    <a16:rowId xmlns:a16="http://schemas.microsoft.com/office/drawing/2014/main" val="10000"/>
+                  </a:ext>
+                </a:extLst>
+              </a:tr>
+              <a:tr h="489844">
+                <a:tc>
+                  <a:txBody>
+                    <a:bodyPr/>
+                    <a:lstStyle/>
+                    <a:p>
+                      <a:pPr algn="l">
+                        <a:lnSpc>
+                          <a:spcPts val="1679"/>
+                        </a:lnSpc>
+                        <a:defRPr/>
+                      </a:pPr>
+                      <a:r>
+                        <a:rPr lang="en-US" sz="1200">
+                          <a:solidFill>
+                            <a:srgbClr val="000000"/>
+                          </a:solidFill>
+                          <a:latin typeface="Canva Sans"/>
+                          <a:ea typeface="Canva Sans"/>
+                          <a:cs typeface="Canva Sans"/>
+                          <a:sym typeface="Canva Sans"/>
+                        </a:rPr>
+                        <a:t>{best_taker_l}</a:t>
+                      </a:r>
+                      <a:endParaRPr lang="en-US" sz="1100"/>
+                    </a:p>
+                  </a:txBody>
+                  <a:tcPr marL="114300" marR="114300" marT="114300" marB="114300" anchor="ctr">
+                    <a:lnL w="19050" cap="flat" cmpd="sng" algn="ctr">
+                      <a:solidFill>
+                        <a:srgbClr val="000000"/>
+                      </a:solidFill>
+                      <a:prstDash val="solid"/>
+                      <a:round/>
+                      <a:headEnd type="none" w="med" len="med"/>
+                      <a:tailEnd type="none" w="med" len="med"/>
+                    </a:lnL>
+                    <a:lnR w="19050" cap="flat" cmpd="sng" algn="ctr">
+                      <a:solidFill>
+                        <a:srgbClr val="000000"/>
+                      </a:solidFill>
+                      <a:prstDash val="solid"/>
+                      <a:round/>
+                      <a:headEnd type="none" w="med" len="med"/>
+                      <a:tailEnd type="none" w="med" len="med"/>
+                    </a:lnR>
+                    <a:lnT w="19050" cap="flat" cmpd="sng" algn="ctr">
+                      <a:solidFill>
+                        <a:srgbClr val="000000"/>
+                      </a:solidFill>
+                      <a:prstDash val="solid"/>
+                      <a:round/>
+                      <a:headEnd type="none" w="med" len="med"/>
+                      <a:tailEnd type="none" w="med" len="med"/>
+                    </a:lnT>
+                    <a:lnB w="19050" cap="flat" cmpd="sng" algn="ctr">
+                      <a:solidFill>
+                        <a:srgbClr val="000000"/>
+                      </a:solidFill>
+                      <a:prstDash val="solid"/>
+                      <a:round/>
+                      <a:headEnd type="none" w="med" len="med"/>
+                      <a:tailEnd type="none" w="med" len="med"/>
+                    </a:lnB>
+                  </a:tcPr>
+                </a:tc>
+                <a:tc>
+                  <a:txBody>
+                    <a:bodyPr/>
+                    <a:lstStyle/>
+                    <a:p>
+                      <a:pPr algn="ctr">
+                        <a:lnSpc>
+                          <a:spcPts val="1679"/>
+                        </a:lnSpc>
+                        <a:defRPr/>
+                      </a:pPr>
+                      <a:r>
+                        <a:rPr lang="en-US" sz="1200">
+                          <a:solidFill>
+                            <a:srgbClr val="000000"/>
+                          </a:solidFill>
+                          <a:latin typeface="Canva Sans"/>
+                          <a:ea typeface="Canva Sans"/>
+                          <a:cs typeface="Canva Sans"/>
+                          <a:sym typeface="Canva Sans"/>
+                        </a:rPr>
+                        <a:t>{n_c_l1}</a:t>
+                      </a:r>
+                      <a:endParaRPr lang="en-US" sz="1100"/>
+                    </a:p>
+                  </a:txBody>
+                  <a:tcPr marL="114300" marR="114300" marT="114300" marB="114300" anchor="ctr">
+                    <a:lnL w="19050" cap="flat" cmpd="sng" algn="ctr">
+                      <a:solidFill>
+                        <a:srgbClr val="000000"/>
+                      </a:solidFill>
+                      <a:prstDash val="solid"/>
+                      <a:round/>
+                      <a:headEnd type="none" w="med" len="med"/>
+                      <a:tailEnd type="none" w="med" len="med"/>
+                    </a:lnL>
+                    <a:lnR w="19050" cap="flat" cmpd="sng" algn="ctr">
+                      <a:solidFill>
+                        <a:srgbClr val="000000"/>
+                      </a:solidFill>
+                      <a:prstDash val="solid"/>
+                      <a:round/>
+                      <a:headEnd type="none" w="med" len="med"/>
+                      <a:tailEnd type="none" w="med" len="med"/>
+                    </a:lnR>
+                    <a:lnT w="19050" cap="flat" cmpd="sng" algn="ctr">
+                      <a:solidFill>
+                        <a:srgbClr val="000000"/>
+                      </a:solidFill>
+                      <a:prstDash val="solid"/>
+                      <a:round/>
+                      <a:headEnd type="none" w="med" len="med"/>
+                      <a:tailEnd type="none" w="med" len="med"/>
+                    </a:lnT>
+                    <a:lnB w="19050" cap="flat" cmpd="sng" algn="ctr">
+                      <a:solidFill>
+                        <a:srgbClr val="000000"/>
+                      </a:solidFill>
+                      <a:prstDash val="solid"/>
+                      <a:round/>
+                      <a:headEnd type="none" w="med" len="med"/>
+                      <a:tailEnd type="none" w="med" len="med"/>
+                    </a:lnB>
+                  </a:tcPr>
+                </a:tc>
+                <a:tc>
+                  <a:txBody>
+                    <a:bodyPr/>
+                    <a:lstStyle/>
+                    <a:p>
+                      <a:pPr algn="ctr">
+                        <a:lnSpc>
+                          <a:spcPts val="1679"/>
+                        </a:lnSpc>
+                        <a:defRPr/>
+                      </a:pPr>
+                      <a:r>
+                        <a:rPr lang="en-US" sz="1200">
+                          <a:solidFill>
+                            <a:srgbClr val="000000"/>
+                          </a:solidFill>
+                          <a:latin typeface="Canva Sans"/>
+                          <a:ea typeface="Canva Sans"/>
+                          <a:cs typeface="Canva Sans"/>
+                          <a:sym typeface="Canva Sans"/>
+                        </a:rPr>
+                        <a:t>{cs_l1}</a:t>
+                      </a:r>
+                      <a:endParaRPr lang="en-US" sz="1100"/>
+                    </a:p>
+                  </a:txBody>
+                  <a:tcPr marL="114300" marR="114300" marT="114300" marB="114300" anchor="ctr">
+                    <a:lnL w="19050" cap="flat" cmpd="sng" algn="ctr">
+                      <a:solidFill>
+                        <a:srgbClr val="000000"/>
+                      </a:solidFill>
+                      <a:prstDash val="solid"/>
+                      <a:round/>
+                      <a:headEnd type="none" w="med" len="med"/>
+                      <a:tailEnd type="none" w="med" len="med"/>
+                    </a:lnL>
+                    <a:lnR w="19050" cap="flat" cmpd="sng" algn="ctr">
+                      <a:solidFill>
+                        <a:srgbClr val="000000"/>
+                      </a:solidFill>
+                      <a:prstDash val="solid"/>
+                      <a:round/>
+                      <a:headEnd type="none" w="med" len="med"/>
+                      <a:tailEnd type="none" w="med" len="med"/>
+                    </a:lnR>
+                    <a:lnT w="19050" cap="flat" cmpd="sng" algn="ctr">
+                      <a:solidFill>
+                        <a:srgbClr val="000000"/>
+                      </a:solidFill>
+                      <a:prstDash val="solid"/>
+                      <a:round/>
+                      <a:headEnd type="none" w="med" len="med"/>
+                      <a:tailEnd type="none" w="med" len="med"/>
+                    </a:lnT>
+                    <a:lnB w="19050" cap="flat" cmpd="sng" algn="ctr">
+                      <a:solidFill>
+                        <a:srgbClr val="000000"/>
+                      </a:solidFill>
+                      <a:prstDash val="solid"/>
+                      <a:round/>
+                      <a:headEnd type="none" w="med" len="med"/>
+                      <a:tailEnd type="none" w="med" len="med"/>
+                    </a:lnB>
+                  </a:tcPr>
+                </a:tc>
+                <a:tc>
+                  <a:txBody>
+                    <a:bodyPr/>
+                    <a:lstStyle/>
+                    <a:p>
+                      <a:pPr algn="ctr">
+                        <a:lnSpc>
+                          <a:spcPts val="1679"/>
+                        </a:lnSpc>
+                        <a:defRPr/>
+                      </a:pPr>
+                      <a:r>
+                        <a:rPr lang="en-US" sz="1200">
+                          <a:solidFill>
+                            <a:srgbClr val="000000"/>
+                          </a:solidFill>
+                          <a:latin typeface="Canva Sans"/>
+                          <a:ea typeface="Canva Sans"/>
+                          <a:cs typeface="Canva Sans"/>
+                          <a:sym typeface="Canva Sans"/>
+                        </a:rPr>
+                        <a:t>{1stc_l1}</a:t>
+                      </a:r>
+                      <a:endParaRPr lang="en-US" sz="1100"/>
+                    </a:p>
+                  </a:txBody>
+                  <a:tcPr marL="114300" marR="114300" marT="114300" marB="114300" anchor="ctr">
+                    <a:lnL w="19050" cap="flat" cmpd="sng" algn="ctr">
+                      <a:solidFill>
+                        <a:srgbClr val="000000"/>
+                      </a:solidFill>
+                      <a:prstDash val="solid"/>
+                      <a:round/>
+                      <a:headEnd type="none" w="med" len="med"/>
+                      <a:tailEnd type="none" w="med" len="med"/>
+                    </a:lnL>
+                    <a:lnR w="19050" cap="flat" cmpd="sng" algn="ctr">
+                      <a:solidFill>
+                        <a:srgbClr val="000000"/>
+                      </a:solidFill>
+                      <a:prstDash val="solid"/>
+                      <a:round/>
+                      <a:headEnd type="none" w="med" len="med"/>
+                      <a:tailEnd type="none" w="med" len="med"/>
+                    </a:lnR>
+                    <a:lnT w="19050" cap="flat" cmpd="sng" algn="ctr">
+                      <a:solidFill>
+                        <a:srgbClr val="000000"/>
+                      </a:solidFill>
+                      <a:prstDash val="solid"/>
+                      <a:round/>
+                      <a:headEnd type="none" w="med" len="med"/>
+                      <a:tailEnd type="none" w="med" len="med"/>
+                    </a:lnT>
+                    <a:lnB w="19050" cap="flat" cmpd="sng" algn="ctr">
+                      <a:solidFill>
+                        <a:srgbClr val="000000"/>
+                      </a:solidFill>
+                      <a:prstDash val="solid"/>
+                      <a:round/>
+                      <a:headEnd type="none" w="med" len="med"/>
+                      <a:tailEnd type="none" w="med" len="med"/>
+                    </a:lnB>
+                  </a:tcPr>
+                </a:tc>
+                <a:tc>
+                  <a:txBody>
+                    <a:bodyPr/>
+                    <a:lstStyle/>
+                    <a:p>
+                      <a:pPr algn="ctr">
+                        <a:lnSpc>
+                          <a:spcPts val="1679"/>
+                        </a:lnSpc>
+                        <a:defRPr/>
+                      </a:pPr>
+                      <a:r>
+                        <a:rPr lang="en-US" sz="1200">
+                          <a:solidFill>
+                            <a:srgbClr val="000000"/>
+                          </a:solidFill>
+                          <a:latin typeface="Canva Sans"/>
+                          <a:ea typeface="Canva Sans"/>
+                          <a:cs typeface="Canva Sans"/>
+                          <a:sym typeface="Canva Sans"/>
+                        </a:rPr>
+                        <a:t>{2ndc_l1}</a:t>
+                      </a:r>
+                      <a:endParaRPr lang="en-US" sz="1100"/>
+                    </a:p>
+                  </a:txBody>
+                  <a:tcPr marL="114300" marR="114300" marT="114300" marB="114300" anchor="ctr">
+                    <a:lnL w="19050" cap="flat" cmpd="sng" algn="ctr">
+                      <a:solidFill>
+                        <a:srgbClr val="000000"/>
+                      </a:solidFill>
+                      <a:prstDash val="solid"/>
+                      <a:round/>
+                      <a:headEnd type="none" w="med" len="med"/>
+                      <a:tailEnd type="none" w="med" len="med"/>
+                    </a:lnL>
+                    <a:lnR w="19050" cap="flat" cmpd="sng" algn="ctr">
+                      <a:solidFill>
+                        <a:srgbClr val="000000"/>
+                      </a:solidFill>
+                      <a:prstDash val="solid"/>
+                      <a:round/>
+                      <a:headEnd type="none" w="med" len="med"/>
+                      <a:tailEnd type="none" w="med" len="med"/>
+                    </a:lnR>
+                    <a:lnT w="19050" cap="flat" cmpd="sng" algn="ctr">
+                      <a:solidFill>
+                        <a:srgbClr val="000000"/>
+                      </a:solidFill>
+                      <a:prstDash val="solid"/>
+                      <a:round/>
+                      <a:headEnd type="none" w="med" len="med"/>
+                      <a:tailEnd type="none" w="med" len="med"/>
+                    </a:lnT>
+                    <a:lnB w="19050" cap="flat" cmpd="sng" algn="ctr">
+                      <a:solidFill>
+                        <a:srgbClr val="000000"/>
+                      </a:solidFill>
+                      <a:prstDash val="solid"/>
+                      <a:round/>
+                      <a:headEnd type="none" w="med" len="med"/>
+                      <a:tailEnd type="none" w="med" len="med"/>
+                    </a:lnB>
+                  </a:tcPr>
+                </a:tc>
+                <a:extLst>
+                  <a:ext uri="{0D108BD9-81ED-4DB2-BD59-A6C34878D82A}">
+                    <a16:rowId xmlns:a16="http://schemas.microsoft.com/office/drawing/2014/main" val="10001"/>
+                  </a:ext>
+                </a:extLst>
+              </a:tr>
+              <a:tr h="563684">
+                <a:tc>
+                  <a:txBody>
+                    <a:bodyPr/>
+                    <a:lstStyle/>
+                    <a:p>
+                      <a:pPr algn="l">
+                        <a:lnSpc>
+                          <a:spcPts val="1679"/>
+                        </a:lnSpc>
+                        <a:defRPr/>
+                      </a:pPr>
+                      <a:r>
+                        <a:rPr lang="en-US" sz="1200">
+                          <a:solidFill>
+                            <a:srgbClr val="000000"/>
+                          </a:solidFill>
+                          <a:latin typeface="Canva Sans"/>
+                          <a:ea typeface="Canva Sans"/>
+                          <a:cs typeface="Canva Sans"/>
+                          <a:sym typeface="Canva Sans"/>
+                        </a:rPr>
+                        <a:t>{second_best_taker_l}</a:t>
+                      </a:r>
+                      <a:endParaRPr lang="en-US" sz="1100"/>
+                    </a:p>
+                  </a:txBody>
+                  <a:tcPr marL="114300" marR="114300" marT="114300" marB="114300" anchor="ctr">
+                    <a:lnL w="19050" cap="flat" cmpd="sng" algn="ctr">
+                      <a:solidFill>
+                        <a:srgbClr val="000000"/>
+                      </a:solidFill>
+                      <a:prstDash val="solid"/>
+                      <a:round/>
+                      <a:headEnd type="none" w="med" len="med"/>
+                      <a:tailEnd type="none" w="med" len="med"/>
+                    </a:lnL>
+                    <a:lnR w="19050" cap="flat" cmpd="sng" algn="ctr">
+                      <a:solidFill>
+                        <a:srgbClr val="000000"/>
+                      </a:solidFill>
+                      <a:prstDash val="solid"/>
+                      <a:round/>
+                      <a:headEnd type="none" w="med" len="med"/>
+                      <a:tailEnd type="none" w="med" len="med"/>
+                    </a:lnR>
+                    <a:lnT w="19050" cap="flat" cmpd="sng" algn="ctr">
+                      <a:solidFill>
+                        <a:srgbClr val="000000"/>
+                      </a:solidFill>
+                      <a:prstDash val="solid"/>
+                      <a:round/>
+                      <a:headEnd type="none" w="med" len="med"/>
+                      <a:tailEnd type="none" w="med" len="med"/>
+                    </a:lnT>
+                    <a:lnB w="19050" cap="flat" cmpd="sng" algn="ctr">
+                      <a:solidFill>
+                        <a:srgbClr val="000000"/>
+                      </a:solidFill>
+                      <a:prstDash val="solid"/>
+                      <a:round/>
+                      <a:headEnd type="none" w="med" len="med"/>
+                      <a:tailEnd type="none" w="med" len="med"/>
+                    </a:lnB>
+                  </a:tcPr>
+                </a:tc>
+                <a:tc>
+                  <a:txBody>
+                    <a:bodyPr/>
+                    <a:lstStyle/>
+                    <a:p>
+                      <a:pPr algn="ctr">
+                        <a:lnSpc>
+                          <a:spcPts val="1679"/>
+                        </a:lnSpc>
+                        <a:defRPr/>
+                      </a:pPr>
+                      <a:r>
+                        <a:rPr lang="en-US" sz="1200">
+                          <a:solidFill>
+                            <a:srgbClr val="000000"/>
+                          </a:solidFill>
+                          <a:latin typeface="Arimo"/>
+                          <a:ea typeface="Arimo"/>
+                          <a:cs typeface="Arimo"/>
+                          <a:sym typeface="Arimo"/>
+                        </a:rPr>
+                        <a:t>{n_c_l2}</a:t>
+                      </a:r>
+                      <a:endParaRPr lang="en-US" sz="1100"/>
+                    </a:p>
+                  </a:txBody>
+                  <a:tcPr marL="114300" marR="114300" marT="114300" marB="114300" anchor="ctr">
+                    <a:lnL w="19050" cap="flat" cmpd="sng" algn="ctr">
+                      <a:solidFill>
+                        <a:srgbClr val="000000"/>
+                      </a:solidFill>
+                      <a:prstDash val="solid"/>
+                      <a:round/>
+                      <a:headEnd type="none" w="med" len="med"/>
+                      <a:tailEnd type="none" w="med" len="med"/>
+                    </a:lnL>
+                    <a:lnR w="19050" cap="flat" cmpd="sng" algn="ctr">
+                      <a:solidFill>
+                        <a:srgbClr val="000000"/>
+                      </a:solidFill>
+                      <a:prstDash val="solid"/>
+                      <a:round/>
+                      <a:headEnd type="none" w="med" len="med"/>
+                      <a:tailEnd type="none" w="med" len="med"/>
+                    </a:lnR>
+                    <a:lnT w="19050" cap="flat" cmpd="sng" algn="ctr">
+                      <a:solidFill>
+                        <a:srgbClr val="000000"/>
+                      </a:solidFill>
+                      <a:prstDash val="solid"/>
+                      <a:round/>
+                      <a:headEnd type="none" w="med" len="med"/>
+                      <a:tailEnd type="none" w="med" len="med"/>
+                    </a:lnT>
+                    <a:lnB w="19050" cap="flat" cmpd="sng" algn="ctr">
+                      <a:solidFill>
+                        <a:srgbClr val="000000"/>
+                      </a:solidFill>
+                      <a:prstDash val="solid"/>
+                      <a:round/>
+                      <a:headEnd type="none" w="med" len="med"/>
+                      <a:tailEnd type="none" w="med" len="med"/>
+                    </a:lnB>
+                  </a:tcPr>
+                </a:tc>
+                <a:tc>
+                  <a:txBody>
+                    <a:bodyPr/>
+                    <a:lstStyle/>
+                    <a:p>
+                      <a:pPr algn="ctr">
+                        <a:lnSpc>
+                          <a:spcPts val="1679"/>
+                        </a:lnSpc>
+                        <a:defRPr/>
+                      </a:pPr>
+                      <a:r>
+                        <a:rPr lang="en-US" sz="1200">
+                          <a:solidFill>
+                            <a:srgbClr val="000000"/>
+                          </a:solidFill>
+                          <a:latin typeface="Canva Sans"/>
+                          <a:ea typeface="Canva Sans"/>
+                          <a:cs typeface="Canva Sans"/>
+                          <a:sym typeface="Canva Sans"/>
+                        </a:rPr>
+                        <a:t>{cs_l2}</a:t>
+                      </a:r>
+                      <a:endParaRPr lang="en-US" sz="1100"/>
+                    </a:p>
+                  </a:txBody>
+                  <a:tcPr marL="114300" marR="114300" marT="114300" marB="114300" anchor="ctr">
+                    <a:lnL w="19050" cap="flat" cmpd="sng" algn="ctr">
+                      <a:solidFill>
+                        <a:srgbClr val="000000"/>
+                      </a:solidFill>
+                      <a:prstDash val="solid"/>
+                      <a:round/>
+                      <a:headEnd type="none" w="med" len="med"/>
+                      <a:tailEnd type="none" w="med" len="med"/>
+                    </a:lnL>
+                    <a:lnR w="19050" cap="flat" cmpd="sng" algn="ctr">
+                      <a:solidFill>
+                        <a:srgbClr val="000000"/>
+                      </a:solidFill>
+                      <a:prstDash val="solid"/>
+                      <a:round/>
+                      <a:headEnd type="none" w="med" len="med"/>
+                      <a:tailEnd type="none" w="med" len="med"/>
+                    </a:lnR>
+                    <a:lnT w="19050" cap="flat" cmpd="sng" algn="ctr">
+                      <a:solidFill>
+                        <a:srgbClr val="000000"/>
+                      </a:solidFill>
+                      <a:prstDash val="solid"/>
+                      <a:round/>
+                      <a:headEnd type="none" w="med" len="med"/>
+                      <a:tailEnd type="none" w="med" len="med"/>
+                    </a:lnT>
+                    <a:lnB w="19050" cap="flat" cmpd="sng" algn="ctr">
+                      <a:solidFill>
+                        <a:srgbClr val="000000"/>
+                      </a:solidFill>
+                      <a:prstDash val="solid"/>
+                      <a:round/>
+                      <a:headEnd type="none" w="med" len="med"/>
+                      <a:tailEnd type="none" w="med" len="med"/>
+                    </a:lnB>
+                  </a:tcPr>
+                </a:tc>
+                <a:tc>
+                  <a:txBody>
+                    <a:bodyPr/>
+                    <a:lstStyle/>
+                    <a:p>
+                      <a:pPr algn="ctr">
+                        <a:lnSpc>
+                          <a:spcPts val="1679"/>
+                        </a:lnSpc>
+                        <a:defRPr/>
+                      </a:pPr>
+                      <a:r>
+                        <a:rPr lang="en-US" sz="1200">
+                          <a:solidFill>
+                            <a:srgbClr val="000000"/>
+                          </a:solidFill>
+                          <a:latin typeface="Canva Sans"/>
+                          <a:ea typeface="Canva Sans"/>
+                          <a:cs typeface="Canva Sans"/>
+                          <a:sym typeface="Canva Sans"/>
+                        </a:rPr>
+                        <a:t>{1stc_l2}</a:t>
+                      </a:r>
+                      <a:endParaRPr lang="en-US" sz="1100"/>
+                    </a:p>
+                  </a:txBody>
+                  <a:tcPr marL="114300" marR="114300" marT="114300" marB="114300" anchor="ctr">
+                    <a:lnL w="19050" cap="flat" cmpd="sng" algn="ctr">
+                      <a:solidFill>
+                        <a:srgbClr val="000000"/>
+                      </a:solidFill>
+                      <a:prstDash val="solid"/>
+                      <a:round/>
+                      <a:headEnd type="none" w="med" len="med"/>
+                      <a:tailEnd type="none" w="med" len="med"/>
+                    </a:lnL>
+                    <a:lnR w="19050" cap="flat" cmpd="sng" algn="ctr">
+                      <a:solidFill>
+                        <a:srgbClr val="000000"/>
+                      </a:solidFill>
+                      <a:prstDash val="solid"/>
+                      <a:round/>
+                      <a:headEnd type="none" w="med" len="med"/>
+                      <a:tailEnd type="none" w="med" len="med"/>
+                    </a:lnR>
+                    <a:lnT w="19050" cap="flat" cmpd="sng" algn="ctr">
+                      <a:solidFill>
+                        <a:srgbClr val="000000"/>
+                      </a:solidFill>
+                      <a:prstDash val="solid"/>
+                      <a:round/>
+                      <a:headEnd type="none" w="med" len="med"/>
+                      <a:tailEnd type="none" w="med" len="med"/>
+                    </a:lnT>
+                    <a:lnB w="19050" cap="flat" cmpd="sng" algn="ctr">
+                      <a:solidFill>
+                        <a:srgbClr val="000000"/>
+                      </a:solidFill>
+                      <a:prstDash val="solid"/>
+                      <a:round/>
+                      <a:headEnd type="none" w="med" len="med"/>
+                      <a:tailEnd type="none" w="med" len="med"/>
+                    </a:lnB>
+                  </a:tcPr>
+                </a:tc>
+                <a:tc>
+                  <a:txBody>
+                    <a:bodyPr/>
+                    <a:lstStyle/>
+                    <a:p>
+                      <a:pPr algn="ctr">
+                        <a:lnSpc>
+                          <a:spcPts val="1679"/>
+                        </a:lnSpc>
+                        <a:defRPr/>
+                      </a:pPr>
+                      <a:r>
+                        <a:rPr lang="en-US" sz="1200">
+                          <a:solidFill>
+                            <a:srgbClr val="000000"/>
+                          </a:solidFill>
+                          <a:latin typeface="Canva Sans"/>
+                          <a:ea typeface="Canva Sans"/>
+                          <a:cs typeface="Canva Sans"/>
+                          <a:sym typeface="Canva Sans"/>
+                        </a:rPr>
+                        <a:t>{2ndc_l2}</a:t>
+                      </a:r>
+                      <a:endParaRPr lang="en-US" sz="1100"/>
+                    </a:p>
+                  </a:txBody>
+                  <a:tcPr marL="114300" marR="114300" marT="114300" marB="114300" anchor="ctr">
+                    <a:lnL w="19050" cap="flat" cmpd="sng" algn="ctr">
+                      <a:solidFill>
+                        <a:srgbClr val="000000"/>
+                      </a:solidFill>
+                      <a:prstDash val="solid"/>
+                      <a:round/>
+                      <a:headEnd type="none" w="med" len="med"/>
+                      <a:tailEnd type="none" w="med" len="med"/>
+                    </a:lnL>
+                    <a:lnR w="19050" cap="flat" cmpd="sng" algn="ctr">
+                      <a:solidFill>
+                        <a:srgbClr val="000000"/>
+                      </a:solidFill>
+                      <a:prstDash val="solid"/>
+                      <a:round/>
+                      <a:headEnd type="none" w="med" len="med"/>
+                      <a:tailEnd type="none" w="med" len="med"/>
+                    </a:lnR>
+                    <a:lnT w="19050" cap="flat" cmpd="sng" algn="ctr">
+                      <a:solidFill>
+                        <a:srgbClr val="000000"/>
+                      </a:solidFill>
+                      <a:prstDash val="solid"/>
+                      <a:round/>
+                      <a:headEnd type="none" w="med" len="med"/>
+                      <a:tailEnd type="none" w="med" len="med"/>
+                    </a:lnT>
+                    <a:lnB w="19050" cap="flat" cmpd="sng" algn="ctr">
+                      <a:solidFill>
+                        <a:srgbClr val="000000"/>
+                      </a:solidFill>
+                      <a:prstDash val="solid"/>
+                      <a:round/>
+                      <a:headEnd type="none" w="med" len="med"/>
+                      <a:tailEnd type="none" w="med" len="med"/>
+                    </a:lnB>
+                  </a:tcPr>
+                </a:tc>
+                <a:extLst>
+                  <a:ext uri="{0D108BD9-81ED-4DB2-BD59-A6C34878D82A}">
+                    <a16:rowId xmlns:a16="http://schemas.microsoft.com/office/drawing/2014/main" val="10002"/>
+                  </a:ext>
+                </a:extLst>
+              </a:tr>
+              <a:tr h="538522">
+                <a:tc>
+                  <a:txBody>
+                    <a:bodyPr/>
+                    <a:lstStyle/>
+                    <a:p>
+                      <a:pPr algn="l">
+                        <a:lnSpc>
+                          <a:spcPts val="1679"/>
+                        </a:lnSpc>
+                        <a:defRPr/>
+                      </a:pPr>
+                      <a:r>
+                        <a:rPr lang="en-US" sz="1200">
+                          <a:solidFill>
+                            <a:srgbClr val="000000"/>
+                          </a:solidFill>
+                          <a:latin typeface="Arimo"/>
+                          <a:ea typeface="Arimo"/>
+                          <a:cs typeface="Arimo"/>
+                          <a:sym typeface="Arimo"/>
+                        </a:rPr>
+                        <a:t>{third_best_taker_l}</a:t>
+                      </a:r>
+                      <a:endParaRPr lang="en-US" sz="1100"/>
+                    </a:p>
+                  </a:txBody>
+                  <a:tcPr marL="114300" marR="114300" marT="114300" marB="114300" anchor="ctr">
+                    <a:lnL w="19050" cap="flat" cmpd="sng" algn="ctr">
+                      <a:solidFill>
+                        <a:srgbClr val="000000"/>
+                      </a:solidFill>
+                      <a:prstDash val="solid"/>
+                      <a:round/>
+                      <a:headEnd type="none" w="med" len="med"/>
+                      <a:tailEnd type="none" w="med" len="med"/>
+                    </a:lnL>
+                    <a:lnR w="19050" cap="flat" cmpd="sng" algn="ctr">
+                      <a:solidFill>
+                        <a:srgbClr val="000000"/>
+                      </a:solidFill>
+                      <a:prstDash val="solid"/>
+                      <a:round/>
+                      <a:headEnd type="none" w="med" len="med"/>
+                      <a:tailEnd type="none" w="med" len="med"/>
+                    </a:lnR>
+                    <a:lnT w="19050" cap="flat" cmpd="sng" algn="ctr">
+                      <a:solidFill>
+                        <a:srgbClr val="000000"/>
+                      </a:solidFill>
+                      <a:prstDash val="solid"/>
+                      <a:round/>
+                      <a:headEnd type="none" w="med" len="med"/>
+                      <a:tailEnd type="none" w="med" len="med"/>
+                    </a:lnT>
+                    <a:lnB w="19050" cap="flat" cmpd="sng" algn="ctr">
+                      <a:solidFill>
+                        <a:srgbClr val="000000"/>
+                      </a:solidFill>
+                      <a:prstDash val="solid"/>
+                      <a:round/>
+                      <a:headEnd type="none" w="med" len="med"/>
+                      <a:tailEnd type="none" w="med" len="med"/>
+                    </a:lnB>
+                  </a:tcPr>
+                </a:tc>
+                <a:tc>
+                  <a:txBody>
+                    <a:bodyPr/>
+                    <a:lstStyle/>
+                    <a:p>
+                      <a:pPr algn="ctr">
+                        <a:lnSpc>
+                          <a:spcPts val="1679"/>
+                        </a:lnSpc>
+                        <a:defRPr/>
+                      </a:pPr>
+                      <a:r>
+                        <a:rPr lang="en-US" sz="1200">
+                          <a:solidFill>
+                            <a:srgbClr val="000000"/>
+                          </a:solidFill>
+                          <a:latin typeface="Arimo"/>
+                          <a:ea typeface="Arimo"/>
+                          <a:cs typeface="Arimo"/>
+                          <a:sym typeface="Arimo"/>
+                        </a:rPr>
+                        <a:t>{n_c_l3}</a:t>
+                      </a:r>
+                      <a:endParaRPr lang="en-US" sz="1100"/>
+                    </a:p>
+                  </a:txBody>
+                  <a:tcPr marL="114300" marR="114300" marT="114300" marB="114300" anchor="ctr">
+                    <a:lnL w="19050" cap="flat" cmpd="sng" algn="ctr">
+                      <a:solidFill>
+                        <a:srgbClr val="000000"/>
+                      </a:solidFill>
+                      <a:prstDash val="solid"/>
+                      <a:round/>
+                      <a:headEnd type="none" w="med" len="med"/>
+                      <a:tailEnd type="none" w="med" len="med"/>
+                    </a:lnL>
+                    <a:lnR w="19050" cap="flat" cmpd="sng" algn="ctr">
+                      <a:solidFill>
+                        <a:srgbClr val="000000"/>
+                      </a:solidFill>
+                      <a:prstDash val="solid"/>
+                      <a:round/>
+                      <a:headEnd type="none" w="med" len="med"/>
+                      <a:tailEnd type="none" w="med" len="med"/>
+                    </a:lnR>
+                    <a:lnT w="19050" cap="flat" cmpd="sng" algn="ctr">
+                      <a:solidFill>
+                        <a:srgbClr val="000000"/>
+                      </a:solidFill>
+                      <a:prstDash val="solid"/>
+                      <a:round/>
+                      <a:headEnd type="none" w="med" len="med"/>
+                      <a:tailEnd type="none" w="med" len="med"/>
+                    </a:lnT>
+                    <a:lnB w="19050" cap="flat" cmpd="sng" algn="ctr">
+                      <a:solidFill>
+                        <a:srgbClr val="000000"/>
+                      </a:solidFill>
+                      <a:prstDash val="solid"/>
+                      <a:round/>
+                      <a:headEnd type="none" w="med" len="med"/>
+                      <a:tailEnd type="none" w="med" len="med"/>
+                    </a:lnB>
+                  </a:tcPr>
+                </a:tc>
+                <a:tc>
+                  <a:txBody>
+                    <a:bodyPr/>
+                    <a:lstStyle/>
+                    <a:p>
+                      <a:pPr algn="ctr">
+                        <a:lnSpc>
+                          <a:spcPts val="1679"/>
+                        </a:lnSpc>
+                        <a:defRPr/>
+                      </a:pPr>
+                      <a:r>
+                        <a:rPr lang="en-US" sz="1200">
+                          <a:solidFill>
+                            <a:srgbClr val="000000"/>
+                          </a:solidFill>
+                          <a:latin typeface="Canva Sans"/>
+                          <a:ea typeface="Canva Sans"/>
+                          <a:cs typeface="Canva Sans"/>
+                          <a:sym typeface="Canva Sans"/>
+                        </a:rPr>
+                        <a:t>{cs_l3}</a:t>
+                      </a:r>
+                      <a:endParaRPr lang="en-US" sz="1100"/>
+                    </a:p>
+                  </a:txBody>
+                  <a:tcPr marL="114300" marR="114300" marT="114300" marB="114300" anchor="ctr">
+                    <a:lnL w="19050" cap="flat" cmpd="sng" algn="ctr">
+                      <a:solidFill>
+                        <a:srgbClr val="000000"/>
+                      </a:solidFill>
+                      <a:prstDash val="solid"/>
+                      <a:round/>
+                      <a:headEnd type="none" w="med" len="med"/>
+                      <a:tailEnd type="none" w="med" len="med"/>
+                    </a:lnL>
+                    <a:lnR w="19050" cap="flat" cmpd="sng" algn="ctr">
+                      <a:solidFill>
+                        <a:srgbClr val="000000"/>
+                      </a:solidFill>
+                      <a:prstDash val="solid"/>
+                      <a:round/>
+                      <a:headEnd type="none" w="med" len="med"/>
+                      <a:tailEnd type="none" w="med" len="med"/>
+                    </a:lnR>
+                    <a:lnT w="19050" cap="flat" cmpd="sng" algn="ctr">
+                      <a:solidFill>
+                        <a:srgbClr val="000000"/>
+                      </a:solidFill>
+                      <a:prstDash val="solid"/>
+                      <a:round/>
+                      <a:headEnd type="none" w="med" len="med"/>
+                      <a:tailEnd type="none" w="med" len="med"/>
+                    </a:lnT>
+                    <a:lnB w="19050" cap="flat" cmpd="sng" algn="ctr">
+                      <a:solidFill>
+                        <a:srgbClr val="000000"/>
+                      </a:solidFill>
+                      <a:prstDash val="solid"/>
+                      <a:round/>
+                      <a:headEnd type="none" w="med" len="med"/>
+                      <a:tailEnd type="none" w="med" len="med"/>
+                    </a:lnB>
+                  </a:tcPr>
+                </a:tc>
+                <a:tc>
+                  <a:txBody>
+                    <a:bodyPr/>
+                    <a:lstStyle/>
+                    <a:p>
+                      <a:pPr algn="ctr">
+                        <a:lnSpc>
+                          <a:spcPts val="1679"/>
+                        </a:lnSpc>
+                        <a:defRPr/>
+                      </a:pPr>
+                      <a:r>
+                        <a:rPr lang="en-US" sz="1200">
+                          <a:solidFill>
+                            <a:srgbClr val="000000"/>
+                          </a:solidFill>
+                          <a:latin typeface="Canva Sans"/>
+                          <a:ea typeface="Canva Sans"/>
+                          <a:cs typeface="Canva Sans"/>
+                          <a:sym typeface="Canva Sans"/>
+                        </a:rPr>
+                        <a:t>{1stc_l3}</a:t>
+                      </a:r>
+                      <a:endParaRPr lang="en-US" sz="1100"/>
+                    </a:p>
+                  </a:txBody>
+                  <a:tcPr marL="114300" marR="114300" marT="114300" marB="114300" anchor="ctr">
+                    <a:lnL w="19050" cap="flat" cmpd="sng" algn="ctr">
+                      <a:solidFill>
+                        <a:srgbClr val="000000"/>
+                      </a:solidFill>
+                      <a:prstDash val="solid"/>
+                      <a:round/>
+                      <a:headEnd type="none" w="med" len="med"/>
+                      <a:tailEnd type="none" w="med" len="med"/>
+                    </a:lnL>
+                    <a:lnR w="19050" cap="flat" cmpd="sng" algn="ctr">
+                      <a:solidFill>
+                        <a:srgbClr val="000000"/>
+                      </a:solidFill>
+                      <a:prstDash val="solid"/>
+                      <a:round/>
+                      <a:headEnd type="none" w="med" len="med"/>
+                      <a:tailEnd type="none" w="med" len="med"/>
+                    </a:lnR>
+                    <a:lnT w="19050" cap="flat" cmpd="sng" algn="ctr">
+                      <a:solidFill>
+                        <a:srgbClr val="000000"/>
+                      </a:solidFill>
+                      <a:prstDash val="solid"/>
+                      <a:round/>
+                      <a:headEnd type="none" w="med" len="med"/>
+                      <a:tailEnd type="none" w="med" len="med"/>
+                    </a:lnT>
+                    <a:lnB w="19050" cap="flat" cmpd="sng" algn="ctr">
+                      <a:solidFill>
+                        <a:srgbClr val="000000"/>
+                      </a:solidFill>
+                      <a:prstDash val="solid"/>
+                      <a:round/>
+                      <a:headEnd type="none" w="med" len="med"/>
+                      <a:tailEnd type="none" w="med" len="med"/>
+                    </a:lnB>
+                  </a:tcPr>
+                </a:tc>
+                <a:tc>
+                  <a:txBody>
+                    <a:bodyPr/>
+                    <a:lstStyle/>
+                    <a:p>
+                      <a:pPr algn="ctr">
+                        <a:lnSpc>
+                          <a:spcPts val="1679"/>
+                        </a:lnSpc>
+                        <a:defRPr/>
+                      </a:pPr>
+                      <a:r>
+                        <a:rPr lang="en-US" sz="1200">
+                          <a:solidFill>
+                            <a:srgbClr val="000000"/>
+                          </a:solidFill>
+                          <a:latin typeface="Canva Sans"/>
+                          <a:ea typeface="Canva Sans"/>
+                          <a:cs typeface="Canva Sans"/>
+                          <a:sym typeface="Canva Sans"/>
+                        </a:rPr>
+                        <a:t>{2ndc_l3}</a:t>
+                      </a:r>
+                      <a:endParaRPr lang="en-US" sz="1100"/>
+                    </a:p>
+                  </a:txBody>
+                  <a:tcPr marL="114300" marR="114300" marT="114300" marB="114300" anchor="ctr">
+                    <a:lnL w="19050" cap="flat" cmpd="sng" algn="ctr">
+                      <a:solidFill>
+                        <a:srgbClr val="000000"/>
+                      </a:solidFill>
+                      <a:prstDash val="solid"/>
+                      <a:round/>
+                      <a:headEnd type="none" w="med" len="med"/>
+                      <a:tailEnd type="none" w="med" len="med"/>
+                    </a:lnL>
+                    <a:lnR w="19050" cap="flat" cmpd="sng" algn="ctr">
+                      <a:solidFill>
+                        <a:srgbClr val="000000"/>
+                      </a:solidFill>
+                      <a:prstDash val="solid"/>
+                      <a:round/>
+                      <a:headEnd type="none" w="med" len="med"/>
+                      <a:tailEnd type="none" w="med" len="med"/>
+                    </a:lnR>
+                    <a:lnT w="19050" cap="flat" cmpd="sng" algn="ctr">
+                      <a:solidFill>
+                        <a:srgbClr val="000000"/>
+                      </a:solidFill>
+                      <a:prstDash val="solid"/>
+                      <a:round/>
+                      <a:headEnd type="none" w="med" len="med"/>
+                      <a:tailEnd type="none" w="med" len="med"/>
+                    </a:lnT>
+                    <a:lnB w="19050" cap="flat" cmpd="sng" algn="ctr">
+                      <a:solidFill>
+                        <a:srgbClr val="000000"/>
+                      </a:solidFill>
+                      <a:prstDash val="solid"/>
+                      <a:round/>
+                      <a:headEnd type="none" w="med" len="med"/>
+                      <a:tailEnd type="none" w="med" len="med"/>
+                    </a:lnB>
+                  </a:tcPr>
+                </a:tc>
+                <a:extLst>
+                  <a:ext uri="{0D108BD9-81ED-4DB2-BD59-A6C34878D82A}">
+                    <a16:rowId xmlns:a16="http://schemas.microsoft.com/office/drawing/2014/main" val="10003"/>
+                  </a:ext>
+                </a:extLst>
+              </a:tr>
+            </a:tbl>
+          </a:graphicData>
+        </a:graphic>
+      </p:graphicFrame>
+      <p:sp>
+        <p:nvSpPr>
+          <p:cNvPr id="60" name="TextBox 20"/>
+          <p:cNvSpPr txBox="1"/>
+          <p:nvPr/>
+        </p:nvSpPr>
+        <p:spPr>
+          <a:xfrm>
+            <a:off x="1612169" y="1184402"/>
+            <a:ext cx="4332162" cy="322589"/>
+          </a:xfrm>
+          <a:prstGeom prst="rect">
+            <a:avLst/>
+          </a:prstGeom>
+        </p:spPr>
+        <p:txBody>
+          <a:bodyPr wrap="square" lIns="0" tIns="0" rIns="0" bIns="0" rtlCol="0" anchor="t">
+            <a:spAutoFit/>
+          </a:bodyPr>
+          <a:lstStyle/>
+          <a:p>
+            <a:pPr algn="ctr">
+              <a:lnSpc>
+                <a:spcPts val="2659"/>
+              </a:lnSpc>
+              <a:spcBef>
+                <a:spcPct val="0"/>
+              </a:spcBef>
+            </a:pPr>
+            <a:r>
+              <a:rPr lang="en-US" sz="1899" b="1">
+                <a:solidFill>
+                  <a:srgbClr val="000000"/>
+                </a:solidFill>
+                <a:latin typeface="Canva Sans Bold"/>
+                <a:ea typeface="Canva Sans Bold"/>
+                <a:cs typeface="Canva Sans Bold"/>
+                <a:sym typeface="Canva Sans Bold"/>
+              </a:rPr>
+              <a:t>CORNER TAKERS (LEFT)</a:t>
+            </a:r>
           </a:p>
         </p:txBody>
       </p:sp>

--- a/template_opp_analysis.pptx
+++ b/template_opp_analysis.pptx
@@ -6259,14 +6259,14 @@
       </p:grpSp>
       <p:graphicFrame>
         <p:nvGraphicFramePr>
-          <p:cNvPr id="10" name="Table 10"/>
+          <p:cNvPr id="10" name="PH_takers_right"/>
           <p:cNvGraphicFramePr>
             <a:graphicFrameLocks noGrp="1"/>
           </p:cNvGraphicFramePr>
           <p:nvPr>
             <p:extLst>
               <p:ext uri="{D42A27DB-BD31-4B8C-83A1-F6EECF244321}">
-                <p14:modId xmlns:p14="http://schemas.microsoft.com/office/powerpoint/2010/main" val="2725226565"/>
+                <p14:modId xmlns:p14="http://schemas.microsoft.com/office/powerpoint/2010/main" val="3182646294"/>
               </p:ext>
             </p:extLst>
           </p:nvPr>
@@ -8609,14 +8609,14 @@
       </p:sp>
       <p:graphicFrame>
         <p:nvGraphicFramePr>
-          <p:cNvPr id="59" name="Table 5"/>
+          <p:cNvPr id="59" name="PH_takers_left"/>
           <p:cNvGraphicFramePr>
             <a:graphicFrameLocks noGrp="1"/>
           </p:cNvGraphicFramePr>
           <p:nvPr>
             <p:extLst>
               <p:ext uri="{D42A27DB-BD31-4B8C-83A1-F6EECF244321}">
-                <p14:modId xmlns:p14="http://schemas.microsoft.com/office/powerpoint/2010/main" val="2465298860"/>
+                <p14:modId xmlns:p14="http://schemas.microsoft.com/office/powerpoint/2010/main" val="2678037110"/>
               </p:ext>
             </p:extLst>
           </p:nvPr>

--- a/template_opp_analysis.pptx
+++ b/template_opp_analysis.pptx
@@ -4714,187 +4714,6 @@
           </a:p>
         </p:txBody>
       </p:sp>
-      <p:sp>
-        <p:nvSpPr>
-          <p:cNvPr id="52" name="Rectangle 51">
-            <a:extLst>
-              <a:ext uri="{FF2B5EF4-FFF2-40B4-BE49-F238E27FC236}">
-                <a16:creationId xmlns:a16="http://schemas.microsoft.com/office/drawing/2014/main" id="{CF348ACE-F594-DA11-C9ED-DC818C8DE117}"/>
-              </a:ext>
-            </a:extLst>
-          </p:cNvPr>
-          <p:cNvSpPr/>
-          <p:nvPr/>
-        </p:nvSpPr>
-        <p:spPr>
-          <a:xfrm>
-            <a:off x="3859452" y="4335681"/>
-            <a:ext cx="3366347" cy="1600200"/>
-          </a:xfrm>
-          <a:prstGeom prst="rect">
-            <a:avLst/>
-          </a:prstGeom>
-          <a:noFill/>
-          <a:ln>
-            <a:solidFill>
-              <a:schemeClr val="tx2">
-                <a:lumMod val="50000"/>
-              </a:schemeClr>
-            </a:solidFill>
-          </a:ln>
-          <a:effectLst>
-            <a:glow rad="63500">
-              <a:schemeClr val="tx2">
-                <a:lumMod val="50000"/>
-                <a:alpha val="40000"/>
-              </a:schemeClr>
-            </a:glow>
-            <a:outerShdw blurRad="152400" dist="317500" dir="5400000" sx="90000" sy="-19000" rotWithShape="0">
-              <a:prstClr val="black">
-                <a:alpha val="15000"/>
-              </a:prstClr>
-            </a:outerShdw>
-          </a:effectLst>
-        </p:spPr>
-        <p:style>
-          <a:lnRef idx="2">
-            <a:schemeClr val="dk1"/>
-          </a:lnRef>
-          <a:fillRef idx="1">
-            <a:schemeClr val="lt1"/>
-          </a:fillRef>
-          <a:effectRef idx="0">
-            <a:schemeClr val="dk1"/>
-          </a:effectRef>
-          <a:fontRef idx="minor">
-            <a:schemeClr val="dk1"/>
-          </a:fontRef>
-        </p:style>
-        <p:txBody>
-          <a:bodyPr rot="0" spcFirstLastPara="1" vertOverflow="overflow" horzOverflow="overflow" vert="horz" wrap="square" lIns="45719" tIns="45719" rIns="45719" bIns="45719" numCol="1" spcCol="38100" rtlCol="0" anchor="ctr">
-            <a:spAutoFit/>
-          </a:bodyPr>
-          <a:lstStyle/>
-          <a:p>
-            <a:pPr marL="0" marR="0" indent="0" algn="l" defTabSz="457200" rtl="0" fontAlgn="auto" latinLnBrk="0" hangingPunct="0">
-              <a:lnSpc>
-                <a:spcPct val="100000"/>
-              </a:lnSpc>
-              <a:spcBef>
-                <a:spcPts val="0"/>
-              </a:spcBef>
-              <a:spcAft>
-                <a:spcPts val="0"/>
-              </a:spcAft>
-              <a:buClrTx/>
-              <a:buSzTx/>
-              <a:buFontTx/>
-              <a:buNone/>
-              <a:tabLst/>
-            </a:pPr>
-            <a:endParaRPr lang="nl-NL">
-              <a:ln>
-                <a:solidFill>
-                  <a:schemeClr val="tx1"/>
-                </a:solidFill>
-              </a:ln>
-            </a:endParaRPr>
-          </a:p>
-          <a:p>
-            <a:pPr marL="0" marR="0" indent="0" algn="l" defTabSz="457200" rtl="0" fontAlgn="auto" latinLnBrk="0" hangingPunct="0">
-              <a:lnSpc>
-                <a:spcPct val="100000"/>
-              </a:lnSpc>
-              <a:spcBef>
-                <a:spcPts val="0"/>
-              </a:spcBef>
-              <a:spcAft>
-                <a:spcPts val="0"/>
-              </a:spcAft>
-              <a:buClrTx/>
-              <a:buSzTx/>
-              <a:buFontTx/>
-              <a:buNone/>
-              <a:tabLst/>
-            </a:pPr>
-            <a:endParaRPr kumimoji="0" lang="nl-NL" sz="1800" b="0" i="0" u="none" strike="noStrike" cap="none" spc="0" normalizeH="0" baseline="0">
-              <a:ln>
-                <a:solidFill>
-                  <a:schemeClr val="tx1"/>
-                </a:solidFill>
-              </a:ln>
-              <a:solidFill>
-                <a:srgbClr val="000000"/>
-              </a:solidFill>
-              <a:effectLst/>
-              <a:uFillTx/>
-              <a:latin typeface="+mn-lt"/>
-              <a:ea typeface="+mn-ea"/>
-              <a:cs typeface="+mn-cs"/>
-              <a:sym typeface="Aptos"/>
-            </a:endParaRPr>
-          </a:p>
-          <a:p>
-            <a:pPr marL="0" marR="0" indent="0" algn="l" defTabSz="457200" rtl="0" fontAlgn="auto" latinLnBrk="0" hangingPunct="0">
-              <a:lnSpc>
-                <a:spcPct val="100000"/>
-              </a:lnSpc>
-              <a:spcBef>
-                <a:spcPts val="0"/>
-              </a:spcBef>
-              <a:spcAft>
-                <a:spcPts val="0"/>
-              </a:spcAft>
-              <a:buClrTx/>
-              <a:buSzTx/>
-              <a:buFontTx/>
-              <a:buNone/>
-              <a:tabLst/>
-            </a:pPr>
-            <a:endParaRPr lang="nl-NL">
-              <a:ln>
-                <a:solidFill>
-                  <a:schemeClr val="tx1"/>
-                </a:solidFill>
-              </a:ln>
-            </a:endParaRPr>
-          </a:p>
-          <a:p>
-            <a:pPr marL="0" marR="0" indent="0" algn="l" defTabSz="457200" rtl="0" fontAlgn="auto" latinLnBrk="0" hangingPunct="0">
-              <a:lnSpc>
-                <a:spcPct val="100000"/>
-              </a:lnSpc>
-              <a:spcBef>
-                <a:spcPts val="0"/>
-              </a:spcBef>
-              <a:spcAft>
-                <a:spcPts val="0"/>
-              </a:spcAft>
-              <a:buClrTx/>
-              <a:buSzTx/>
-              <a:buFontTx/>
-              <a:buNone/>
-              <a:tabLst/>
-            </a:pPr>
-            <a:endParaRPr kumimoji="0" lang="LID4096" sz="1800" b="0" i="0" u="none" strike="noStrike" cap="none" spc="0" normalizeH="0" baseline="0">
-              <a:ln>
-                <a:solidFill>
-                  <a:schemeClr val="tx1"/>
-                </a:solidFill>
-              </a:ln>
-              <a:solidFill>
-                <a:srgbClr val="000000"/>
-              </a:solidFill>
-              <a:effectLst/>
-              <a:uFillTx/>
-              <a:latin typeface="+mn-lt"/>
-              <a:ea typeface="+mn-ea"/>
-              <a:cs typeface="+mn-cs"/>
-              <a:sym typeface="Aptos"/>
-            </a:endParaRPr>
-          </a:p>
-        </p:txBody>
-      </p:sp>
       <p:grpSp>
         <p:nvGrpSpPr>
           <p:cNvPr id="57" name="Group 27">
@@ -5621,368 +5440,6 @@
               <a:t>{def_Corners_left_shots_vis}</a:t>
             </a:r>
           </a:p>
-          <a:p>
-            <a:pPr marL="0" marR="0" indent="0" algn="l" defTabSz="457200" rtl="0" fontAlgn="auto" latinLnBrk="0" hangingPunct="0">
-              <a:lnSpc>
-                <a:spcPct val="100000"/>
-              </a:lnSpc>
-              <a:spcBef>
-                <a:spcPts val="0"/>
-              </a:spcBef>
-              <a:spcAft>
-                <a:spcPts val="0"/>
-              </a:spcAft>
-              <a:buClrTx/>
-              <a:buSzTx/>
-              <a:buFontTx/>
-              <a:buNone/>
-              <a:tabLst/>
-            </a:pPr>
-            <a:endParaRPr lang="nl-NL">
-              <a:ln>
-                <a:solidFill>
-                  <a:schemeClr val="tx1"/>
-                </a:solidFill>
-              </a:ln>
-            </a:endParaRPr>
-          </a:p>
-          <a:p>
-            <a:pPr marL="0" marR="0" indent="0" algn="l" defTabSz="457200" rtl="0" fontAlgn="auto" latinLnBrk="0" hangingPunct="0">
-              <a:lnSpc>
-                <a:spcPct val="100000"/>
-              </a:lnSpc>
-              <a:spcBef>
-                <a:spcPts val="0"/>
-              </a:spcBef>
-              <a:spcAft>
-                <a:spcPts val="0"/>
-              </a:spcAft>
-              <a:buClrTx/>
-              <a:buSzTx/>
-              <a:buFontTx/>
-              <a:buNone/>
-              <a:tabLst/>
-            </a:pPr>
-            <a:endParaRPr kumimoji="0" lang="nl-NL" sz="1800" b="0" i="0" u="none" strike="noStrike" cap="none" spc="0" normalizeH="0" baseline="0">
-              <a:ln>
-                <a:solidFill>
-                  <a:schemeClr val="tx1"/>
-                </a:solidFill>
-              </a:ln>
-              <a:solidFill>
-                <a:srgbClr val="000000"/>
-              </a:solidFill>
-              <a:effectLst/>
-              <a:uFillTx/>
-              <a:latin typeface="+mn-lt"/>
-              <a:ea typeface="+mn-ea"/>
-              <a:cs typeface="+mn-cs"/>
-              <a:sym typeface="Aptos"/>
-            </a:endParaRPr>
-          </a:p>
-          <a:p>
-            <a:pPr marL="0" marR="0" indent="0" algn="l" defTabSz="457200" rtl="0" fontAlgn="auto" latinLnBrk="0" hangingPunct="0">
-              <a:lnSpc>
-                <a:spcPct val="100000"/>
-              </a:lnSpc>
-              <a:spcBef>
-                <a:spcPts val="0"/>
-              </a:spcBef>
-              <a:spcAft>
-                <a:spcPts val="0"/>
-              </a:spcAft>
-              <a:buClrTx/>
-              <a:buSzTx/>
-              <a:buFontTx/>
-              <a:buNone/>
-              <a:tabLst/>
-            </a:pPr>
-            <a:endParaRPr lang="nl-NL">
-              <a:ln>
-                <a:solidFill>
-                  <a:schemeClr val="tx1"/>
-                </a:solidFill>
-              </a:ln>
-            </a:endParaRPr>
-          </a:p>
-          <a:p>
-            <a:pPr marL="0" marR="0" indent="0" algn="l" defTabSz="457200" rtl="0" fontAlgn="auto" latinLnBrk="0" hangingPunct="0">
-              <a:lnSpc>
-                <a:spcPct val="100000"/>
-              </a:lnSpc>
-              <a:spcBef>
-                <a:spcPts val="0"/>
-              </a:spcBef>
-              <a:spcAft>
-                <a:spcPts val="0"/>
-              </a:spcAft>
-              <a:buClrTx/>
-              <a:buSzTx/>
-              <a:buFontTx/>
-              <a:buNone/>
-              <a:tabLst/>
-            </a:pPr>
-            <a:endParaRPr kumimoji="0" lang="LID4096" sz="1800" b="0" i="0" u="none" strike="noStrike" cap="none" spc="0" normalizeH="0" baseline="0">
-              <a:ln>
-                <a:solidFill>
-                  <a:schemeClr val="tx1"/>
-                </a:solidFill>
-              </a:ln>
-              <a:solidFill>
-                <a:srgbClr val="000000"/>
-              </a:solidFill>
-              <a:effectLst/>
-              <a:uFillTx/>
-              <a:latin typeface="+mn-lt"/>
-              <a:ea typeface="+mn-ea"/>
-              <a:cs typeface="+mn-cs"/>
-              <a:sym typeface="Aptos"/>
-            </a:endParaRPr>
-          </a:p>
-        </p:txBody>
-      </p:sp>
-      <p:sp>
-        <p:nvSpPr>
-          <p:cNvPr id="69" name="Rectangle 68">
-            <a:extLst>
-              <a:ext uri="{FF2B5EF4-FFF2-40B4-BE49-F238E27FC236}">
-                <a16:creationId xmlns:a16="http://schemas.microsoft.com/office/drawing/2014/main" id="{0A9D8194-6133-B07E-927F-AB299C1D7C82}"/>
-              </a:ext>
-            </a:extLst>
-          </p:cNvPr>
-          <p:cNvSpPr/>
-          <p:nvPr/>
-        </p:nvSpPr>
-        <p:spPr>
-          <a:xfrm>
-            <a:off x="318069" y="7902092"/>
-            <a:ext cx="3366347" cy="1600200"/>
-          </a:xfrm>
-          <a:prstGeom prst="rect">
-            <a:avLst/>
-          </a:prstGeom>
-          <a:noFill/>
-          <a:ln>
-            <a:solidFill>
-              <a:schemeClr val="tx2">
-                <a:lumMod val="50000"/>
-              </a:schemeClr>
-            </a:solidFill>
-          </a:ln>
-          <a:effectLst>
-            <a:glow rad="63500">
-              <a:schemeClr val="tx2">
-                <a:lumMod val="50000"/>
-                <a:alpha val="40000"/>
-              </a:schemeClr>
-            </a:glow>
-            <a:outerShdw blurRad="152400" dist="317500" dir="5400000" sx="90000" sy="-19000" rotWithShape="0">
-              <a:prstClr val="black">
-                <a:alpha val="15000"/>
-              </a:prstClr>
-            </a:outerShdw>
-          </a:effectLst>
-        </p:spPr>
-        <p:style>
-          <a:lnRef idx="2">
-            <a:schemeClr val="dk1"/>
-          </a:lnRef>
-          <a:fillRef idx="1">
-            <a:schemeClr val="lt1"/>
-          </a:fillRef>
-          <a:effectRef idx="0">
-            <a:schemeClr val="dk1"/>
-          </a:effectRef>
-          <a:fontRef idx="minor">
-            <a:schemeClr val="dk1"/>
-          </a:fontRef>
-        </p:style>
-        <p:txBody>
-          <a:bodyPr rot="0" spcFirstLastPara="1" vertOverflow="overflow" horzOverflow="overflow" vert="horz" wrap="square" lIns="45719" tIns="45719" rIns="45719" bIns="45719" numCol="1" spcCol="38100" rtlCol="0" anchor="ctr">
-            <a:spAutoFit/>
-          </a:bodyPr>
-          <a:lstStyle/>
-          <a:p>
-            <a:pPr marL="0" marR="0" indent="0" algn="l" defTabSz="457200" rtl="0" fontAlgn="auto" latinLnBrk="0" hangingPunct="0">
-              <a:lnSpc>
-                <a:spcPct val="100000"/>
-              </a:lnSpc>
-              <a:spcBef>
-                <a:spcPts val="0"/>
-              </a:spcBef>
-              <a:spcAft>
-                <a:spcPts val="0"/>
-              </a:spcAft>
-              <a:buClrTx/>
-              <a:buSzTx/>
-              <a:buFontTx/>
-              <a:buNone/>
-              <a:tabLst/>
-            </a:pPr>
-            <a:endParaRPr lang="nl-NL">
-              <a:ln>
-                <a:solidFill>
-                  <a:schemeClr val="tx1"/>
-                </a:solidFill>
-              </a:ln>
-            </a:endParaRPr>
-          </a:p>
-          <a:p>
-            <a:pPr marL="0" marR="0" indent="0" algn="l" defTabSz="457200" rtl="0" fontAlgn="auto" latinLnBrk="0" hangingPunct="0">
-              <a:lnSpc>
-                <a:spcPct val="100000"/>
-              </a:lnSpc>
-              <a:spcBef>
-                <a:spcPts val="0"/>
-              </a:spcBef>
-              <a:spcAft>
-                <a:spcPts val="0"/>
-              </a:spcAft>
-              <a:buClrTx/>
-              <a:buSzTx/>
-              <a:buFontTx/>
-              <a:buNone/>
-              <a:tabLst/>
-            </a:pPr>
-            <a:endParaRPr kumimoji="0" lang="nl-NL" sz="1800" b="0" i="0" u="none" strike="noStrike" cap="none" spc="0" normalizeH="0" baseline="0">
-              <a:ln>
-                <a:solidFill>
-                  <a:schemeClr val="tx1"/>
-                </a:solidFill>
-              </a:ln>
-              <a:solidFill>
-                <a:srgbClr val="000000"/>
-              </a:solidFill>
-              <a:effectLst/>
-              <a:uFillTx/>
-              <a:latin typeface="+mn-lt"/>
-              <a:ea typeface="+mn-ea"/>
-              <a:cs typeface="+mn-cs"/>
-              <a:sym typeface="Aptos"/>
-            </a:endParaRPr>
-          </a:p>
-          <a:p>
-            <a:pPr marL="0" marR="0" indent="0" algn="l" defTabSz="457200" rtl="0" fontAlgn="auto" latinLnBrk="0" hangingPunct="0">
-              <a:lnSpc>
-                <a:spcPct val="100000"/>
-              </a:lnSpc>
-              <a:spcBef>
-                <a:spcPts val="0"/>
-              </a:spcBef>
-              <a:spcAft>
-                <a:spcPts val="0"/>
-              </a:spcAft>
-              <a:buClrTx/>
-              <a:buSzTx/>
-              <a:buFontTx/>
-              <a:buNone/>
-              <a:tabLst/>
-            </a:pPr>
-            <a:endParaRPr lang="nl-NL">
-              <a:ln>
-                <a:solidFill>
-                  <a:schemeClr val="tx1"/>
-                </a:solidFill>
-              </a:ln>
-            </a:endParaRPr>
-          </a:p>
-          <a:p>
-            <a:pPr marL="0" marR="0" indent="0" algn="l" defTabSz="457200" rtl="0" fontAlgn="auto" latinLnBrk="0" hangingPunct="0">
-              <a:lnSpc>
-                <a:spcPct val="100000"/>
-              </a:lnSpc>
-              <a:spcBef>
-                <a:spcPts val="0"/>
-              </a:spcBef>
-              <a:spcAft>
-                <a:spcPts val="0"/>
-              </a:spcAft>
-              <a:buClrTx/>
-              <a:buSzTx/>
-              <a:buFontTx/>
-              <a:buNone/>
-              <a:tabLst/>
-            </a:pPr>
-            <a:endParaRPr kumimoji="0" lang="LID4096" sz="1800" b="0" i="0" u="none" strike="noStrike" cap="none" spc="0" normalizeH="0" baseline="0">
-              <a:ln>
-                <a:solidFill>
-                  <a:schemeClr val="tx1"/>
-                </a:solidFill>
-              </a:ln>
-              <a:solidFill>
-                <a:srgbClr val="000000"/>
-              </a:solidFill>
-              <a:effectLst/>
-              <a:uFillTx/>
-              <a:latin typeface="+mn-lt"/>
-              <a:ea typeface="+mn-ea"/>
-              <a:cs typeface="+mn-cs"/>
-              <a:sym typeface="Aptos"/>
-            </a:endParaRPr>
-          </a:p>
-        </p:txBody>
-      </p:sp>
-      <p:sp>
-        <p:nvSpPr>
-          <p:cNvPr id="70" name="Rectangle 69">
-            <a:extLst>
-              <a:ext uri="{FF2B5EF4-FFF2-40B4-BE49-F238E27FC236}">
-                <a16:creationId xmlns:a16="http://schemas.microsoft.com/office/drawing/2014/main" id="{7C7BF0CA-D5F1-53A1-722C-FA69B409CC16}"/>
-              </a:ext>
-            </a:extLst>
-          </p:cNvPr>
-          <p:cNvSpPr/>
-          <p:nvPr/>
-        </p:nvSpPr>
-        <p:spPr>
-          <a:xfrm>
-            <a:off x="3866840" y="7896840"/>
-            <a:ext cx="3366347" cy="1600200"/>
-          </a:xfrm>
-          <a:prstGeom prst="rect">
-            <a:avLst/>
-          </a:prstGeom>
-          <a:noFill/>
-          <a:ln>
-            <a:solidFill>
-              <a:schemeClr val="tx2">
-                <a:lumMod val="50000"/>
-              </a:schemeClr>
-            </a:solidFill>
-          </a:ln>
-          <a:effectLst>
-            <a:glow rad="63500">
-              <a:schemeClr val="tx2">
-                <a:lumMod val="50000"/>
-                <a:alpha val="40000"/>
-              </a:schemeClr>
-            </a:glow>
-            <a:outerShdw blurRad="152400" dist="317500" dir="5400000" sx="90000" sy="-19000" rotWithShape="0">
-              <a:prstClr val="black">
-                <a:alpha val="15000"/>
-              </a:prstClr>
-            </a:outerShdw>
-          </a:effectLst>
-        </p:spPr>
-        <p:style>
-          <a:lnRef idx="2">
-            <a:schemeClr val="dk1"/>
-          </a:lnRef>
-          <a:fillRef idx="1">
-            <a:schemeClr val="lt1"/>
-          </a:fillRef>
-          <a:effectRef idx="0">
-            <a:schemeClr val="dk1"/>
-          </a:effectRef>
-          <a:fontRef idx="minor">
-            <a:schemeClr val="dk1"/>
-          </a:fontRef>
-        </p:style>
-        <p:txBody>
-          <a:bodyPr rot="0" spcFirstLastPara="1" vertOverflow="overflow" horzOverflow="overflow" vert="horz" wrap="square" lIns="45719" tIns="45719" rIns="45719" bIns="45719" numCol="1" spcCol="38100" rtlCol="0" anchor="ctr">
-            <a:spAutoFit/>
-          </a:bodyPr>
-          <a:lstStyle/>
           <a:p>
             <a:pPr marL="0" marR="0" indent="0" algn="l" defTabSz="457200" rtl="0" fontAlgn="auto" latinLnBrk="0" hangingPunct="0">
               <a:lnSpc>

--- a/template_opp_analysis.pptx
+++ b/template_opp_analysis.pptx
@@ -4779,6 +4779,9 @@
               </a:pathLst>
             </a:custGeom>
             <a:grpFill/>
+            <a:ln>
+              <a:noFill/>
+            </a:ln>
           </p:spPr>
           <p:style>
             <a:lnRef idx="2">
@@ -4823,6 +4826,9 @@
               <a:avLst/>
             </a:prstGeom>
             <a:grpFill/>
+            <a:ln>
+              <a:noFill/>
+            </a:ln>
           </p:spPr>
           <p:style>
             <a:lnRef idx="2">

--- a/template_opp_analysis.pptx
+++ b/template_opp_analysis.pptx
@@ -3219,7 +3219,7 @@
                 <a:cs typeface="Canva Sans"/>
                 <a:sym typeface="Canva Sans"/>
               </a:rPr>
-              <a:t>Att. Corners Left ({nlc}corners)</a:t>
+              <a:t>Att. Corners Left ({nlc} corners)</a:t>
             </a:r>
           </a:p>
           <a:p>

--- a/template_opp_analysis.pptx
+++ b/template_opp_analysis.pptx
@@ -4618,7 +4618,7 @@
         </p:nvSpPr>
         <p:spPr>
           <a:xfrm>
-            <a:off x="6359308" y="175952"/>
+            <a:off x="6517822" y="137399"/>
             <a:ext cx="719230" cy="646329"/>
           </a:xfrm>
           <a:prstGeom prst="rect">
@@ -7960,116 +7960,6 @@
           </a:p>
         </p:txBody>
       </p:sp>
-      <p:sp>
-        <p:nvSpPr>
-          <p:cNvPr id="58" name="Rectangle 57">
-            <a:extLst>
-              <a:ext uri="{FF2B5EF4-FFF2-40B4-BE49-F238E27FC236}">
-                <a16:creationId xmlns:a16="http://schemas.microsoft.com/office/drawing/2014/main" id="{3CC63FFE-E2D3-3E98-DFBC-A7F02DD39AEC}"/>
-              </a:ext>
-            </a:extLst>
-          </p:cNvPr>
-          <p:cNvSpPr/>
-          <p:nvPr/>
-        </p:nvSpPr>
-        <p:spPr>
-          <a:xfrm>
-            <a:off x="6359308" y="175952"/>
-            <a:ext cx="719230" cy="646329"/>
-          </a:xfrm>
-          <a:prstGeom prst="rect">
-            <a:avLst/>
-          </a:prstGeom>
-          <a:noFill/>
-          <a:ln>
-            <a:solidFill>
-              <a:schemeClr val="tx2">
-                <a:lumMod val="50000"/>
-              </a:schemeClr>
-            </a:solidFill>
-          </a:ln>
-          <a:effectLst>
-            <a:glow rad="63500">
-              <a:schemeClr val="tx2">
-                <a:lumMod val="50000"/>
-                <a:alpha val="40000"/>
-              </a:schemeClr>
-            </a:glow>
-            <a:outerShdw blurRad="152400" dist="317500" dir="5400000" sx="90000" sy="-19000" rotWithShape="0">
-              <a:prstClr val="black">
-                <a:alpha val="15000"/>
-              </a:prstClr>
-            </a:outerShdw>
-          </a:effectLst>
-        </p:spPr>
-        <p:style>
-          <a:lnRef idx="2">
-            <a:schemeClr val="dk1"/>
-          </a:lnRef>
-          <a:fillRef idx="1">
-            <a:schemeClr val="lt1"/>
-          </a:fillRef>
-          <a:effectRef idx="0">
-            <a:schemeClr val="dk1"/>
-          </a:effectRef>
-          <a:fontRef idx="minor">
-            <a:schemeClr val="dk1"/>
-          </a:fontRef>
-        </p:style>
-        <p:txBody>
-          <a:bodyPr rot="0" spcFirstLastPara="1" vertOverflow="overflow" horzOverflow="overflow" vert="horz" wrap="square" lIns="45719" tIns="45719" rIns="45719" bIns="45719" numCol="1" spcCol="38100" rtlCol="0" anchor="ctr">
-            <a:spAutoFit/>
-          </a:bodyPr>
-          <a:lstStyle/>
-          <a:p>
-            <a:pPr marL="0" marR="0" indent="0" algn="l" defTabSz="457200" rtl="0" fontAlgn="auto" latinLnBrk="0" hangingPunct="0">
-              <a:lnSpc>
-                <a:spcPct val="100000"/>
-              </a:lnSpc>
-              <a:spcBef>
-                <a:spcPts val="0"/>
-              </a:spcBef>
-              <a:spcAft>
-                <a:spcPts val="0"/>
-              </a:spcAft>
-              <a:buClrTx/>
-              <a:buSzTx/>
-              <a:buFontTx/>
-              <a:buNone/>
-              <a:tabLst/>
-            </a:pPr>
-            <a:r>
-              <a:rPr kumimoji="0" lang="nl-NL" sz="1800" b="0" i="0" u="none" strike="noStrike" cap="none" spc="0" normalizeH="0" baseline="0">
-                <a:ln>
-                  <a:solidFill>
-                    <a:schemeClr val="tx1"/>
-                  </a:solidFill>
-                </a:ln>
-                <a:solidFill>
-                  <a:schemeClr val="bg1"/>
-                </a:solidFill>
-                <a:effectLst/>
-                <a:uFillTx/>
-                <a:latin typeface="+mn-lt"/>
-                <a:ea typeface="+mn-ea"/>
-                <a:cs typeface="+mn-cs"/>
-                <a:sym typeface="Aptos"/>
-              </a:rPr>
-              <a:t>{LOGO}</a:t>
-            </a:r>
-            <a:endParaRPr lang="nl-NL">
-              <a:ln>
-                <a:solidFill>
-                  <a:schemeClr val="tx1"/>
-                </a:solidFill>
-              </a:ln>
-              <a:solidFill>
-                <a:schemeClr val="bg1"/>
-              </a:solidFill>
-            </a:endParaRPr>
-          </a:p>
-        </p:txBody>
-      </p:sp>
       <p:graphicFrame>
         <p:nvGraphicFramePr>
           <p:cNvPr id="59" name="PH_takers_left"/>
@@ -9517,6 +9407,116 @@
               </a:rPr>
               <a:t>CORNER TAKERS (LEFT)</a:t>
             </a:r>
+          </a:p>
+        </p:txBody>
+      </p:sp>
+      <p:sp>
+        <p:nvSpPr>
+          <p:cNvPr id="63" name="Rectangle 62">
+            <a:extLst>
+              <a:ext uri="{FF2B5EF4-FFF2-40B4-BE49-F238E27FC236}">
+                <a16:creationId xmlns:a16="http://schemas.microsoft.com/office/drawing/2014/main" id="{98875DF3-0810-CC22-723A-A0599E5B2634}"/>
+              </a:ext>
+            </a:extLst>
+          </p:cNvPr>
+          <p:cNvSpPr/>
+          <p:nvPr/>
+        </p:nvSpPr>
+        <p:spPr>
+          <a:xfrm>
+            <a:off x="6517822" y="137399"/>
+            <a:ext cx="719230" cy="646329"/>
+          </a:xfrm>
+          <a:prstGeom prst="rect">
+            <a:avLst/>
+          </a:prstGeom>
+          <a:noFill/>
+          <a:ln>
+            <a:solidFill>
+              <a:schemeClr val="tx2">
+                <a:lumMod val="50000"/>
+              </a:schemeClr>
+            </a:solidFill>
+          </a:ln>
+          <a:effectLst>
+            <a:glow rad="63500">
+              <a:schemeClr val="tx2">
+                <a:lumMod val="50000"/>
+                <a:alpha val="40000"/>
+              </a:schemeClr>
+            </a:glow>
+            <a:outerShdw blurRad="152400" dist="317500" dir="5400000" sx="90000" sy="-19000" rotWithShape="0">
+              <a:prstClr val="black">
+                <a:alpha val="15000"/>
+              </a:prstClr>
+            </a:outerShdw>
+          </a:effectLst>
+        </p:spPr>
+        <p:style>
+          <a:lnRef idx="2">
+            <a:schemeClr val="dk1"/>
+          </a:lnRef>
+          <a:fillRef idx="1">
+            <a:schemeClr val="lt1"/>
+          </a:fillRef>
+          <a:effectRef idx="0">
+            <a:schemeClr val="dk1"/>
+          </a:effectRef>
+          <a:fontRef idx="minor">
+            <a:schemeClr val="dk1"/>
+          </a:fontRef>
+        </p:style>
+        <p:txBody>
+          <a:bodyPr rot="0" spcFirstLastPara="1" vertOverflow="overflow" horzOverflow="overflow" vert="horz" wrap="square" lIns="45719" tIns="45719" rIns="45719" bIns="45719" numCol="1" spcCol="38100" rtlCol="0" anchor="ctr">
+            <a:spAutoFit/>
+          </a:bodyPr>
+          <a:lstStyle/>
+          <a:p>
+            <a:pPr marL="0" marR="0" indent="0" algn="l" defTabSz="457200" rtl="0" fontAlgn="auto" latinLnBrk="0" hangingPunct="0">
+              <a:lnSpc>
+                <a:spcPct val="100000"/>
+              </a:lnSpc>
+              <a:spcBef>
+                <a:spcPts val="0"/>
+              </a:spcBef>
+              <a:spcAft>
+                <a:spcPts val="0"/>
+              </a:spcAft>
+              <a:buClrTx/>
+              <a:buSzTx/>
+              <a:buFontTx/>
+              <a:buNone/>
+              <a:tabLst/>
+            </a:pPr>
+            <a:r>
+              <a:rPr kumimoji="0" lang="nl-NL" sz="1800" b="0" i="0" u="none" strike="noStrike" cap="none" spc="0" normalizeH="0" baseline="0">
+                <a:ln>
+                  <a:solidFill>
+                    <a:schemeClr val="tx1"/>
+                  </a:solidFill>
+                </a:ln>
+                <a:solidFill>
+                  <a:schemeClr val="bg1"/>
+                </a:solidFill>
+                <a:effectLst/>
+                <a:uFillTx/>
+                <a:latin typeface="+mn-lt"/>
+                <a:ea typeface="+mn-ea"/>
+                <a:cs typeface="+mn-cs"/>
+                <a:sym typeface="Aptos"/>
+              </a:rPr>
+              <a:t>{LOGO}</a:t>
+            </a:r>
+            <a:endParaRPr lang="nl-NL">
+              <a:ln>
+                <a:solidFill>
+                  <a:schemeClr val="tx1"/>
+                </a:solidFill>
+              </a:ln>
+              <a:solidFill>
+                <a:schemeClr val="bg1"/>
+              </a:solidFill>
+            </a:endParaRPr>
           </a:p>
         </p:txBody>
       </p:sp>

--- a/template_opp_analysis.pptx
+++ b/template_opp_analysis.pptx
@@ -318,7 +318,7 @@
             <a:fld id="{1D8BD707-D9CF-40AE-B4C6-C98DA3205C09}" type="datetimeFigureOut">
               <a:rPr lang="en-US" smtClean="0"/>
               <a:pPr/>
-              <a:t>24-Feb-26</a:t>
+              <a:t>27-Feb-26</a:t>
             </a:fld>
             <a:endParaRPr lang="en-US"/>
           </a:p>
@@ -483,7 +483,7 @@
             <a:fld id="{1D8BD707-D9CF-40AE-B4C6-C98DA3205C09}" type="datetimeFigureOut">
               <a:rPr lang="en-US" smtClean="0"/>
               <a:pPr/>
-              <a:t>24-Feb-26</a:t>
+              <a:t>27-Feb-26</a:t>
             </a:fld>
             <a:endParaRPr lang="en-US"/>
           </a:p>
@@ -658,7 +658,7 @@
             <a:fld id="{1D8BD707-D9CF-40AE-B4C6-C98DA3205C09}" type="datetimeFigureOut">
               <a:rPr lang="en-US" smtClean="0"/>
               <a:pPr/>
-              <a:t>24-Feb-26</a:t>
+              <a:t>27-Feb-26</a:t>
             </a:fld>
             <a:endParaRPr lang="en-US"/>
           </a:p>
@@ -823,7 +823,7 @@
             <a:fld id="{1D8BD707-D9CF-40AE-B4C6-C98DA3205C09}" type="datetimeFigureOut">
               <a:rPr lang="en-US" smtClean="0"/>
               <a:pPr/>
-              <a:t>24-Feb-26</a:t>
+              <a:t>27-Feb-26</a:t>
             </a:fld>
             <a:endParaRPr lang="en-US"/>
           </a:p>
@@ -1065,7 +1065,7 @@
             <a:fld id="{1D8BD707-D9CF-40AE-B4C6-C98DA3205C09}" type="datetimeFigureOut">
               <a:rPr lang="en-US" smtClean="0"/>
               <a:pPr/>
-              <a:t>24-Feb-26</a:t>
+              <a:t>27-Feb-26</a:t>
             </a:fld>
             <a:endParaRPr lang="en-US"/>
           </a:p>
@@ -1347,7 +1347,7 @@
             <a:fld id="{1D8BD707-D9CF-40AE-B4C6-C98DA3205C09}" type="datetimeFigureOut">
               <a:rPr lang="en-US" smtClean="0"/>
               <a:pPr/>
-              <a:t>24-Feb-26</a:t>
+              <a:t>27-Feb-26</a:t>
             </a:fld>
             <a:endParaRPr lang="en-US"/>
           </a:p>
@@ -1763,7 +1763,7 @@
             <a:fld id="{1D8BD707-D9CF-40AE-B4C6-C98DA3205C09}" type="datetimeFigureOut">
               <a:rPr lang="en-US" smtClean="0"/>
               <a:pPr/>
-              <a:t>24-Feb-26</a:t>
+              <a:t>27-Feb-26</a:t>
             </a:fld>
             <a:endParaRPr lang="en-US"/>
           </a:p>
@@ -1877,7 +1877,7 @@
             <a:fld id="{1D8BD707-D9CF-40AE-B4C6-C98DA3205C09}" type="datetimeFigureOut">
               <a:rPr lang="en-US" smtClean="0"/>
               <a:pPr/>
-              <a:t>24-Feb-26</a:t>
+              <a:t>27-Feb-26</a:t>
             </a:fld>
             <a:endParaRPr lang="en-US"/>
           </a:p>
@@ -1969,7 +1969,7 @@
             <a:fld id="{1D8BD707-D9CF-40AE-B4C6-C98DA3205C09}" type="datetimeFigureOut">
               <a:rPr lang="en-US" smtClean="0"/>
               <a:pPr/>
-              <a:t>24-Feb-26</a:t>
+              <a:t>27-Feb-26</a:t>
             </a:fld>
             <a:endParaRPr lang="en-US"/>
           </a:p>
@@ -2241,7 +2241,7 @@
             <a:fld id="{1D8BD707-D9CF-40AE-B4C6-C98DA3205C09}" type="datetimeFigureOut">
               <a:rPr lang="en-US" smtClean="0"/>
               <a:pPr/>
-              <a:t>24-Feb-26</a:t>
+              <a:t>27-Feb-26</a:t>
             </a:fld>
             <a:endParaRPr lang="en-US"/>
           </a:p>
@@ -2490,7 +2490,7 @@
             <a:fld id="{1D8BD707-D9CF-40AE-B4C6-C98DA3205C09}" type="datetimeFigureOut">
               <a:rPr lang="en-US" smtClean="0"/>
               <a:pPr/>
-              <a:t>24-Feb-26</a:t>
+              <a:t>27-Feb-26</a:t>
             </a:fld>
             <a:endParaRPr lang="en-US"/>
           </a:p>
@@ -2698,7 +2698,7 @@
             <a:fld id="{1D8BD707-D9CF-40AE-B4C6-C98DA3205C09}" type="datetimeFigureOut">
               <a:rPr lang="en-US" smtClean="0"/>
               <a:pPr/>
-              <a:t>24-Feb-26</a:t>
+              <a:t>27-Feb-26</a:t>
             </a:fld>
             <a:endParaRPr lang="en-US"/>
           </a:p>
@@ -5729,14 +5729,14 @@
           <p:nvPr>
             <p:extLst>
               <p:ext uri="{D42A27DB-BD31-4B8C-83A1-F6EECF244321}">
-                <p14:modId xmlns:p14="http://schemas.microsoft.com/office/powerpoint/2010/main" val="3182646294"/>
+                <p14:modId xmlns:p14="http://schemas.microsoft.com/office/powerpoint/2010/main" val="3018857057"/>
               </p:ext>
             </p:extLst>
           </p:nvPr>
         </p:nvGraphicFramePr>
         <p:xfrm>
-          <a:off x="490432" y="4542083"/>
-          <a:ext cx="6575635" cy="2174675"/>
+          <a:off x="490432" y="4626041"/>
+          <a:ext cx="6575635" cy="1958775"/>
         </p:xfrm>
         <a:graphic>
           <a:graphicData uri="http://schemas.openxmlformats.org/drawingml/2006/table">
@@ -5937,7 +5937,7 @@
                           <a:cs typeface="Canva Sans Bold"/>
                           <a:sym typeface="Canva Sans Bold"/>
                         </a:rPr>
-                        <a:t>Cross Succ. %</a:t>
+                        <a:t>Cross Succ. </a:t>
                       </a:r>
                       <a:endParaRPr lang="en-US" sz="1100"/>
                     </a:p>
@@ -7324,7 +7324,7 @@
       </p:sp>
       <p:sp>
         <p:nvSpPr>
-          <p:cNvPr id="41" name="Rectangle 40">
+          <p:cNvPr id="41" name="PH_def_c_headers">
             <a:extLst>
               <a:ext uri="{FF2B5EF4-FFF2-40B4-BE49-F238E27FC236}">
                 <a16:creationId xmlns:a16="http://schemas.microsoft.com/office/drawing/2014/main" id="{4C1D049D-DD3A-11AD-0C55-ED2CF94DABA8}"/>
@@ -7584,7 +7584,7 @@
       </p:sp>
       <p:sp>
         <p:nvSpPr>
-          <p:cNvPr id="43" name="Rectangle 42">
+          <p:cNvPr id="43" name="PH_att_c_headers">
             <a:extLst>
               <a:ext uri="{FF2B5EF4-FFF2-40B4-BE49-F238E27FC236}">
                 <a16:creationId xmlns:a16="http://schemas.microsoft.com/office/drawing/2014/main" id="{6C3C3B89-9935-1CA0-42FB-DD11839A7A86}"/>
@@ -7924,7 +7924,7 @@
         </p:nvSpPr>
         <p:spPr>
           <a:xfrm>
-            <a:off x="1612169" y="4005931"/>
+            <a:off x="1612169" y="4077922"/>
             <a:ext cx="4332162" cy="322589"/>
           </a:xfrm>
           <a:prstGeom prst="rect">

--- a/template_opp_analysis.pptx
+++ b/template_opp_analysis.pptx
@@ -4879,7 +4879,7 @@
         <p:spPr>
           <a:xfrm>
             <a:off x="382629" y="7231716"/>
-            <a:ext cx="3367368" cy="1075294"/>
+            <a:ext cx="3367368" cy="1152239"/>
           </a:xfrm>
           <a:prstGeom prst="rect">
             <a:avLst/>
@@ -4893,45 +4893,22 @@
           <a:p>
             <a:pPr algn="ctr">
               <a:lnSpc>
-                <a:spcPts val="1679"/>
+                <a:spcPts val="1959"/>
               </a:lnSpc>
               <a:spcBef>
                 <a:spcPct val="0"/>
               </a:spcBef>
             </a:pPr>
             <a:r>
-              <a:rPr lang="en-US" sz="1200" b="1" spc="-6">
+              <a:rPr lang="en-US" sz="1399">
                 <a:solidFill>
                   <a:srgbClr val="000000"/>
                 </a:solidFill>
-                <a:latin typeface="Canva Sans Bold"/>
-                <a:ea typeface="Canva Sans Bold"/>
-                <a:cs typeface="Canva Sans Bold"/>
+                <a:latin typeface="Canva Sans"/>
                 <a:sym typeface="Canva Sans Bold"/>
               </a:rPr>
-              <a:t>Def. Corners Left: how many crosses turned into a shot?</a:t>
+              <a:t>Def. Corners Left: how many crosses turned into a shot? </a:t>
             </a:r>
-            <a:r>
-              <a:rPr lang="en-US" sz="1200" b="1">
-                <a:solidFill>
-                  <a:srgbClr val="000000"/>
-                </a:solidFill>
-                <a:latin typeface="Canva Sans Bold"/>
-                <a:ea typeface="Canva Sans Bold"/>
-                <a:cs typeface="Canva Sans Bold"/>
-                <a:sym typeface="Canva Sans Bold"/>
-              </a:rPr>
-              <a:t> </a:t>
-            </a:r>
-            <a:endParaRPr lang="en-US" sz="1200" b="1" spc="-6">
-              <a:solidFill>
-                <a:srgbClr val="000000"/>
-              </a:solidFill>
-              <a:latin typeface="Canva Sans Bold"/>
-              <a:ea typeface="Canva Sans Bold"/>
-              <a:cs typeface="Canva Sans Bold"/>
-              <a:sym typeface="Canva Sans Bold"/>
-            </a:endParaRPr>
           </a:p>
           <a:p>
             <a:pPr algn="ctr">
@@ -5001,7 +4978,7 @@
         <p:spPr>
           <a:xfrm>
             <a:off x="3894204" y="7231716"/>
-            <a:ext cx="3342848" cy="617220"/>
+            <a:ext cx="3342848" cy="716222"/>
           </a:xfrm>
           <a:prstGeom prst="rect">
             <a:avLst/>
@@ -5015,20 +4992,18 @@
           <a:p>
             <a:pPr algn="ctr">
               <a:lnSpc>
-                <a:spcPts val="1679"/>
+                <a:spcPts val="1959"/>
               </a:lnSpc>
               <a:spcBef>
                 <a:spcPct val="0"/>
               </a:spcBef>
             </a:pPr>
             <a:r>
-              <a:rPr lang="en-US" sz="1200" b="1">
+              <a:rPr lang="en-US" sz="1399">
                 <a:solidFill>
                   <a:srgbClr val="000000"/>
                 </a:solidFill>
-                <a:latin typeface="Canva Sans Bold"/>
-                <a:ea typeface="Canva Sans Bold"/>
-                <a:cs typeface="Canva Sans Bold"/>
+                <a:latin typeface="Canva Sans"/>
                 <a:sym typeface="Canva Sans Bold"/>
               </a:rPr>
               <a:t>Def. Corners Right: how many crosses turned into a shot?</a:t>
@@ -7134,8 +7109,8 @@
         </p:nvSpPr>
         <p:spPr>
           <a:xfrm>
-            <a:off x="29859" y="7121469"/>
-            <a:ext cx="4072745" cy="203261"/>
+            <a:off x="121691" y="7003214"/>
+            <a:ext cx="3889077" cy="427874"/>
           </a:xfrm>
           <a:prstGeom prst="rect">
             <a:avLst/>
@@ -7156,16 +7131,33 @@
               </a:spcBef>
             </a:pPr>
             <a:r>
-              <a:rPr lang="en-US" sz="1200" b="1">
+              <a:rPr lang="en-US" sz="1399">
                 <a:solidFill>
                   <a:srgbClr val="000000"/>
                 </a:solidFill>
-                <a:latin typeface="Canva Sans Bold"/>
-                <a:ea typeface="Canva Sans Bold"/>
-                <a:cs typeface="Canva Sans Bold"/>
+                <a:latin typeface="Canva Sans"/>
                 <a:sym typeface="Canva Sans Bold"/>
               </a:rPr>
-              <a:t>Attacking corners: Headers &amp; Header goals</a:t>
+              <a:t>Attacking corners: Headers &amp; Header</a:t>
+            </a:r>
+            <a:br>
+              <a:rPr lang="en-US" sz="1399">
+                <a:solidFill>
+                  <a:srgbClr val="000000"/>
+                </a:solidFill>
+                <a:latin typeface="Canva Sans"/>
+                <a:sym typeface="Canva Sans Bold"/>
+              </a:rPr>
+            </a:br>
+            <a:r>
+              <a:rPr lang="en-US" sz="1399">
+                <a:solidFill>
+                  <a:srgbClr val="000000"/>
+                </a:solidFill>
+                <a:latin typeface="Canva Sans"/>
+                <a:sym typeface="Canva Sans Bold"/>
+              </a:rPr>
+              <a:t> goals</a:t>
             </a:r>
           </a:p>
         </p:txBody>
@@ -7178,8 +7170,8 @@
         </p:nvSpPr>
         <p:spPr>
           <a:xfrm>
-            <a:off x="3809851" y="7121469"/>
-            <a:ext cx="3602340" cy="203261"/>
+            <a:off x="3832469" y="7015891"/>
+            <a:ext cx="3602340" cy="427874"/>
           </a:xfrm>
           <a:prstGeom prst="rect">
             <a:avLst/>
@@ -7200,13 +7192,11 @@
               </a:spcBef>
             </a:pPr>
             <a:r>
-              <a:rPr lang="en-US" sz="1200" b="1">
+              <a:rPr lang="en-US" sz="1399">
                 <a:solidFill>
                   <a:srgbClr val="000000"/>
                 </a:solidFill>
-                <a:latin typeface="Canva Sans Bold"/>
-                <a:ea typeface="Canva Sans Bold"/>
-                <a:cs typeface="Canva Sans Bold"/>
+                <a:latin typeface="Canva Sans"/>
                 <a:sym typeface="Canva Sans Bold"/>
               </a:rPr>
               <a:t>Defending corners: Headers &amp; Header goals</a:t>

--- a/template_opp_analysis.pptx
+++ b/template_opp_analysis.pptx
@@ -3422,14 +3422,14 @@
         <p:spPr>
           <a:xfrm>
             <a:off x="469072" y="215615"/>
-            <a:ext cx="2633204" cy="540385"/>
+            <a:ext cx="4147378" cy="546688"/>
           </a:xfrm>
           <a:prstGeom prst="rect">
             <a:avLst/>
           </a:prstGeom>
         </p:spPr>
         <p:txBody>
-          <a:bodyPr lIns="0" tIns="0" rIns="0" bIns="0" rtlCol="0" anchor="t">
+          <a:bodyPr wrap="square" lIns="0" tIns="0" rIns="0" bIns="0" rtlCol="0" anchor="t">
             <a:spAutoFit/>
           </a:bodyPr>
           <a:lstStyle/>

--- a/template_opp_analysis.pptx
+++ b/template_opp_analysis.pptx
@@ -4618,8 +4618,8 @@
         </p:nvSpPr>
         <p:spPr>
           <a:xfrm>
-            <a:off x="6517822" y="137399"/>
-            <a:ext cx="719230" cy="646329"/>
+            <a:off x="6368198" y="99376"/>
+            <a:ext cx="719230" cy="722376"/>
           </a:xfrm>
           <a:prstGeom prst="rect">
             <a:avLst/>
@@ -9402,10 +9402,10 @@
       </p:sp>
       <p:sp>
         <p:nvSpPr>
-          <p:cNvPr id="63" name="Rectangle 62">
+          <p:cNvPr id="2" name="Rectangle 1">
             <a:extLst>
               <a:ext uri="{FF2B5EF4-FFF2-40B4-BE49-F238E27FC236}">
-                <a16:creationId xmlns:a16="http://schemas.microsoft.com/office/drawing/2014/main" id="{98875DF3-0810-CC22-723A-A0599E5B2634}"/>
+                <a16:creationId xmlns:a16="http://schemas.microsoft.com/office/drawing/2014/main" id="{A90DF330-E59F-ACC0-3C8F-204B4A5BA9FC}"/>
               </a:ext>
             </a:extLst>
           </p:cNvPr>
@@ -9414,8 +9414,8 @@
         </p:nvSpPr>
         <p:spPr>
           <a:xfrm>
-            <a:off x="6517822" y="137399"/>
-            <a:ext cx="719230" cy="646329"/>
+            <a:off x="6368198" y="99376"/>
+            <a:ext cx="719230" cy="722376"/>
           </a:xfrm>
           <a:prstGeom prst="rect">
             <a:avLst/>
